--- a/docs/Graphical_Passwords.pptx
+++ b/docs/Graphical_Passwords.pptx
@@ -6,11 +6,14 @@
   </p:sldMasterIdLst>
   <p:sldIdLst>
     <p:sldId id="256" r:id="rId2"/>
-    <p:sldId id="257" r:id="rId3"/>
-    <p:sldId id="258" r:id="rId4"/>
-    <p:sldId id="259" r:id="rId5"/>
-    <p:sldId id="260" r:id="rId6"/>
-    <p:sldId id="261" r:id="rId7"/>
+    <p:sldId id="262" r:id="rId3"/>
+    <p:sldId id="257" r:id="rId4"/>
+    <p:sldId id="258" r:id="rId5"/>
+    <p:sldId id="261" r:id="rId6"/>
+    <p:sldId id="260" r:id="rId7"/>
+    <p:sldId id="259" r:id="rId8"/>
+    <p:sldId id="263" r:id="rId9"/>
+    <p:sldId id="264" r:id="rId10"/>
   </p:sldIdLst>
   <p:sldSz cx="12192000" cy="6858000"/>
   <p:notesSz cx="6858000" cy="9144000"/>
@@ -1783,7 +1786,7 @@
           <a:p>
             <a:fld id="{8F72BA41-EC5B-4197-BCC8-0FD2E523CD7A}" type="datetimeFigureOut">
               <a:rPr lang="en-US" smtClean="0"/>
-              <a:t>3/5/2023</a:t>
+              <a:t>3/7/23</a:t>
             </a:fld>
             <a:endParaRPr lang="en-US"/>
           </a:p>
@@ -1986,7 +1989,7 @@
           <a:p>
             <a:fld id="{8F72BA41-EC5B-4197-BCC8-0FD2E523CD7A}" type="datetimeFigureOut">
               <a:rPr lang="en-US" smtClean="0"/>
-              <a:t>3/5/2023</a:t>
+              <a:t>3/7/23</a:t>
             </a:fld>
             <a:endParaRPr lang="en-US"/>
           </a:p>
@@ -3707,7 +3710,7 @@
           <a:p>
             <a:fld id="{8F72BA41-EC5B-4197-BCC8-0FD2E523CD7A}" type="datetimeFigureOut">
               <a:rPr lang="en-US" smtClean="0"/>
-              <a:t>3/5/2023</a:t>
+              <a:t>3/7/23</a:t>
             </a:fld>
             <a:endParaRPr lang="en-US"/>
           </a:p>
@@ -3906,7 +3909,7 @@
           <a:p>
             <a:fld id="{8F72BA41-EC5B-4197-BCC8-0FD2E523CD7A}" type="datetimeFigureOut">
               <a:rPr lang="en-US" smtClean="0"/>
-              <a:t>3/5/2023</a:t>
+              <a:t>3/7/23</a:t>
             </a:fld>
             <a:endParaRPr lang="en-US"/>
           </a:p>
@@ -5696,7 +5699,7 @@
           <a:p>
             <a:fld id="{8F72BA41-EC5B-4197-BCC8-0FD2E523CD7A}" type="datetimeFigureOut">
               <a:rPr lang="en-US" smtClean="0"/>
-              <a:t>3/5/2023</a:t>
+              <a:t>3/7/23</a:t>
             </a:fld>
             <a:endParaRPr lang="en-US"/>
           </a:p>
@@ -5969,7 +5972,7 @@
           <a:p>
             <a:fld id="{8F72BA41-EC5B-4197-BCC8-0FD2E523CD7A}" type="datetimeFigureOut">
               <a:rPr lang="en-US" smtClean="0"/>
-              <a:t>3/5/2023</a:t>
+              <a:t>3/7/23</a:t>
             </a:fld>
             <a:endParaRPr lang="en-US"/>
           </a:p>
@@ -6389,7 +6392,7 @@
           <a:p>
             <a:fld id="{8F72BA41-EC5B-4197-BCC8-0FD2E523CD7A}" type="datetimeFigureOut">
               <a:rPr lang="en-US" smtClean="0"/>
-              <a:t>3/5/2023</a:t>
+              <a:t>3/7/23</a:t>
             </a:fld>
             <a:endParaRPr lang="en-US"/>
           </a:p>
@@ -6545,7 +6548,7 @@
           <a:p>
             <a:fld id="{8F72BA41-EC5B-4197-BCC8-0FD2E523CD7A}" type="datetimeFigureOut">
               <a:rPr lang="en-US" smtClean="0"/>
-              <a:t>3/5/2023</a:t>
+              <a:t>3/7/23</a:t>
             </a:fld>
             <a:endParaRPr lang="en-US"/>
           </a:p>
@@ -8113,7 +8116,7 @@
           <a:p>
             <a:fld id="{8F72BA41-EC5B-4197-BCC8-0FD2E523CD7A}" type="datetimeFigureOut">
               <a:rPr lang="en-US" smtClean="0"/>
-              <a:t>3/5/2023</a:t>
+              <a:t>3/7/23</a:t>
             </a:fld>
             <a:endParaRPr lang="en-US"/>
           </a:p>
@@ -9964,7 +9967,7 @@
           <a:p>
             <a:fld id="{8F72BA41-EC5B-4197-BCC8-0FD2E523CD7A}" type="datetimeFigureOut">
               <a:rPr lang="en-US" smtClean="0"/>
-              <a:t>3/5/2023</a:t>
+              <a:t>3/7/23</a:t>
             </a:fld>
             <a:endParaRPr lang="en-US"/>
           </a:p>
@@ -11777,7 +11780,7 @@
           <a:p>
             <a:fld id="{8F72BA41-EC5B-4197-BCC8-0FD2E523CD7A}" type="datetimeFigureOut">
               <a:rPr lang="en-US" smtClean="0"/>
-              <a:t>3/5/2023</a:t>
+              <a:t>3/7/23</a:t>
             </a:fld>
             <a:endParaRPr lang="en-US"/>
           </a:p>
@@ -13471,7 +13474,7 @@
             <a:fld id="{8F72BA41-EC5B-4197-BCC8-0FD2E523CD7A}" type="datetimeFigureOut">
               <a:rPr lang="en-US" smtClean="0"/>
               <a:pPr/>
-              <a:t>3/5/2023</a:t>
+              <a:t>3/7/23</a:t>
             </a:fld>
             <a:endParaRPr lang="en-US" dirty="0"/>
           </a:p>
@@ -16159,6 +16162,143 @@
           <p:cNvPr id="2" name="Title 1">
             <a:extLst>
               <a:ext uri="{FF2B5EF4-FFF2-40B4-BE49-F238E27FC236}">
+                <a16:creationId xmlns:a16="http://schemas.microsoft.com/office/drawing/2014/main" id="{45599C23-208A-1E55-9A1F-6FB03AB74997}"/>
+              </a:ext>
+            </a:extLst>
+          </p:cNvPr>
+          <p:cNvSpPr>
+            <a:spLocks noGrp="1"/>
+          </p:cNvSpPr>
+          <p:nvPr>
+            <p:ph type="title"/>
+          </p:nvPr>
+        </p:nvSpPr>
+        <p:spPr/>
+        <p:txBody>
+          <a:bodyPr/>
+          <a:lstStyle/>
+          <a:p>
+            <a:r>
+              <a:rPr lang="en-US" b="1" dirty="0"/>
+              <a:t>What is graphical password?</a:t>
+            </a:r>
+          </a:p>
+        </p:txBody>
+      </p:sp>
+      <p:sp>
+        <p:nvSpPr>
+          <p:cNvPr id="3" name="Content Placeholder 2">
+            <a:extLst>
+              <a:ext uri="{FF2B5EF4-FFF2-40B4-BE49-F238E27FC236}">
+                <a16:creationId xmlns:a16="http://schemas.microsoft.com/office/drawing/2014/main" id="{78C43887-AE3C-72CE-FF23-E561A56397E0}"/>
+              </a:ext>
+            </a:extLst>
+          </p:cNvPr>
+          <p:cNvSpPr>
+            <a:spLocks noGrp="1"/>
+          </p:cNvSpPr>
+          <p:nvPr>
+            <p:ph idx="1"/>
+          </p:nvPr>
+        </p:nvSpPr>
+        <p:spPr/>
+        <p:txBody>
+          <a:bodyPr/>
+          <a:lstStyle/>
+          <a:p>
+            <a:r>
+              <a:rPr lang="en-US" b="1" i="0" dirty="0">
+                <a:solidFill>
+                  <a:srgbClr val="202124"/>
+                </a:solidFill>
+                <a:effectLst/>
+                <a:latin typeface="Roboto" panose="02000000000000000000" pitchFamily="2" charset="0"/>
+                <a:ea typeface="Roboto" panose="02000000000000000000" pitchFamily="2" charset="0"/>
+                <a:cs typeface="Roboto" panose="02000000000000000000" pitchFamily="2" charset="0"/>
+              </a:rPr>
+              <a:t>A graphical password is </a:t>
+            </a:r>
+            <a:r>
+              <a:rPr lang="en-US" b="1" i="0" dirty="0">
+                <a:solidFill>
+                  <a:srgbClr val="040C28"/>
+                </a:solidFill>
+                <a:effectLst/>
+                <a:latin typeface="Roboto" panose="02000000000000000000" pitchFamily="2" charset="0"/>
+                <a:ea typeface="Roboto" panose="02000000000000000000" pitchFamily="2" charset="0"/>
+                <a:cs typeface="Roboto" panose="02000000000000000000" pitchFamily="2" charset="0"/>
+              </a:rPr>
+              <a:t>a form of authentication using images rather than letters, digits, or special characters</a:t>
+            </a:r>
+            <a:r>
+              <a:rPr lang="en-US" b="1" i="0" dirty="0">
+                <a:solidFill>
+                  <a:srgbClr val="202124"/>
+                </a:solidFill>
+                <a:effectLst/>
+                <a:latin typeface="Roboto" panose="02000000000000000000" pitchFamily="2" charset="0"/>
+                <a:ea typeface="Roboto" panose="02000000000000000000" pitchFamily="2" charset="0"/>
+                <a:cs typeface="Roboto" panose="02000000000000000000" pitchFamily="2" charset="0"/>
+              </a:rPr>
+              <a:t>. </a:t>
+            </a:r>
+          </a:p>
+          <a:p>
+            <a:r>
+              <a:rPr lang="en-US" b="1" i="0" dirty="0">
+                <a:solidFill>
+                  <a:srgbClr val="202124"/>
+                </a:solidFill>
+                <a:effectLst/>
+                <a:latin typeface="Roboto" panose="02000000000000000000" pitchFamily="2" charset="0"/>
+                <a:ea typeface="Roboto" panose="02000000000000000000" pitchFamily="2" charset="0"/>
+                <a:cs typeface="Roboto" panose="02000000000000000000" pitchFamily="2" charset="0"/>
+              </a:rPr>
+              <a:t>The type of images used and the ways in which users interact with them vary between implementations.</a:t>
+            </a:r>
+            <a:endParaRPr lang="en-US" b="1" dirty="0">
+              <a:latin typeface="Roboto" panose="02000000000000000000" pitchFamily="2" charset="0"/>
+              <a:ea typeface="Roboto" panose="02000000000000000000" pitchFamily="2" charset="0"/>
+              <a:cs typeface="Roboto" panose="02000000000000000000" pitchFamily="2" charset="0"/>
+            </a:endParaRPr>
+          </a:p>
+        </p:txBody>
+      </p:sp>
+    </p:spTree>
+    <p:extLst>
+      <p:ext uri="{BB962C8B-B14F-4D97-AF65-F5344CB8AC3E}">
+        <p14:creationId xmlns:p14="http://schemas.microsoft.com/office/powerpoint/2010/main" val="1528912900"/>
+      </p:ext>
+    </p:extLst>
+  </p:cSld>
+  <p:clrMapOvr>
+    <a:masterClrMapping/>
+  </p:clrMapOvr>
+</p:sld>
+</file>
+
+<file path=ppt/slides/slide3.xml><?xml version="1.0" encoding="utf-8"?>
+<p:sld xmlns:a="http://schemas.openxmlformats.org/drawingml/2006/main" xmlns:r="http://schemas.openxmlformats.org/officeDocument/2006/relationships" xmlns:p="http://schemas.openxmlformats.org/presentationml/2006/main">
+  <p:cSld>
+    <p:spTree>
+      <p:nvGrpSpPr>
+        <p:cNvPr id="1" name=""/>
+        <p:cNvGrpSpPr/>
+        <p:nvPr/>
+      </p:nvGrpSpPr>
+      <p:grpSpPr>
+        <a:xfrm>
+          <a:off x="0" y="0"/>
+          <a:ext cx="0" cy="0"/>
+          <a:chOff x="0" y="0"/>
+          <a:chExt cx="0" cy="0"/>
+        </a:xfrm>
+      </p:grpSpPr>
+      <p:sp>
+        <p:nvSpPr>
+          <p:cNvPr id="2" name="Title 1">
+            <a:extLst>
+              <a:ext uri="{FF2B5EF4-FFF2-40B4-BE49-F238E27FC236}">
                 <a16:creationId xmlns:a16="http://schemas.microsoft.com/office/drawing/2014/main" id="{09A9994F-EAC6-5A2B-7C63-D67D77CB9B05}"/>
               </a:ext>
             </a:extLst>
@@ -16325,6 +16465,39 @@
             </a:r>
           </a:p>
           <a:p>
+            <a:r>
+              <a:rPr lang="en-US" b="1" i="0" dirty="0">
+                <a:solidFill>
+                  <a:srgbClr val="202124"/>
+                </a:solidFill>
+                <a:effectLst/>
+                <a:latin typeface="Roboto" panose="02000000000000000000" pitchFamily="2" charset="0"/>
+              </a:rPr>
+              <a:t>The human brain processes image 60,000 times faster than text</a:t>
+            </a:r>
+            <a:r>
+              <a:rPr lang="en-US" b="0" i="0" dirty="0">
+                <a:solidFill>
+                  <a:srgbClr val="202124"/>
+                </a:solidFill>
+                <a:effectLst/>
+                <a:latin typeface="Roboto" panose="02000000000000000000" pitchFamily="2" charset="0"/>
+              </a:rPr>
+              <a:t>.</a:t>
+            </a:r>
+          </a:p>
+          <a:p>
+            <a:endParaRPr lang="en-US" b="1" i="0" dirty="0">
+              <a:solidFill>
+                <a:srgbClr val="202124"/>
+              </a:solidFill>
+              <a:effectLst/>
+              <a:latin typeface="Roboto" panose="02000000000000000000" pitchFamily="2" charset="0"/>
+              <a:ea typeface="Roboto" panose="02000000000000000000" pitchFamily="2" charset="0"/>
+              <a:cs typeface="Roboto" panose="02000000000000000000" pitchFamily="2" charset="0"/>
+            </a:endParaRPr>
+          </a:p>
+          <a:p>
             <a:endParaRPr lang="en-US" b="1" dirty="0"/>
           </a:p>
         </p:txBody>
@@ -16342,7 +16515,7 @@
 </p:sld>
 </file>
 
-<file path=ppt/slides/slide3.xml><?xml version="1.0" encoding="utf-8"?>
+<file path=ppt/slides/slide4.xml><?xml version="1.0" encoding="utf-8"?>
 <p:sld xmlns:a="http://schemas.openxmlformats.org/drawingml/2006/main" xmlns:r="http://schemas.openxmlformats.org/officeDocument/2006/relationships" xmlns:p="http://schemas.openxmlformats.org/presentationml/2006/main">
   <p:cSld>
     <p:spTree>
@@ -16515,37 +16688,6 @@
             </a:r>
           </a:p>
           <a:p>
-            <a:r>
-              <a:rPr lang="en-US" b="1" i="0" dirty="0">
-                <a:solidFill>
-                  <a:srgbClr val="202124"/>
-                </a:solidFill>
-                <a:effectLst/>
-                <a:latin typeface="Roboto" panose="02000000000000000000" pitchFamily="2" charset="0"/>
-              </a:rPr>
-              <a:t>The human brain processes image 60,000 times faster than text</a:t>
-            </a:r>
-            <a:r>
-              <a:rPr lang="en-US" b="0" i="0" dirty="0">
-                <a:solidFill>
-                  <a:srgbClr val="202124"/>
-                </a:solidFill>
-                <a:effectLst/>
-                <a:latin typeface="Roboto" panose="02000000000000000000" pitchFamily="2" charset="0"/>
-              </a:rPr>
-              <a:t>.</a:t>
-            </a:r>
-            <a:endParaRPr lang="en-US" b="1" i="0" dirty="0">
-              <a:solidFill>
-                <a:srgbClr val="202124"/>
-              </a:solidFill>
-              <a:effectLst/>
-              <a:latin typeface="Roboto" panose="02000000000000000000" pitchFamily="2" charset="0"/>
-              <a:ea typeface="Roboto" panose="02000000000000000000" pitchFamily="2" charset="0"/>
-              <a:cs typeface="Roboto" panose="02000000000000000000" pitchFamily="2" charset="0"/>
-            </a:endParaRPr>
-          </a:p>
-          <a:p>
             <a:endParaRPr lang="en-US" dirty="0">
               <a:solidFill>
                 <a:srgbClr val="202124"/>
@@ -16595,100 +16737,6 @@
 </p:sld>
 </file>
 
-<file path=ppt/slides/slide4.xml><?xml version="1.0" encoding="utf-8"?>
-<p:sld xmlns:a="http://schemas.openxmlformats.org/drawingml/2006/main" xmlns:r="http://schemas.openxmlformats.org/officeDocument/2006/relationships" xmlns:p="http://schemas.openxmlformats.org/presentationml/2006/main">
-  <p:cSld>
-    <p:spTree>
-      <p:nvGrpSpPr>
-        <p:cNvPr id="1" name=""/>
-        <p:cNvGrpSpPr/>
-        <p:nvPr/>
-      </p:nvGrpSpPr>
-      <p:grpSpPr>
-        <a:xfrm>
-          <a:off x="0" y="0"/>
-          <a:ext cx="0" cy="0"/>
-          <a:chOff x="0" y="0"/>
-          <a:chExt cx="0" cy="0"/>
-        </a:xfrm>
-      </p:grpSpPr>
-      <p:sp>
-        <p:nvSpPr>
-          <p:cNvPr id="2" name="Title 1">
-            <a:extLst>
-              <a:ext uri="{FF2B5EF4-FFF2-40B4-BE49-F238E27FC236}">
-                <a16:creationId xmlns:a16="http://schemas.microsoft.com/office/drawing/2014/main" id="{57D35C8B-E428-9135-3B32-BC11052898F8}"/>
-              </a:ext>
-            </a:extLst>
-          </p:cNvPr>
-          <p:cNvSpPr>
-            <a:spLocks noGrp="1"/>
-          </p:cNvSpPr>
-          <p:nvPr>
-            <p:ph type="title"/>
-          </p:nvPr>
-        </p:nvSpPr>
-        <p:spPr/>
-        <p:txBody>
-          <a:bodyPr/>
-          <a:lstStyle/>
-          <a:p>
-            <a:r>
-              <a:rPr lang="en-US" dirty="0"/>
-              <a:t>UML Sequence for</a:t>
-            </a:r>
-            <a:br>
-              <a:rPr lang="en-US" dirty="0"/>
-            </a:br>
-            <a:r>
-              <a:rPr lang="en-US" dirty="0"/>
-              <a:t>Logging In </a:t>
-            </a:r>
-          </a:p>
-        </p:txBody>
-      </p:sp>
-      <p:pic>
-        <p:nvPicPr>
-          <p:cNvPr id="5" name="Content Placeholder 4" descr="Table&#10;&#10;Description automatically generated">
-            <a:extLst>
-              <a:ext uri="{FF2B5EF4-FFF2-40B4-BE49-F238E27FC236}">
-                <a16:creationId xmlns:a16="http://schemas.microsoft.com/office/drawing/2014/main" id="{7E5ACFC4-6B1A-2B7D-617D-8BE0EDB47AF0}"/>
-              </a:ext>
-            </a:extLst>
-          </p:cNvPr>
-          <p:cNvPicPr>
-            <a:picLocks noGrp="1" noChangeAspect="1"/>
-          </p:cNvPicPr>
-          <p:nvPr>
-            <p:ph idx="1"/>
-          </p:nvPr>
-        </p:nvPicPr>
-        <p:blipFill>
-          <a:blip r:embed="rId2"/>
-          <a:stretch>
-            <a:fillRect/>
-          </a:stretch>
-        </p:blipFill>
-        <p:spPr>
-          <a:xfrm>
-            <a:off x="5545394" y="147381"/>
-            <a:ext cx="6302477" cy="6709113"/>
-          </a:xfrm>
-        </p:spPr>
-      </p:pic>
-    </p:spTree>
-    <p:extLst>
-      <p:ext uri="{BB962C8B-B14F-4D97-AF65-F5344CB8AC3E}">
-        <p14:creationId xmlns:p14="http://schemas.microsoft.com/office/powerpoint/2010/main" val="1405448438"/>
-      </p:ext>
-    </p:extLst>
-  </p:cSld>
-  <p:clrMapOvr>
-    <a:masterClrMapping/>
-  </p:clrMapOvr>
-</p:sld>
-</file>
-
 <file path=ppt/slides/slide5.xml><?xml version="1.0" encoding="utf-8"?>
 <p:sld xmlns:a="http://schemas.openxmlformats.org/drawingml/2006/main" xmlns:r="http://schemas.openxmlformats.org/officeDocument/2006/relationships" xmlns:p="http://schemas.openxmlformats.org/presentationml/2006/main">
   <p:cSld>
@@ -16714,1818 +16762,12 @@
           <a:chExt cx="0" cy="0"/>
         </a:xfrm>
       </p:grpSpPr>
-      <p:grpSp>
-        <p:nvGrpSpPr>
-          <p:cNvPr id="10" name="Group 9">
+      <p:sp useBgFill="1">
+        <p:nvSpPr>
+          <p:cNvPr id="316" name="Rectangle 315">
             <a:extLst>
               <a:ext uri="{FF2B5EF4-FFF2-40B4-BE49-F238E27FC236}">
-                <a16:creationId xmlns:a16="http://schemas.microsoft.com/office/drawing/2014/main" id="{748618E9-EE2D-4864-9EEE-58939BD4FBBA}"/>
-              </a:ext>
-              <a:ext uri="{C183D7F6-B498-43B3-948B-1728B52AA6E4}">
-                <adec:decorative xmlns:adec="http://schemas.microsoft.com/office/drawing/2017/decorative" val="1"/>
-              </a:ext>
-            </a:extLst>
-          </p:cNvPr>
-          <p:cNvGrpSpPr>
-            <a:grpSpLocks noGrp="1" noUngrp="1" noRot="1" noChangeAspect="1" noMove="1" noResize="1"/>
-          </p:cNvGrpSpPr>
-          <p:nvPr>
-            <p:extLst>
-              <p:ext uri="{386F3935-93C4-4BCD-93E2-E3B085C9AB24}">
-                <p16:designElem xmlns:p16="http://schemas.microsoft.com/office/powerpoint/2015/main" val="1"/>
-              </p:ext>
-            </p:extLst>
-          </p:nvPr>
-        </p:nvGrpSpPr>
-        <p:grpSpPr>
-          <a:xfrm>
-            <a:off x="-6214" y="-1"/>
-            <a:ext cx="12214827" cy="6858000"/>
-            <a:chOff x="-6214" y="-1"/>
-            <a:chExt cx="12214827" cy="6858000"/>
-          </a:xfrm>
-        </p:grpSpPr>
-        <p:cxnSp>
-          <p:nvCxnSpPr>
-            <p:cNvPr id="11" name="Straight Connector 10">
-              <a:extLst>
-                <a:ext uri="{FF2B5EF4-FFF2-40B4-BE49-F238E27FC236}">
-                  <a16:creationId xmlns:a16="http://schemas.microsoft.com/office/drawing/2014/main" id="{317D1EC0-23FF-4FC8-B22D-E34878EAA4CC}"/>
-                </a:ext>
-                <a:ext uri="{C183D7F6-B498-43B3-948B-1728B52AA6E4}">
-                  <adec:decorative xmlns:adec="http://schemas.microsoft.com/office/drawing/2017/decorative" val="1"/>
-                </a:ext>
-              </a:extLst>
-            </p:cNvPr>
-            <p:cNvCxnSpPr>
-              <a:cxnSpLocks/>
-            </p:cNvCxnSpPr>
-            <p:nvPr>
-              <p:extLst>
-                <p:ext uri="{386F3935-93C4-4BCD-93E2-E3B085C9AB24}">
-                  <p16:designElem xmlns:p16="http://schemas.microsoft.com/office/powerpoint/2015/main" val="1"/>
-                </p:ext>
-              </p:extLst>
-            </p:nvPr>
-          </p:nvCxnSpPr>
-          <p:spPr>
-            <a:xfrm>
-              <a:off x="-6214" y="6686283"/>
-              <a:ext cx="12192000" cy="0"/>
-            </a:xfrm>
-            <a:prstGeom prst="line">
-              <a:avLst/>
-            </a:prstGeom>
-            <a:ln w="12700">
-              <a:solidFill>
-                <a:srgbClr val="BCBCBC">
-                  <a:alpha val="29804"/>
-                </a:srgbClr>
-              </a:solidFill>
-              <a:prstDash val="sysDot"/>
-            </a:ln>
-          </p:spPr>
-          <p:style>
-            <a:lnRef idx="1">
-              <a:schemeClr val="accent1"/>
-            </a:lnRef>
-            <a:fillRef idx="0">
-              <a:schemeClr val="accent1"/>
-            </a:fillRef>
-            <a:effectRef idx="0">
-              <a:schemeClr val="accent1"/>
-            </a:effectRef>
-            <a:fontRef idx="minor">
-              <a:schemeClr val="tx1"/>
-            </a:fontRef>
-          </p:style>
-        </p:cxnSp>
-        <p:cxnSp>
-          <p:nvCxnSpPr>
-            <p:cNvPr id="12" name="Straight Connector 11">
-              <a:extLst>
-                <a:ext uri="{FF2B5EF4-FFF2-40B4-BE49-F238E27FC236}">
-                  <a16:creationId xmlns:a16="http://schemas.microsoft.com/office/drawing/2014/main" id="{5AB929A7-258C-4469-AAB4-A67D713F7A80}"/>
-                </a:ext>
-                <a:ext uri="{C183D7F6-B498-43B3-948B-1728B52AA6E4}">
-                  <adec:decorative xmlns:adec="http://schemas.microsoft.com/office/drawing/2017/decorative" val="1"/>
-                </a:ext>
-              </a:extLst>
-            </p:cNvPr>
-            <p:cNvCxnSpPr>
-              <a:cxnSpLocks/>
-            </p:cNvCxnSpPr>
-            <p:nvPr>
-              <p:extLst>
-                <p:ext uri="{386F3935-93C4-4BCD-93E2-E3B085C9AB24}">
-                  <p16:designElem xmlns:p16="http://schemas.microsoft.com/office/powerpoint/2015/main" val="1"/>
-                </p:ext>
-              </p:extLst>
-            </p:nvPr>
-          </p:nvCxnSpPr>
-          <p:spPr>
-            <a:xfrm>
-              <a:off x="0" y="-1"/>
-              <a:ext cx="0" cy="6858000"/>
-            </a:xfrm>
-            <a:prstGeom prst="line">
-              <a:avLst/>
-            </a:prstGeom>
-            <a:ln w="12700">
-              <a:solidFill>
-                <a:srgbClr val="BCBCBC">
-                  <a:alpha val="29804"/>
-                </a:srgbClr>
-              </a:solidFill>
-              <a:prstDash val="sysDot"/>
-            </a:ln>
-          </p:spPr>
-          <p:style>
-            <a:lnRef idx="1">
-              <a:schemeClr val="accent1"/>
-            </a:lnRef>
-            <a:fillRef idx="0">
-              <a:schemeClr val="accent1"/>
-            </a:fillRef>
-            <a:effectRef idx="0">
-              <a:schemeClr val="accent1"/>
-            </a:effectRef>
-            <a:fontRef idx="minor">
-              <a:schemeClr val="tx1"/>
-            </a:fontRef>
-          </p:style>
-        </p:cxnSp>
-        <p:cxnSp>
-          <p:nvCxnSpPr>
-            <p:cNvPr id="13" name="Straight Connector 12">
-              <a:extLst>
-                <a:ext uri="{FF2B5EF4-FFF2-40B4-BE49-F238E27FC236}">
-                  <a16:creationId xmlns:a16="http://schemas.microsoft.com/office/drawing/2014/main" id="{DA635CDB-2D00-49D5-B26E-0694A25000C7}"/>
-                </a:ext>
-                <a:ext uri="{C183D7F6-B498-43B3-948B-1728B52AA6E4}">
-                  <adec:decorative xmlns:adec="http://schemas.microsoft.com/office/drawing/2017/decorative" val="1"/>
-                </a:ext>
-              </a:extLst>
-            </p:cNvPr>
-            <p:cNvCxnSpPr>
-              <a:cxnSpLocks/>
-            </p:cNvCxnSpPr>
-            <p:nvPr>
-              <p:extLst>
-                <p:ext uri="{386F3935-93C4-4BCD-93E2-E3B085C9AB24}">
-                  <p16:designElem xmlns:p16="http://schemas.microsoft.com/office/powerpoint/2015/main" val="1"/>
-                </p:ext>
-              </p:extLst>
-            </p:nvPr>
-          </p:nvCxnSpPr>
-          <p:spPr>
-            <a:xfrm>
-              <a:off x="11993258" y="-1"/>
-              <a:ext cx="0" cy="6858000"/>
-            </a:xfrm>
-            <a:prstGeom prst="line">
-              <a:avLst/>
-            </a:prstGeom>
-            <a:ln w="12700">
-              <a:solidFill>
-                <a:srgbClr val="BCBCBC">
-                  <a:alpha val="29804"/>
-                </a:srgbClr>
-              </a:solidFill>
-              <a:prstDash val="sysDot"/>
-            </a:ln>
-          </p:spPr>
-          <p:style>
-            <a:lnRef idx="1">
-              <a:schemeClr val="accent1"/>
-            </a:lnRef>
-            <a:fillRef idx="0">
-              <a:schemeClr val="accent1"/>
-            </a:fillRef>
-            <a:effectRef idx="0">
-              <a:schemeClr val="accent1"/>
-            </a:effectRef>
-            <a:fontRef idx="minor">
-              <a:schemeClr val="tx1"/>
-            </a:fontRef>
-          </p:style>
-        </p:cxnSp>
-        <p:cxnSp>
-          <p:nvCxnSpPr>
-            <p:cNvPr id="14" name="Straight Connector 13">
-              <a:extLst>
-                <a:ext uri="{FF2B5EF4-FFF2-40B4-BE49-F238E27FC236}">
-                  <a16:creationId xmlns:a16="http://schemas.microsoft.com/office/drawing/2014/main" id="{B4288D7A-F857-418D-92F2-368E841B9F27}"/>
-                </a:ext>
-                <a:ext uri="{C183D7F6-B498-43B3-948B-1728B52AA6E4}">
-                  <adec:decorative xmlns:adec="http://schemas.microsoft.com/office/drawing/2017/decorative" val="1"/>
-                </a:ext>
-              </a:extLst>
-            </p:cNvPr>
-            <p:cNvCxnSpPr>
-              <a:cxnSpLocks/>
-            </p:cNvCxnSpPr>
-            <p:nvPr>
-              <p:extLst>
-                <p:ext uri="{386F3935-93C4-4BCD-93E2-E3B085C9AB24}">
-                  <p16:designElem xmlns:p16="http://schemas.microsoft.com/office/powerpoint/2015/main" val="1"/>
-                </p:ext>
-              </p:extLst>
-            </p:nvPr>
-          </p:nvCxnSpPr>
-          <p:spPr>
-            <a:xfrm>
-              <a:off x="192528" y="-1"/>
-              <a:ext cx="0" cy="6858000"/>
-            </a:xfrm>
-            <a:prstGeom prst="line">
-              <a:avLst/>
-            </a:prstGeom>
-            <a:ln w="12700">
-              <a:solidFill>
-                <a:srgbClr val="BCBCBC">
-                  <a:alpha val="29804"/>
-                </a:srgbClr>
-              </a:solidFill>
-              <a:prstDash val="sysDot"/>
-            </a:ln>
-          </p:spPr>
-          <p:style>
-            <a:lnRef idx="1">
-              <a:schemeClr val="accent1"/>
-            </a:lnRef>
-            <a:fillRef idx="0">
-              <a:schemeClr val="accent1"/>
-            </a:fillRef>
-            <a:effectRef idx="0">
-              <a:schemeClr val="accent1"/>
-            </a:effectRef>
-            <a:fontRef idx="minor">
-              <a:schemeClr val="tx1"/>
-            </a:fontRef>
-          </p:style>
-        </p:cxnSp>
-        <p:cxnSp>
-          <p:nvCxnSpPr>
-            <p:cNvPr id="15" name="Straight Connector 14">
-              <a:extLst>
-                <a:ext uri="{FF2B5EF4-FFF2-40B4-BE49-F238E27FC236}">
-                  <a16:creationId xmlns:a16="http://schemas.microsoft.com/office/drawing/2014/main" id="{F1084F50-7F3C-4A4A-877E-FFD9EC7CD88B}"/>
-                </a:ext>
-                <a:ext uri="{C183D7F6-B498-43B3-948B-1728B52AA6E4}">
-                  <adec:decorative xmlns:adec="http://schemas.microsoft.com/office/drawing/2017/decorative" val="1"/>
-                </a:ext>
-              </a:extLst>
-            </p:cNvPr>
-            <p:cNvCxnSpPr>
-              <a:cxnSpLocks/>
-            </p:cNvCxnSpPr>
-            <p:nvPr>
-              <p:extLst>
-                <p:ext uri="{386F3935-93C4-4BCD-93E2-E3B085C9AB24}">
-                  <p16:designElem xmlns:p16="http://schemas.microsoft.com/office/powerpoint/2015/main" val="1"/>
-                </p:ext>
-              </p:extLst>
-            </p:nvPr>
-          </p:nvCxnSpPr>
-          <p:spPr>
-            <a:xfrm>
-              <a:off x="1175922" y="-1"/>
-              <a:ext cx="0" cy="6858000"/>
-            </a:xfrm>
-            <a:prstGeom prst="line">
-              <a:avLst/>
-            </a:prstGeom>
-            <a:ln w="12700">
-              <a:solidFill>
-                <a:srgbClr val="BCBCBC">
-                  <a:alpha val="29804"/>
-                </a:srgbClr>
-              </a:solidFill>
-              <a:prstDash val="sysDot"/>
-            </a:ln>
-          </p:spPr>
-          <p:style>
-            <a:lnRef idx="1">
-              <a:schemeClr val="accent1"/>
-            </a:lnRef>
-            <a:fillRef idx="0">
-              <a:schemeClr val="accent1"/>
-            </a:fillRef>
-            <a:effectRef idx="0">
-              <a:schemeClr val="accent1"/>
-            </a:effectRef>
-            <a:fontRef idx="minor">
-              <a:schemeClr val="tx1"/>
-            </a:fontRef>
-          </p:style>
-        </p:cxnSp>
-        <p:cxnSp>
-          <p:nvCxnSpPr>
-            <p:cNvPr id="16" name="Straight Connector 15">
-              <a:extLst>
-                <a:ext uri="{FF2B5EF4-FFF2-40B4-BE49-F238E27FC236}">
-                  <a16:creationId xmlns:a16="http://schemas.microsoft.com/office/drawing/2014/main" id="{331E64C1-F4C0-4A94-B319-BB1A0A2450B5}"/>
-                </a:ext>
-                <a:ext uri="{C183D7F6-B498-43B3-948B-1728B52AA6E4}">
-                  <adec:decorative xmlns:adec="http://schemas.microsoft.com/office/drawing/2017/decorative" val="1"/>
-                </a:ext>
-              </a:extLst>
-            </p:cNvPr>
-            <p:cNvCxnSpPr>
-              <a:cxnSpLocks/>
-            </p:cNvCxnSpPr>
-            <p:nvPr>
-              <p:extLst>
-                <p:ext uri="{386F3935-93C4-4BCD-93E2-E3B085C9AB24}">
-                  <p16:designElem xmlns:p16="http://schemas.microsoft.com/office/powerpoint/2015/main" val="1"/>
-                </p:ext>
-              </p:extLst>
-            </p:nvPr>
-          </p:nvCxnSpPr>
-          <p:spPr>
-            <a:xfrm>
-              <a:off x="2159316" y="-1"/>
-              <a:ext cx="0" cy="6858000"/>
-            </a:xfrm>
-            <a:prstGeom prst="line">
-              <a:avLst/>
-            </a:prstGeom>
-            <a:ln w="12700">
-              <a:solidFill>
-                <a:srgbClr val="BCBCBC">
-                  <a:alpha val="29804"/>
-                </a:srgbClr>
-              </a:solidFill>
-              <a:prstDash val="sysDot"/>
-            </a:ln>
-          </p:spPr>
-          <p:style>
-            <a:lnRef idx="1">
-              <a:schemeClr val="accent1"/>
-            </a:lnRef>
-            <a:fillRef idx="0">
-              <a:schemeClr val="accent1"/>
-            </a:fillRef>
-            <a:effectRef idx="0">
-              <a:schemeClr val="accent1"/>
-            </a:effectRef>
-            <a:fontRef idx="minor">
-              <a:schemeClr val="tx1"/>
-            </a:fontRef>
-          </p:style>
-        </p:cxnSp>
-        <p:cxnSp>
-          <p:nvCxnSpPr>
-            <p:cNvPr id="17" name="Straight Connector 16">
-              <a:extLst>
-                <a:ext uri="{FF2B5EF4-FFF2-40B4-BE49-F238E27FC236}">
-                  <a16:creationId xmlns:a16="http://schemas.microsoft.com/office/drawing/2014/main" id="{363D8374-8052-417F-AB69-B97EAC43D513}"/>
-                </a:ext>
-                <a:ext uri="{C183D7F6-B498-43B3-948B-1728B52AA6E4}">
-                  <adec:decorative xmlns:adec="http://schemas.microsoft.com/office/drawing/2017/decorative" val="1"/>
-                </a:ext>
-              </a:extLst>
-            </p:cNvPr>
-            <p:cNvCxnSpPr>
-              <a:cxnSpLocks/>
-            </p:cNvCxnSpPr>
-            <p:nvPr>
-              <p:extLst>
-                <p:ext uri="{386F3935-93C4-4BCD-93E2-E3B085C9AB24}">
-                  <p16:designElem xmlns:p16="http://schemas.microsoft.com/office/powerpoint/2015/main" val="1"/>
-                </p:ext>
-              </p:extLst>
-            </p:nvPr>
-          </p:nvCxnSpPr>
-          <p:spPr>
-            <a:xfrm>
-              <a:off x="3142710" y="-1"/>
-              <a:ext cx="0" cy="6858000"/>
-            </a:xfrm>
-            <a:prstGeom prst="line">
-              <a:avLst/>
-            </a:prstGeom>
-            <a:ln w="12700">
-              <a:solidFill>
-                <a:srgbClr val="BCBCBC">
-                  <a:alpha val="29804"/>
-                </a:srgbClr>
-              </a:solidFill>
-              <a:prstDash val="sysDot"/>
-            </a:ln>
-          </p:spPr>
-          <p:style>
-            <a:lnRef idx="1">
-              <a:schemeClr val="accent1"/>
-            </a:lnRef>
-            <a:fillRef idx="0">
-              <a:schemeClr val="accent1"/>
-            </a:fillRef>
-            <a:effectRef idx="0">
-              <a:schemeClr val="accent1"/>
-            </a:effectRef>
-            <a:fontRef idx="minor">
-              <a:schemeClr val="tx1"/>
-            </a:fontRef>
-          </p:style>
-        </p:cxnSp>
-        <p:cxnSp>
-          <p:nvCxnSpPr>
-            <p:cNvPr id="18" name="Straight Connector 17">
-              <a:extLst>
-                <a:ext uri="{FF2B5EF4-FFF2-40B4-BE49-F238E27FC236}">
-                  <a16:creationId xmlns:a16="http://schemas.microsoft.com/office/drawing/2014/main" id="{C7750734-4D51-4019-A003-38A3DE49B434}"/>
-                </a:ext>
-                <a:ext uri="{C183D7F6-B498-43B3-948B-1728B52AA6E4}">
-                  <adec:decorative xmlns:adec="http://schemas.microsoft.com/office/drawing/2017/decorative" val="1"/>
-                </a:ext>
-              </a:extLst>
-            </p:cNvPr>
-            <p:cNvCxnSpPr>
-              <a:cxnSpLocks/>
-            </p:cNvCxnSpPr>
-            <p:nvPr>
-              <p:extLst>
-                <p:ext uri="{386F3935-93C4-4BCD-93E2-E3B085C9AB24}">
-                  <p16:designElem xmlns:p16="http://schemas.microsoft.com/office/powerpoint/2015/main" val="1"/>
-                </p:ext>
-              </p:extLst>
-            </p:nvPr>
-          </p:nvCxnSpPr>
-          <p:spPr>
-            <a:xfrm>
-              <a:off x="4126104" y="-1"/>
-              <a:ext cx="0" cy="6858000"/>
-            </a:xfrm>
-            <a:prstGeom prst="line">
-              <a:avLst/>
-            </a:prstGeom>
-            <a:ln w="12700">
-              <a:solidFill>
-                <a:srgbClr val="BCBCBC">
-                  <a:alpha val="29804"/>
-                </a:srgbClr>
-              </a:solidFill>
-              <a:prstDash val="sysDot"/>
-            </a:ln>
-          </p:spPr>
-          <p:style>
-            <a:lnRef idx="1">
-              <a:schemeClr val="accent1"/>
-            </a:lnRef>
-            <a:fillRef idx="0">
-              <a:schemeClr val="accent1"/>
-            </a:fillRef>
-            <a:effectRef idx="0">
-              <a:schemeClr val="accent1"/>
-            </a:effectRef>
-            <a:fontRef idx="minor">
-              <a:schemeClr val="tx1"/>
-            </a:fontRef>
-          </p:style>
-        </p:cxnSp>
-        <p:cxnSp>
-          <p:nvCxnSpPr>
-            <p:cNvPr id="19" name="Straight Connector 18">
-              <a:extLst>
-                <a:ext uri="{FF2B5EF4-FFF2-40B4-BE49-F238E27FC236}">
-                  <a16:creationId xmlns:a16="http://schemas.microsoft.com/office/drawing/2014/main" id="{71B693D1-DBA2-4D3B-9B37-D9EE8C4112F4}"/>
-                </a:ext>
-                <a:ext uri="{C183D7F6-B498-43B3-948B-1728B52AA6E4}">
-                  <adec:decorative xmlns:adec="http://schemas.microsoft.com/office/drawing/2017/decorative" val="1"/>
-                </a:ext>
-              </a:extLst>
-            </p:cNvPr>
-            <p:cNvCxnSpPr>
-              <a:cxnSpLocks/>
-            </p:cNvCxnSpPr>
-            <p:nvPr>
-              <p:extLst>
-                <p:ext uri="{386F3935-93C4-4BCD-93E2-E3B085C9AB24}">
-                  <p16:designElem xmlns:p16="http://schemas.microsoft.com/office/powerpoint/2015/main" val="1"/>
-                </p:ext>
-              </p:extLst>
-            </p:nvPr>
-          </p:nvCxnSpPr>
-          <p:spPr>
-            <a:xfrm>
-              <a:off x="5109498" y="-1"/>
-              <a:ext cx="0" cy="6858000"/>
-            </a:xfrm>
-            <a:prstGeom prst="line">
-              <a:avLst/>
-            </a:prstGeom>
-            <a:ln w="12700">
-              <a:solidFill>
-                <a:srgbClr val="BCBCBC">
-                  <a:alpha val="29804"/>
-                </a:srgbClr>
-              </a:solidFill>
-              <a:prstDash val="sysDot"/>
-            </a:ln>
-          </p:spPr>
-          <p:style>
-            <a:lnRef idx="1">
-              <a:schemeClr val="accent1"/>
-            </a:lnRef>
-            <a:fillRef idx="0">
-              <a:schemeClr val="accent1"/>
-            </a:fillRef>
-            <a:effectRef idx="0">
-              <a:schemeClr val="accent1"/>
-            </a:effectRef>
-            <a:fontRef idx="minor">
-              <a:schemeClr val="tx1"/>
-            </a:fontRef>
-          </p:style>
-        </p:cxnSp>
-        <p:cxnSp>
-          <p:nvCxnSpPr>
-            <p:cNvPr id="20" name="Straight Connector 19">
-              <a:extLst>
-                <a:ext uri="{FF2B5EF4-FFF2-40B4-BE49-F238E27FC236}">
-                  <a16:creationId xmlns:a16="http://schemas.microsoft.com/office/drawing/2014/main" id="{1BCD3EA8-E4C0-4AF6-817F-F9F29157A499}"/>
-                </a:ext>
-                <a:ext uri="{C183D7F6-B498-43B3-948B-1728B52AA6E4}">
-                  <adec:decorative xmlns:adec="http://schemas.microsoft.com/office/drawing/2017/decorative" val="1"/>
-                </a:ext>
-              </a:extLst>
-            </p:cNvPr>
-            <p:cNvCxnSpPr>
-              <a:cxnSpLocks/>
-            </p:cNvCxnSpPr>
-            <p:nvPr>
-              <p:extLst>
-                <p:ext uri="{386F3935-93C4-4BCD-93E2-E3B085C9AB24}">
-                  <p16:designElem xmlns:p16="http://schemas.microsoft.com/office/powerpoint/2015/main" val="1"/>
-                </p:ext>
-              </p:extLst>
-            </p:nvPr>
-          </p:nvCxnSpPr>
-          <p:spPr>
-            <a:xfrm>
-              <a:off x="6092892" y="-1"/>
-              <a:ext cx="0" cy="6858000"/>
-            </a:xfrm>
-            <a:prstGeom prst="line">
-              <a:avLst/>
-            </a:prstGeom>
-            <a:ln w="12700">
-              <a:solidFill>
-                <a:srgbClr val="BCBCBC">
-                  <a:alpha val="29804"/>
-                </a:srgbClr>
-              </a:solidFill>
-              <a:prstDash val="sysDot"/>
-            </a:ln>
-          </p:spPr>
-          <p:style>
-            <a:lnRef idx="1">
-              <a:schemeClr val="accent1"/>
-            </a:lnRef>
-            <a:fillRef idx="0">
-              <a:schemeClr val="accent1"/>
-            </a:fillRef>
-            <a:effectRef idx="0">
-              <a:schemeClr val="accent1"/>
-            </a:effectRef>
-            <a:fontRef idx="minor">
-              <a:schemeClr val="tx1"/>
-            </a:fontRef>
-          </p:style>
-        </p:cxnSp>
-        <p:cxnSp>
-          <p:nvCxnSpPr>
-            <p:cNvPr id="21" name="Straight Connector 20">
-              <a:extLst>
-                <a:ext uri="{FF2B5EF4-FFF2-40B4-BE49-F238E27FC236}">
-                  <a16:creationId xmlns:a16="http://schemas.microsoft.com/office/drawing/2014/main" id="{7A170FB3-B397-4AC9-85FD-65388F26D90A}"/>
-                </a:ext>
-                <a:ext uri="{C183D7F6-B498-43B3-948B-1728B52AA6E4}">
-                  <adec:decorative xmlns:adec="http://schemas.microsoft.com/office/drawing/2017/decorative" val="1"/>
-                </a:ext>
-              </a:extLst>
-            </p:cNvPr>
-            <p:cNvCxnSpPr>
-              <a:cxnSpLocks/>
-            </p:cNvCxnSpPr>
-            <p:nvPr>
-              <p:extLst>
-                <p:ext uri="{386F3935-93C4-4BCD-93E2-E3B085C9AB24}">
-                  <p16:designElem xmlns:p16="http://schemas.microsoft.com/office/powerpoint/2015/main" val="1"/>
-                </p:ext>
-              </p:extLst>
-            </p:nvPr>
-          </p:nvCxnSpPr>
-          <p:spPr>
-            <a:xfrm>
-              <a:off x="7076286" y="-1"/>
-              <a:ext cx="0" cy="6858000"/>
-            </a:xfrm>
-            <a:prstGeom prst="line">
-              <a:avLst/>
-            </a:prstGeom>
-            <a:ln w="12700">
-              <a:solidFill>
-                <a:srgbClr val="BCBCBC">
-                  <a:alpha val="29804"/>
-                </a:srgbClr>
-              </a:solidFill>
-              <a:prstDash val="sysDot"/>
-            </a:ln>
-          </p:spPr>
-          <p:style>
-            <a:lnRef idx="1">
-              <a:schemeClr val="accent1"/>
-            </a:lnRef>
-            <a:fillRef idx="0">
-              <a:schemeClr val="accent1"/>
-            </a:fillRef>
-            <a:effectRef idx="0">
-              <a:schemeClr val="accent1"/>
-            </a:effectRef>
-            <a:fontRef idx="minor">
-              <a:schemeClr val="tx1"/>
-            </a:fontRef>
-          </p:style>
-        </p:cxnSp>
-        <p:cxnSp>
-          <p:nvCxnSpPr>
-            <p:cNvPr id="22" name="Straight Connector 21">
-              <a:extLst>
-                <a:ext uri="{FF2B5EF4-FFF2-40B4-BE49-F238E27FC236}">
-                  <a16:creationId xmlns:a16="http://schemas.microsoft.com/office/drawing/2014/main" id="{BE5EC0B9-49C7-4777-AEC5-B5EF8DE40498}"/>
-                </a:ext>
-                <a:ext uri="{C183D7F6-B498-43B3-948B-1728B52AA6E4}">
-                  <adec:decorative xmlns:adec="http://schemas.microsoft.com/office/drawing/2017/decorative" val="1"/>
-                </a:ext>
-              </a:extLst>
-            </p:cNvPr>
-            <p:cNvCxnSpPr>
-              <a:cxnSpLocks/>
-            </p:cNvCxnSpPr>
-            <p:nvPr>
-              <p:extLst>
-                <p:ext uri="{386F3935-93C4-4BCD-93E2-E3B085C9AB24}">
-                  <p16:designElem xmlns:p16="http://schemas.microsoft.com/office/powerpoint/2015/main" val="1"/>
-                </p:ext>
-              </p:extLst>
-            </p:nvPr>
-          </p:nvCxnSpPr>
-          <p:spPr>
-            <a:xfrm>
-              <a:off x="8059680" y="-1"/>
-              <a:ext cx="0" cy="6858000"/>
-            </a:xfrm>
-            <a:prstGeom prst="line">
-              <a:avLst/>
-            </a:prstGeom>
-            <a:ln w="12700">
-              <a:solidFill>
-                <a:srgbClr val="BCBCBC">
-                  <a:alpha val="29804"/>
-                </a:srgbClr>
-              </a:solidFill>
-              <a:prstDash val="sysDot"/>
-            </a:ln>
-          </p:spPr>
-          <p:style>
-            <a:lnRef idx="1">
-              <a:schemeClr val="accent1"/>
-            </a:lnRef>
-            <a:fillRef idx="0">
-              <a:schemeClr val="accent1"/>
-            </a:fillRef>
-            <a:effectRef idx="0">
-              <a:schemeClr val="accent1"/>
-            </a:effectRef>
-            <a:fontRef idx="minor">
-              <a:schemeClr val="tx1"/>
-            </a:fontRef>
-          </p:style>
-        </p:cxnSp>
-        <p:cxnSp>
-          <p:nvCxnSpPr>
-            <p:cNvPr id="23" name="Straight Connector 22">
-              <a:extLst>
-                <a:ext uri="{FF2B5EF4-FFF2-40B4-BE49-F238E27FC236}">
-                  <a16:creationId xmlns:a16="http://schemas.microsoft.com/office/drawing/2014/main" id="{7902048B-30F7-4434-87A5-140F9BB4BEB1}"/>
-                </a:ext>
-                <a:ext uri="{C183D7F6-B498-43B3-948B-1728B52AA6E4}">
-                  <adec:decorative xmlns:adec="http://schemas.microsoft.com/office/drawing/2017/decorative" val="1"/>
-                </a:ext>
-              </a:extLst>
-            </p:cNvPr>
-            <p:cNvCxnSpPr>
-              <a:cxnSpLocks/>
-            </p:cNvCxnSpPr>
-            <p:nvPr>
-              <p:extLst>
-                <p:ext uri="{386F3935-93C4-4BCD-93E2-E3B085C9AB24}">
-                  <p16:designElem xmlns:p16="http://schemas.microsoft.com/office/powerpoint/2015/main" val="1"/>
-                </p:ext>
-              </p:extLst>
-            </p:nvPr>
-          </p:nvCxnSpPr>
-          <p:spPr>
-            <a:xfrm>
-              <a:off x="9043074" y="-1"/>
-              <a:ext cx="0" cy="6858000"/>
-            </a:xfrm>
-            <a:prstGeom prst="line">
-              <a:avLst/>
-            </a:prstGeom>
-            <a:ln w="12700">
-              <a:solidFill>
-                <a:srgbClr val="BCBCBC">
-                  <a:alpha val="29804"/>
-                </a:srgbClr>
-              </a:solidFill>
-              <a:prstDash val="sysDot"/>
-            </a:ln>
-          </p:spPr>
-          <p:style>
-            <a:lnRef idx="1">
-              <a:schemeClr val="accent1"/>
-            </a:lnRef>
-            <a:fillRef idx="0">
-              <a:schemeClr val="accent1"/>
-            </a:fillRef>
-            <a:effectRef idx="0">
-              <a:schemeClr val="accent1"/>
-            </a:effectRef>
-            <a:fontRef idx="minor">
-              <a:schemeClr val="tx1"/>
-            </a:fontRef>
-          </p:style>
-        </p:cxnSp>
-        <p:cxnSp>
-          <p:nvCxnSpPr>
-            <p:cNvPr id="24" name="Straight Connector 23">
-              <a:extLst>
-                <a:ext uri="{FF2B5EF4-FFF2-40B4-BE49-F238E27FC236}">
-                  <a16:creationId xmlns:a16="http://schemas.microsoft.com/office/drawing/2014/main" id="{0500A6E2-A41C-4751-8A4E-9A0C5718D930}"/>
-                </a:ext>
-                <a:ext uri="{C183D7F6-B498-43B3-948B-1728B52AA6E4}">
-                  <adec:decorative xmlns:adec="http://schemas.microsoft.com/office/drawing/2017/decorative" val="1"/>
-                </a:ext>
-              </a:extLst>
-            </p:cNvPr>
-            <p:cNvCxnSpPr>
-              <a:cxnSpLocks/>
-            </p:cNvCxnSpPr>
-            <p:nvPr>
-              <p:extLst>
-                <p:ext uri="{386F3935-93C4-4BCD-93E2-E3B085C9AB24}">
-                  <p16:designElem xmlns:p16="http://schemas.microsoft.com/office/powerpoint/2015/main" val="1"/>
-                </p:ext>
-              </p:extLst>
-            </p:nvPr>
-          </p:nvCxnSpPr>
-          <p:spPr>
-            <a:xfrm>
-              <a:off x="10026468" y="-1"/>
-              <a:ext cx="0" cy="6858000"/>
-            </a:xfrm>
-            <a:prstGeom prst="line">
-              <a:avLst/>
-            </a:prstGeom>
-            <a:ln w="12700">
-              <a:solidFill>
-                <a:srgbClr val="BCBCBC">
-                  <a:alpha val="29804"/>
-                </a:srgbClr>
-              </a:solidFill>
-              <a:prstDash val="sysDot"/>
-            </a:ln>
-          </p:spPr>
-          <p:style>
-            <a:lnRef idx="1">
-              <a:schemeClr val="accent1"/>
-            </a:lnRef>
-            <a:fillRef idx="0">
-              <a:schemeClr val="accent1"/>
-            </a:fillRef>
-            <a:effectRef idx="0">
-              <a:schemeClr val="accent1"/>
-            </a:effectRef>
-            <a:fontRef idx="minor">
-              <a:schemeClr val="tx1"/>
-            </a:fontRef>
-          </p:style>
-        </p:cxnSp>
-        <p:cxnSp>
-          <p:nvCxnSpPr>
-            <p:cNvPr id="25" name="Straight Connector 24">
-              <a:extLst>
-                <a:ext uri="{FF2B5EF4-FFF2-40B4-BE49-F238E27FC236}">
-                  <a16:creationId xmlns:a16="http://schemas.microsoft.com/office/drawing/2014/main" id="{FC259517-7BE7-45F9-81C0-3A6362BF143C}"/>
-                </a:ext>
-                <a:ext uri="{C183D7F6-B498-43B3-948B-1728B52AA6E4}">
-                  <adec:decorative xmlns:adec="http://schemas.microsoft.com/office/drawing/2017/decorative" val="1"/>
-                </a:ext>
-              </a:extLst>
-            </p:cNvPr>
-            <p:cNvCxnSpPr>
-              <a:cxnSpLocks/>
-            </p:cNvCxnSpPr>
-            <p:nvPr>
-              <p:extLst>
-                <p:ext uri="{386F3935-93C4-4BCD-93E2-E3B085C9AB24}">
-                  <p16:designElem xmlns:p16="http://schemas.microsoft.com/office/powerpoint/2015/main" val="1"/>
-                </p:ext>
-              </p:extLst>
-            </p:nvPr>
-          </p:nvCxnSpPr>
-          <p:spPr>
-            <a:xfrm>
-              <a:off x="11009862" y="-1"/>
-              <a:ext cx="0" cy="6858000"/>
-            </a:xfrm>
-            <a:prstGeom prst="line">
-              <a:avLst/>
-            </a:prstGeom>
-            <a:ln w="12700">
-              <a:solidFill>
-                <a:srgbClr val="BCBCBC">
-                  <a:alpha val="29804"/>
-                </a:srgbClr>
-              </a:solidFill>
-              <a:prstDash val="sysDot"/>
-            </a:ln>
-          </p:spPr>
-          <p:style>
-            <a:lnRef idx="1">
-              <a:schemeClr val="accent1"/>
-            </a:lnRef>
-            <a:fillRef idx="0">
-              <a:schemeClr val="accent1"/>
-            </a:fillRef>
-            <a:effectRef idx="0">
-              <a:schemeClr val="accent1"/>
-            </a:effectRef>
-            <a:fontRef idx="minor">
-              <a:schemeClr val="tx1"/>
-            </a:fontRef>
-          </p:style>
-        </p:cxnSp>
-        <p:cxnSp>
-          <p:nvCxnSpPr>
-            <p:cNvPr id="26" name="Straight Connector 25">
-              <a:extLst>
-                <a:ext uri="{FF2B5EF4-FFF2-40B4-BE49-F238E27FC236}">
-                  <a16:creationId xmlns:a16="http://schemas.microsoft.com/office/drawing/2014/main" id="{90652F56-7B71-42B2-AB68-22204A6DF177}"/>
-                </a:ext>
-                <a:ext uri="{C183D7F6-B498-43B3-948B-1728B52AA6E4}">
-                  <adec:decorative xmlns:adec="http://schemas.microsoft.com/office/drawing/2017/decorative" val="1"/>
-                </a:ext>
-              </a:extLst>
-            </p:cNvPr>
-            <p:cNvCxnSpPr>
-              <a:cxnSpLocks/>
-            </p:cNvCxnSpPr>
-            <p:nvPr>
-              <p:extLst>
-                <p:ext uri="{386F3935-93C4-4BCD-93E2-E3B085C9AB24}">
-                  <p16:designElem xmlns:p16="http://schemas.microsoft.com/office/powerpoint/2015/main" val="1"/>
-                </p:ext>
-              </p:extLst>
-            </p:nvPr>
-          </p:nvCxnSpPr>
-          <p:spPr>
-            <a:xfrm>
-              <a:off x="12185786" y="-1"/>
-              <a:ext cx="0" cy="6858000"/>
-            </a:xfrm>
-            <a:prstGeom prst="line">
-              <a:avLst/>
-            </a:prstGeom>
-            <a:ln w="12700">
-              <a:solidFill>
-                <a:srgbClr val="BCBCBC">
-                  <a:alpha val="29804"/>
-                </a:srgbClr>
-              </a:solidFill>
-              <a:prstDash val="sysDot"/>
-            </a:ln>
-          </p:spPr>
-          <p:style>
-            <a:lnRef idx="1">
-              <a:schemeClr val="accent1"/>
-            </a:lnRef>
-            <a:fillRef idx="0">
-              <a:schemeClr val="accent1"/>
-            </a:fillRef>
-            <a:effectRef idx="0">
-              <a:schemeClr val="accent1"/>
-            </a:effectRef>
-            <a:fontRef idx="minor">
-              <a:schemeClr val="tx1"/>
-            </a:fontRef>
-          </p:style>
-        </p:cxnSp>
-        <p:cxnSp>
-          <p:nvCxnSpPr>
-            <p:cNvPr id="27" name="Straight Connector 26">
-              <a:extLst>
-                <a:ext uri="{FF2B5EF4-FFF2-40B4-BE49-F238E27FC236}">
-                  <a16:creationId xmlns:a16="http://schemas.microsoft.com/office/drawing/2014/main" id="{1059830E-1C3D-4D42-8789-524971CB4657}"/>
-                </a:ext>
-                <a:ext uri="{C183D7F6-B498-43B3-948B-1728B52AA6E4}">
-                  <adec:decorative xmlns:adec="http://schemas.microsoft.com/office/drawing/2017/decorative" val="1"/>
-                </a:ext>
-              </a:extLst>
-            </p:cNvPr>
-            <p:cNvCxnSpPr>
-              <a:cxnSpLocks/>
-            </p:cNvCxnSpPr>
-            <p:nvPr>
-              <p:extLst>
-                <p:ext uri="{386F3935-93C4-4BCD-93E2-E3B085C9AB24}">
-                  <p16:designElem xmlns:p16="http://schemas.microsoft.com/office/powerpoint/2015/main" val="1"/>
-                </p:ext>
-              </p:extLst>
-            </p:nvPr>
-          </p:nvCxnSpPr>
-          <p:spPr>
-            <a:xfrm>
-              <a:off x="0" y="171716"/>
-              <a:ext cx="12192000" cy="0"/>
-            </a:xfrm>
-            <a:prstGeom prst="line">
-              <a:avLst/>
-            </a:prstGeom>
-            <a:ln w="12700">
-              <a:solidFill>
-                <a:srgbClr val="BCBCBC">
-                  <a:alpha val="29804"/>
-                </a:srgbClr>
-              </a:solidFill>
-              <a:prstDash val="sysDot"/>
-            </a:ln>
-          </p:spPr>
-          <p:style>
-            <a:lnRef idx="1">
-              <a:schemeClr val="accent1"/>
-            </a:lnRef>
-            <a:fillRef idx="0">
-              <a:schemeClr val="accent1"/>
-            </a:fillRef>
-            <a:effectRef idx="0">
-              <a:schemeClr val="accent1"/>
-            </a:effectRef>
-            <a:fontRef idx="minor">
-              <a:schemeClr val="tx1"/>
-            </a:fontRef>
-          </p:style>
-        </p:cxnSp>
-        <p:cxnSp>
-          <p:nvCxnSpPr>
-            <p:cNvPr id="28" name="Straight Connector 27">
-              <a:extLst>
-                <a:ext uri="{FF2B5EF4-FFF2-40B4-BE49-F238E27FC236}">
-                  <a16:creationId xmlns:a16="http://schemas.microsoft.com/office/drawing/2014/main" id="{B53325A7-86D3-4B52-A7E3-ADDF408B4067}"/>
-                </a:ext>
-                <a:ext uri="{C183D7F6-B498-43B3-948B-1728B52AA6E4}">
-                  <adec:decorative xmlns:adec="http://schemas.microsoft.com/office/drawing/2017/decorative" val="1"/>
-                </a:ext>
-              </a:extLst>
-            </p:cNvPr>
-            <p:cNvCxnSpPr>
-              <a:cxnSpLocks/>
-            </p:cNvCxnSpPr>
-            <p:nvPr>
-              <p:extLst>
-                <p:ext uri="{386F3935-93C4-4BCD-93E2-E3B085C9AB24}">
-                  <p16:designElem xmlns:p16="http://schemas.microsoft.com/office/powerpoint/2015/main" val="1"/>
-                </p:ext>
-              </p:extLst>
-            </p:nvPr>
-          </p:nvCxnSpPr>
-          <p:spPr>
-            <a:xfrm>
-              <a:off x="0" y="714597"/>
-              <a:ext cx="12192000" cy="0"/>
-            </a:xfrm>
-            <a:prstGeom prst="line">
-              <a:avLst/>
-            </a:prstGeom>
-            <a:ln w="12700">
-              <a:solidFill>
-                <a:srgbClr val="BCBCBC">
-                  <a:alpha val="29804"/>
-                </a:srgbClr>
-              </a:solidFill>
-              <a:prstDash val="sysDot"/>
-            </a:ln>
-          </p:spPr>
-          <p:style>
-            <a:lnRef idx="1">
-              <a:schemeClr val="accent1"/>
-            </a:lnRef>
-            <a:fillRef idx="0">
-              <a:schemeClr val="accent1"/>
-            </a:fillRef>
-            <a:effectRef idx="0">
-              <a:schemeClr val="accent1"/>
-            </a:effectRef>
-            <a:fontRef idx="minor">
-              <a:schemeClr val="tx1"/>
-            </a:fontRef>
-          </p:style>
-        </p:cxnSp>
-        <p:cxnSp>
-          <p:nvCxnSpPr>
-            <p:cNvPr id="29" name="Straight Connector 28">
-              <a:extLst>
-                <a:ext uri="{FF2B5EF4-FFF2-40B4-BE49-F238E27FC236}">
-                  <a16:creationId xmlns:a16="http://schemas.microsoft.com/office/drawing/2014/main" id="{6D53F46F-EC12-484C-A4E7-791E57687AC1}"/>
-                </a:ext>
-                <a:ext uri="{C183D7F6-B498-43B3-948B-1728B52AA6E4}">
-                  <adec:decorative xmlns:adec="http://schemas.microsoft.com/office/drawing/2017/decorative" val="1"/>
-                </a:ext>
-              </a:extLst>
-            </p:cNvPr>
-            <p:cNvCxnSpPr>
-              <a:cxnSpLocks/>
-            </p:cNvCxnSpPr>
-            <p:nvPr>
-              <p:extLst>
-                <p:ext uri="{386F3935-93C4-4BCD-93E2-E3B085C9AB24}">
-                  <p16:designElem xmlns:p16="http://schemas.microsoft.com/office/powerpoint/2015/main" val="1"/>
-                </p:ext>
-              </p:extLst>
-            </p:nvPr>
-          </p:nvCxnSpPr>
-          <p:spPr>
-            <a:xfrm>
-              <a:off x="0" y="1257478"/>
-              <a:ext cx="12192000" cy="0"/>
-            </a:xfrm>
-            <a:prstGeom prst="line">
-              <a:avLst/>
-            </a:prstGeom>
-            <a:ln w="12700">
-              <a:solidFill>
-                <a:srgbClr val="BCBCBC">
-                  <a:alpha val="29804"/>
-                </a:srgbClr>
-              </a:solidFill>
-              <a:prstDash val="sysDot"/>
-            </a:ln>
-          </p:spPr>
-          <p:style>
-            <a:lnRef idx="1">
-              <a:schemeClr val="accent1"/>
-            </a:lnRef>
-            <a:fillRef idx="0">
-              <a:schemeClr val="accent1"/>
-            </a:fillRef>
-            <a:effectRef idx="0">
-              <a:schemeClr val="accent1"/>
-            </a:effectRef>
-            <a:fontRef idx="minor">
-              <a:schemeClr val="tx1"/>
-            </a:fontRef>
-          </p:style>
-        </p:cxnSp>
-        <p:cxnSp>
-          <p:nvCxnSpPr>
-            <p:cNvPr id="30" name="Straight Connector 29">
-              <a:extLst>
-                <a:ext uri="{FF2B5EF4-FFF2-40B4-BE49-F238E27FC236}">
-                  <a16:creationId xmlns:a16="http://schemas.microsoft.com/office/drawing/2014/main" id="{464ED9CA-8950-47B8-A9ED-22B45CE15FBC}"/>
-                </a:ext>
-                <a:ext uri="{C183D7F6-B498-43B3-948B-1728B52AA6E4}">
-                  <adec:decorative xmlns:adec="http://schemas.microsoft.com/office/drawing/2017/decorative" val="1"/>
-                </a:ext>
-              </a:extLst>
-            </p:cNvPr>
-            <p:cNvCxnSpPr>
-              <a:cxnSpLocks/>
-            </p:cNvCxnSpPr>
-            <p:nvPr>
-              <p:extLst>
-                <p:ext uri="{386F3935-93C4-4BCD-93E2-E3B085C9AB24}">
-                  <p16:designElem xmlns:p16="http://schemas.microsoft.com/office/powerpoint/2015/main" val="1"/>
-                </p:ext>
-              </p:extLst>
-            </p:nvPr>
-          </p:nvCxnSpPr>
-          <p:spPr>
-            <a:xfrm>
-              <a:off x="0" y="1800359"/>
-              <a:ext cx="12192000" cy="0"/>
-            </a:xfrm>
-            <a:prstGeom prst="line">
-              <a:avLst/>
-            </a:prstGeom>
-            <a:ln w="12700">
-              <a:solidFill>
-                <a:srgbClr val="BCBCBC">
-                  <a:alpha val="29804"/>
-                </a:srgbClr>
-              </a:solidFill>
-              <a:prstDash val="sysDot"/>
-            </a:ln>
-          </p:spPr>
-          <p:style>
-            <a:lnRef idx="1">
-              <a:schemeClr val="accent1"/>
-            </a:lnRef>
-            <a:fillRef idx="0">
-              <a:schemeClr val="accent1"/>
-            </a:fillRef>
-            <a:effectRef idx="0">
-              <a:schemeClr val="accent1"/>
-            </a:effectRef>
-            <a:fontRef idx="minor">
-              <a:schemeClr val="tx1"/>
-            </a:fontRef>
-          </p:style>
-        </p:cxnSp>
-        <p:cxnSp>
-          <p:nvCxnSpPr>
-            <p:cNvPr id="31" name="Straight Connector 30">
-              <a:extLst>
-                <a:ext uri="{FF2B5EF4-FFF2-40B4-BE49-F238E27FC236}">
-                  <a16:creationId xmlns:a16="http://schemas.microsoft.com/office/drawing/2014/main" id="{E4429F7B-9FD7-438F-8ECA-3FCAD0061805}"/>
-                </a:ext>
-                <a:ext uri="{C183D7F6-B498-43B3-948B-1728B52AA6E4}">
-                  <adec:decorative xmlns:adec="http://schemas.microsoft.com/office/drawing/2017/decorative" val="1"/>
-                </a:ext>
-              </a:extLst>
-            </p:cNvPr>
-            <p:cNvCxnSpPr>
-              <a:cxnSpLocks/>
-            </p:cNvCxnSpPr>
-            <p:nvPr>
-              <p:extLst>
-                <p:ext uri="{386F3935-93C4-4BCD-93E2-E3B085C9AB24}">
-                  <p16:designElem xmlns:p16="http://schemas.microsoft.com/office/powerpoint/2015/main" val="1"/>
-                </p:ext>
-              </p:extLst>
-            </p:nvPr>
-          </p:nvCxnSpPr>
-          <p:spPr>
-            <a:xfrm>
-              <a:off x="0" y="2343240"/>
-              <a:ext cx="12192000" cy="0"/>
-            </a:xfrm>
-            <a:prstGeom prst="line">
-              <a:avLst/>
-            </a:prstGeom>
-            <a:ln w="12700">
-              <a:solidFill>
-                <a:srgbClr val="BCBCBC">
-                  <a:alpha val="29804"/>
-                </a:srgbClr>
-              </a:solidFill>
-              <a:prstDash val="sysDot"/>
-            </a:ln>
-          </p:spPr>
-          <p:style>
-            <a:lnRef idx="1">
-              <a:schemeClr val="accent1"/>
-            </a:lnRef>
-            <a:fillRef idx="0">
-              <a:schemeClr val="accent1"/>
-            </a:fillRef>
-            <a:effectRef idx="0">
-              <a:schemeClr val="accent1"/>
-            </a:effectRef>
-            <a:fontRef idx="minor">
-              <a:schemeClr val="tx1"/>
-            </a:fontRef>
-          </p:style>
-        </p:cxnSp>
-        <p:cxnSp>
-          <p:nvCxnSpPr>
-            <p:cNvPr id="32" name="Straight Connector 31">
-              <a:extLst>
-                <a:ext uri="{FF2B5EF4-FFF2-40B4-BE49-F238E27FC236}">
-                  <a16:creationId xmlns:a16="http://schemas.microsoft.com/office/drawing/2014/main" id="{0C558100-D455-4B41-890C-BCC898B2D165}"/>
-                </a:ext>
-                <a:ext uri="{C183D7F6-B498-43B3-948B-1728B52AA6E4}">
-                  <adec:decorative xmlns:adec="http://schemas.microsoft.com/office/drawing/2017/decorative" val="1"/>
-                </a:ext>
-              </a:extLst>
-            </p:cNvPr>
-            <p:cNvCxnSpPr>
-              <a:cxnSpLocks/>
-            </p:cNvCxnSpPr>
-            <p:nvPr>
-              <p:extLst>
-                <p:ext uri="{386F3935-93C4-4BCD-93E2-E3B085C9AB24}">
-                  <p16:designElem xmlns:p16="http://schemas.microsoft.com/office/powerpoint/2015/main" val="1"/>
-                </p:ext>
-              </p:extLst>
-            </p:nvPr>
-          </p:nvCxnSpPr>
-          <p:spPr>
-            <a:xfrm>
-              <a:off x="0" y="2886121"/>
-              <a:ext cx="12192000" cy="0"/>
-            </a:xfrm>
-            <a:prstGeom prst="line">
-              <a:avLst/>
-            </a:prstGeom>
-            <a:ln w="12700">
-              <a:solidFill>
-                <a:srgbClr val="BCBCBC">
-                  <a:alpha val="29804"/>
-                </a:srgbClr>
-              </a:solidFill>
-              <a:prstDash val="sysDot"/>
-            </a:ln>
-          </p:spPr>
-          <p:style>
-            <a:lnRef idx="1">
-              <a:schemeClr val="accent1"/>
-            </a:lnRef>
-            <a:fillRef idx="0">
-              <a:schemeClr val="accent1"/>
-            </a:fillRef>
-            <a:effectRef idx="0">
-              <a:schemeClr val="accent1"/>
-            </a:effectRef>
-            <a:fontRef idx="minor">
-              <a:schemeClr val="tx1"/>
-            </a:fontRef>
-          </p:style>
-        </p:cxnSp>
-        <p:cxnSp>
-          <p:nvCxnSpPr>
-            <p:cNvPr id="33" name="Straight Connector 32">
-              <a:extLst>
-                <a:ext uri="{FF2B5EF4-FFF2-40B4-BE49-F238E27FC236}">
-                  <a16:creationId xmlns:a16="http://schemas.microsoft.com/office/drawing/2014/main" id="{F2886397-398A-4318-BE16-2CBAC1902F9E}"/>
-                </a:ext>
-                <a:ext uri="{C183D7F6-B498-43B3-948B-1728B52AA6E4}">
-                  <adec:decorative xmlns:adec="http://schemas.microsoft.com/office/drawing/2017/decorative" val="1"/>
-                </a:ext>
-              </a:extLst>
-            </p:cNvPr>
-            <p:cNvCxnSpPr>
-              <a:cxnSpLocks/>
-            </p:cNvCxnSpPr>
-            <p:nvPr>
-              <p:extLst>
-                <p:ext uri="{386F3935-93C4-4BCD-93E2-E3B085C9AB24}">
-                  <p16:designElem xmlns:p16="http://schemas.microsoft.com/office/powerpoint/2015/main" val="1"/>
-                </p:ext>
-              </p:extLst>
-            </p:nvPr>
-          </p:nvCxnSpPr>
-          <p:spPr>
-            <a:xfrm>
-              <a:off x="0" y="3429002"/>
-              <a:ext cx="12192000" cy="0"/>
-            </a:xfrm>
-            <a:prstGeom prst="line">
-              <a:avLst/>
-            </a:prstGeom>
-            <a:ln w="12700">
-              <a:solidFill>
-                <a:srgbClr val="BCBCBC">
-                  <a:alpha val="29804"/>
-                </a:srgbClr>
-              </a:solidFill>
-              <a:prstDash val="sysDot"/>
-            </a:ln>
-          </p:spPr>
-          <p:style>
-            <a:lnRef idx="1">
-              <a:schemeClr val="accent1"/>
-            </a:lnRef>
-            <a:fillRef idx="0">
-              <a:schemeClr val="accent1"/>
-            </a:fillRef>
-            <a:effectRef idx="0">
-              <a:schemeClr val="accent1"/>
-            </a:effectRef>
-            <a:fontRef idx="minor">
-              <a:schemeClr val="tx1"/>
-            </a:fontRef>
-          </p:style>
-        </p:cxnSp>
-        <p:cxnSp>
-          <p:nvCxnSpPr>
-            <p:cNvPr id="34" name="Straight Connector 33">
-              <a:extLst>
-                <a:ext uri="{FF2B5EF4-FFF2-40B4-BE49-F238E27FC236}">
-                  <a16:creationId xmlns:a16="http://schemas.microsoft.com/office/drawing/2014/main" id="{7D32A3A6-CE6E-4ABD-8522-2C8DC88C070E}"/>
-                </a:ext>
-                <a:ext uri="{C183D7F6-B498-43B3-948B-1728B52AA6E4}">
-                  <adec:decorative xmlns:adec="http://schemas.microsoft.com/office/drawing/2017/decorative" val="1"/>
-                </a:ext>
-              </a:extLst>
-            </p:cNvPr>
-            <p:cNvCxnSpPr>
-              <a:cxnSpLocks/>
-            </p:cNvCxnSpPr>
-            <p:nvPr>
-              <p:extLst>
-                <p:ext uri="{386F3935-93C4-4BCD-93E2-E3B085C9AB24}">
-                  <p16:designElem xmlns:p16="http://schemas.microsoft.com/office/powerpoint/2015/main" val="1"/>
-                </p:ext>
-              </p:extLst>
-            </p:nvPr>
-          </p:nvCxnSpPr>
-          <p:spPr>
-            <a:xfrm>
-              <a:off x="0" y="3971883"/>
-              <a:ext cx="12192000" cy="0"/>
-            </a:xfrm>
-            <a:prstGeom prst="line">
-              <a:avLst/>
-            </a:prstGeom>
-            <a:ln w="12700">
-              <a:solidFill>
-                <a:srgbClr val="BCBCBC">
-                  <a:alpha val="29804"/>
-                </a:srgbClr>
-              </a:solidFill>
-              <a:prstDash val="sysDot"/>
-            </a:ln>
-          </p:spPr>
-          <p:style>
-            <a:lnRef idx="1">
-              <a:schemeClr val="accent1"/>
-            </a:lnRef>
-            <a:fillRef idx="0">
-              <a:schemeClr val="accent1"/>
-            </a:fillRef>
-            <a:effectRef idx="0">
-              <a:schemeClr val="accent1"/>
-            </a:effectRef>
-            <a:fontRef idx="minor">
-              <a:schemeClr val="tx1"/>
-            </a:fontRef>
-          </p:style>
-        </p:cxnSp>
-        <p:cxnSp>
-          <p:nvCxnSpPr>
-            <p:cNvPr id="35" name="Straight Connector 34">
-              <a:extLst>
-                <a:ext uri="{FF2B5EF4-FFF2-40B4-BE49-F238E27FC236}">
-                  <a16:creationId xmlns:a16="http://schemas.microsoft.com/office/drawing/2014/main" id="{F9014C09-5B84-4798-8BDE-C80D76E67B8E}"/>
-                </a:ext>
-                <a:ext uri="{C183D7F6-B498-43B3-948B-1728B52AA6E4}">
-                  <adec:decorative xmlns:adec="http://schemas.microsoft.com/office/drawing/2017/decorative" val="1"/>
-                </a:ext>
-              </a:extLst>
-            </p:cNvPr>
-            <p:cNvCxnSpPr>
-              <a:cxnSpLocks/>
-            </p:cNvCxnSpPr>
-            <p:nvPr>
-              <p:extLst>
-                <p:ext uri="{386F3935-93C4-4BCD-93E2-E3B085C9AB24}">
-                  <p16:designElem xmlns:p16="http://schemas.microsoft.com/office/powerpoint/2015/main" val="1"/>
-                </p:ext>
-              </p:extLst>
-            </p:nvPr>
-          </p:nvCxnSpPr>
-          <p:spPr>
-            <a:xfrm>
-              <a:off x="0" y="4514764"/>
-              <a:ext cx="12192000" cy="0"/>
-            </a:xfrm>
-            <a:prstGeom prst="line">
-              <a:avLst/>
-            </a:prstGeom>
-            <a:ln w="12700">
-              <a:solidFill>
-                <a:srgbClr val="BCBCBC">
-                  <a:alpha val="29804"/>
-                </a:srgbClr>
-              </a:solidFill>
-              <a:prstDash val="sysDot"/>
-            </a:ln>
-          </p:spPr>
-          <p:style>
-            <a:lnRef idx="1">
-              <a:schemeClr val="accent1"/>
-            </a:lnRef>
-            <a:fillRef idx="0">
-              <a:schemeClr val="accent1"/>
-            </a:fillRef>
-            <a:effectRef idx="0">
-              <a:schemeClr val="accent1"/>
-            </a:effectRef>
-            <a:fontRef idx="minor">
-              <a:schemeClr val="tx1"/>
-            </a:fontRef>
-          </p:style>
-        </p:cxnSp>
-        <p:cxnSp>
-          <p:nvCxnSpPr>
-            <p:cNvPr id="36" name="Straight Connector 35">
-              <a:extLst>
-                <a:ext uri="{FF2B5EF4-FFF2-40B4-BE49-F238E27FC236}">
-                  <a16:creationId xmlns:a16="http://schemas.microsoft.com/office/drawing/2014/main" id="{2A29EB9E-ED9D-4C69-8A26-9A7A0A830569}"/>
-                </a:ext>
-                <a:ext uri="{C183D7F6-B498-43B3-948B-1728B52AA6E4}">
-                  <adec:decorative xmlns:adec="http://schemas.microsoft.com/office/drawing/2017/decorative" val="1"/>
-                </a:ext>
-              </a:extLst>
-            </p:cNvPr>
-            <p:cNvCxnSpPr>
-              <a:cxnSpLocks/>
-            </p:cNvCxnSpPr>
-            <p:nvPr>
-              <p:extLst>
-                <p:ext uri="{386F3935-93C4-4BCD-93E2-E3B085C9AB24}">
-                  <p16:designElem xmlns:p16="http://schemas.microsoft.com/office/powerpoint/2015/main" val="1"/>
-                </p:ext>
-              </p:extLst>
-            </p:nvPr>
-          </p:nvCxnSpPr>
-          <p:spPr>
-            <a:xfrm>
-              <a:off x="0" y="5057645"/>
-              <a:ext cx="12192000" cy="0"/>
-            </a:xfrm>
-            <a:prstGeom prst="line">
-              <a:avLst/>
-            </a:prstGeom>
-            <a:ln w="12700">
-              <a:solidFill>
-                <a:srgbClr val="BCBCBC">
-                  <a:alpha val="29804"/>
-                </a:srgbClr>
-              </a:solidFill>
-              <a:prstDash val="sysDot"/>
-            </a:ln>
-          </p:spPr>
-          <p:style>
-            <a:lnRef idx="1">
-              <a:schemeClr val="accent1"/>
-            </a:lnRef>
-            <a:fillRef idx="0">
-              <a:schemeClr val="accent1"/>
-            </a:fillRef>
-            <a:effectRef idx="0">
-              <a:schemeClr val="accent1"/>
-            </a:effectRef>
-            <a:fontRef idx="minor">
-              <a:schemeClr val="tx1"/>
-            </a:fontRef>
-          </p:style>
-        </p:cxnSp>
-        <p:cxnSp>
-          <p:nvCxnSpPr>
-            <p:cNvPr id="37" name="Straight Connector 36">
-              <a:extLst>
-                <a:ext uri="{FF2B5EF4-FFF2-40B4-BE49-F238E27FC236}">
-                  <a16:creationId xmlns:a16="http://schemas.microsoft.com/office/drawing/2014/main" id="{AA2899F9-1795-416F-8F3D-26EEB684DB6A}"/>
-                </a:ext>
-                <a:ext uri="{C183D7F6-B498-43B3-948B-1728B52AA6E4}">
-                  <adec:decorative xmlns:adec="http://schemas.microsoft.com/office/drawing/2017/decorative" val="1"/>
-                </a:ext>
-              </a:extLst>
-            </p:cNvPr>
-            <p:cNvCxnSpPr>
-              <a:cxnSpLocks/>
-            </p:cNvCxnSpPr>
-            <p:nvPr>
-              <p:extLst>
-                <p:ext uri="{386F3935-93C4-4BCD-93E2-E3B085C9AB24}">
-                  <p16:designElem xmlns:p16="http://schemas.microsoft.com/office/powerpoint/2015/main" val="1"/>
-                </p:ext>
-              </p:extLst>
-            </p:nvPr>
-          </p:nvCxnSpPr>
-          <p:spPr>
-            <a:xfrm>
-              <a:off x="0" y="5600526"/>
-              <a:ext cx="12192000" cy="0"/>
-            </a:xfrm>
-            <a:prstGeom prst="line">
-              <a:avLst/>
-            </a:prstGeom>
-            <a:ln w="12700">
-              <a:solidFill>
-                <a:srgbClr val="BCBCBC">
-                  <a:alpha val="29804"/>
-                </a:srgbClr>
-              </a:solidFill>
-              <a:prstDash val="sysDot"/>
-            </a:ln>
-          </p:spPr>
-          <p:style>
-            <a:lnRef idx="1">
-              <a:schemeClr val="accent1"/>
-            </a:lnRef>
-            <a:fillRef idx="0">
-              <a:schemeClr val="accent1"/>
-            </a:fillRef>
-            <a:effectRef idx="0">
-              <a:schemeClr val="accent1"/>
-            </a:effectRef>
-            <a:fontRef idx="minor">
-              <a:schemeClr val="tx1"/>
-            </a:fontRef>
-          </p:style>
-        </p:cxnSp>
-        <p:cxnSp>
-          <p:nvCxnSpPr>
-            <p:cNvPr id="38" name="Straight Connector 37">
-              <a:extLst>
-                <a:ext uri="{FF2B5EF4-FFF2-40B4-BE49-F238E27FC236}">
-                  <a16:creationId xmlns:a16="http://schemas.microsoft.com/office/drawing/2014/main" id="{E3043474-8625-495C-BD06-3627FD286C55}"/>
-                </a:ext>
-                <a:ext uri="{C183D7F6-B498-43B3-948B-1728B52AA6E4}">
-                  <adec:decorative xmlns:adec="http://schemas.microsoft.com/office/drawing/2017/decorative" val="1"/>
-                </a:ext>
-              </a:extLst>
-            </p:cNvPr>
-            <p:cNvCxnSpPr>
-              <a:cxnSpLocks/>
-            </p:cNvCxnSpPr>
-            <p:nvPr>
-              <p:extLst>
-                <p:ext uri="{386F3935-93C4-4BCD-93E2-E3B085C9AB24}">
-                  <p16:designElem xmlns:p16="http://schemas.microsoft.com/office/powerpoint/2015/main" val="1"/>
-                </p:ext>
-              </p:extLst>
-            </p:nvPr>
-          </p:nvCxnSpPr>
-          <p:spPr>
-            <a:xfrm>
-              <a:off x="0" y="6857999"/>
-              <a:ext cx="12192000" cy="0"/>
-            </a:xfrm>
-            <a:prstGeom prst="line">
-              <a:avLst/>
-            </a:prstGeom>
-            <a:ln w="12700">
-              <a:solidFill>
-                <a:srgbClr val="BCBCBC">
-                  <a:alpha val="29804"/>
-                </a:srgbClr>
-              </a:solidFill>
-              <a:prstDash val="sysDot"/>
-            </a:ln>
-          </p:spPr>
-          <p:style>
-            <a:lnRef idx="1">
-              <a:schemeClr val="accent1"/>
-            </a:lnRef>
-            <a:fillRef idx="0">
-              <a:schemeClr val="accent1"/>
-            </a:fillRef>
-            <a:effectRef idx="0">
-              <a:schemeClr val="accent1"/>
-            </a:effectRef>
-            <a:fontRef idx="minor">
-              <a:schemeClr val="tx1"/>
-            </a:fontRef>
-          </p:style>
-        </p:cxnSp>
-        <p:cxnSp>
-          <p:nvCxnSpPr>
-            <p:cNvPr id="39" name="Straight Connector 38">
-              <a:extLst>
-                <a:ext uri="{FF2B5EF4-FFF2-40B4-BE49-F238E27FC236}">
-                  <a16:creationId xmlns:a16="http://schemas.microsoft.com/office/drawing/2014/main" id="{D432CE47-7631-408E-8DDC-79EE378B707B}"/>
-                </a:ext>
-                <a:ext uri="{C183D7F6-B498-43B3-948B-1728B52AA6E4}">
-                  <adec:decorative xmlns:adec="http://schemas.microsoft.com/office/drawing/2017/decorative" val="1"/>
-                </a:ext>
-              </a:extLst>
-            </p:cNvPr>
-            <p:cNvCxnSpPr>
-              <a:cxnSpLocks/>
-            </p:cNvCxnSpPr>
-            <p:nvPr>
-              <p:extLst>
-                <p:ext uri="{386F3935-93C4-4BCD-93E2-E3B085C9AB24}">
-                  <p16:designElem xmlns:p16="http://schemas.microsoft.com/office/powerpoint/2015/main" val="1"/>
-                </p:ext>
-              </p:extLst>
-            </p:nvPr>
-          </p:nvCxnSpPr>
-          <p:spPr>
-            <a:xfrm>
-              <a:off x="16613" y="6143407"/>
-              <a:ext cx="12192000" cy="0"/>
-            </a:xfrm>
-            <a:prstGeom prst="line">
-              <a:avLst/>
-            </a:prstGeom>
-            <a:ln w="12700">
-              <a:solidFill>
-                <a:srgbClr val="BCBCBC">
-                  <a:alpha val="29804"/>
-                </a:srgbClr>
-              </a:solidFill>
-              <a:prstDash val="sysDot"/>
-            </a:ln>
-          </p:spPr>
-          <p:style>
-            <a:lnRef idx="1">
-              <a:schemeClr val="accent1"/>
-            </a:lnRef>
-            <a:fillRef idx="0">
-              <a:schemeClr val="accent1"/>
-            </a:fillRef>
-            <a:effectRef idx="0">
-              <a:schemeClr val="accent1"/>
-            </a:effectRef>
-            <a:fontRef idx="minor">
-              <a:schemeClr val="tx1"/>
-            </a:fontRef>
-          </p:style>
-        </p:cxnSp>
-        <p:cxnSp>
-          <p:nvCxnSpPr>
-            <p:cNvPr id="40" name="Straight Connector 39">
-              <a:extLst>
-                <a:ext uri="{FF2B5EF4-FFF2-40B4-BE49-F238E27FC236}">
-                  <a16:creationId xmlns:a16="http://schemas.microsoft.com/office/drawing/2014/main" id="{B2C8832D-8B8D-4036-B913-2D363143274B}"/>
-                </a:ext>
-                <a:ext uri="{C183D7F6-B498-43B3-948B-1728B52AA6E4}">
-                  <adec:decorative xmlns:adec="http://schemas.microsoft.com/office/drawing/2017/decorative" val="1"/>
-                </a:ext>
-              </a:extLst>
-            </p:cNvPr>
-            <p:cNvCxnSpPr>
-              <a:cxnSpLocks/>
-            </p:cNvCxnSpPr>
-            <p:nvPr>
-              <p:extLst>
-                <p:ext uri="{386F3935-93C4-4BCD-93E2-E3B085C9AB24}">
-                  <p16:designElem xmlns:p16="http://schemas.microsoft.com/office/powerpoint/2015/main" val="1"/>
-                </p:ext>
-              </p:extLst>
-            </p:nvPr>
-          </p:nvCxnSpPr>
-          <p:spPr>
-            <a:xfrm>
-              <a:off x="684225" y="171716"/>
-              <a:ext cx="0" cy="6511464"/>
-            </a:xfrm>
-            <a:prstGeom prst="line">
-              <a:avLst/>
-            </a:prstGeom>
-            <a:ln w="12700">
-              <a:solidFill>
-                <a:srgbClr val="BCBCBC">
-                  <a:alpha val="29804"/>
-                </a:srgbClr>
-              </a:solidFill>
-              <a:prstDash val="sysDot"/>
-            </a:ln>
-          </p:spPr>
-          <p:style>
-            <a:lnRef idx="1">
-              <a:schemeClr val="accent1"/>
-            </a:lnRef>
-            <a:fillRef idx="0">
-              <a:schemeClr val="accent1"/>
-            </a:fillRef>
-            <a:effectRef idx="0">
-              <a:schemeClr val="accent1"/>
-            </a:effectRef>
-            <a:fontRef idx="minor">
-              <a:schemeClr val="tx1"/>
-            </a:fontRef>
-          </p:style>
-        </p:cxnSp>
-        <p:cxnSp>
-          <p:nvCxnSpPr>
-            <p:cNvPr id="41" name="Straight Connector 40">
-              <a:extLst>
-                <a:ext uri="{FF2B5EF4-FFF2-40B4-BE49-F238E27FC236}">
-                  <a16:creationId xmlns:a16="http://schemas.microsoft.com/office/drawing/2014/main" id="{1CCEFEAF-E87B-4FF2-A947-94CABAA0610D}"/>
-                </a:ext>
-                <a:ext uri="{C183D7F6-B498-43B3-948B-1728B52AA6E4}">
-                  <adec:decorative xmlns:adec="http://schemas.microsoft.com/office/drawing/2017/decorative" val="1"/>
-                </a:ext>
-              </a:extLst>
-            </p:cNvPr>
-            <p:cNvCxnSpPr>
-              <a:cxnSpLocks/>
-            </p:cNvCxnSpPr>
-            <p:nvPr>
-              <p:extLst>
-                <p:ext uri="{386F3935-93C4-4BCD-93E2-E3B085C9AB24}">
-                  <p16:designElem xmlns:p16="http://schemas.microsoft.com/office/powerpoint/2015/main" val="1"/>
-                </p:ext>
-              </p:extLst>
-            </p:nvPr>
-          </p:nvCxnSpPr>
-          <p:spPr>
-            <a:xfrm>
-              <a:off x="11508412" y="173267"/>
-              <a:ext cx="0" cy="6511464"/>
-            </a:xfrm>
-            <a:prstGeom prst="line">
-              <a:avLst/>
-            </a:prstGeom>
-            <a:ln w="12700">
-              <a:solidFill>
-                <a:srgbClr val="BCBCBC">
-                  <a:alpha val="29804"/>
-                </a:srgbClr>
-              </a:solidFill>
-              <a:prstDash val="sysDot"/>
-            </a:ln>
-          </p:spPr>
-          <p:style>
-            <a:lnRef idx="1">
-              <a:schemeClr val="accent1"/>
-            </a:lnRef>
-            <a:fillRef idx="0">
-              <a:schemeClr val="accent1"/>
-            </a:fillRef>
-            <a:effectRef idx="0">
-              <a:schemeClr val="accent1"/>
-            </a:effectRef>
-            <a:fontRef idx="minor">
-              <a:schemeClr val="tx1"/>
-            </a:fontRef>
-          </p:style>
-        </p:cxnSp>
-      </p:grpSp>
-      <p:sp>
-        <p:nvSpPr>
-          <p:cNvPr id="43" name="Right Triangle 42">
-            <a:extLst>
-              <a:ext uri="{FF2B5EF4-FFF2-40B4-BE49-F238E27FC236}">
-                <a16:creationId xmlns:a16="http://schemas.microsoft.com/office/drawing/2014/main" id="{2437C4A8-8E3A-4ADA-93B9-64737CE1ABB1}"/>
-              </a:ext>
-              <a:ext uri="{C183D7F6-B498-43B3-948B-1728B52AA6E4}">
-                <adec:decorative xmlns:adec="http://schemas.microsoft.com/office/drawing/2017/decorative" val="1"/>
-              </a:ext>
-            </a:extLst>
-          </p:cNvPr>
-          <p:cNvSpPr>
-            <a:spLocks noGrp="1" noRot="1" noChangeAspect="1" noMove="1" noResize="1" noEditPoints="1" noAdjustHandles="1" noChangeArrowheads="1" noChangeShapeType="1" noTextEdit="1"/>
-          </p:cNvSpPr>
-          <p:nvPr>
-            <p:extLst>
-              <p:ext uri="{386F3935-93C4-4BCD-93E2-E3B085C9AB24}">
-                <p16:designElem xmlns:p16="http://schemas.microsoft.com/office/powerpoint/2015/main" val="1"/>
-              </p:ext>
-            </p:extLst>
-          </p:nvPr>
-        </p:nvSpPr>
-        <p:spPr>
-          <a:xfrm rot="13500000">
-            <a:off x="-281093" y="2607907"/>
-            <a:ext cx="568289" cy="568289"/>
-          </a:xfrm>
-          <a:prstGeom prst="rtTriangle">
-            <a:avLst/>
-          </a:prstGeom>
-          <a:solidFill>
-            <a:schemeClr val="accent1">
-              <a:alpha val="50000"/>
-            </a:schemeClr>
-          </a:solidFill>
-          <a:ln>
-            <a:noFill/>
-          </a:ln>
-        </p:spPr>
-        <p:style>
-          <a:lnRef idx="2">
-            <a:schemeClr val="accent1">
-              <a:shade val="50000"/>
-            </a:schemeClr>
-          </a:lnRef>
-          <a:fillRef idx="1">
-            <a:schemeClr val="accent1"/>
-          </a:fillRef>
-          <a:effectRef idx="0">
-            <a:schemeClr val="accent1"/>
-          </a:effectRef>
-          <a:fontRef idx="minor">
-            <a:schemeClr val="lt1"/>
-          </a:fontRef>
-        </p:style>
-        <p:txBody>
-          <a:bodyPr rtlCol="0" anchor="ctr"/>
-          <a:lstStyle/>
-          <a:p>
-            <a:pPr algn="ctr"/>
-            <a:endParaRPr lang="en-US">
-              <a:solidFill>
-                <a:schemeClr val="tx1"/>
-              </a:solidFill>
-            </a:endParaRPr>
-          </a:p>
-        </p:txBody>
-      </p:sp>
-      <p:sp useBgFill="1">
-        <p:nvSpPr>
-          <p:cNvPr id="45" name="Rectangle 44">
-            <a:extLst>
-              <a:ext uri="{FF2B5EF4-FFF2-40B4-BE49-F238E27FC236}">
-                <a16:creationId xmlns:a16="http://schemas.microsoft.com/office/drawing/2014/main" id="{13B6DAC6-0186-4D62-AD69-90B9C0411EA3}"/>
+                <a16:creationId xmlns:a16="http://schemas.microsoft.com/office/drawing/2014/main" id="{1C582B07-D0F0-4B6B-A5D9-D2F192CB3A4E}"/>
               </a:ext>
               <a:ext uri="{C183D7F6-B498-43B3-948B-1728B52AA6E4}">
                 <adec:decorative xmlns:adec="http://schemas.microsoft.com/office/drawing/2017/decorative" val="1"/>
@@ -18586,10 +16828,10 @@
       </p:sp>
       <p:grpSp>
         <p:nvGrpSpPr>
-          <p:cNvPr id="47" name="Group 46">
+          <p:cNvPr id="318" name="Group 317">
             <a:extLst>
               <a:ext uri="{FF2B5EF4-FFF2-40B4-BE49-F238E27FC236}">
-                <a16:creationId xmlns:a16="http://schemas.microsoft.com/office/drawing/2014/main" id="{2805421D-23CB-40F5-9098-D716667E5BB6}"/>
+                <a16:creationId xmlns:a16="http://schemas.microsoft.com/office/drawing/2014/main" id="{5591A4A5-C00F-4B45-9735-FD2841BF348B}"/>
               </a:ext>
               <a:ext uri="{C183D7F6-B498-43B3-948B-1728B52AA6E4}">
                 <adec:decorative xmlns:adec="http://schemas.microsoft.com/office/drawing/2017/decorative" val="1"/>
@@ -18617,10 +16859,10 @@
         </p:grpSpPr>
         <p:cxnSp>
           <p:nvCxnSpPr>
-            <p:cNvPr id="48" name="Straight Connector 47">
-              <a:extLst>
-                <a:ext uri="{FF2B5EF4-FFF2-40B4-BE49-F238E27FC236}">
-                  <a16:creationId xmlns:a16="http://schemas.microsoft.com/office/drawing/2014/main" id="{EBEDFB19-5DE1-4CA8-842F-CF9657C9B52E}"/>
+            <p:cNvPr id="319" name="Straight Connector 318">
+              <a:extLst>
+                <a:ext uri="{FF2B5EF4-FFF2-40B4-BE49-F238E27FC236}">
+                  <a16:creationId xmlns:a16="http://schemas.microsoft.com/office/drawing/2014/main" id="{7A16FDB6-C8B8-4BB9-B5F6-C9E7D1549AD5}"/>
                 </a:ext>
                 <a:ext uri="{C183D7F6-B498-43B3-948B-1728B52AA6E4}">
                   <adec:decorative xmlns:adec="http://schemas.microsoft.com/office/drawing/2017/decorative" val="1"/>
@@ -18672,10 +16914,10 @@
         </p:cxnSp>
         <p:cxnSp>
           <p:nvCxnSpPr>
-            <p:cNvPr id="49" name="Straight Connector 48">
-              <a:extLst>
-                <a:ext uri="{FF2B5EF4-FFF2-40B4-BE49-F238E27FC236}">
-                  <a16:creationId xmlns:a16="http://schemas.microsoft.com/office/drawing/2014/main" id="{8B04A073-94DC-4578-A9E2-F2E11D914E22}"/>
+            <p:cNvPr id="320" name="Straight Connector 319">
+              <a:extLst>
+                <a:ext uri="{FF2B5EF4-FFF2-40B4-BE49-F238E27FC236}">
+                  <a16:creationId xmlns:a16="http://schemas.microsoft.com/office/drawing/2014/main" id="{D65D67BC-2831-45D1-804D-2B848B7FF616}"/>
                 </a:ext>
                 <a:ext uri="{C183D7F6-B498-43B3-948B-1728B52AA6E4}">
                   <adec:decorative xmlns:adec="http://schemas.microsoft.com/office/drawing/2017/decorative" val="1"/>
@@ -18727,10 +16969,10 @@
         </p:cxnSp>
         <p:cxnSp>
           <p:nvCxnSpPr>
-            <p:cNvPr id="50" name="Straight Connector 49">
-              <a:extLst>
-                <a:ext uri="{FF2B5EF4-FFF2-40B4-BE49-F238E27FC236}">
-                  <a16:creationId xmlns:a16="http://schemas.microsoft.com/office/drawing/2014/main" id="{77F7BBB2-E3AC-457B-807F-64236CF3029F}"/>
+            <p:cNvPr id="321" name="Straight Connector 320">
+              <a:extLst>
+                <a:ext uri="{FF2B5EF4-FFF2-40B4-BE49-F238E27FC236}">
+                  <a16:creationId xmlns:a16="http://schemas.microsoft.com/office/drawing/2014/main" id="{B3254059-39EC-48CC-B948-9EE6B0551757}"/>
                 </a:ext>
                 <a:ext uri="{C183D7F6-B498-43B3-948B-1728B52AA6E4}">
                   <adec:decorative xmlns:adec="http://schemas.microsoft.com/office/drawing/2017/decorative" val="1"/>
@@ -18782,10 +17024,10 @@
         </p:cxnSp>
         <p:cxnSp>
           <p:nvCxnSpPr>
-            <p:cNvPr id="51" name="Straight Connector 50">
-              <a:extLst>
-                <a:ext uri="{FF2B5EF4-FFF2-40B4-BE49-F238E27FC236}">
-                  <a16:creationId xmlns:a16="http://schemas.microsoft.com/office/drawing/2014/main" id="{30853883-33B5-4C34-9FBE-49F74C507617}"/>
+            <p:cNvPr id="322" name="Straight Connector 321">
+              <a:extLst>
+                <a:ext uri="{FF2B5EF4-FFF2-40B4-BE49-F238E27FC236}">
+                  <a16:creationId xmlns:a16="http://schemas.microsoft.com/office/drawing/2014/main" id="{AF3E0572-7D5E-4FAA-B67C-23A9C6D71552}"/>
                 </a:ext>
                 <a:ext uri="{C183D7F6-B498-43B3-948B-1728B52AA6E4}">
                   <adec:decorative xmlns:adec="http://schemas.microsoft.com/office/drawing/2017/decorative" val="1"/>
@@ -18837,10 +17079,10 @@
         </p:cxnSp>
         <p:cxnSp>
           <p:nvCxnSpPr>
-            <p:cNvPr id="52" name="Straight Connector 51">
-              <a:extLst>
-                <a:ext uri="{FF2B5EF4-FFF2-40B4-BE49-F238E27FC236}">
-                  <a16:creationId xmlns:a16="http://schemas.microsoft.com/office/drawing/2014/main" id="{23148E7B-B5D6-4263-9D85-5D3DFB6178AE}"/>
+            <p:cNvPr id="323" name="Straight Connector 322">
+              <a:extLst>
+                <a:ext uri="{FF2B5EF4-FFF2-40B4-BE49-F238E27FC236}">
+                  <a16:creationId xmlns:a16="http://schemas.microsoft.com/office/drawing/2014/main" id="{2C5F1231-CF22-4258-B764-592B6CB8DC08}"/>
                 </a:ext>
                 <a:ext uri="{C183D7F6-B498-43B3-948B-1728B52AA6E4}">
                   <adec:decorative xmlns:adec="http://schemas.microsoft.com/office/drawing/2017/decorative" val="1"/>
@@ -18892,10 +17134,10 @@
         </p:cxnSp>
         <p:cxnSp>
           <p:nvCxnSpPr>
-            <p:cNvPr id="53" name="Straight Connector 52">
-              <a:extLst>
-                <a:ext uri="{FF2B5EF4-FFF2-40B4-BE49-F238E27FC236}">
-                  <a16:creationId xmlns:a16="http://schemas.microsoft.com/office/drawing/2014/main" id="{3967EC22-EFE1-454E-8FD1-12FFCD9D20FE}"/>
+            <p:cNvPr id="324" name="Straight Connector 323">
+              <a:extLst>
+                <a:ext uri="{FF2B5EF4-FFF2-40B4-BE49-F238E27FC236}">
+                  <a16:creationId xmlns:a16="http://schemas.microsoft.com/office/drawing/2014/main" id="{1B2C5387-42A2-4464-BF18-E70B0227B921}"/>
                 </a:ext>
                 <a:ext uri="{C183D7F6-B498-43B3-948B-1728B52AA6E4}">
                   <adec:decorative xmlns:adec="http://schemas.microsoft.com/office/drawing/2017/decorative" val="1"/>
@@ -18947,10 +17189,10 @@
         </p:cxnSp>
         <p:cxnSp>
           <p:nvCxnSpPr>
-            <p:cNvPr id="54" name="Straight Connector 53">
-              <a:extLst>
-                <a:ext uri="{FF2B5EF4-FFF2-40B4-BE49-F238E27FC236}">
-                  <a16:creationId xmlns:a16="http://schemas.microsoft.com/office/drawing/2014/main" id="{549EB4AF-9931-410A-9F68-C24B6C39EC09}"/>
+            <p:cNvPr id="325" name="Straight Connector 324">
+              <a:extLst>
+                <a:ext uri="{FF2B5EF4-FFF2-40B4-BE49-F238E27FC236}">
+                  <a16:creationId xmlns:a16="http://schemas.microsoft.com/office/drawing/2014/main" id="{2926F39D-AFC8-4FF6-9211-84AA77717625}"/>
                 </a:ext>
                 <a:ext uri="{C183D7F6-B498-43B3-948B-1728B52AA6E4}">
                   <adec:decorative xmlns:adec="http://schemas.microsoft.com/office/drawing/2017/decorative" val="1"/>
@@ -19002,10 +17244,10 @@
         </p:cxnSp>
         <p:cxnSp>
           <p:nvCxnSpPr>
-            <p:cNvPr id="55" name="Straight Connector 54">
-              <a:extLst>
-                <a:ext uri="{FF2B5EF4-FFF2-40B4-BE49-F238E27FC236}">
-                  <a16:creationId xmlns:a16="http://schemas.microsoft.com/office/drawing/2014/main" id="{64941F79-4D72-496E-AE99-73B9E1F729DF}"/>
+            <p:cNvPr id="326" name="Straight Connector 325">
+              <a:extLst>
+                <a:ext uri="{FF2B5EF4-FFF2-40B4-BE49-F238E27FC236}">
+                  <a16:creationId xmlns:a16="http://schemas.microsoft.com/office/drawing/2014/main" id="{0D812696-9AF7-4D2B-A041-80C015F33AAB}"/>
                 </a:ext>
                 <a:ext uri="{C183D7F6-B498-43B3-948B-1728B52AA6E4}">
                   <adec:decorative xmlns:adec="http://schemas.microsoft.com/office/drawing/2017/decorative" val="1"/>
@@ -19057,10 +17299,10 @@
         </p:cxnSp>
         <p:cxnSp>
           <p:nvCxnSpPr>
-            <p:cNvPr id="56" name="Straight Connector 55">
-              <a:extLst>
-                <a:ext uri="{FF2B5EF4-FFF2-40B4-BE49-F238E27FC236}">
-                  <a16:creationId xmlns:a16="http://schemas.microsoft.com/office/drawing/2014/main" id="{2D4E79B3-CB64-439D-B1FC-FC4BF47CD42A}"/>
+            <p:cNvPr id="327" name="Straight Connector 326">
+              <a:extLst>
+                <a:ext uri="{FF2B5EF4-FFF2-40B4-BE49-F238E27FC236}">
+                  <a16:creationId xmlns:a16="http://schemas.microsoft.com/office/drawing/2014/main" id="{CE6CB557-1E5B-4D2D-9330-8EB4AF7307C4}"/>
                 </a:ext>
                 <a:ext uri="{C183D7F6-B498-43B3-948B-1728B52AA6E4}">
                   <adec:decorative xmlns:adec="http://schemas.microsoft.com/office/drawing/2017/decorative" val="1"/>
@@ -19112,10 +17354,10 @@
         </p:cxnSp>
         <p:cxnSp>
           <p:nvCxnSpPr>
-            <p:cNvPr id="57" name="Straight Connector 56">
-              <a:extLst>
-                <a:ext uri="{FF2B5EF4-FFF2-40B4-BE49-F238E27FC236}">
-                  <a16:creationId xmlns:a16="http://schemas.microsoft.com/office/drawing/2014/main" id="{192598D1-4713-4DC0-BD6B-7CC594357AB0}"/>
+            <p:cNvPr id="328" name="Straight Connector 327">
+              <a:extLst>
+                <a:ext uri="{FF2B5EF4-FFF2-40B4-BE49-F238E27FC236}">
+                  <a16:creationId xmlns:a16="http://schemas.microsoft.com/office/drawing/2014/main" id="{A03A4B30-3A15-4294-9BED-E7317857F060}"/>
                 </a:ext>
                 <a:ext uri="{C183D7F6-B498-43B3-948B-1728B52AA6E4}">
                   <adec:decorative xmlns:adec="http://schemas.microsoft.com/office/drawing/2017/decorative" val="1"/>
@@ -19167,10 +17409,10 @@
         </p:cxnSp>
         <p:cxnSp>
           <p:nvCxnSpPr>
-            <p:cNvPr id="58" name="Straight Connector 57">
-              <a:extLst>
-                <a:ext uri="{FF2B5EF4-FFF2-40B4-BE49-F238E27FC236}">
-                  <a16:creationId xmlns:a16="http://schemas.microsoft.com/office/drawing/2014/main" id="{F5EB19DC-1DB5-4675-A6DE-6360F0AD76BE}"/>
+            <p:cNvPr id="329" name="Straight Connector 328">
+              <a:extLst>
+                <a:ext uri="{FF2B5EF4-FFF2-40B4-BE49-F238E27FC236}">
+                  <a16:creationId xmlns:a16="http://schemas.microsoft.com/office/drawing/2014/main" id="{0E7B8343-CDF9-4023-9FBF-F4ADE601B2AC}"/>
                 </a:ext>
                 <a:ext uri="{C183D7F6-B498-43B3-948B-1728B52AA6E4}">
                   <adec:decorative xmlns:adec="http://schemas.microsoft.com/office/drawing/2017/decorative" val="1"/>
@@ -19222,10 +17464,10 @@
         </p:cxnSp>
         <p:cxnSp>
           <p:nvCxnSpPr>
-            <p:cNvPr id="59" name="Straight Connector 58">
-              <a:extLst>
-                <a:ext uri="{FF2B5EF4-FFF2-40B4-BE49-F238E27FC236}">
-                  <a16:creationId xmlns:a16="http://schemas.microsoft.com/office/drawing/2014/main" id="{E05E56D6-1D38-4913-B543-41ECE2C46BE4}"/>
+            <p:cNvPr id="330" name="Straight Connector 329">
+              <a:extLst>
+                <a:ext uri="{FF2B5EF4-FFF2-40B4-BE49-F238E27FC236}">
+                  <a16:creationId xmlns:a16="http://schemas.microsoft.com/office/drawing/2014/main" id="{9BB30BD5-639D-4F53-BC6C-2A8D0FFFE52A}"/>
                 </a:ext>
                 <a:ext uri="{C183D7F6-B498-43B3-948B-1728B52AA6E4}">
                   <adec:decorative xmlns:adec="http://schemas.microsoft.com/office/drawing/2017/decorative" val="1"/>
@@ -19277,10 +17519,10 @@
         </p:cxnSp>
         <p:cxnSp>
           <p:nvCxnSpPr>
-            <p:cNvPr id="60" name="Straight Connector 59">
-              <a:extLst>
-                <a:ext uri="{FF2B5EF4-FFF2-40B4-BE49-F238E27FC236}">
-                  <a16:creationId xmlns:a16="http://schemas.microsoft.com/office/drawing/2014/main" id="{BF6ACC1A-6B97-4B0B-A036-F8189062361F}"/>
+            <p:cNvPr id="331" name="Straight Connector 330">
+              <a:extLst>
+                <a:ext uri="{FF2B5EF4-FFF2-40B4-BE49-F238E27FC236}">
+                  <a16:creationId xmlns:a16="http://schemas.microsoft.com/office/drawing/2014/main" id="{8D7E1947-04B8-4F0B-9E3C-FC4E26D618F3}"/>
                 </a:ext>
                 <a:ext uri="{C183D7F6-B498-43B3-948B-1728B52AA6E4}">
                   <adec:decorative xmlns:adec="http://schemas.microsoft.com/office/drawing/2017/decorative" val="1"/>
@@ -19332,10 +17574,10 @@
         </p:cxnSp>
         <p:cxnSp>
           <p:nvCxnSpPr>
-            <p:cNvPr id="61" name="Straight Connector 60">
-              <a:extLst>
-                <a:ext uri="{FF2B5EF4-FFF2-40B4-BE49-F238E27FC236}">
-                  <a16:creationId xmlns:a16="http://schemas.microsoft.com/office/drawing/2014/main" id="{72197E3E-AC71-447A-A5F1-AC337FD73650}"/>
+            <p:cNvPr id="332" name="Straight Connector 331">
+              <a:extLst>
+                <a:ext uri="{FF2B5EF4-FFF2-40B4-BE49-F238E27FC236}">
+                  <a16:creationId xmlns:a16="http://schemas.microsoft.com/office/drawing/2014/main" id="{83EDB6D6-D309-48D4-87F4-AAED7C57C747}"/>
                 </a:ext>
                 <a:ext uri="{C183D7F6-B498-43B3-948B-1728B52AA6E4}">
                   <adec:decorative xmlns:adec="http://schemas.microsoft.com/office/drawing/2017/decorative" val="1"/>
@@ -19387,10 +17629,10 @@
         </p:cxnSp>
         <p:cxnSp>
           <p:nvCxnSpPr>
-            <p:cNvPr id="62" name="Straight Connector 61">
-              <a:extLst>
-                <a:ext uri="{FF2B5EF4-FFF2-40B4-BE49-F238E27FC236}">
-                  <a16:creationId xmlns:a16="http://schemas.microsoft.com/office/drawing/2014/main" id="{337D0DA4-9FA9-4502-8296-6DD8842C3A57}"/>
+            <p:cNvPr id="333" name="Straight Connector 332">
+              <a:extLst>
+                <a:ext uri="{FF2B5EF4-FFF2-40B4-BE49-F238E27FC236}">
+                  <a16:creationId xmlns:a16="http://schemas.microsoft.com/office/drawing/2014/main" id="{0F2E163F-B043-43B7-85CE-36F2136BAB3D}"/>
                 </a:ext>
                 <a:ext uri="{C183D7F6-B498-43B3-948B-1728B52AA6E4}">
                   <adec:decorative xmlns:adec="http://schemas.microsoft.com/office/drawing/2017/decorative" val="1"/>
@@ -19442,10 +17684,10 @@
         </p:cxnSp>
         <p:cxnSp>
           <p:nvCxnSpPr>
-            <p:cNvPr id="63" name="Straight Connector 62">
-              <a:extLst>
-                <a:ext uri="{FF2B5EF4-FFF2-40B4-BE49-F238E27FC236}">
-                  <a16:creationId xmlns:a16="http://schemas.microsoft.com/office/drawing/2014/main" id="{EA94CC6E-AA45-4AFF-8EC6-17FE421734F4}"/>
+            <p:cNvPr id="334" name="Straight Connector 333">
+              <a:extLst>
+                <a:ext uri="{FF2B5EF4-FFF2-40B4-BE49-F238E27FC236}">
+                  <a16:creationId xmlns:a16="http://schemas.microsoft.com/office/drawing/2014/main" id="{1F6CB03C-E3B1-4D22-ABA3-986CC09FB303}"/>
                 </a:ext>
                 <a:ext uri="{C183D7F6-B498-43B3-948B-1728B52AA6E4}">
                   <adec:decorative xmlns:adec="http://schemas.microsoft.com/office/drawing/2017/decorative" val="1"/>
@@ -19497,10 +17739,10 @@
         </p:cxnSp>
         <p:cxnSp>
           <p:nvCxnSpPr>
-            <p:cNvPr id="64" name="Straight Connector 63">
-              <a:extLst>
-                <a:ext uri="{FF2B5EF4-FFF2-40B4-BE49-F238E27FC236}">
-                  <a16:creationId xmlns:a16="http://schemas.microsoft.com/office/drawing/2014/main" id="{B330A0C5-0C67-4AC8-9F75-D63277BFF757}"/>
+            <p:cNvPr id="335" name="Straight Connector 334">
+              <a:extLst>
+                <a:ext uri="{FF2B5EF4-FFF2-40B4-BE49-F238E27FC236}">
+                  <a16:creationId xmlns:a16="http://schemas.microsoft.com/office/drawing/2014/main" id="{39B41E31-EE5F-423F-8B88-3B56009A3490}"/>
                 </a:ext>
                 <a:ext uri="{C183D7F6-B498-43B3-948B-1728B52AA6E4}">
                   <adec:decorative xmlns:adec="http://schemas.microsoft.com/office/drawing/2017/decorative" val="1"/>
@@ -19552,10 +17794,10 @@
         </p:cxnSp>
         <p:cxnSp>
           <p:nvCxnSpPr>
-            <p:cNvPr id="65" name="Straight Connector 64">
-              <a:extLst>
-                <a:ext uri="{FF2B5EF4-FFF2-40B4-BE49-F238E27FC236}">
-                  <a16:creationId xmlns:a16="http://schemas.microsoft.com/office/drawing/2014/main" id="{310410FE-F829-4EB2-98EE-397D51FC5984}"/>
+            <p:cNvPr id="336" name="Straight Connector 335">
+              <a:extLst>
+                <a:ext uri="{FF2B5EF4-FFF2-40B4-BE49-F238E27FC236}">
+                  <a16:creationId xmlns:a16="http://schemas.microsoft.com/office/drawing/2014/main" id="{B59D4FE6-B271-4427-8273-0B80EF13668E}"/>
                 </a:ext>
                 <a:ext uri="{C183D7F6-B498-43B3-948B-1728B52AA6E4}">
                   <adec:decorative xmlns:adec="http://schemas.microsoft.com/office/drawing/2017/decorative" val="1"/>
@@ -19607,10 +17849,10 @@
         </p:cxnSp>
         <p:cxnSp>
           <p:nvCxnSpPr>
-            <p:cNvPr id="66" name="Straight Connector 65">
-              <a:extLst>
-                <a:ext uri="{FF2B5EF4-FFF2-40B4-BE49-F238E27FC236}">
-                  <a16:creationId xmlns:a16="http://schemas.microsoft.com/office/drawing/2014/main" id="{AE2C1BE1-F256-4B52-BB5D-50C84668FA71}"/>
+            <p:cNvPr id="337" name="Straight Connector 336">
+              <a:extLst>
+                <a:ext uri="{FF2B5EF4-FFF2-40B4-BE49-F238E27FC236}">
+                  <a16:creationId xmlns:a16="http://schemas.microsoft.com/office/drawing/2014/main" id="{6F7D26D0-83A1-41B0-82E3-FB5D3E93EE79}"/>
                 </a:ext>
                 <a:ext uri="{C183D7F6-B498-43B3-948B-1728B52AA6E4}">
                   <adec:decorative xmlns:adec="http://schemas.microsoft.com/office/drawing/2017/decorative" val="1"/>
@@ -19662,10 +17904,10 @@
         </p:cxnSp>
         <p:cxnSp>
           <p:nvCxnSpPr>
-            <p:cNvPr id="67" name="Straight Connector 66">
-              <a:extLst>
-                <a:ext uri="{FF2B5EF4-FFF2-40B4-BE49-F238E27FC236}">
-                  <a16:creationId xmlns:a16="http://schemas.microsoft.com/office/drawing/2014/main" id="{1E104CCA-10BA-45D1-A504-EF3AD733409A}"/>
+            <p:cNvPr id="338" name="Straight Connector 337">
+              <a:extLst>
+                <a:ext uri="{FF2B5EF4-FFF2-40B4-BE49-F238E27FC236}">
+                  <a16:creationId xmlns:a16="http://schemas.microsoft.com/office/drawing/2014/main" id="{07E47C02-EBB8-4368-815C-FEDA23368DD9}"/>
                 </a:ext>
                 <a:ext uri="{C183D7F6-B498-43B3-948B-1728B52AA6E4}">
                   <adec:decorative xmlns:adec="http://schemas.microsoft.com/office/drawing/2017/decorative" val="1"/>
@@ -19717,10 +17959,10 @@
         </p:cxnSp>
         <p:cxnSp>
           <p:nvCxnSpPr>
-            <p:cNvPr id="68" name="Straight Connector 67">
-              <a:extLst>
-                <a:ext uri="{FF2B5EF4-FFF2-40B4-BE49-F238E27FC236}">
-                  <a16:creationId xmlns:a16="http://schemas.microsoft.com/office/drawing/2014/main" id="{06E7DBD2-8DAE-45A0-9A8C-331329107CE1}"/>
+            <p:cNvPr id="339" name="Straight Connector 338">
+              <a:extLst>
+                <a:ext uri="{FF2B5EF4-FFF2-40B4-BE49-F238E27FC236}">
+                  <a16:creationId xmlns:a16="http://schemas.microsoft.com/office/drawing/2014/main" id="{8E61DA55-8618-4048-A65A-41E072D9FF9D}"/>
                 </a:ext>
                 <a:ext uri="{C183D7F6-B498-43B3-948B-1728B52AA6E4}">
                   <adec:decorative xmlns:adec="http://schemas.microsoft.com/office/drawing/2017/decorative" val="1"/>
@@ -19772,10 +18014,10 @@
         </p:cxnSp>
         <p:cxnSp>
           <p:nvCxnSpPr>
-            <p:cNvPr id="69" name="Straight Connector 68">
-              <a:extLst>
-                <a:ext uri="{FF2B5EF4-FFF2-40B4-BE49-F238E27FC236}">
-                  <a16:creationId xmlns:a16="http://schemas.microsoft.com/office/drawing/2014/main" id="{2AD51F90-1778-4825-87B9-E04A473A432C}"/>
+            <p:cNvPr id="340" name="Straight Connector 339">
+              <a:extLst>
+                <a:ext uri="{FF2B5EF4-FFF2-40B4-BE49-F238E27FC236}">
+                  <a16:creationId xmlns:a16="http://schemas.microsoft.com/office/drawing/2014/main" id="{4DFC058B-6608-4509-92E1-D4D0D5BD57AC}"/>
                 </a:ext>
                 <a:ext uri="{C183D7F6-B498-43B3-948B-1728B52AA6E4}">
                   <adec:decorative xmlns:adec="http://schemas.microsoft.com/office/drawing/2017/decorative" val="1"/>
@@ -19827,10 +18069,10 @@
         </p:cxnSp>
         <p:cxnSp>
           <p:nvCxnSpPr>
-            <p:cNvPr id="70" name="Straight Connector 69">
-              <a:extLst>
-                <a:ext uri="{FF2B5EF4-FFF2-40B4-BE49-F238E27FC236}">
-                  <a16:creationId xmlns:a16="http://schemas.microsoft.com/office/drawing/2014/main" id="{18B4C11C-68F4-4AAA-B3C6-99B339FD573F}"/>
+            <p:cNvPr id="341" name="Straight Connector 340">
+              <a:extLst>
+                <a:ext uri="{FF2B5EF4-FFF2-40B4-BE49-F238E27FC236}">
+                  <a16:creationId xmlns:a16="http://schemas.microsoft.com/office/drawing/2014/main" id="{9E3652A3-36D6-4E0C-B7FB-52CD69E9CF9B}"/>
                 </a:ext>
                 <a:ext uri="{C183D7F6-B498-43B3-948B-1728B52AA6E4}">
                   <adec:decorative xmlns:adec="http://schemas.microsoft.com/office/drawing/2017/decorative" val="1"/>
@@ -19882,10 +18124,10 @@
         </p:cxnSp>
         <p:cxnSp>
           <p:nvCxnSpPr>
-            <p:cNvPr id="71" name="Straight Connector 70">
-              <a:extLst>
-                <a:ext uri="{FF2B5EF4-FFF2-40B4-BE49-F238E27FC236}">
-                  <a16:creationId xmlns:a16="http://schemas.microsoft.com/office/drawing/2014/main" id="{6F65B701-4451-455A-A72C-968591A58F5B}"/>
+            <p:cNvPr id="342" name="Straight Connector 341">
+              <a:extLst>
+                <a:ext uri="{FF2B5EF4-FFF2-40B4-BE49-F238E27FC236}">
+                  <a16:creationId xmlns:a16="http://schemas.microsoft.com/office/drawing/2014/main" id="{8BF82BE6-B2D5-4FA1-98B4-1E0072C391EC}"/>
                 </a:ext>
                 <a:ext uri="{C183D7F6-B498-43B3-948B-1728B52AA6E4}">
                   <adec:decorative xmlns:adec="http://schemas.microsoft.com/office/drawing/2017/decorative" val="1"/>
@@ -19937,10 +18179,10 @@
         </p:cxnSp>
         <p:cxnSp>
           <p:nvCxnSpPr>
-            <p:cNvPr id="72" name="Straight Connector 71">
-              <a:extLst>
-                <a:ext uri="{FF2B5EF4-FFF2-40B4-BE49-F238E27FC236}">
-                  <a16:creationId xmlns:a16="http://schemas.microsoft.com/office/drawing/2014/main" id="{A8E9A4D7-E804-4F7D-B46F-9182BE11DE98}"/>
+            <p:cNvPr id="343" name="Straight Connector 342">
+              <a:extLst>
+                <a:ext uri="{FF2B5EF4-FFF2-40B4-BE49-F238E27FC236}">
+                  <a16:creationId xmlns:a16="http://schemas.microsoft.com/office/drawing/2014/main" id="{AECA553C-C7B8-4353-BC4C-D622087D6F15}"/>
                 </a:ext>
                 <a:ext uri="{C183D7F6-B498-43B3-948B-1728B52AA6E4}">
                   <adec:decorative xmlns:adec="http://schemas.microsoft.com/office/drawing/2017/decorative" val="1"/>
@@ -19992,10 +18234,10 @@
         </p:cxnSp>
         <p:cxnSp>
           <p:nvCxnSpPr>
-            <p:cNvPr id="73" name="Straight Connector 72">
-              <a:extLst>
-                <a:ext uri="{FF2B5EF4-FFF2-40B4-BE49-F238E27FC236}">
-                  <a16:creationId xmlns:a16="http://schemas.microsoft.com/office/drawing/2014/main" id="{8522ECDE-9CC3-4260-A85A-1575376E72F4}"/>
+            <p:cNvPr id="344" name="Straight Connector 343">
+              <a:extLst>
+                <a:ext uri="{FF2B5EF4-FFF2-40B4-BE49-F238E27FC236}">
+                  <a16:creationId xmlns:a16="http://schemas.microsoft.com/office/drawing/2014/main" id="{1F802227-5CA9-40B4-870E-495C7899C755}"/>
                 </a:ext>
                 <a:ext uri="{C183D7F6-B498-43B3-948B-1728B52AA6E4}">
                   <adec:decorative xmlns:adec="http://schemas.microsoft.com/office/drawing/2017/decorative" val="1"/>
@@ -20047,10 +18289,10 @@
         </p:cxnSp>
         <p:cxnSp>
           <p:nvCxnSpPr>
-            <p:cNvPr id="74" name="Straight Connector 73">
-              <a:extLst>
-                <a:ext uri="{FF2B5EF4-FFF2-40B4-BE49-F238E27FC236}">
-                  <a16:creationId xmlns:a16="http://schemas.microsoft.com/office/drawing/2014/main" id="{E940BF09-5C37-4ABA-919D-A22281C3A47E}"/>
+            <p:cNvPr id="345" name="Straight Connector 344">
+              <a:extLst>
+                <a:ext uri="{FF2B5EF4-FFF2-40B4-BE49-F238E27FC236}">
+                  <a16:creationId xmlns:a16="http://schemas.microsoft.com/office/drawing/2014/main" id="{11A19F9E-BB49-4808-8481-77F848C2F4FC}"/>
                 </a:ext>
                 <a:ext uri="{C183D7F6-B498-43B3-948B-1728B52AA6E4}">
                   <adec:decorative xmlns:adec="http://schemas.microsoft.com/office/drawing/2017/decorative" val="1"/>
@@ -20102,10 +18344,10 @@
         </p:cxnSp>
         <p:cxnSp>
           <p:nvCxnSpPr>
-            <p:cNvPr id="75" name="Straight Connector 74">
-              <a:extLst>
-                <a:ext uri="{FF2B5EF4-FFF2-40B4-BE49-F238E27FC236}">
-                  <a16:creationId xmlns:a16="http://schemas.microsoft.com/office/drawing/2014/main" id="{AECA37BD-68D3-427B-9FDA-2ADAFCF5DC69}"/>
+            <p:cNvPr id="346" name="Straight Connector 345">
+              <a:extLst>
+                <a:ext uri="{FF2B5EF4-FFF2-40B4-BE49-F238E27FC236}">
+                  <a16:creationId xmlns:a16="http://schemas.microsoft.com/office/drawing/2014/main" id="{C53A57BE-F139-4C31-8201-477E20DD2A94}"/>
                 </a:ext>
                 <a:ext uri="{C183D7F6-B498-43B3-948B-1728B52AA6E4}">
                   <adec:decorative xmlns:adec="http://schemas.microsoft.com/office/drawing/2017/decorative" val="1"/>
@@ -20157,10 +18399,10 @@
         </p:cxnSp>
         <p:cxnSp>
           <p:nvCxnSpPr>
-            <p:cNvPr id="76" name="Straight Connector 75">
-              <a:extLst>
-                <a:ext uri="{FF2B5EF4-FFF2-40B4-BE49-F238E27FC236}">
-                  <a16:creationId xmlns:a16="http://schemas.microsoft.com/office/drawing/2014/main" id="{9C5F91D5-B215-42B0-81E5-7CE4263BDDE0}"/>
+            <p:cNvPr id="347" name="Straight Connector 346">
+              <a:extLst>
+                <a:ext uri="{FF2B5EF4-FFF2-40B4-BE49-F238E27FC236}">
+                  <a16:creationId xmlns:a16="http://schemas.microsoft.com/office/drawing/2014/main" id="{99F800EC-2D85-47C7-BFB8-B146DD929C82}"/>
                 </a:ext>
                 <a:ext uri="{C183D7F6-B498-43B3-948B-1728B52AA6E4}">
                   <adec:decorative xmlns:adec="http://schemas.microsoft.com/office/drawing/2017/decorative" val="1"/>
@@ -20212,10 +18454,10 @@
         </p:cxnSp>
         <p:cxnSp>
           <p:nvCxnSpPr>
-            <p:cNvPr id="77" name="Straight Connector 76">
-              <a:extLst>
-                <a:ext uri="{FF2B5EF4-FFF2-40B4-BE49-F238E27FC236}">
-                  <a16:creationId xmlns:a16="http://schemas.microsoft.com/office/drawing/2014/main" id="{0C21ED72-60A2-439D-8DD2-85900BA4CB67}"/>
+            <p:cNvPr id="348" name="Straight Connector 347">
+              <a:extLst>
+                <a:ext uri="{FF2B5EF4-FFF2-40B4-BE49-F238E27FC236}">
+                  <a16:creationId xmlns:a16="http://schemas.microsoft.com/office/drawing/2014/main" id="{4478BA6D-3F48-40B1-8227-830029B6286A}"/>
                 </a:ext>
                 <a:ext uri="{C183D7F6-B498-43B3-948B-1728B52AA6E4}">
                   <adec:decorative xmlns:adec="http://schemas.microsoft.com/office/drawing/2017/decorative" val="1"/>
@@ -20267,10 +18509,10 @@
         </p:cxnSp>
         <p:cxnSp>
           <p:nvCxnSpPr>
-            <p:cNvPr id="78" name="Straight Connector 77">
-              <a:extLst>
-                <a:ext uri="{FF2B5EF4-FFF2-40B4-BE49-F238E27FC236}">
-                  <a16:creationId xmlns:a16="http://schemas.microsoft.com/office/drawing/2014/main" id="{E853A371-AB64-4677-9E5A-FE61C0E045D1}"/>
+            <p:cNvPr id="349" name="Straight Connector 348">
+              <a:extLst>
+                <a:ext uri="{FF2B5EF4-FFF2-40B4-BE49-F238E27FC236}">
+                  <a16:creationId xmlns:a16="http://schemas.microsoft.com/office/drawing/2014/main" id="{421E6C45-0A76-456E-BDD6-3DCB6612622A}"/>
                 </a:ext>
                 <a:ext uri="{C183D7F6-B498-43B3-948B-1728B52AA6E4}">
                   <adec:decorative xmlns:adec="http://schemas.microsoft.com/office/drawing/2017/decorative" val="1"/>
@@ -20323,10 +18565,10 @@
       </p:grpSp>
       <p:sp>
         <p:nvSpPr>
-          <p:cNvPr id="80" name="Right Triangle 79">
+          <p:cNvPr id="351" name="Right Triangle 350">
             <a:extLst>
               <a:ext uri="{FF2B5EF4-FFF2-40B4-BE49-F238E27FC236}">
-                <a16:creationId xmlns:a16="http://schemas.microsoft.com/office/drawing/2014/main" id="{B3093A12-B759-4321-96FD-060689E3AB7F}"/>
+                <a16:creationId xmlns:a16="http://schemas.microsoft.com/office/drawing/2014/main" id="{3C541D4F-11C2-4F36-B2A3-AB9028F2A078}"/>
               </a:ext>
               <a:ext uri="{C183D7F6-B498-43B3-948B-1728B52AA6E4}">
                 <adec:decorative xmlns:adec="http://schemas.microsoft.com/office/drawing/2017/decorative" val="1"/>
@@ -20345,8 +18587,8 @@
           </p:nvPr>
         </p:nvSpPr>
         <p:spPr>
-          <a:xfrm rot="18900000">
-            <a:off x="7291541" y="-287371"/>
+          <a:xfrm rot="13500000">
+            <a:off x="-281093" y="2059094"/>
             <a:ext cx="568289" cy="568289"/>
           </a:xfrm>
           <a:prstGeom prst="rtTriangle">
@@ -20395,7 +18637,7 @@
           <p:cNvPr id="2" name="Title 1">
             <a:extLst>
               <a:ext uri="{FF2B5EF4-FFF2-40B4-BE49-F238E27FC236}">
-                <a16:creationId xmlns:a16="http://schemas.microsoft.com/office/drawing/2014/main" id="{9B441A03-3BA4-CB52-112B-D744DB47B4AF}"/>
+                <a16:creationId xmlns:a16="http://schemas.microsoft.com/office/drawing/2014/main" id="{00E5691F-B690-B3F1-DD8B-18511082925B}"/>
               </a:ext>
             </a:extLst>
           </p:cNvPr>
@@ -20408,12 +18650,12 @@
         </p:nvSpPr>
         <p:spPr>
           <a:xfrm>
-            <a:off x="7073120" y="722903"/>
-            <a:ext cx="4415630" cy="2460770"/>
+            <a:off x="691079" y="725952"/>
+            <a:ext cx="4038652" cy="1881178"/>
           </a:xfrm>
         </p:spPr>
         <p:txBody>
-          <a:bodyPr vert="horz" lIns="91440" tIns="45720" rIns="91440" bIns="45720" rtlCol="0" anchor="b">
+          <a:bodyPr vert="horz" lIns="91440" tIns="45720" rIns="91440" bIns="45720" rtlCol="0">
             <a:normAutofit/>
           </a:bodyPr>
           <a:lstStyle/>
@@ -20424,34 +18666,64 @@
               </a:lnSpc>
             </a:pPr>
             <a:r>
-              <a:rPr lang="en-US" sz="5400"/>
-              <a:t>UML Use Case for</a:t>
+              <a:rPr lang="en-US" sz="4100" b="1"/>
+              <a:t>UML Use Case</a:t>
             </a:r>
             <a:br>
-              <a:rPr lang="en-US" sz="5400"/>
+              <a:rPr lang="en-US" sz="4100" b="1"/>
             </a:br>
             <a:r>
-              <a:rPr lang="en-US" sz="5400"/>
-              <a:t>a Web User</a:t>
+              <a:rPr lang="en-US" sz="4100" b="1"/>
+              <a:t>for a Web User (Sign-up)</a:t>
             </a:r>
+          </a:p>
+        </p:txBody>
+      </p:sp>
+      <p:sp>
+        <p:nvSpPr>
+          <p:cNvPr id="11" name="Content Placeholder 10">
+            <a:extLst>
+              <a:ext uri="{FF2B5EF4-FFF2-40B4-BE49-F238E27FC236}">
+                <a16:creationId xmlns:a16="http://schemas.microsoft.com/office/drawing/2014/main" id="{B608BEBE-D1B8-B035-7993-817FC90F284B}"/>
+              </a:ext>
+            </a:extLst>
+          </p:cNvPr>
+          <p:cNvSpPr>
+            <a:spLocks noGrp="1"/>
+          </p:cNvSpPr>
+          <p:nvPr>
+            <p:ph idx="1"/>
+          </p:nvPr>
+        </p:nvSpPr>
+        <p:spPr>
+          <a:xfrm>
+            <a:off x="691079" y="2886117"/>
+            <a:ext cx="4038652" cy="3276824"/>
+          </a:xfrm>
+        </p:spPr>
+        <p:txBody>
+          <a:bodyPr>
+            <a:normAutofit/>
+          </a:bodyPr>
+          <a:lstStyle/>
+          <a:p>
+            <a:endParaRPr lang="en-US"/>
           </a:p>
         </p:txBody>
       </p:sp>
       <p:pic>
         <p:nvPicPr>
-          <p:cNvPr id="5" name="Content Placeholder 4" descr="Diagram&#10;&#10;Description automatically generated">
+          <p:cNvPr id="8" name="Picture 7" descr="Diagram&#10;&#10;Description automatically generated">
             <a:extLst>
               <a:ext uri="{FF2B5EF4-FFF2-40B4-BE49-F238E27FC236}">
-                <a16:creationId xmlns:a16="http://schemas.microsoft.com/office/drawing/2014/main" id="{7E1B28C6-270E-88DD-BACA-D1FF13AB44D2}"/>
+                <a16:creationId xmlns:a16="http://schemas.microsoft.com/office/drawing/2014/main" id="{2D1922A1-A54B-9964-3BE9-DE87FC16867E}"/>
               </a:ext>
             </a:extLst>
           </p:cNvPr>
           <p:cNvPicPr>
-            <a:picLocks noGrp="1" noChangeAspect="1"/>
+            <a:picLocks noChangeAspect="1"/>
           </p:cNvPicPr>
-          <p:nvPr>
-            <p:ph idx="1"/>
-          </p:nvPr>
+          <p:nvPr/>
         </p:nvPicPr>
         <p:blipFill>
           <a:blip r:embed="rId2"/>
@@ -20461,8 +18733,8 @@
         </p:blipFill>
         <p:spPr>
           <a:xfrm>
-            <a:off x="1035088" y="722903"/>
-            <a:ext cx="4713138" cy="5417400"/>
+            <a:off x="5106333" y="1179866"/>
+            <a:ext cx="6401443" cy="4513016"/>
           </a:xfrm>
           <a:prstGeom prst="rect">
             <a:avLst/>
@@ -20472,7 +18744,7 @@
     </p:spTree>
     <p:extLst>
       <p:ext uri="{BB962C8B-B14F-4D97-AF65-F5344CB8AC3E}">
-        <p14:creationId xmlns:p14="http://schemas.microsoft.com/office/powerpoint/2010/main" val="1632981871"/>
+        <p14:creationId xmlns:p14="http://schemas.microsoft.com/office/powerpoint/2010/main" val="161474081"/>
       </p:ext>
     </p:extLst>
   </p:cSld>
@@ -20507,1818 +18779,12 @@
           <a:chExt cx="0" cy="0"/>
         </a:xfrm>
       </p:grpSpPr>
-      <p:grpSp>
-        <p:nvGrpSpPr>
-          <p:cNvPr id="157" name="Group 84">
+      <p:sp useBgFill="1">
+        <p:nvSpPr>
+          <p:cNvPr id="162" name="Rectangle 161">
             <a:extLst>
               <a:ext uri="{FF2B5EF4-FFF2-40B4-BE49-F238E27FC236}">
-                <a16:creationId xmlns:a16="http://schemas.microsoft.com/office/drawing/2014/main" id="{748618E9-EE2D-4864-9EEE-58939BD4FBBA}"/>
-              </a:ext>
-              <a:ext uri="{C183D7F6-B498-43B3-948B-1728B52AA6E4}">
-                <adec:decorative xmlns:adec="http://schemas.microsoft.com/office/drawing/2017/decorative" val="1"/>
-              </a:ext>
-            </a:extLst>
-          </p:cNvPr>
-          <p:cNvGrpSpPr>
-            <a:grpSpLocks noGrp="1" noUngrp="1" noRot="1" noChangeAspect="1" noMove="1" noResize="1"/>
-          </p:cNvGrpSpPr>
-          <p:nvPr>
-            <p:extLst>
-              <p:ext uri="{386F3935-93C4-4BCD-93E2-E3B085C9AB24}">
-                <p16:designElem xmlns:p16="http://schemas.microsoft.com/office/powerpoint/2015/main" val="1"/>
-              </p:ext>
-            </p:extLst>
-          </p:nvPr>
-        </p:nvGrpSpPr>
-        <p:grpSpPr>
-          <a:xfrm>
-            <a:off x="-6214" y="-1"/>
-            <a:ext cx="12214827" cy="6858000"/>
-            <a:chOff x="-6214" y="-1"/>
-            <a:chExt cx="12214827" cy="6858000"/>
-          </a:xfrm>
-        </p:grpSpPr>
-        <p:cxnSp>
-          <p:nvCxnSpPr>
-            <p:cNvPr id="86" name="Straight Connector 85">
-              <a:extLst>
-                <a:ext uri="{FF2B5EF4-FFF2-40B4-BE49-F238E27FC236}">
-                  <a16:creationId xmlns:a16="http://schemas.microsoft.com/office/drawing/2014/main" id="{317D1EC0-23FF-4FC8-B22D-E34878EAA4CC}"/>
-                </a:ext>
-                <a:ext uri="{C183D7F6-B498-43B3-948B-1728B52AA6E4}">
-                  <adec:decorative xmlns:adec="http://schemas.microsoft.com/office/drawing/2017/decorative" val="1"/>
-                </a:ext>
-              </a:extLst>
-            </p:cNvPr>
-            <p:cNvCxnSpPr>
-              <a:cxnSpLocks/>
-            </p:cNvCxnSpPr>
-            <p:nvPr>
-              <p:extLst>
-                <p:ext uri="{386F3935-93C4-4BCD-93E2-E3B085C9AB24}">
-                  <p16:designElem xmlns:p16="http://schemas.microsoft.com/office/powerpoint/2015/main" val="1"/>
-                </p:ext>
-              </p:extLst>
-            </p:nvPr>
-          </p:nvCxnSpPr>
-          <p:spPr>
-            <a:xfrm>
-              <a:off x="-6214" y="6686283"/>
-              <a:ext cx="12192000" cy="0"/>
-            </a:xfrm>
-            <a:prstGeom prst="line">
-              <a:avLst/>
-            </a:prstGeom>
-            <a:ln w="12700">
-              <a:solidFill>
-                <a:srgbClr val="BCBCBC">
-                  <a:alpha val="29804"/>
-                </a:srgbClr>
-              </a:solidFill>
-              <a:prstDash val="sysDot"/>
-            </a:ln>
-          </p:spPr>
-          <p:style>
-            <a:lnRef idx="1">
-              <a:schemeClr val="accent1"/>
-            </a:lnRef>
-            <a:fillRef idx="0">
-              <a:schemeClr val="accent1"/>
-            </a:fillRef>
-            <a:effectRef idx="0">
-              <a:schemeClr val="accent1"/>
-            </a:effectRef>
-            <a:fontRef idx="minor">
-              <a:schemeClr val="tx1"/>
-            </a:fontRef>
-          </p:style>
-        </p:cxnSp>
-        <p:cxnSp>
-          <p:nvCxnSpPr>
-            <p:cNvPr id="87" name="Straight Connector 86">
-              <a:extLst>
-                <a:ext uri="{FF2B5EF4-FFF2-40B4-BE49-F238E27FC236}">
-                  <a16:creationId xmlns:a16="http://schemas.microsoft.com/office/drawing/2014/main" id="{5AB929A7-258C-4469-AAB4-A67D713F7A80}"/>
-                </a:ext>
-                <a:ext uri="{C183D7F6-B498-43B3-948B-1728B52AA6E4}">
-                  <adec:decorative xmlns:adec="http://schemas.microsoft.com/office/drawing/2017/decorative" val="1"/>
-                </a:ext>
-              </a:extLst>
-            </p:cNvPr>
-            <p:cNvCxnSpPr>
-              <a:cxnSpLocks/>
-            </p:cNvCxnSpPr>
-            <p:nvPr>
-              <p:extLst>
-                <p:ext uri="{386F3935-93C4-4BCD-93E2-E3B085C9AB24}">
-                  <p16:designElem xmlns:p16="http://schemas.microsoft.com/office/powerpoint/2015/main" val="1"/>
-                </p:ext>
-              </p:extLst>
-            </p:nvPr>
-          </p:nvCxnSpPr>
-          <p:spPr>
-            <a:xfrm>
-              <a:off x="0" y="-1"/>
-              <a:ext cx="0" cy="6858000"/>
-            </a:xfrm>
-            <a:prstGeom prst="line">
-              <a:avLst/>
-            </a:prstGeom>
-            <a:ln w="12700">
-              <a:solidFill>
-                <a:srgbClr val="BCBCBC">
-                  <a:alpha val="29804"/>
-                </a:srgbClr>
-              </a:solidFill>
-              <a:prstDash val="sysDot"/>
-            </a:ln>
-          </p:spPr>
-          <p:style>
-            <a:lnRef idx="1">
-              <a:schemeClr val="accent1"/>
-            </a:lnRef>
-            <a:fillRef idx="0">
-              <a:schemeClr val="accent1"/>
-            </a:fillRef>
-            <a:effectRef idx="0">
-              <a:schemeClr val="accent1"/>
-            </a:effectRef>
-            <a:fontRef idx="minor">
-              <a:schemeClr val="tx1"/>
-            </a:fontRef>
-          </p:style>
-        </p:cxnSp>
-        <p:cxnSp>
-          <p:nvCxnSpPr>
-            <p:cNvPr id="88" name="Straight Connector 87">
-              <a:extLst>
-                <a:ext uri="{FF2B5EF4-FFF2-40B4-BE49-F238E27FC236}">
-                  <a16:creationId xmlns:a16="http://schemas.microsoft.com/office/drawing/2014/main" id="{DA635CDB-2D00-49D5-B26E-0694A25000C7}"/>
-                </a:ext>
-                <a:ext uri="{C183D7F6-B498-43B3-948B-1728B52AA6E4}">
-                  <adec:decorative xmlns:adec="http://schemas.microsoft.com/office/drawing/2017/decorative" val="1"/>
-                </a:ext>
-              </a:extLst>
-            </p:cNvPr>
-            <p:cNvCxnSpPr>
-              <a:cxnSpLocks/>
-            </p:cNvCxnSpPr>
-            <p:nvPr>
-              <p:extLst>
-                <p:ext uri="{386F3935-93C4-4BCD-93E2-E3B085C9AB24}">
-                  <p16:designElem xmlns:p16="http://schemas.microsoft.com/office/powerpoint/2015/main" val="1"/>
-                </p:ext>
-              </p:extLst>
-            </p:nvPr>
-          </p:nvCxnSpPr>
-          <p:spPr>
-            <a:xfrm>
-              <a:off x="11993258" y="-1"/>
-              <a:ext cx="0" cy="6858000"/>
-            </a:xfrm>
-            <a:prstGeom prst="line">
-              <a:avLst/>
-            </a:prstGeom>
-            <a:ln w="12700">
-              <a:solidFill>
-                <a:srgbClr val="BCBCBC">
-                  <a:alpha val="29804"/>
-                </a:srgbClr>
-              </a:solidFill>
-              <a:prstDash val="sysDot"/>
-            </a:ln>
-          </p:spPr>
-          <p:style>
-            <a:lnRef idx="1">
-              <a:schemeClr val="accent1"/>
-            </a:lnRef>
-            <a:fillRef idx="0">
-              <a:schemeClr val="accent1"/>
-            </a:fillRef>
-            <a:effectRef idx="0">
-              <a:schemeClr val="accent1"/>
-            </a:effectRef>
-            <a:fontRef idx="minor">
-              <a:schemeClr val="tx1"/>
-            </a:fontRef>
-          </p:style>
-        </p:cxnSp>
-        <p:cxnSp>
-          <p:nvCxnSpPr>
-            <p:cNvPr id="89" name="Straight Connector 88">
-              <a:extLst>
-                <a:ext uri="{FF2B5EF4-FFF2-40B4-BE49-F238E27FC236}">
-                  <a16:creationId xmlns:a16="http://schemas.microsoft.com/office/drawing/2014/main" id="{B4288D7A-F857-418D-92F2-368E841B9F27}"/>
-                </a:ext>
-                <a:ext uri="{C183D7F6-B498-43B3-948B-1728B52AA6E4}">
-                  <adec:decorative xmlns:adec="http://schemas.microsoft.com/office/drawing/2017/decorative" val="1"/>
-                </a:ext>
-              </a:extLst>
-            </p:cNvPr>
-            <p:cNvCxnSpPr>
-              <a:cxnSpLocks/>
-            </p:cNvCxnSpPr>
-            <p:nvPr>
-              <p:extLst>
-                <p:ext uri="{386F3935-93C4-4BCD-93E2-E3B085C9AB24}">
-                  <p16:designElem xmlns:p16="http://schemas.microsoft.com/office/powerpoint/2015/main" val="1"/>
-                </p:ext>
-              </p:extLst>
-            </p:nvPr>
-          </p:nvCxnSpPr>
-          <p:spPr>
-            <a:xfrm>
-              <a:off x="192528" y="-1"/>
-              <a:ext cx="0" cy="6858000"/>
-            </a:xfrm>
-            <a:prstGeom prst="line">
-              <a:avLst/>
-            </a:prstGeom>
-            <a:ln w="12700">
-              <a:solidFill>
-                <a:srgbClr val="BCBCBC">
-                  <a:alpha val="29804"/>
-                </a:srgbClr>
-              </a:solidFill>
-              <a:prstDash val="sysDot"/>
-            </a:ln>
-          </p:spPr>
-          <p:style>
-            <a:lnRef idx="1">
-              <a:schemeClr val="accent1"/>
-            </a:lnRef>
-            <a:fillRef idx="0">
-              <a:schemeClr val="accent1"/>
-            </a:fillRef>
-            <a:effectRef idx="0">
-              <a:schemeClr val="accent1"/>
-            </a:effectRef>
-            <a:fontRef idx="minor">
-              <a:schemeClr val="tx1"/>
-            </a:fontRef>
-          </p:style>
-        </p:cxnSp>
-        <p:cxnSp>
-          <p:nvCxnSpPr>
-            <p:cNvPr id="90" name="Straight Connector 89">
-              <a:extLst>
-                <a:ext uri="{FF2B5EF4-FFF2-40B4-BE49-F238E27FC236}">
-                  <a16:creationId xmlns:a16="http://schemas.microsoft.com/office/drawing/2014/main" id="{F1084F50-7F3C-4A4A-877E-FFD9EC7CD88B}"/>
-                </a:ext>
-                <a:ext uri="{C183D7F6-B498-43B3-948B-1728B52AA6E4}">
-                  <adec:decorative xmlns:adec="http://schemas.microsoft.com/office/drawing/2017/decorative" val="1"/>
-                </a:ext>
-              </a:extLst>
-            </p:cNvPr>
-            <p:cNvCxnSpPr>
-              <a:cxnSpLocks/>
-            </p:cNvCxnSpPr>
-            <p:nvPr>
-              <p:extLst>
-                <p:ext uri="{386F3935-93C4-4BCD-93E2-E3B085C9AB24}">
-                  <p16:designElem xmlns:p16="http://schemas.microsoft.com/office/powerpoint/2015/main" val="1"/>
-                </p:ext>
-              </p:extLst>
-            </p:nvPr>
-          </p:nvCxnSpPr>
-          <p:spPr>
-            <a:xfrm>
-              <a:off x="1175922" y="-1"/>
-              <a:ext cx="0" cy="6858000"/>
-            </a:xfrm>
-            <a:prstGeom prst="line">
-              <a:avLst/>
-            </a:prstGeom>
-            <a:ln w="12700">
-              <a:solidFill>
-                <a:srgbClr val="BCBCBC">
-                  <a:alpha val="29804"/>
-                </a:srgbClr>
-              </a:solidFill>
-              <a:prstDash val="sysDot"/>
-            </a:ln>
-          </p:spPr>
-          <p:style>
-            <a:lnRef idx="1">
-              <a:schemeClr val="accent1"/>
-            </a:lnRef>
-            <a:fillRef idx="0">
-              <a:schemeClr val="accent1"/>
-            </a:fillRef>
-            <a:effectRef idx="0">
-              <a:schemeClr val="accent1"/>
-            </a:effectRef>
-            <a:fontRef idx="minor">
-              <a:schemeClr val="tx1"/>
-            </a:fontRef>
-          </p:style>
-        </p:cxnSp>
-        <p:cxnSp>
-          <p:nvCxnSpPr>
-            <p:cNvPr id="91" name="Straight Connector 90">
-              <a:extLst>
-                <a:ext uri="{FF2B5EF4-FFF2-40B4-BE49-F238E27FC236}">
-                  <a16:creationId xmlns:a16="http://schemas.microsoft.com/office/drawing/2014/main" id="{331E64C1-F4C0-4A94-B319-BB1A0A2450B5}"/>
-                </a:ext>
-                <a:ext uri="{C183D7F6-B498-43B3-948B-1728B52AA6E4}">
-                  <adec:decorative xmlns:adec="http://schemas.microsoft.com/office/drawing/2017/decorative" val="1"/>
-                </a:ext>
-              </a:extLst>
-            </p:cNvPr>
-            <p:cNvCxnSpPr>
-              <a:cxnSpLocks/>
-            </p:cNvCxnSpPr>
-            <p:nvPr>
-              <p:extLst>
-                <p:ext uri="{386F3935-93C4-4BCD-93E2-E3B085C9AB24}">
-                  <p16:designElem xmlns:p16="http://schemas.microsoft.com/office/powerpoint/2015/main" val="1"/>
-                </p:ext>
-              </p:extLst>
-            </p:nvPr>
-          </p:nvCxnSpPr>
-          <p:spPr>
-            <a:xfrm>
-              <a:off x="2159316" y="-1"/>
-              <a:ext cx="0" cy="6858000"/>
-            </a:xfrm>
-            <a:prstGeom prst="line">
-              <a:avLst/>
-            </a:prstGeom>
-            <a:ln w="12700">
-              <a:solidFill>
-                <a:srgbClr val="BCBCBC">
-                  <a:alpha val="29804"/>
-                </a:srgbClr>
-              </a:solidFill>
-              <a:prstDash val="sysDot"/>
-            </a:ln>
-          </p:spPr>
-          <p:style>
-            <a:lnRef idx="1">
-              <a:schemeClr val="accent1"/>
-            </a:lnRef>
-            <a:fillRef idx="0">
-              <a:schemeClr val="accent1"/>
-            </a:fillRef>
-            <a:effectRef idx="0">
-              <a:schemeClr val="accent1"/>
-            </a:effectRef>
-            <a:fontRef idx="minor">
-              <a:schemeClr val="tx1"/>
-            </a:fontRef>
-          </p:style>
-        </p:cxnSp>
-        <p:cxnSp>
-          <p:nvCxnSpPr>
-            <p:cNvPr id="92" name="Straight Connector 91">
-              <a:extLst>
-                <a:ext uri="{FF2B5EF4-FFF2-40B4-BE49-F238E27FC236}">
-                  <a16:creationId xmlns:a16="http://schemas.microsoft.com/office/drawing/2014/main" id="{363D8374-8052-417F-AB69-B97EAC43D513}"/>
-                </a:ext>
-                <a:ext uri="{C183D7F6-B498-43B3-948B-1728B52AA6E4}">
-                  <adec:decorative xmlns:adec="http://schemas.microsoft.com/office/drawing/2017/decorative" val="1"/>
-                </a:ext>
-              </a:extLst>
-            </p:cNvPr>
-            <p:cNvCxnSpPr>
-              <a:cxnSpLocks/>
-            </p:cNvCxnSpPr>
-            <p:nvPr>
-              <p:extLst>
-                <p:ext uri="{386F3935-93C4-4BCD-93E2-E3B085C9AB24}">
-                  <p16:designElem xmlns:p16="http://schemas.microsoft.com/office/powerpoint/2015/main" val="1"/>
-                </p:ext>
-              </p:extLst>
-            </p:nvPr>
-          </p:nvCxnSpPr>
-          <p:spPr>
-            <a:xfrm>
-              <a:off x="3142710" y="-1"/>
-              <a:ext cx="0" cy="6858000"/>
-            </a:xfrm>
-            <a:prstGeom prst="line">
-              <a:avLst/>
-            </a:prstGeom>
-            <a:ln w="12700">
-              <a:solidFill>
-                <a:srgbClr val="BCBCBC">
-                  <a:alpha val="29804"/>
-                </a:srgbClr>
-              </a:solidFill>
-              <a:prstDash val="sysDot"/>
-            </a:ln>
-          </p:spPr>
-          <p:style>
-            <a:lnRef idx="1">
-              <a:schemeClr val="accent1"/>
-            </a:lnRef>
-            <a:fillRef idx="0">
-              <a:schemeClr val="accent1"/>
-            </a:fillRef>
-            <a:effectRef idx="0">
-              <a:schemeClr val="accent1"/>
-            </a:effectRef>
-            <a:fontRef idx="minor">
-              <a:schemeClr val="tx1"/>
-            </a:fontRef>
-          </p:style>
-        </p:cxnSp>
-        <p:cxnSp>
-          <p:nvCxnSpPr>
-            <p:cNvPr id="93" name="Straight Connector 92">
-              <a:extLst>
-                <a:ext uri="{FF2B5EF4-FFF2-40B4-BE49-F238E27FC236}">
-                  <a16:creationId xmlns:a16="http://schemas.microsoft.com/office/drawing/2014/main" id="{C7750734-4D51-4019-A003-38A3DE49B434}"/>
-                </a:ext>
-                <a:ext uri="{C183D7F6-B498-43B3-948B-1728B52AA6E4}">
-                  <adec:decorative xmlns:adec="http://schemas.microsoft.com/office/drawing/2017/decorative" val="1"/>
-                </a:ext>
-              </a:extLst>
-            </p:cNvPr>
-            <p:cNvCxnSpPr>
-              <a:cxnSpLocks/>
-            </p:cNvCxnSpPr>
-            <p:nvPr>
-              <p:extLst>
-                <p:ext uri="{386F3935-93C4-4BCD-93E2-E3B085C9AB24}">
-                  <p16:designElem xmlns:p16="http://schemas.microsoft.com/office/powerpoint/2015/main" val="1"/>
-                </p:ext>
-              </p:extLst>
-            </p:nvPr>
-          </p:nvCxnSpPr>
-          <p:spPr>
-            <a:xfrm>
-              <a:off x="4126104" y="-1"/>
-              <a:ext cx="0" cy="6858000"/>
-            </a:xfrm>
-            <a:prstGeom prst="line">
-              <a:avLst/>
-            </a:prstGeom>
-            <a:ln w="12700">
-              <a:solidFill>
-                <a:srgbClr val="BCBCBC">
-                  <a:alpha val="29804"/>
-                </a:srgbClr>
-              </a:solidFill>
-              <a:prstDash val="sysDot"/>
-            </a:ln>
-          </p:spPr>
-          <p:style>
-            <a:lnRef idx="1">
-              <a:schemeClr val="accent1"/>
-            </a:lnRef>
-            <a:fillRef idx="0">
-              <a:schemeClr val="accent1"/>
-            </a:fillRef>
-            <a:effectRef idx="0">
-              <a:schemeClr val="accent1"/>
-            </a:effectRef>
-            <a:fontRef idx="minor">
-              <a:schemeClr val="tx1"/>
-            </a:fontRef>
-          </p:style>
-        </p:cxnSp>
-        <p:cxnSp>
-          <p:nvCxnSpPr>
-            <p:cNvPr id="94" name="Straight Connector 93">
-              <a:extLst>
-                <a:ext uri="{FF2B5EF4-FFF2-40B4-BE49-F238E27FC236}">
-                  <a16:creationId xmlns:a16="http://schemas.microsoft.com/office/drawing/2014/main" id="{71B693D1-DBA2-4D3B-9B37-D9EE8C4112F4}"/>
-                </a:ext>
-                <a:ext uri="{C183D7F6-B498-43B3-948B-1728B52AA6E4}">
-                  <adec:decorative xmlns:adec="http://schemas.microsoft.com/office/drawing/2017/decorative" val="1"/>
-                </a:ext>
-              </a:extLst>
-            </p:cNvPr>
-            <p:cNvCxnSpPr>
-              <a:cxnSpLocks/>
-            </p:cNvCxnSpPr>
-            <p:nvPr>
-              <p:extLst>
-                <p:ext uri="{386F3935-93C4-4BCD-93E2-E3B085C9AB24}">
-                  <p16:designElem xmlns:p16="http://schemas.microsoft.com/office/powerpoint/2015/main" val="1"/>
-                </p:ext>
-              </p:extLst>
-            </p:nvPr>
-          </p:nvCxnSpPr>
-          <p:spPr>
-            <a:xfrm>
-              <a:off x="5109498" y="-1"/>
-              <a:ext cx="0" cy="6858000"/>
-            </a:xfrm>
-            <a:prstGeom prst="line">
-              <a:avLst/>
-            </a:prstGeom>
-            <a:ln w="12700">
-              <a:solidFill>
-                <a:srgbClr val="BCBCBC">
-                  <a:alpha val="29804"/>
-                </a:srgbClr>
-              </a:solidFill>
-              <a:prstDash val="sysDot"/>
-            </a:ln>
-          </p:spPr>
-          <p:style>
-            <a:lnRef idx="1">
-              <a:schemeClr val="accent1"/>
-            </a:lnRef>
-            <a:fillRef idx="0">
-              <a:schemeClr val="accent1"/>
-            </a:fillRef>
-            <a:effectRef idx="0">
-              <a:schemeClr val="accent1"/>
-            </a:effectRef>
-            <a:fontRef idx="minor">
-              <a:schemeClr val="tx1"/>
-            </a:fontRef>
-          </p:style>
-        </p:cxnSp>
-        <p:cxnSp>
-          <p:nvCxnSpPr>
-            <p:cNvPr id="95" name="Straight Connector 94">
-              <a:extLst>
-                <a:ext uri="{FF2B5EF4-FFF2-40B4-BE49-F238E27FC236}">
-                  <a16:creationId xmlns:a16="http://schemas.microsoft.com/office/drawing/2014/main" id="{1BCD3EA8-E4C0-4AF6-817F-F9F29157A499}"/>
-                </a:ext>
-                <a:ext uri="{C183D7F6-B498-43B3-948B-1728B52AA6E4}">
-                  <adec:decorative xmlns:adec="http://schemas.microsoft.com/office/drawing/2017/decorative" val="1"/>
-                </a:ext>
-              </a:extLst>
-            </p:cNvPr>
-            <p:cNvCxnSpPr>
-              <a:cxnSpLocks/>
-            </p:cNvCxnSpPr>
-            <p:nvPr>
-              <p:extLst>
-                <p:ext uri="{386F3935-93C4-4BCD-93E2-E3B085C9AB24}">
-                  <p16:designElem xmlns:p16="http://schemas.microsoft.com/office/powerpoint/2015/main" val="1"/>
-                </p:ext>
-              </p:extLst>
-            </p:nvPr>
-          </p:nvCxnSpPr>
-          <p:spPr>
-            <a:xfrm>
-              <a:off x="6092892" y="-1"/>
-              <a:ext cx="0" cy="6858000"/>
-            </a:xfrm>
-            <a:prstGeom prst="line">
-              <a:avLst/>
-            </a:prstGeom>
-            <a:ln w="12700">
-              <a:solidFill>
-                <a:srgbClr val="BCBCBC">
-                  <a:alpha val="29804"/>
-                </a:srgbClr>
-              </a:solidFill>
-              <a:prstDash val="sysDot"/>
-            </a:ln>
-          </p:spPr>
-          <p:style>
-            <a:lnRef idx="1">
-              <a:schemeClr val="accent1"/>
-            </a:lnRef>
-            <a:fillRef idx="0">
-              <a:schemeClr val="accent1"/>
-            </a:fillRef>
-            <a:effectRef idx="0">
-              <a:schemeClr val="accent1"/>
-            </a:effectRef>
-            <a:fontRef idx="minor">
-              <a:schemeClr val="tx1"/>
-            </a:fontRef>
-          </p:style>
-        </p:cxnSp>
-        <p:cxnSp>
-          <p:nvCxnSpPr>
-            <p:cNvPr id="96" name="Straight Connector 95">
-              <a:extLst>
-                <a:ext uri="{FF2B5EF4-FFF2-40B4-BE49-F238E27FC236}">
-                  <a16:creationId xmlns:a16="http://schemas.microsoft.com/office/drawing/2014/main" id="{7A170FB3-B397-4AC9-85FD-65388F26D90A}"/>
-                </a:ext>
-                <a:ext uri="{C183D7F6-B498-43B3-948B-1728B52AA6E4}">
-                  <adec:decorative xmlns:adec="http://schemas.microsoft.com/office/drawing/2017/decorative" val="1"/>
-                </a:ext>
-              </a:extLst>
-            </p:cNvPr>
-            <p:cNvCxnSpPr>
-              <a:cxnSpLocks/>
-            </p:cNvCxnSpPr>
-            <p:nvPr>
-              <p:extLst>
-                <p:ext uri="{386F3935-93C4-4BCD-93E2-E3B085C9AB24}">
-                  <p16:designElem xmlns:p16="http://schemas.microsoft.com/office/powerpoint/2015/main" val="1"/>
-                </p:ext>
-              </p:extLst>
-            </p:nvPr>
-          </p:nvCxnSpPr>
-          <p:spPr>
-            <a:xfrm>
-              <a:off x="7076286" y="-1"/>
-              <a:ext cx="0" cy="6858000"/>
-            </a:xfrm>
-            <a:prstGeom prst="line">
-              <a:avLst/>
-            </a:prstGeom>
-            <a:ln w="12700">
-              <a:solidFill>
-                <a:srgbClr val="BCBCBC">
-                  <a:alpha val="29804"/>
-                </a:srgbClr>
-              </a:solidFill>
-              <a:prstDash val="sysDot"/>
-            </a:ln>
-          </p:spPr>
-          <p:style>
-            <a:lnRef idx="1">
-              <a:schemeClr val="accent1"/>
-            </a:lnRef>
-            <a:fillRef idx="0">
-              <a:schemeClr val="accent1"/>
-            </a:fillRef>
-            <a:effectRef idx="0">
-              <a:schemeClr val="accent1"/>
-            </a:effectRef>
-            <a:fontRef idx="minor">
-              <a:schemeClr val="tx1"/>
-            </a:fontRef>
-          </p:style>
-        </p:cxnSp>
-        <p:cxnSp>
-          <p:nvCxnSpPr>
-            <p:cNvPr id="97" name="Straight Connector 96">
-              <a:extLst>
-                <a:ext uri="{FF2B5EF4-FFF2-40B4-BE49-F238E27FC236}">
-                  <a16:creationId xmlns:a16="http://schemas.microsoft.com/office/drawing/2014/main" id="{BE5EC0B9-49C7-4777-AEC5-B5EF8DE40498}"/>
-                </a:ext>
-                <a:ext uri="{C183D7F6-B498-43B3-948B-1728B52AA6E4}">
-                  <adec:decorative xmlns:adec="http://schemas.microsoft.com/office/drawing/2017/decorative" val="1"/>
-                </a:ext>
-              </a:extLst>
-            </p:cNvPr>
-            <p:cNvCxnSpPr>
-              <a:cxnSpLocks/>
-            </p:cNvCxnSpPr>
-            <p:nvPr>
-              <p:extLst>
-                <p:ext uri="{386F3935-93C4-4BCD-93E2-E3B085C9AB24}">
-                  <p16:designElem xmlns:p16="http://schemas.microsoft.com/office/powerpoint/2015/main" val="1"/>
-                </p:ext>
-              </p:extLst>
-            </p:nvPr>
-          </p:nvCxnSpPr>
-          <p:spPr>
-            <a:xfrm>
-              <a:off x="8059680" y="-1"/>
-              <a:ext cx="0" cy="6858000"/>
-            </a:xfrm>
-            <a:prstGeom prst="line">
-              <a:avLst/>
-            </a:prstGeom>
-            <a:ln w="12700">
-              <a:solidFill>
-                <a:srgbClr val="BCBCBC">
-                  <a:alpha val="29804"/>
-                </a:srgbClr>
-              </a:solidFill>
-              <a:prstDash val="sysDot"/>
-            </a:ln>
-          </p:spPr>
-          <p:style>
-            <a:lnRef idx="1">
-              <a:schemeClr val="accent1"/>
-            </a:lnRef>
-            <a:fillRef idx="0">
-              <a:schemeClr val="accent1"/>
-            </a:fillRef>
-            <a:effectRef idx="0">
-              <a:schemeClr val="accent1"/>
-            </a:effectRef>
-            <a:fontRef idx="minor">
-              <a:schemeClr val="tx1"/>
-            </a:fontRef>
-          </p:style>
-        </p:cxnSp>
-        <p:cxnSp>
-          <p:nvCxnSpPr>
-            <p:cNvPr id="98" name="Straight Connector 97">
-              <a:extLst>
-                <a:ext uri="{FF2B5EF4-FFF2-40B4-BE49-F238E27FC236}">
-                  <a16:creationId xmlns:a16="http://schemas.microsoft.com/office/drawing/2014/main" id="{7902048B-30F7-4434-87A5-140F9BB4BEB1}"/>
-                </a:ext>
-                <a:ext uri="{C183D7F6-B498-43B3-948B-1728B52AA6E4}">
-                  <adec:decorative xmlns:adec="http://schemas.microsoft.com/office/drawing/2017/decorative" val="1"/>
-                </a:ext>
-              </a:extLst>
-            </p:cNvPr>
-            <p:cNvCxnSpPr>
-              <a:cxnSpLocks/>
-            </p:cNvCxnSpPr>
-            <p:nvPr>
-              <p:extLst>
-                <p:ext uri="{386F3935-93C4-4BCD-93E2-E3B085C9AB24}">
-                  <p16:designElem xmlns:p16="http://schemas.microsoft.com/office/powerpoint/2015/main" val="1"/>
-                </p:ext>
-              </p:extLst>
-            </p:nvPr>
-          </p:nvCxnSpPr>
-          <p:spPr>
-            <a:xfrm>
-              <a:off x="9043074" y="-1"/>
-              <a:ext cx="0" cy="6858000"/>
-            </a:xfrm>
-            <a:prstGeom prst="line">
-              <a:avLst/>
-            </a:prstGeom>
-            <a:ln w="12700">
-              <a:solidFill>
-                <a:srgbClr val="BCBCBC">
-                  <a:alpha val="29804"/>
-                </a:srgbClr>
-              </a:solidFill>
-              <a:prstDash val="sysDot"/>
-            </a:ln>
-          </p:spPr>
-          <p:style>
-            <a:lnRef idx="1">
-              <a:schemeClr val="accent1"/>
-            </a:lnRef>
-            <a:fillRef idx="0">
-              <a:schemeClr val="accent1"/>
-            </a:fillRef>
-            <a:effectRef idx="0">
-              <a:schemeClr val="accent1"/>
-            </a:effectRef>
-            <a:fontRef idx="minor">
-              <a:schemeClr val="tx1"/>
-            </a:fontRef>
-          </p:style>
-        </p:cxnSp>
-        <p:cxnSp>
-          <p:nvCxnSpPr>
-            <p:cNvPr id="99" name="Straight Connector 98">
-              <a:extLst>
-                <a:ext uri="{FF2B5EF4-FFF2-40B4-BE49-F238E27FC236}">
-                  <a16:creationId xmlns:a16="http://schemas.microsoft.com/office/drawing/2014/main" id="{0500A6E2-A41C-4751-8A4E-9A0C5718D930}"/>
-                </a:ext>
-                <a:ext uri="{C183D7F6-B498-43B3-948B-1728B52AA6E4}">
-                  <adec:decorative xmlns:adec="http://schemas.microsoft.com/office/drawing/2017/decorative" val="1"/>
-                </a:ext>
-              </a:extLst>
-            </p:cNvPr>
-            <p:cNvCxnSpPr>
-              <a:cxnSpLocks/>
-            </p:cNvCxnSpPr>
-            <p:nvPr>
-              <p:extLst>
-                <p:ext uri="{386F3935-93C4-4BCD-93E2-E3B085C9AB24}">
-                  <p16:designElem xmlns:p16="http://schemas.microsoft.com/office/powerpoint/2015/main" val="1"/>
-                </p:ext>
-              </p:extLst>
-            </p:nvPr>
-          </p:nvCxnSpPr>
-          <p:spPr>
-            <a:xfrm>
-              <a:off x="10026468" y="-1"/>
-              <a:ext cx="0" cy="6858000"/>
-            </a:xfrm>
-            <a:prstGeom prst="line">
-              <a:avLst/>
-            </a:prstGeom>
-            <a:ln w="12700">
-              <a:solidFill>
-                <a:srgbClr val="BCBCBC">
-                  <a:alpha val="29804"/>
-                </a:srgbClr>
-              </a:solidFill>
-              <a:prstDash val="sysDot"/>
-            </a:ln>
-          </p:spPr>
-          <p:style>
-            <a:lnRef idx="1">
-              <a:schemeClr val="accent1"/>
-            </a:lnRef>
-            <a:fillRef idx="0">
-              <a:schemeClr val="accent1"/>
-            </a:fillRef>
-            <a:effectRef idx="0">
-              <a:schemeClr val="accent1"/>
-            </a:effectRef>
-            <a:fontRef idx="minor">
-              <a:schemeClr val="tx1"/>
-            </a:fontRef>
-          </p:style>
-        </p:cxnSp>
-        <p:cxnSp>
-          <p:nvCxnSpPr>
-            <p:cNvPr id="100" name="Straight Connector 99">
-              <a:extLst>
-                <a:ext uri="{FF2B5EF4-FFF2-40B4-BE49-F238E27FC236}">
-                  <a16:creationId xmlns:a16="http://schemas.microsoft.com/office/drawing/2014/main" id="{FC259517-7BE7-45F9-81C0-3A6362BF143C}"/>
-                </a:ext>
-                <a:ext uri="{C183D7F6-B498-43B3-948B-1728B52AA6E4}">
-                  <adec:decorative xmlns:adec="http://schemas.microsoft.com/office/drawing/2017/decorative" val="1"/>
-                </a:ext>
-              </a:extLst>
-            </p:cNvPr>
-            <p:cNvCxnSpPr>
-              <a:cxnSpLocks/>
-            </p:cNvCxnSpPr>
-            <p:nvPr>
-              <p:extLst>
-                <p:ext uri="{386F3935-93C4-4BCD-93E2-E3B085C9AB24}">
-                  <p16:designElem xmlns:p16="http://schemas.microsoft.com/office/powerpoint/2015/main" val="1"/>
-                </p:ext>
-              </p:extLst>
-            </p:nvPr>
-          </p:nvCxnSpPr>
-          <p:spPr>
-            <a:xfrm>
-              <a:off x="11009862" y="-1"/>
-              <a:ext cx="0" cy="6858000"/>
-            </a:xfrm>
-            <a:prstGeom prst="line">
-              <a:avLst/>
-            </a:prstGeom>
-            <a:ln w="12700">
-              <a:solidFill>
-                <a:srgbClr val="BCBCBC">
-                  <a:alpha val="29804"/>
-                </a:srgbClr>
-              </a:solidFill>
-              <a:prstDash val="sysDot"/>
-            </a:ln>
-          </p:spPr>
-          <p:style>
-            <a:lnRef idx="1">
-              <a:schemeClr val="accent1"/>
-            </a:lnRef>
-            <a:fillRef idx="0">
-              <a:schemeClr val="accent1"/>
-            </a:fillRef>
-            <a:effectRef idx="0">
-              <a:schemeClr val="accent1"/>
-            </a:effectRef>
-            <a:fontRef idx="minor">
-              <a:schemeClr val="tx1"/>
-            </a:fontRef>
-          </p:style>
-        </p:cxnSp>
-        <p:cxnSp>
-          <p:nvCxnSpPr>
-            <p:cNvPr id="101" name="Straight Connector 100">
-              <a:extLst>
-                <a:ext uri="{FF2B5EF4-FFF2-40B4-BE49-F238E27FC236}">
-                  <a16:creationId xmlns:a16="http://schemas.microsoft.com/office/drawing/2014/main" id="{90652F56-7B71-42B2-AB68-22204A6DF177}"/>
-                </a:ext>
-                <a:ext uri="{C183D7F6-B498-43B3-948B-1728B52AA6E4}">
-                  <adec:decorative xmlns:adec="http://schemas.microsoft.com/office/drawing/2017/decorative" val="1"/>
-                </a:ext>
-              </a:extLst>
-            </p:cNvPr>
-            <p:cNvCxnSpPr>
-              <a:cxnSpLocks/>
-            </p:cNvCxnSpPr>
-            <p:nvPr>
-              <p:extLst>
-                <p:ext uri="{386F3935-93C4-4BCD-93E2-E3B085C9AB24}">
-                  <p16:designElem xmlns:p16="http://schemas.microsoft.com/office/powerpoint/2015/main" val="1"/>
-                </p:ext>
-              </p:extLst>
-            </p:nvPr>
-          </p:nvCxnSpPr>
-          <p:spPr>
-            <a:xfrm>
-              <a:off x="12185786" y="-1"/>
-              <a:ext cx="0" cy="6858000"/>
-            </a:xfrm>
-            <a:prstGeom prst="line">
-              <a:avLst/>
-            </a:prstGeom>
-            <a:ln w="12700">
-              <a:solidFill>
-                <a:srgbClr val="BCBCBC">
-                  <a:alpha val="29804"/>
-                </a:srgbClr>
-              </a:solidFill>
-              <a:prstDash val="sysDot"/>
-            </a:ln>
-          </p:spPr>
-          <p:style>
-            <a:lnRef idx="1">
-              <a:schemeClr val="accent1"/>
-            </a:lnRef>
-            <a:fillRef idx="0">
-              <a:schemeClr val="accent1"/>
-            </a:fillRef>
-            <a:effectRef idx="0">
-              <a:schemeClr val="accent1"/>
-            </a:effectRef>
-            <a:fontRef idx="minor">
-              <a:schemeClr val="tx1"/>
-            </a:fontRef>
-          </p:style>
-        </p:cxnSp>
-        <p:cxnSp>
-          <p:nvCxnSpPr>
-            <p:cNvPr id="102" name="Straight Connector 101">
-              <a:extLst>
-                <a:ext uri="{FF2B5EF4-FFF2-40B4-BE49-F238E27FC236}">
-                  <a16:creationId xmlns:a16="http://schemas.microsoft.com/office/drawing/2014/main" id="{1059830E-1C3D-4D42-8789-524971CB4657}"/>
-                </a:ext>
-                <a:ext uri="{C183D7F6-B498-43B3-948B-1728B52AA6E4}">
-                  <adec:decorative xmlns:adec="http://schemas.microsoft.com/office/drawing/2017/decorative" val="1"/>
-                </a:ext>
-              </a:extLst>
-            </p:cNvPr>
-            <p:cNvCxnSpPr>
-              <a:cxnSpLocks/>
-            </p:cNvCxnSpPr>
-            <p:nvPr>
-              <p:extLst>
-                <p:ext uri="{386F3935-93C4-4BCD-93E2-E3B085C9AB24}">
-                  <p16:designElem xmlns:p16="http://schemas.microsoft.com/office/powerpoint/2015/main" val="1"/>
-                </p:ext>
-              </p:extLst>
-            </p:nvPr>
-          </p:nvCxnSpPr>
-          <p:spPr>
-            <a:xfrm>
-              <a:off x="0" y="171716"/>
-              <a:ext cx="12192000" cy="0"/>
-            </a:xfrm>
-            <a:prstGeom prst="line">
-              <a:avLst/>
-            </a:prstGeom>
-            <a:ln w="12700">
-              <a:solidFill>
-                <a:srgbClr val="BCBCBC">
-                  <a:alpha val="29804"/>
-                </a:srgbClr>
-              </a:solidFill>
-              <a:prstDash val="sysDot"/>
-            </a:ln>
-          </p:spPr>
-          <p:style>
-            <a:lnRef idx="1">
-              <a:schemeClr val="accent1"/>
-            </a:lnRef>
-            <a:fillRef idx="0">
-              <a:schemeClr val="accent1"/>
-            </a:fillRef>
-            <a:effectRef idx="0">
-              <a:schemeClr val="accent1"/>
-            </a:effectRef>
-            <a:fontRef idx="minor">
-              <a:schemeClr val="tx1"/>
-            </a:fontRef>
-          </p:style>
-        </p:cxnSp>
-        <p:cxnSp>
-          <p:nvCxnSpPr>
-            <p:cNvPr id="103" name="Straight Connector 102">
-              <a:extLst>
-                <a:ext uri="{FF2B5EF4-FFF2-40B4-BE49-F238E27FC236}">
-                  <a16:creationId xmlns:a16="http://schemas.microsoft.com/office/drawing/2014/main" id="{B53325A7-86D3-4B52-A7E3-ADDF408B4067}"/>
-                </a:ext>
-                <a:ext uri="{C183D7F6-B498-43B3-948B-1728B52AA6E4}">
-                  <adec:decorative xmlns:adec="http://schemas.microsoft.com/office/drawing/2017/decorative" val="1"/>
-                </a:ext>
-              </a:extLst>
-            </p:cNvPr>
-            <p:cNvCxnSpPr>
-              <a:cxnSpLocks/>
-            </p:cNvCxnSpPr>
-            <p:nvPr>
-              <p:extLst>
-                <p:ext uri="{386F3935-93C4-4BCD-93E2-E3B085C9AB24}">
-                  <p16:designElem xmlns:p16="http://schemas.microsoft.com/office/powerpoint/2015/main" val="1"/>
-                </p:ext>
-              </p:extLst>
-            </p:nvPr>
-          </p:nvCxnSpPr>
-          <p:spPr>
-            <a:xfrm>
-              <a:off x="0" y="714597"/>
-              <a:ext cx="12192000" cy="0"/>
-            </a:xfrm>
-            <a:prstGeom prst="line">
-              <a:avLst/>
-            </a:prstGeom>
-            <a:ln w="12700">
-              <a:solidFill>
-                <a:srgbClr val="BCBCBC">
-                  <a:alpha val="29804"/>
-                </a:srgbClr>
-              </a:solidFill>
-              <a:prstDash val="sysDot"/>
-            </a:ln>
-          </p:spPr>
-          <p:style>
-            <a:lnRef idx="1">
-              <a:schemeClr val="accent1"/>
-            </a:lnRef>
-            <a:fillRef idx="0">
-              <a:schemeClr val="accent1"/>
-            </a:fillRef>
-            <a:effectRef idx="0">
-              <a:schemeClr val="accent1"/>
-            </a:effectRef>
-            <a:fontRef idx="minor">
-              <a:schemeClr val="tx1"/>
-            </a:fontRef>
-          </p:style>
-        </p:cxnSp>
-        <p:cxnSp>
-          <p:nvCxnSpPr>
-            <p:cNvPr id="104" name="Straight Connector 103">
-              <a:extLst>
-                <a:ext uri="{FF2B5EF4-FFF2-40B4-BE49-F238E27FC236}">
-                  <a16:creationId xmlns:a16="http://schemas.microsoft.com/office/drawing/2014/main" id="{6D53F46F-EC12-484C-A4E7-791E57687AC1}"/>
-                </a:ext>
-                <a:ext uri="{C183D7F6-B498-43B3-948B-1728B52AA6E4}">
-                  <adec:decorative xmlns:adec="http://schemas.microsoft.com/office/drawing/2017/decorative" val="1"/>
-                </a:ext>
-              </a:extLst>
-            </p:cNvPr>
-            <p:cNvCxnSpPr>
-              <a:cxnSpLocks/>
-            </p:cNvCxnSpPr>
-            <p:nvPr>
-              <p:extLst>
-                <p:ext uri="{386F3935-93C4-4BCD-93E2-E3B085C9AB24}">
-                  <p16:designElem xmlns:p16="http://schemas.microsoft.com/office/powerpoint/2015/main" val="1"/>
-                </p:ext>
-              </p:extLst>
-            </p:nvPr>
-          </p:nvCxnSpPr>
-          <p:spPr>
-            <a:xfrm>
-              <a:off x="0" y="1257478"/>
-              <a:ext cx="12192000" cy="0"/>
-            </a:xfrm>
-            <a:prstGeom prst="line">
-              <a:avLst/>
-            </a:prstGeom>
-            <a:ln w="12700">
-              <a:solidFill>
-                <a:srgbClr val="BCBCBC">
-                  <a:alpha val="29804"/>
-                </a:srgbClr>
-              </a:solidFill>
-              <a:prstDash val="sysDot"/>
-            </a:ln>
-          </p:spPr>
-          <p:style>
-            <a:lnRef idx="1">
-              <a:schemeClr val="accent1"/>
-            </a:lnRef>
-            <a:fillRef idx="0">
-              <a:schemeClr val="accent1"/>
-            </a:fillRef>
-            <a:effectRef idx="0">
-              <a:schemeClr val="accent1"/>
-            </a:effectRef>
-            <a:fontRef idx="minor">
-              <a:schemeClr val="tx1"/>
-            </a:fontRef>
-          </p:style>
-        </p:cxnSp>
-        <p:cxnSp>
-          <p:nvCxnSpPr>
-            <p:cNvPr id="105" name="Straight Connector 104">
-              <a:extLst>
-                <a:ext uri="{FF2B5EF4-FFF2-40B4-BE49-F238E27FC236}">
-                  <a16:creationId xmlns:a16="http://schemas.microsoft.com/office/drawing/2014/main" id="{464ED9CA-8950-47B8-A9ED-22B45CE15FBC}"/>
-                </a:ext>
-                <a:ext uri="{C183D7F6-B498-43B3-948B-1728B52AA6E4}">
-                  <adec:decorative xmlns:adec="http://schemas.microsoft.com/office/drawing/2017/decorative" val="1"/>
-                </a:ext>
-              </a:extLst>
-            </p:cNvPr>
-            <p:cNvCxnSpPr>
-              <a:cxnSpLocks/>
-            </p:cNvCxnSpPr>
-            <p:nvPr>
-              <p:extLst>
-                <p:ext uri="{386F3935-93C4-4BCD-93E2-E3B085C9AB24}">
-                  <p16:designElem xmlns:p16="http://schemas.microsoft.com/office/powerpoint/2015/main" val="1"/>
-                </p:ext>
-              </p:extLst>
-            </p:nvPr>
-          </p:nvCxnSpPr>
-          <p:spPr>
-            <a:xfrm>
-              <a:off x="0" y="1800359"/>
-              <a:ext cx="12192000" cy="0"/>
-            </a:xfrm>
-            <a:prstGeom prst="line">
-              <a:avLst/>
-            </a:prstGeom>
-            <a:ln w="12700">
-              <a:solidFill>
-                <a:srgbClr val="BCBCBC">
-                  <a:alpha val="29804"/>
-                </a:srgbClr>
-              </a:solidFill>
-              <a:prstDash val="sysDot"/>
-            </a:ln>
-          </p:spPr>
-          <p:style>
-            <a:lnRef idx="1">
-              <a:schemeClr val="accent1"/>
-            </a:lnRef>
-            <a:fillRef idx="0">
-              <a:schemeClr val="accent1"/>
-            </a:fillRef>
-            <a:effectRef idx="0">
-              <a:schemeClr val="accent1"/>
-            </a:effectRef>
-            <a:fontRef idx="minor">
-              <a:schemeClr val="tx1"/>
-            </a:fontRef>
-          </p:style>
-        </p:cxnSp>
-        <p:cxnSp>
-          <p:nvCxnSpPr>
-            <p:cNvPr id="106" name="Straight Connector 105">
-              <a:extLst>
-                <a:ext uri="{FF2B5EF4-FFF2-40B4-BE49-F238E27FC236}">
-                  <a16:creationId xmlns:a16="http://schemas.microsoft.com/office/drawing/2014/main" id="{E4429F7B-9FD7-438F-8ECA-3FCAD0061805}"/>
-                </a:ext>
-                <a:ext uri="{C183D7F6-B498-43B3-948B-1728B52AA6E4}">
-                  <adec:decorative xmlns:adec="http://schemas.microsoft.com/office/drawing/2017/decorative" val="1"/>
-                </a:ext>
-              </a:extLst>
-            </p:cNvPr>
-            <p:cNvCxnSpPr>
-              <a:cxnSpLocks/>
-            </p:cNvCxnSpPr>
-            <p:nvPr>
-              <p:extLst>
-                <p:ext uri="{386F3935-93C4-4BCD-93E2-E3B085C9AB24}">
-                  <p16:designElem xmlns:p16="http://schemas.microsoft.com/office/powerpoint/2015/main" val="1"/>
-                </p:ext>
-              </p:extLst>
-            </p:nvPr>
-          </p:nvCxnSpPr>
-          <p:spPr>
-            <a:xfrm>
-              <a:off x="0" y="2343240"/>
-              <a:ext cx="12192000" cy="0"/>
-            </a:xfrm>
-            <a:prstGeom prst="line">
-              <a:avLst/>
-            </a:prstGeom>
-            <a:ln w="12700">
-              <a:solidFill>
-                <a:srgbClr val="BCBCBC">
-                  <a:alpha val="29804"/>
-                </a:srgbClr>
-              </a:solidFill>
-              <a:prstDash val="sysDot"/>
-            </a:ln>
-          </p:spPr>
-          <p:style>
-            <a:lnRef idx="1">
-              <a:schemeClr val="accent1"/>
-            </a:lnRef>
-            <a:fillRef idx="0">
-              <a:schemeClr val="accent1"/>
-            </a:fillRef>
-            <a:effectRef idx="0">
-              <a:schemeClr val="accent1"/>
-            </a:effectRef>
-            <a:fontRef idx="minor">
-              <a:schemeClr val="tx1"/>
-            </a:fontRef>
-          </p:style>
-        </p:cxnSp>
-        <p:cxnSp>
-          <p:nvCxnSpPr>
-            <p:cNvPr id="107" name="Straight Connector 106">
-              <a:extLst>
-                <a:ext uri="{FF2B5EF4-FFF2-40B4-BE49-F238E27FC236}">
-                  <a16:creationId xmlns:a16="http://schemas.microsoft.com/office/drawing/2014/main" id="{0C558100-D455-4B41-890C-BCC898B2D165}"/>
-                </a:ext>
-                <a:ext uri="{C183D7F6-B498-43B3-948B-1728B52AA6E4}">
-                  <adec:decorative xmlns:adec="http://schemas.microsoft.com/office/drawing/2017/decorative" val="1"/>
-                </a:ext>
-              </a:extLst>
-            </p:cNvPr>
-            <p:cNvCxnSpPr>
-              <a:cxnSpLocks/>
-            </p:cNvCxnSpPr>
-            <p:nvPr>
-              <p:extLst>
-                <p:ext uri="{386F3935-93C4-4BCD-93E2-E3B085C9AB24}">
-                  <p16:designElem xmlns:p16="http://schemas.microsoft.com/office/powerpoint/2015/main" val="1"/>
-                </p:ext>
-              </p:extLst>
-            </p:nvPr>
-          </p:nvCxnSpPr>
-          <p:spPr>
-            <a:xfrm>
-              <a:off x="0" y="2886121"/>
-              <a:ext cx="12192000" cy="0"/>
-            </a:xfrm>
-            <a:prstGeom prst="line">
-              <a:avLst/>
-            </a:prstGeom>
-            <a:ln w="12700">
-              <a:solidFill>
-                <a:srgbClr val="BCBCBC">
-                  <a:alpha val="29804"/>
-                </a:srgbClr>
-              </a:solidFill>
-              <a:prstDash val="sysDot"/>
-            </a:ln>
-          </p:spPr>
-          <p:style>
-            <a:lnRef idx="1">
-              <a:schemeClr val="accent1"/>
-            </a:lnRef>
-            <a:fillRef idx="0">
-              <a:schemeClr val="accent1"/>
-            </a:fillRef>
-            <a:effectRef idx="0">
-              <a:schemeClr val="accent1"/>
-            </a:effectRef>
-            <a:fontRef idx="minor">
-              <a:schemeClr val="tx1"/>
-            </a:fontRef>
-          </p:style>
-        </p:cxnSp>
-        <p:cxnSp>
-          <p:nvCxnSpPr>
-            <p:cNvPr id="108" name="Straight Connector 107">
-              <a:extLst>
-                <a:ext uri="{FF2B5EF4-FFF2-40B4-BE49-F238E27FC236}">
-                  <a16:creationId xmlns:a16="http://schemas.microsoft.com/office/drawing/2014/main" id="{F2886397-398A-4318-BE16-2CBAC1902F9E}"/>
-                </a:ext>
-                <a:ext uri="{C183D7F6-B498-43B3-948B-1728B52AA6E4}">
-                  <adec:decorative xmlns:adec="http://schemas.microsoft.com/office/drawing/2017/decorative" val="1"/>
-                </a:ext>
-              </a:extLst>
-            </p:cNvPr>
-            <p:cNvCxnSpPr>
-              <a:cxnSpLocks/>
-            </p:cNvCxnSpPr>
-            <p:nvPr>
-              <p:extLst>
-                <p:ext uri="{386F3935-93C4-4BCD-93E2-E3B085C9AB24}">
-                  <p16:designElem xmlns:p16="http://schemas.microsoft.com/office/powerpoint/2015/main" val="1"/>
-                </p:ext>
-              </p:extLst>
-            </p:nvPr>
-          </p:nvCxnSpPr>
-          <p:spPr>
-            <a:xfrm>
-              <a:off x="0" y="3429002"/>
-              <a:ext cx="12192000" cy="0"/>
-            </a:xfrm>
-            <a:prstGeom prst="line">
-              <a:avLst/>
-            </a:prstGeom>
-            <a:ln w="12700">
-              <a:solidFill>
-                <a:srgbClr val="BCBCBC">
-                  <a:alpha val="29804"/>
-                </a:srgbClr>
-              </a:solidFill>
-              <a:prstDash val="sysDot"/>
-            </a:ln>
-          </p:spPr>
-          <p:style>
-            <a:lnRef idx="1">
-              <a:schemeClr val="accent1"/>
-            </a:lnRef>
-            <a:fillRef idx="0">
-              <a:schemeClr val="accent1"/>
-            </a:fillRef>
-            <a:effectRef idx="0">
-              <a:schemeClr val="accent1"/>
-            </a:effectRef>
-            <a:fontRef idx="minor">
-              <a:schemeClr val="tx1"/>
-            </a:fontRef>
-          </p:style>
-        </p:cxnSp>
-        <p:cxnSp>
-          <p:nvCxnSpPr>
-            <p:cNvPr id="109" name="Straight Connector 108">
-              <a:extLst>
-                <a:ext uri="{FF2B5EF4-FFF2-40B4-BE49-F238E27FC236}">
-                  <a16:creationId xmlns:a16="http://schemas.microsoft.com/office/drawing/2014/main" id="{7D32A3A6-CE6E-4ABD-8522-2C8DC88C070E}"/>
-                </a:ext>
-                <a:ext uri="{C183D7F6-B498-43B3-948B-1728B52AA6E4}">
-                  <adec:decorative xmlns:adec="http://schemas.microsoft.com/office/drawing/2017/decorative" val="1"/>
-                </a:ext>
-              </a:extLst>
-            </p:cNvPr>
-            <p:cNvCxnSpPr>
-              <a:cxnSpLocks/>
-            </p:cNvCxnSpPr>
-            <p:nvPr>
-              <p:extLst>
-                <p:ext uri="{386F3935-93C4-4BCD-93E2-E3B085C9AB24}">
-                  <p16:designElem xmlns:p16="http://schemas.microsoft.com/office/powerpoint/2015/main" val="1"/>
-                </p:ext>
-              </p:extLst>
-            </p:nvPr>
-          </p:nvCxnSpPr>
-          <p:spPr>
-            <a:xfrm>
-              <a:off x="0" y="3971883"/>
-              <a:ext cx="12192000" cy="0"/>
-            </a:xfrm>
-            <a:prstGeom prst="line">
-              <a:avLst/>
-            </a:prstGeom>
-            <a:ln w="12700">
-              <a:solidFill>
-                <a:srgbClr val="BCBCBC">
-                  <a:alpha val="29804"/>
-                </a:srgbClr>
-              </a:solidFill>
-              <a:prstDash val="sysDot"/>
-            </a:ln>
-          </p:spPr>
-          <p:style>
-            <a:lnRef idx="1">
-              <a:schemeClr val="accent1"/>
-            </a:lnRef>
-            <a:fillRef idx="0">
-              <a:schemeClr val="accent1"/>
-            </a:fillRef>
-            <a:effectRef idx="0">
-              <a:schemeClr val="accent1"/>
-            </a:effectRef>
-            <a:fontRef idx="minor">
-              <a:schemeClr val="tx1"/>
-            </a:fontRef>
-          </p:style>
-        </p:cxnSp>
-        <p:cxnSp>
-          <p:nvCxnSpPr>
-            <p:cNvPr id="110" name="Straight Connector 109">
-              <a:extLst>
-                <a:ext uri="{FF2B5EF4-FFF2-40B4-BE49-F238E27FC236}">
-                  <a16:creationId xmlns:a16="http://schemas.microsoft.com/office/drawing/2014/main" id="{F9014C09-5B84-4798-8BDE-C80D76E67B8E}"/>
-                </a:ext>
-                <a:ext uri="{C183D7F6-B498-43B3-948B-1728B52AA6E4}">
-                  <adec:decorative xmlns:adec="http://schemas.microsoft.com/office/drawing/2017/decorative" val="1"/>
-                </a:ext>
-              </a:extLst>
-            </p:cNvPr>
-            <p:cNvCxnSpPr>
-              <a:cxnSpLocks/>
-            </p:cNvCxnSpPr>
-            <p:nvPr>
-              <p:extLst>
-                <p:ext uri="{386F3935-93C4-4BCD-93E2-E3B085C9AB24}">
-                  <p16:designElem xmlns:p16="http://schemas.microsoft.com/office/powerpoint/2015/main" val="1"/>
-                </p:ext>
-              </p:extLst>
-            </p:nvPr>
-          </p:nvCxnSpPr>
-          <p:spPr>
-            <a:xfrm>
-              <a:off x="0" y="4514764"/>
-              <a:ext cx="12192000" cy="0"/>
-            </a:xfrm>
-            <a:prstGeom prst="line">
-              <a:avLst/>
-            </a:prstGeom>
-            <a:ln w="12700">
-              <a:solidFill>
-                <a:srgbClr val="BCBCBC">
-                  <a:alpha val="29804"/>
-                </a:srgbClr>
-              </a:solidFill>
-              <a:prstDash val="sysDot"/>
-            </a:ln>
-          </p:spPr>
-          <p:style>
-            <a:lnRef idx="1">
-              <a:schemeClr val="accent1"/>
-            </a:lnRef>
-            <a:fillRef idx="0">
-              <a:schemeClr val="accent1"/>
-            </a:fillRef>
-            <a:effectRef idx="0">
-              <a:schemeClr val="accent1"/>
-            </a:effectRef>
-            <a:fontRef idx="minor">
-              <a:schemeClr val="tx1"/>
-            </a:fontRef>
-          </p:style>
-        </p:cxnSp>
-        <p:cxnSp>
-          <p:nvCxnSpPr>
-            <p:cNvPr id="111" name="Straight Connector 110">
-              <a:extLst>
-                <a:ext uri="{FF2B5EF4-FFF2-40B4-BE49-F238E27FC236}">
-                  <a16:creationId xmlns:a16="http://schemas.microsoft.com/office/drawing/2014/main" id="{2A29EB9E-ED9D-4C69-8A26-9A7A0A830569}"/>
-                </a:ext>
-                <a:ext uri="{C183D7F6-B498-43B3-948B-1728B52AA6E4}">
-                  <adec:decorative xmlns:adec="http://schemas.microsoft.com/office/drawing/2017/decorative" val="1"/>
-                </a:ext>
-              </a:extLst>
-            </p:cNvPr>
-            <p:cNvCxnSpPr>
-              <a:cxnSpLocks/>
-            </p:cNvCxnSpPr>
-            <p:nvPr>
-              <p:extLst>
-                <p:ext uri="{386F3935-93C4-4BCD-93E2-E3B085C9AB24}">
-                  <p16:designElem xmlns:p16="http://schemas.microsoft.com/office/powerpoint/2015/main" val="1"/>
-                </p:ext>
-              </p:extLst>
-            </p:nvPr>
-          </p:nvCxnSpPr>
-          <p:spPr>
-            <a:xfrm>
-              <a:off x="0" y="5057645"/>
-              <a:ext cx="12192000" cy="0"/>
-            </a:xfrm>
-            <a:prstGeom prst="line">
-              <a:avLst/>
-            </a:prstGeom>
-            <a:ln w="12700">
-              <a:solidFill>
-                <a:srgbClr val="BCBCBC">
-                  <a:alpha val="29804"/>
-                </a:srgbClr>
-              </a:solidFill>
-              <a:prstDash val="sysDot"/>
-            </a:ln>
-          </p:spPr>
-          <p:style>
-            <a:lnRef idx="1">
-              <a:schemeClr val="accent1"/>
-            </a:lnRef>
-            <a:fillRef idx="0">
-              <a:schemeClr val="accent1"/>
-            </a:fillRef>
-            <a:effectRef idx="0">
-              <a:schemeClr val="accent1"/>
-            </a:effectRef>
-            <a:fontRef idx="minor">
-              <a:schemeClr val="tx1"/>
-            </a:fontRef>
-          </p:style>
-        </p:cxnSp>
-        <p:cxnSp>
-          <p:nvCxnSpPr>
-            <p:cNvPr id="112" name="Straight Connector 111">
-              <a:extLst>
-                <a:ext uri="{FF2B5EF4-FFF2-40B4-BE49-F238E27FC236}">
-                  <a16:creationId xmlns:a16="http://schemas.microsoft.com/office/drawing/2014/main" id="{AA2899F9-1795-416F-8F3D-26EEB684DB6A}"/>
-                </a:ext>
-                <a:ext uri="{C183D7F6-B498-43B3-948B-1728B52AA6E4}">
-                  <adec:decorative xmlns:adec="http://schemas.microsoft.com/office/drawing/2017/decorative" val="1"/>
-                </a:ext>
-              </a:extLst>
-            </p:cNvPr>
-            <p:cNvCxnSpPr>
-              <a:cxnSpLocks/>
-            </p:cNvCxnSpPr>
-            <p:nvPr>
-              <p:extLst>
-                <p:ext uri="{386F3935-93C4-4BCD-93E2-E3B085C9AB24}">
-                  <p16:designElem xmlns:p16="http://schemas.microsoft.com/office/powerpoint/2015/main" val="1"/>
-                </p:ext>
-              </p:extLst>
-            </p:nvPr>
-          </p:nvCxnSpPr>
-          <p:spPr>
-            <a:xfrm>
-              <a:off x="0" y="5600526"/>
-              <a:ext cx="12192000" cy="0"/>
-            </a:xfrm>
-            <a:prstGeom prst="line">
-              <a:avLst/>
-            </a:prstGeom>
-            <a:ln w="12700">
-              <a:solidFill>
-                <a:srgbClr val="BCBCBC">
-                  <a:alpha val="29804"/>
-                </a:srgbClr>
-              </a:solidFill>
-              <a:prstDash val="sysDot"/>
-            </a:ln>
-          </p:spPr>
-          <p:style>
-            <a:lnRef idx="1">
-              <a:schemeClr val="accent1"/>
-            </a:lnRef>
-            <a:fillRef idx="0">
-              <a:schemeClr val="accent1"/>
-            </a:fillRef>
-            <a:effectRef idx="0">
-              <a:schemeClr val="accent1"/>
-            </a:effectRef>
-            <a:fontRef idx="minor">
-              <a:schemeClr val="tx1"/>
-            </a:fontRef>
-          </p:style>
-        </p:cxnSp>
-        <p:cxnSp>
-          <p:nvCxnSpPr>
-            <p:cNvPr id="113" name="Straight Connector 112">
-              <a:extLst>
-                <a:ext uri="{FF2B5EF4-FFF2-40B4-BE49-F238E27FC236}">
-                  <a16:creationId xmlns:a16="http://schemas.microsoft.com/office/drawing/2014/main" id="{E3043474-8625-495C-BD06-3627FD286C55}"/>
-                </a:ext>
-                <a:ext uri="{C183D7F6-B498-43B3-948B-1728B52AA6E4}">
-                  <adec:decorative xmlns:adec="http://schemas.microsoft.com/office/drawing/2017/decorative" val="1"/>
-                </a:ext>
-              </a:extLst>
-            </p:cNvPr>
-            <p:cNvCxnSpPr>
-              <a:cxnSpLocks/>
-            </p:cNvCxnSpPr>
-            <p:nvPr>
-              <p:extLst>
-                <p:ext uri="{386F3935-93C4-4BCD-93E2-E3B085C9AB24}">
-                  <p16:designElem xmlns:p16="http://schemas.microsoft.com/office/powerpoint/2015/main" val="1"/>
-                </p:ext>
-              </p:extLst>
-            </p:nvPr>
-          </p:nvCxnSpPr>
-          <p:spPr>
-            <a:xfrm>
-              <a:off x="0" y="6857999"/>
-              <a:ext cx="12192000" cy="0"/>
-            </a:xfrm>
-            <a:prstGeom prst="line">
-              <a:avLst/>
-            </a:prstGeom>
-            <a:ln w="12700">
-              <a:solidFill>
-                <a:srgbClr val="BCBCBC">
-                  <a:alpha val="29804"/>
-                </a:srgbClr>
-              </a:solidFill>
-              <a:prstDash val="sysDot"/>
-            </a:ln>
-          </p:spPr>
-          <p:style>
-            <a:lnRef idx="1">
-              <a:schemeClr val="accent1"/>
-            </a:lnRef>
-            <a:fillRef idx="0">
-              <a:schemeClr val="accent1"/>
-            </a:fillRef>
-            <a:effectRef idx="0">
-              <a:schemeClr val="accent1"/>
-            </a:effectRef>
-            <a:fontRef idx="minor">
-              <a:schemeClr val="tx1"/>
-            </a:fontRef>
-          </p:style>
-        </p:cxnSp>
-        <p:cxnSp>
-          <p:nvCxnSpPr>
-            <p:cNvPr id="114" name="Straight Connector 113">
-              <a:extLst>
-                <a:ext uri="{FF2B5EF4-FFF2-40B4-BE49-F238E27FC236}">
-                  <a16:creationId xmlns:a16="http://schemas.microsoft.com/office/drawing/2014/main" id="{D432CE47-7631-408E-8DDC-79EE378B707B}"/>
-                </a:ext>
-                <a:ext uri="{C183D7F6-B498-43B3-948B-1728B52AA6E4}">
-                  <adec:decorative xmlns:adec="http://schemas.microsoft.com/office/drawing/2017/decorative" val="1"/>
-                </a:ext>
-              </a:extLst>
-            </p:cNvPr>
-            <p:cNvCxnSpPr>
-              <a:cxnSpLocks/>
-            </p:cNvCxnSpPr>
-            <p:nvPr>
-              <p:extLst>
-                <p:ext uri="{386F3935-93C4-4BCD-93E2-E3B085C9AB24}">
-                  <p16:designElem xmlns:p16="http://schemas.microsoft.com/office/powerpoint/2015/main" val="1"/>
-                </p:ext>
-              </p:extLst>
-            </p:nvPr>
-          </p:nvCxnSpPr>
-          <p:spPr>
-            <a:xfrm>
-              <a:off x="16613" y="6143407"/>
-              <a:ext cx="12192000" cy="0"/>
-            </a:xfrm>
-            <a:prstGeom prst="line">
-              <a:avLst/>
-            </a:prstGeom>
-            <a:ln w="12700">
-              <a:solidFill>
-                <a:srgbClr val="BCBCBC">
-                  <a:alpha val="29804"/>
-                </a:srgbClr>
-              </a:solidFill>
-              <a:prstDash val="sysDot"/>
-            </a:ln>
-          </p:spPr>
-          <p:style>
-            <a:lnRef idx="1">
-              <a:schemeClr val="accent1"/>
-            </a:lnRef>
-            <a:fillRef idx="0">
-              <a:schemeClr val="accent1"/>
-            </a:fillRef>
-            <a:effectRef idx="0">
-              <a:schemeClr val="accent1"/>
-            </a:effectRef>
-            <a:fontRef idx="minor">
-              <a:schemeClr val="tx1"/>
-            </a:fontRef>
-          </p:style>
-        </p:cxnSp>
-        <p:cxnSp>
-          <p:nvCxnSpPr>
-            <p:cNvPr id="115" name="Straight Connector 114">
-              <a:extLst>
-                <a:ext uri="{FF2B5EF4-FFF2-40B4-BE49-F238E27FC236}">
-                  <a16:creationId xmlns:a16="http://schemas.microsoft.com/office/drawing/2014/main" id="{B2C8832D-8B8D-4036-B913-2D363143274B}"/>
-                </a:ext>
-                <a:ext uri="{C183D7F6-B498-43B3-948B-1728B52AA6E4}">
-                  <adec:decorative xmlns:adec="http://schemas.microsoft.com/office/drawing/2017/decorative" val="1"/>
-                </a:ext>
-              </a:extLst>
-            </p:cNvPr>
-            <p:cNvCxnSpPr>
-              <a:cxnSpLocks/>
-            </p:cNvCxnSpPr>
-            <p:nvPr>
-              <p:extLst>
-                <p:ext uri="{386F3935-93C4-4BCD-93E2-E3B085C9AB24}">
-                  <p16:designElem xmlns:p16="http://schemas.microsoft.com/office/powerpoint/2015/main" val="1"/>
-                </p:ext>
-              </p:extLst>
-            </p:nvPr>
-          </p:nvCxnSpPr>
-          <p:spPr>
-            <a:xfrm>
-              <a:off x="684225" y="171716"/>
-              <a:ext cx="0" cy="6511464"/>
-            </a:xfrm>
-            <a:prstGeom prst="line">
-              <a:avLst/>
-            </a:prstGeom>
-            <a:ln w="12700">
-              <a:solidFill>
-                <a:srgbClr val="BCBCBC">
-                  <a:alpha val="29804"/>
-                </a:srgbClr>
-              </a:solidFill>
-              <a:prstDash val="sysDot"/>
-            </a:ln>
-          </p:spPr>
-          <p:style>
-            <a:lnRef idx="1">
-              <a:schemeClr val="accent1"/>
-            </a:lnRef>
-            <a:fillRef idx="0">
-              <a:schemeClr val="accent1"/>
-            </a:fillRef>
-            <a:effectRef idx="0">
-              <a:schemeClr val="accent1"/>
-            </a:effectRef>
-            <a:fontRef idx="minor">
-              <a:schemeClr val="tx1"/>
-            </a:fontRef>
-          </p:style>
-        </p:cxnSp>
-        <p:cxnSp>
-          <p:nvCxnSpPr>
-            <p:cNvPr id="116" name="Straight Connector 115">
-              <a:extLst>
-                <a:ext uri="{FF2B5EF4-FFF2-40B4-BE49-F238E27FC236}">
-                  <a16:creationId xmlns:a16="http://schemas.microsoft.com/office/drawing/2014/main" id="{1CCEFEAF-E87B-4FF2-A947-94CABAA0610D}"/>
-                </a:ext>
-                <a:ext uri="{C183D7F6-B498-43B3-948B-1728B52AA6E4}">
-                  <adec:decorative xmlns:adec="http://schemas.microsoft.com/office/drawing/2017/decorative" val="1"/>
-                </a:ext>
-              </a:extLst>
-            </p:cNvPr>
-            <p:cNvCxnSpPr>
-              <a:cxnSpLocks/>
-            </p:cNvCxnSpPr>
-            <p:nvPr>
-              <p:extLst>
-                <p:ext uri="{386F3935-93C4-4BCD-93E2-E3B085C9AB24}">
-                  <p16:designElem xmlns:p16="http://schemas.microsoft.com/office/powerpoint/2015/main" val="1"/>
-                </p:ext>
-              </p:extLst>
-            </p:nvPr>
-          </p:nvCxnSpPr>
-          <p:spPr>
-            <a:xfrm>
-              <a:off x="11508412" y="173267"/>
-              <a:ext cx="0" cy="6511464"/>
-            </a:xfrm>
-            <a:prstGeom prst="line">
-              <a:avLst/>
-            </a:prstGeom>
-            <a:ln w="12700">
-              <a:solidFill>
-                <a:srgbClr val="BCBCBC">
-                  <a:alpha val="29804"/>
-                </a:srgbClr>
-              </a:solidFill>
-              <a:prstDash val="sysDot"/>
-            </a:ln>
-          </p:spPr>
-          <p:style>
-            <a:lnRef idx="1">
-              <a:schemeClr val="accent1"/>
-            </a:lnRef>
-            <a:fillRef idx="0">
-              <a:schemeClr val="accent1"/>
-            </a:fillRef>
-            <a:effectRef idx="0">
-              <a:schemeClr val="accent1"/>
-            </a:effectRef>
-            <a:fontRef idx="minor">
-              <a:schemeClr val="tx1"/>
-            </a:fontRef>
-          </p:style>
-        </p:cxnSp>
-      </p:grpSp>
-      <p:sp>
-        <p:nvSpPr>
-          <p:cNvPr id="158" name="Right Triangle 117">
-            <a:extLst>
-              <a:ext uri="{FF2B5EF4-FFF2-40B4-BE49-F238E27FC236}">
-                <a16:creationId xmlns:a16="http://schemas.microsoft.com/office/drawing/2014/main" id="{2437C4A8-8E3A-4ADA-93B9-64737CE1ABB1}"/>
-              </a:ext>
-              <a:ext uri="{C183D7F6-B498-43B3-948B-1728B52AA6E4}">
-                <adec:decorative xmlns:adec="http://schemas.microsoft.com/office/drawing/2017/decorative" val="1"/>
-              </a:ext>
-            </a:extLst>
-          </p:cNvPr>
-          <p:cNvSpPr>
-            <a:spLocks noGrp="1" noRot="1" noChangeAspect="1" noMove="1" noResize="1" noEditPoints="1" noAdjustHandles="1" noChangeArrowheads="1" noChangeShapeType="1" noTextEdit="1"/>
-          </p:cNvSpPr>
-          <p:nvPr>
-            <p:extLst>
-              <p:ext uri="{386F3935-93C4-4BCD-93E2-E3B085C9AB24}">
-                <p16:designElem xmlns:p16="http://schemas.microsoft.com/office/powerpoint/2015/main" val="1"/>
-              </p:ext>
-            </p:extLst>
-          </p:nvPr>
-        </p:nvSpPr>
-        <p:spPr>
-          <a:xfrm rot="13500000">
-            <a:off x="-281093" y="2607907"/>
-            <a:ext cx="568289" cy="568289"/>
-          </a:xfrm>
-          <a:prstGeom prst="rtTriangle">
-            <a:avLst/>
-          </a:prstGeom>
-          <a:solidFill>
-            <a:schemeClr val="accent1">
-              <a:alpha val="50000"/>
-            </a:schemeClr>
-          </a:solidFill>
-          <a:ln>
-            <a:noFill/>
-          </a:ln>
-        </p:spPr>
-        <p:style>
-          <a:lnRef idx="2">
-            <a:schemeClr val="accent1">
-              <a:shade val="50000"/>
-            </a:schemeClr>
-          </a:lnRef>
-          <a:fillRef idx="1">
-            <a:schemeClr val="accent1"/>
-          </a:fillRef>
-          <a:effectRef idx="0">
-            <a:schemeClr val="accent1"/>
-          </a:effectRef>
-          <a:fontRef idx="minor">
-            <a:schemeClr val="lt1"/>
-          </a:fontRef>
-        </p:style>
-        <p:txBody>
-          <a:bodyPr rtlCol="0" anchor="ctr"/>
-          <a:lstStyle/>
-          <a:p>
-            <a:pPr algn="ctr"/>
-            <a:endParaRPr lang="en-US">
-              <a:solidFill>
-                <a:schemeClr val="tx1"/>
-              </a:solidFill>
-            </a:endParaRPr>
-          </a:p>
-        </p:txBody>
-      </p:sp>
-      <p:sp useBgFill="1">
-        <p:nvSpPr>
-          <p:cNvPr id="159" name="Rectangle 119">
-            <a:extLst>
-              <a:ext uri="{FF2B5EF4-FFF2-40B4-BE49-F238E27FC236}">
-                <a16:creationId xmlns:a16="http://schemas.microsoft.com/office/drawing/2014/main" id="{13B6DAC6-0186-4D62-AD69-90B9C0411EA3}"/>
+                <a16:creationId xmlns:a16="http://schemas.microsoft.com/office/drawing/2014/main" id="{1C582B07-D0F0-4B6B-A5D9-D2F192CB3A4E}"/>
               </a:ext>
               <a:ext uri="{C183D7F6-B498-43B3-948B-1728B52AA6E4}">
                 <adec:decorative xmlns:adec="http://schemas.microsoft.com/office/drawing/2017/decorative" val="1"/>
@@ -22379,10 +18845,10 @@
       </p:sp>
       <p:grpSp>
         <p:nvGrpSpPr>
-          <p:cNvPr id="160" name="Group 121">
+          <p:cNvPr id="164" name="Group 163">
             <a:extLst>
               <a:ext uri="{FF2B5EF4-FFF2-40B4-BE49-F238E27FC236}">
-                <a16:creationId xmlns:a16="http://schemas.microsoft.com/office/drawing/2014/main" id="{2805421D-23CB-40F5-9098-D716667E5BB6}"/>
+                <a16:creationId xmlns:a16="http://schemas.microsoft.com/office/drawing/2014/main" id="{5591A4A5-C00F-4B45-9735-FD2841BF348B}"/>
               </a:ext>
               <a:ext uri="{C183D7F6-B498-43B3-948B-1728B52AA6E4}">
                 <adec:decorative xmlns:adec="http://schemas.microsoft.com/office/drawing/2017/decorative" val="1"/>
@@ -22410,10 +18876,10 @@
         </p:grpSpPr>
         <p:cxnSp>
           <p:nvCxnSpPr>
-            <p:cNvPr id="123" name="Straight Connector 122">
-              <a:extLst>
-                <a:ext uri="{FF2B5EF4-FFF2-40B4-BE49-F238E27FC236}">
-                  <a16:creationId xmlns:a16="http://schemas.microsoft.com/office/drawing/2014/main" id="{EBEDFB19-5DE1-4CA8-842F-CF9657C9B52E}"/>
+            <p:cNvPr id="165" name="Straight Connector 164">
+              <a:extLst>
+                <a:ext uri="{FF2B5EF4-FFF2-40B4-BE49-F238E27FC236}">
+                  <a16:creationId xmlns:a16="http://schemas.microsoft.com/office/drawing/2014/main" id="{7A16FDB6-C8B8-4BB9-B5F6-C9E7D1549AD5}"/>
                 </a:ext>
                 <a:ext uri="{C183D7F6-B498-43B3-948B-1728B52AA6E4}">
                   <adec:decorative xmlns:adec="http://schemas.microsoft.com/office/drawing/2017/decorative" val="1"/>
@@ -22465,10 +18931,10 @@
         </p:cxnSp>
         <p:cxnSp>
           <p:nvCxnSpPr>
-            <p:cNvPr id="124" name="Straight Connector 123">
-              <a:extLst>
-                <a:ext uri="{FF2B5EF4-FFF2-40B4-BE49-F238E27FC236}">
-                  <a16:creationId xmlns:a16="http://schemas.microsoft.com/office/drawing/2014/main" id="{8B04A073-94DC-4578-A9E2-F2E11D914E22}"/>
+            <p:cNvPr id="166" name="Straight Connector 165">
+              <a:extLst>
+                <a:ext uri="{FF2B5EF4-FFF2-40B4-BE49-F238E27FC236}">
+                  <a16:creationId xmlns:a16="http://schemas.microsoft.com/office/drawing/2014/main" id="{D65D67BC-2831-45D1-804D-2B848B7FF616}"/>
                 </a:ext>
                 <a:ext uri="{C183D7F6-B498-43B3-948B-1728B52AA6E4}">
                   <adec:decorative xmlns:adec="http://schemas.microsoft.com/office/drawing/2017/decorative" val="1"/>
@@ -22520,10 +18986,10 @@
         </p:cxnSp>
         <p:cxnSp>
           <p:nvCxnSpPr>
-            <p:cNvPr id="125" name="Straight Connector 124">
-              <a:extLst>
-                <a:ext uri="{FF2B5EF4-FFF2-40B4-BE49-F238E27FC236}">
-                  <a16:creationId xmlns:a16="http://schemas.microsoft.com/office/drawing/2014/main" id="{77F7BBB2-E3AC-457B-807F-64236CF3029F}"/>
+            <p:cNvPr id="167" name="Straight Connector 166">
+              <a:extLst>
+                <a:ext uri="{FF2B5EF4-FFF2-40B4-BE49-F238E27FC236}">
+                  <a16:creationId xmlns:a16="http://schemas.microsoft.com/office/drawing/2014/main" id="{B3254059-39EC-48CC-B948-9EE6B0551757}"/>
                 </a:ext>
                 <a:ext uri="{C183D7F6-B498-43B3-948B-1728B52AA6E4}">
                   <adec:decorative xmlns:adec="http://schemas.microsoft.com/office/drawing/2017/decorative" val="1"/>
@@ -22575,10 +19041,10 @@
         </p:cxnSp>
         <p:cxnSp>
           <p:nvCxnSpPr>
-            <p:cNvPr id="126" name="Straight Connector 125">
-              <a:extLst>
-                <a:ext uri="{FF2B5EF4-FFF2-40B4-BE49-F238E27FC236}">
-                  <a16:creationId xmlns:a16="http://schemas.microsoft.com/office/drawing/2014/main" id="{30853883-33B5-4C34-9FBE-49F74C507617}"/>
+            <p:cNvPr id="168" name="Straight Connector 167">
+              <a:extLst>
+                <a:ext uri="{FF2B5EF4-FFF2-40B4-BE49-F238E27FC236}">
+                  <a16:creationId xmlns:a16="http://schemas.microsoft.com/office/drawing/2014/main" id="{AF3E0572-7D5E-4FAA-B67C-23A9C6D71552}"/>
                 </a:ext>
                 <a:ext uri="{C183D7F6-B498-43B3-948B-1728B52AA6E4}">
                   <adec:decorative xmlns:adec="http://schemas.microsoft.com/office/drawing/2017/decorative" val="1"/>
@@ -22630,10 +19096,10 @@
         </p:cxnSp>
         <p:cxnSp>
           <p:nvCxnSpPr>
-            <p:cNvPr id="127" name="Straight Connector 126">
-              <a:extLst>
-                <a:ext uri="{FF2B5EF4-FFF2-40B4-BE49-F238E27FC236}">
-                  <a16:creationId xmlns:a16="http://schemas.microsoft.com/office/drawing/2014/main" id="{23148E7B-B5D6-4263-9D85-5D3DFB6178AE}"/>
+            <p:cNvPr id="169" name="Straight Connector 168">
+              <a:extLst>
+                <a:ext uri="{FF2B5EF4-FFF2-40B4-BE49-F238E27FC236}">
+                  <a16:creationId xmlns:a16="http://schemas.microsoft.com/office/drawing/2014/main" id="{2C5F1231-CF22-4258-B764-592B6CB8DC08}"/>
                 </a:ext>
                 <a:ext uri="{C183D7F6-B498-43B3-948B-1728B52AA6E4}">
                   <adec:decorative xmlns:adec="http://schemas.microsoft.com/office/drawing/2017/decorative" val="1"/>
@@ -22685,10 +19151,10 @@
         </p:cxnSp>
         <p:cxnSp>
           <p:nvCxnSpPr>
-            <p:cNvPr id="128" name="Straight Connector 127">
-              <a:extLst>
-                <a:ext uri="{FF2B5EF4-FFF2-40B4-BE49-F238E27FC236}">
-                  <a16:creationId xmlns:a16="http://schemas.microsoft.com/office/drawing/2014/main" id="{3967EC22-EFE1-454E-8FD1-12FFCD9D20FE}"/>
+            <p:cNvPr id="170" name="Straight Connector 169">
+              <a:extLst>
+                <a:ext uri="{FF2B5EF4-FFF2-40B4-BE49-F238E27FC236}">
+                  <a16:creationId xmlns:a16="http://schemas.microsoft.com/office/drawing/2014/main" id="{1B2C5387-42A2-4464-BF18-E70B0227B921}"/>
                 </a:ext>
                 <a:ext uri="{C183D7F6-B498-43B3-948B-1728B52AA6E4}">
                   <adec:decorative xmlns:adec="http://schemas.microsoft.com/office/drawing/2017/decorative" val="1"/>
@@ -22740,10 +19206,10 @@
         </p:cxnSp>
         <p:cxnSp>
           <p:nvCxnSpPr>
-            <p:cNvPr id="129" name="Straight Connector 128">
-              <a:extLst>
-                <a:ext uri="{FF2B5EF4-FFF2-40B4-BE49-F238E27FC236}">
-                  <a16:creationId xmlns:a16="http://schemas.microsoft.com/office/drawing/2014/main" id="{549EB4AF-9931-410A-9F68-C24B6C39EC09}"/>
+            <p:cNvPr id="171" name="Straight Connector 170">
+              <a:extLst>
+                <a:ext uri="{FF2B5EF4-FFF2-40B4-BE49-F238E27FC236}">
+                  <a16:creationId xmlns:a16="http://schemas.microsoft.com/office/drawing/2014/main" id="{2926F39D-AFC8-4FF6-9211-84AA77717625}"/>
                 </a:ext>
                 <a:ext uri="{C183D7F6-B498-43B3-948B-1728B52AA6E4}">
                   <adec:decorative xmlns:adec="http://schemas.microsoft.com/office/drawing/2017/decorative" val="1"/>
@@ -22795,10 +19261,10 @@
         </p:cxnSp>
         <p:cxnSp>
           <p:nvCxnSpPr>
-            <p:cNvPr id="130" name="Straight Connector 129">
-              <a:extLst>
-                <a:ext uri="{FF2B5EF4-FFF2-40B4-BE49-F238E27FC236}">
-                  <a16:creationId xmlns:a16="http://schemas.microsoft.com/office/drawing/2014/main" id="{64941F79-4D72-496E-AE99-73B9E1F729DF}"/>
+            <p:cNvPr id="172" name="Straight Connector 171">
+              <a:extLst>
+                <a:ext uri="{FF2B5EF4-FFF2-40B4-BE49-F238E27FC236}">
+                  <a16:creationId xmlns:a16="http://schemas.microsoft.com/office/drawing/2014/main" id="{0D812696-9AF7-4D2B-A041-80C015F33AAB}"/>
                 </a:ext>
                 <a:ext uri="{C183D7F6-B498-43B3-948B-1728B52AA6E4}">
                   <adec:decorative xmlns:adec="http://schemas.microsoft.com/office/drawing/2017/decorative" val="1"/>
@@ -22850,10 +19316,10 @@
         </p:cxnSp>
         <p:cxnSp>
           <p:nvCxnSpPr>
-            <p:cNvPr id="131" name="Straight Connector 130">
-              <a:extLst>
-                <a:ext uri="{FF2B5EF4-FFF2-40B4-BE49-F238E27FC236}">
-                  <a16:creationId xmlns:a16="http://schemas.microsoft.com/office/drawing/2014/main" id="{2D4E79B3-CB64-439D-B1FC-FC4BF47CD42A}"/>
+            <p:cNvPr id="173" name="Straight Connector 172">
+              <a:extLst>
+                <a:ext uri="{FF2B5EF4-FFF2-40B4-BE49-F238E27FC236}">
+                  <a16:creationId xmlns:a16="http://schemas.microsoft.com/office/drawing/2014/main" id="{CE6CB557-1E5B-4D2D-9330-8EB4AF7307C4}"/>
                 </a:ext>
                 <a:ext uri="{C183D7F6-B498-43B3-948B-1728B52AA6E4}">
                   <adec:decorative xmlns:adec="http://schemas.microsoft.com/office/drawing/2017/decorative" val="1"/>
@@ -22905,10 +19371,10 @@
         </p:cxnSp>
         <p:cxnSp>
           <p:nvCxnSpPr>
-            <p:cNvPr id="132" name="Straight Connector 131">
-              <a:extLst>
-                <a:ext uri="{FF2B5EF4-FFF2-40B4-BE49-F238E27FC236}">
-                  <a16:creationId xmlns:a16="http://schemas.microsoft.com/office/drawing/2014/main" id="{192598D1-4713-4DC0-BD6B-7CC594357AB0}"/>
+            <p:cNvPr id="174" name="Straight Connector 173">
+              <a:extLst>
+                <a:ext uri="{FF2B5EF4-FFF2-40B4-BE49-F238E27FC236}">
+                  <a16:creationId xmlns:a16="http://schemas.microsoft.com/office/drawing/2014/main" id="{A03A4B30-3A15-4294-9BED-E7317857F060}"/>
                 </a:ext>
                 <a:ext uri="{C183D7F6-B498-43B3-948B-1728B52AA6E4}">
                   <adec:decorative xmlns:adec="http://schemas.microsoft.com/office/drawing/2017/decorative" val="1"/>
@@ -22960,10 +19426,10 @@
         </p:cxnSp>
         <p:cxnSp>
           <p:nvCxnSpPr>
-            <p:cNvPr id="133" name="Straight Connector 132">
-              <a:extLst>
-                <a:ext uri="{FF2B5EF4-FFF2-40B4-BE49-F238E27FC236}">
-                  <a16:creationId xmlns:a16="http://schemas.microsoft.com/office/drawing/2014/main" id="{F5EB19DC-1DB5-4675-A6DE-6360F0AD76BE}"/>
+            <p:cNvPr id="175" name="Straight Connector 174">
+              <a:extLst>
+                <a:ext uri="{FF2B5EF4-FFF2-40B4-BE49-F238E27FC236}">
+                  <a16:creationId xmlns:a16="http://schemas.microsoft.com/office/drawing/2014/main" id="{0E7B8343-CDF9-4023-9FBF-F4ADE601B2AC}"/>
                 </a:ext>
                 <a:ext uri="{C183D7F6-B498-43B3-948B-1728B52AA6E4}">
                   <adec:decorative xmlns:adec="http://schemas.microsoft.com/office/drawing/2017/decorative" val="1"/>
@@ -23015,10 +19481,10 @@
         </p:cxnSp>
         <p:cxnSp>
           <p:nvCxnSpPr>
-            <p:cNvPr id="134" name="Straight Connector 133">
-              <a:extLst>
-                <a:ext uri="{FF2B5EF4-FFF2-40B4-BE49-F238E27FC236}">
-                  <a16:creationId xmlns:a16="http://schemas.microsoft.com/office/drawing/2014/main" id="{E05E56D6-1D38-4913-B543-41ECE2C46BE4}"/>
+            <p:cNvPr id="176" name="Straight Connector 175">
+              <a:extLst>
+                <a:ext uri="{FF2B5EF4-FFF2-40B4-BE49-F238E27FC236}">
+                  <a16:creationId xmlns:a16="http://schemas.microsoft.com/office/drawing/2014/main" id="{9BB30BD5-639D-4F53-BC6C-2A8D0FFFE52A}"/>
                 </a:ext>
                 <a:ext uri="{C183D7F6-B498-43B3-948B-1728B52AA6E4}">
                   <adec:decorative xmlns:adec="http://schemas.microsoft.com/office/drawing/2017/decorative" val="1"/>
@@ -23070,10 +19536,10 @@
         </p:cxnSp>
         <p:cxnSp>
           <p:nvCxnSpPr>
-            <p:cNvPr id="135" name="Straight Connector 134">
-              <a:extLst>
-                <a:ext uri="{FF2B5EF4-FFF2-40B4-BE49-F238E27FC236}">
-                  <a16:creationId xmlns:a16="http://schemas.microsoft.com/office/drawing/2014/main" id="{BF6ACC1A-6B97-4B0B-A036-F8189062361F}"/>
+            <p:cNvPr id="177" name="Straight Connector 176">
+              <a:extLst>
+                <a:ext uri="{FF2B5EF4-FFF2-40B4-BE49-F238E27FC236}">
+                  <a16:creationId xmlns:a16="http://schemas.microsoft.com/office/drawing/2014/main" id="{8D7E1947-04B8-4F0B-9E3C-FC4E26D618F3}"/>
                 </a:ext>
                 <a:ext uri="{C183D7F6-B498-43B3-948B-1728B52AA6E4}">
                   <adec:decorative xmlns:adec="http://schemas.microsoft.com/office/drawing/2017/decorative" val="1"/>
@@ -23125,10 +19591,10 @@
         </p:cxnSp>
         <p:cxnSp>
           <p:nvCxnSpPr>
-            <p:cNvPr id="136" name="Straight Connector 135">
-              <a:extLst>
-                <a:ext uri="{FF2B5EF4-FFF2-40B4-BE49-F238E27FC236}">
-                  <a16:creationId xmlns:a16="http://schemas.microsoft.com/office/drawing/2014/main" id="{72197E3E-AC71-447A-A5F1-AC337FD73650}"/>
+            <p:cNvPr id="178" name="Straight Connector 177">
+              <a:extLst>
+                <a:ext uri="{FF2B5EF4-FFF2-40B4-BE49-F238E27FC236}">
+                  <a16:creationId xmlns:a16="http://schemas.microsoft.com/office/drawing/2014/main" id="{83EDB6D6-D309-48D4-87F4-AAED7C57C747}"/>
                 </a:ext>
                 <a:ext uri="{C183D7F6-B498-43B3-948B-1728B52AA6E4}">
                   <adec:decorative xmlns:adec="http://schemas.microsoft.com/office/drawing/2017/decorative" val="1"/>
@@ -23180,10 +19646,10 @@
         </p:cxnSp>
         <p:cxnSp>
           <p:nvCxnSpPr>
-            <p:cNvPr id="137" name="Straight Connector 136">
-              <a:extLst>
-                <a:ext uri="{FF2B5EF4-FFF2-40B4-BE49-F238E27FC236}">
-                  <a16:creationId xmlns:a16="http://schemas.microsoft.com/office/drawing/2014/main" id="{337D0DA4-9FA9-4502-8296-6DD8842C3A57}"/>
+            <p:cNvPr id="179" name="Straight Connector 178">
+              <a:extLst>
+                <a:ext uri="{FF2B5EF4-FFF2-40B4-BE49-F238E27FC236}">
+                  <a16:creationId xmlns:a16="http://schemas.microsoft.com/office/drawing/2014/main" id="{0F2E163F-B043-43B7-85CE-36F2136BAB3D}"/>
                 </a:ext>
                 <a:ext uri="{C183D7F6-B498-43B3-948B-1728B52AA6E4}">
                   <adec:decorative xmlns:adec="http://schemas.microsoft.com/office/drawing/2017/decorative" val="1"/>
@@ -23235,10 +19701,10 @@
         </p:cxnSp>
         <p:cxnSp>
           <p:nvCxnSpPr>
-            <p:cNvPr id="138" name="Straight Connector 137">
-              <a:extLst>
-                <a:ext uri="{FF2B5EF4-FFF2-40B4-BE49-F238E27FC236}">
-                  <a16:creationId xmlns:a16="http://schemas.microsoft.com/office/drawing/2014/main" id="{EA94CC6E-AA45-4AFF-8EC6-17FE421734F4}"/>
+            <p:cNvPr id="180" name="Straight Connector 179">
+              <a:extLst>
+                <a:ext uri="{FF2B5EF4-FFF2-40B4-BE49-F238E27FC236}">
+                  <a16:creationId xmlns:a16="http://schemas.microsoft.com/office/drawing/2014/main" id="{1F6CB03C-E3B1-4D22-ABA3-986CC09FB303}"/>
                 </a:ext>
                 <a:ext uri="{C183D7F6-B498-43B3-948B-1728B52AA6E4}">
                   <adec:decorative xmlns:adec="http://schemas.microsoft.com/office/drawing/2017/decorative" val="1"/>
@@ -23290,10 +19756,10 @@
         </p:cxnSp>
         <p:cxnSp>
           <p:nvCxnSpPr>
-            <p:cNvPr id="139" name="Straight Connector 138">
-              <a:extLst>
-                <a:ext uri="{FF2B5EF4-FFF2-40B4-BE49-F238E27FC236}">
-                  <a16:creationId xmlns:a16="http://schemas.microsoft.com/office/drawing/2014/main" id="{B330A0C5-0C67-4AC8-9F75-D63277BFF757}"/>
+            <p:cNvPr id="181" name="Straight Connector 180">
+              <a:extLst>
+                <a:ext uri="{FF2B5EF4-FFF2-40B4-BE49-F238E27FC236}">
+                  <a16:creationId xmlns:a16="http://schemas.microsoft.com/office/drawing/2014/main" id="{39B41E31-EE5F-423F-8B88-3B56009A3490}"/>
                 </a:ext>
                 <a:ext uri="{C183D7F6-B498-43B3-948B-1728B52AA6E4}">
                   <adec:decorative xmlns:adec="http://schemas.microsoft.com/office/drawing/2017/decorative" val="1"/>
@@ -23345,10 +19811,10 @@
         </p:cxnSp>
         <p:cxnSp>
           <p:nvCxnSpPr>
-            <p:cNvPr id="140" name="Straight Connector 139">
-              <a:extLst>
-                <a:ext uri="{FF2B5EF4-FFF2-40B4-BE49-F238E27FC236}">
-                  <a16:creationId xmlns:a16="http://schemas.microsoft.com/office/drawing/2014/main" id="{310410FE-F829-4EB2-98EE-397D51FC5984}"/>
+            <p:cNvPr id="182" name="Straight Connector 181">
+              <a:extLst>
+                <a:ext uri="{FF2B5EF4-FFF2-40B4-BE49-F238E27FC236}">
+                  <a16:creationId xmlns:a16="http://schemas.microsoft.com/office/drawing/2014/main" id="{B59D4FE6-B271-4427-8273-0B80EF13668E}"/>
                 </a:ext>
                 <a:ext uri="{C183D7F6-B498-43B3-948B-1728B52AA6E4}">
                   <adec:decorative xmlns:adec="http://schemas.microsoft.com/office/drawing/2017/decorative" val="1"/>
@@ -23400,10 +19866,10 @@
         </p:cxnSp>
         <p:cxnSp>
           <p:nvCxnSpPr>
-            <p:cNvPr id="141" name="Straight Connector 140">
-              <a:extLst>
-                <a:ext uri="{FF2B5EF4-FFF2-40B4-BE49-F238E27FC236}">
-                  <a16:creationId xmlns:a16="http://schemas.microsoft.com/office/drawing/2014/main" id="{AE2C1BE1-F256-4B52-BB5D-50C84668FA71}"/>
+            <p:cNvPr id="183" name="Straight Connector 182">
+              <a:extLst>
+                <a:ext uri="{FF2B5EF4-FFF2-40B4-BE49-F238E27FC236}">
+                  <a16:creationId xmlns:a16="http://schemas.microsoft.com/office/drawing/2014/main" id="{6F7D26D0-83A1-41B0-82E3-FB5D3E93EE79}"/>
                 </a:ext>
                 <a:ext uri="{C183D7F6-B498-43B3-948B-1728B52AA6E4}">
                   <adec:decorative xmlns:adec="http://schemas.microsoft.com/office/drawing/2017/decorative" val="1"/>
@@ -23455,10 +19921,10 @@
         </p:cxnSp>
         <p:cxnSp>
           <p:nvCxnSpPr>
-            <p:cNvPr id="142" name="Straight Connector 141">
-              <a:extLst>
-                <a:ext uri="{FF2B5EF4-FFF2-40B4-BE49-F238E27FC236}">
-                  <a16:creationId xmlns:a16="http://schemas.microsoft.com/office/drawing/2014/main" id="{1E104CCA-10BA-45D1-A504-EF3AD733409A}"/>
+            <p:cNvPr id="184" name="Straight Connector 183">
+              <a:extLst>
+                <a:ext uri="{FF2B5EF4-FFF2-40B4-BE49-F238E27FC236}">
+                  <a16:creationId xmlns:a16="http://schemas.microsoft.com/office/drawing/2014/main" id="{07E47C02-EBB8-4368-815C-FEDA23368DD9}"/>
                 </a:ext>
                 <a:ext uri="{C183D7F6-B498-43B3-948B-1728B52AA6E4}">
                   <adec:decorative xmlns:adec="http://schemas.microsoft.com/office/drawing/2017/decorative" val="1"/>
@@ -23510,10 +19976,10 @@
         </p:cxnSp>
         <p:cxnSp>
           <p:nvCxnSpPr>
-            <p:cNvPr id="143" name="Straight Connector 142">
-              <a:extLst>
-                <a:ext uri="{FF2B5EF4-FFF2-40B4-BE49-F238E27FC236}">
-                  <a16:creationId xmlns:a16="http://schemas.microsoft.com/office/drawing/2014/main" id="{06E7DBD2-8DAE-45A0-9A8C-331329107CE1}"/>
+            <p:cNvPr id="185" name="Straight Connector 184">
+              <a:extLst>
+                <a:ext uri="{FF2B5EF4-FFF2-40B4-BE49-F238E27FC236}">
+                  <a16:creationId xmlns:a16="http://schemas.microsoft.com/office/drawing/2014/main" id="{8E61DA55-8618-4048-A65A-41E072D9FF9D}"/>
                 </a:ext>
                 <a:ext uri="{C183D7F6-B498-43B3-948B-1728B52AA6E4}">
                   <adec:decorative xmlns:adec="http://schemas.microsoft.com/office/drawing/2017/decorative" val="1"/>
@@ -23565,10 +20031,10 @@
         </p:cxnSp>
         <p:cxnSp>
           <p:nvCxnSpPr>
-            <p:cNvPr id="144" name="Straight Connector 143">
-              <a:extLst>
-                <a:ext uri="{FF2B5EF4-FFF2-40B4-BE49-F238E27FC236}">
-                  <a16:creationId xmlns:a16="http://schemas.microsoft.com/office/drawing/2014/main" id="{2AD51F90-1778-4825-87B9-E04A473A432C}"/>
+            <p:cNvPr id="186" name="Straight Connector 185">
+              <a:extLst>
+                <a:ext uri="{FF2B5EF4-FFF2-40B4-BE49-F238E27FC236}">
+                  <a16:creationId xmlns:a16="http://schemas.microsoft.com/office/drawing/2014/main" id="{4DFC058B-6608-4509-92E1-D4D0D5BD57AC}"/>
                 </a:ext>
                 <a:ext uri="{C183D7F6-B498-43B3-948B-1728B52AA6E4}">
                   <adec:decorative xmlns:adec="http://schemas.microsoft.com/office/drawing/2017/decorative" val="1"/>
@@ -23620,10 +20086,10 @@
         </p:cxnSp>
         <p:cxnSp>
           <p:nvCxnSpPr>
-            <p:cNvPr id="145" name="Straight Connector 144">
-              <a:extLst>
-                <a:ext uri="{FF2B5EF4-FFF2-40B4-BE49-F238E27FC236}">
-                  <a16:creationId xmlns:a16="http://schemas.microsoft.com/office/drawing/2014/main" id="{18B4C11C-68F4-4AAA-B3C6-99B339FD573F}"/>
+            <p:cNvPr id="187" name="Straight Connector 186">
+              <a:extLst>
+                <a:ext uri="{FF2B5EF4-FFF2-40B4-BE49-F238E27FC236}">
+                  <a16:creationId xmlns:a16="http://schemas.microsoft.com/office/drawing/2014/main" id="{9E3652A3-36D6-4E0C-B7FB-52CD69E9CF9B}"/>
                 </a:ext>
                 <a:ext uri="{C183D7F6-B498-43B3-948B-1728B52AA6E4}">
                   <adec:decorative xmlns:adec="http://schemas.microsoft.com/office/drawing/2017/decorative" val="1"/>
@@ -23675,10 +20141,10 @@
         </p:cxnSp>
         <p:cxnSp>
           <p:nvCxnSpPr>
-            <p:cNvPr id="146" name="Straight Connector 145">
-              <a:extLst>
-                <a:ext uri="{FF2B5EF4-FFF2-40B4-BE49-F238E27FC236}">
-                  <a16:creationId xmlns:a16="http://schemas.microsoft.com/office/drawing/2014/main" id="{6F65B701-4451-455A-A72C-968591A58F5B}"/>
+            <p:cNvPr id="188" name="Straight Connector 187">
+              <a:extLst>
+                <a:ext uri="{FF2B5EF4-FFF2-40B4-BE49-F238E27FC236}">
+                  <a16:creationId xmlns:a16="http://schemas.microsoft.com/office/drawing/2014/main" id="{8BF82BE6-B2D5-4FA1-98B4-1E0072C391EC}"/>
                 </a:ext>
                 <a:ext uri="{C183D7F6-B498-43B3-948B-1728B52AA6E4}">
                   <adec:decorative xmlns:adec="http://schemas.microsoft.com/office/drawing/2017/decorative" val="1"/>
@@ -23730,10 +20196,10 @@
         </p:cxnSp>
         <p:cxnSp>
           <p:nvCxnSpPr>
-            <p:cNvPr id="147" name="Straight Connector 146">
-              <a:extLst>
-                <a:ext uri="{FF2B5EF4-FFF2-40B4-BE49-F238E27FC236}">
-                  <a16:creationId xmlns:a16="http://schemas.microsoft.com/office/drawing/2014/main" id="{A8E9A4D7-E804-4F7D-B46F-9182BE11DE98}"/>
+            <p:cNvPr id="189" name="Straight Connector 188">
+              <a:extLst>
+                <a:ext uri="{FF2B5EF4-FFF2-40B4-BE49-F238E27FC236}">
+                  <a16:creationId xmlns:a16="http://schemas.microsoft.com/office/drawing/2014/main" id="{AECA553C-C7B8-4353-BC4C-D622087D6F15}"/>
                 </a:ext>
                 <a:ext uri="{C183D7F6-B498-43B3-948B-1728B52AA6E4}">
                   <adec:decorative xmlns:adec="http://schemas.microsoft.com/office/drawing/2017/decorative" val="1"/>
@@ -23785,10 +20251,10 @@
         </p:cxnSp>
         <p:cxnSp>
           <p:nvCxnSpPr>
-            <p:cNvPr id="148" name="Straight Connector 147">
-              <a:extLst>
-                <a:ext uri="{FF2B5EF4-FFF2-40B4-BE49-F238E27FC236}">
-                  <a16:creationId xmlns:a16="http://schemas.microsoft.com/office/drawing/2014/main" id="{8522ECDE-9CC3-4260-A85A-1575376E72F4}"/>
+            <p:cNvPr id="190" name="Straight Connector 189">
+              <a:extLst>
+                <a:ext uri="{FF2B5EF4-FFF2-40B4-BE49-F238E27FC236}">
+                  <a16:creationId xmlns:a16="http://schemas.microsoft.com/office/drawing/2014/main" id="{1F802227-5CA9-40B4-870E-495C7899C755}"/>
                 </a:ext>
                 <a:ext uri="{C183D7F6-B498-43B3-948B-1728B52AA6E4}">
                   <adec:decorative xmlns:adec="http://schemas.microsoft.com/office/drawing/2017/decorative" val="1"/>
@@ -23840,10 +20306,10 @@
         </p:cxnSp>
         <p:cxnSp>
           <p:nvCxnSpPr>
-            <p:cNvPr id="149" name="Straight Connector 148">
-              <a:extLst>
-                <a:ext uri="{FF2B5EF4-FFF2-40B4-BE49-F238E27FC236}">
-                  <a16:creationId xmlns:a16="http://schemas.microsoft.com/office/drawing/2014/main" id="{E940BF09-5C37-4ABA-919D-A22281C3A47E}"/>
+            <p:cNvPr id="191" name="Straight Connector 190">
+              <a:extLst>
+                <a:ext uri="{FF2B5EF4-FFF2-40B4-BE49-F238E27FC236}">
+                  <a16:creationId xmlns:a16="http://schemas.microsoft.com/office/drawing/2014/main" id="{11A19F9E-BB49-4808-8481-77F848C2F4FC}"/>
                 </a:ext>
                 <a:ext uri="{C183D7F6-B498-43B3-948B-1728B52AA6E4}">
                   <adec:decorative xmlns:adec="http://schemas.microsoft.com/office/drawing/2017/decorative" val="1"/>
@@ -23895,10 +20361,10 @@
         </p:cxnSp>
         <p:cxnSp>
           <p:nvCxnSpPr>
-            <p:cNvPr id="150" name="Straight Connector 149">
-              <a:extLst>
-                <a:ext uri="{FF2B5EF4-FFF2-40B4-BE49-F238E27FC236}">
-                  <a16:creationId xmlns:a16="http://schemas.microsoft.com/office/drawing/2014/main" id="{AECA37BD-68D3-427B-9FDA-2ADAFCF5DC69}"/>
+            <p:cNvPr id="192" name="Straight Connector 191">
+              <a:extLst>
+                <a:ext uri="{FF2B5EF4-FFF2-40B4-BE49-F238E27FC236}">
+                  <a16:creationId xmlns:a16="http://schemas.microsoft.com/office/drawing/2014/main" id="{C53A57BE-F139-4C31-8201-477E20DD2A94}"/>
                 </a:ext>
                 <a:ext uri="{C183D7F6-B498-43B3-948B-1728B52AA6E4}">
                   <adec:decorative xmlns:adec="http://schemas.microsoft.com/office/drawing/2017/decorative" val="1"/>
@@ -23950,10 +20416,10 @@
         </p:cxnSp>
         <p:cxnSp>
           <p:nvCxnSpPr>
-            <p:cNvPr id="151" name="Straight Connector 150">
-              <a:extLst>
-                <a:ext uri="{FF2B5EF4-FFF2-40B4-BE49-F238E27FC236}">
-                  <a16:creationId xmlns:a16="http://schemas.microsoft.com/office/drawing/2014/main" id="{9C5F91D5-B215-42B0-81E5-7CE4263BDDE0}"/>
+            <p:cNvPr id="193" name="Straight Connector 192">
+              <a:extLst>
+                <a:ext uri="{FF2B5EF4-FFF2-40B4-BE49-F238E27FC236}">
+                  <a16:creationId xmlns:a16="http://schemas.microsoft.com/office/drawing/2014/main" id="{99F800EC-2D85-47C7-BFB8-B146DD929C82}"/>
                 </a:ext>
                 <a:ext uri="{C183D7F6-B498-43B3-948B-1728B52AA6E4}">
                   <adec:decorative xmlns:adec="http://schemas.microsoft.com/office/drawing/2017/decorative" val="1"/>
@@ -24005,10 +20471,10 @@
         </p:cxnSp>
         <p:cxnSp>
           <p:nvCxnSpPr>
-            <p:cNvPr id="152" name="Straight Connector 151">
-              <a:extLst>
-                <a:ext uri="{FF2B5EF4-FFF2-40B4-BE49-F238E27FC236}">
-                  <a16:creationId xmlns:a16="http://schemas.microsoft.com/office/drawing/2014/main" id="{0C21ED72-60A2-439D-8DD2-85900BA4CB67}"/>
+            <p:cNvPr id="194" name="Straight Connector 193">
+              <a:extLst>
+                <a:ext uri="{FF2B5EF4-FFF2-40B4-BE49-F238E27FC236}">
+                  <a16:creationId xmlns:a16="http://schemas.microsoft.com/office/drawing/2014/main" id="{4478BA6D-3F48-40B1-8227-830029B6286A}"/>
                 </a:ext>
                 <a:ext uri="{C183D7F6-B498-43B3-948B-1728B52AA6E4}">
                   <adec:decorative xmlns:adec="http://schemas.microsoft.com/office/drawing/2017/decorative" val="1"/>
@@ -24060,10 +20526,10 @@
         </p:cxnSp>
         <p:cxnSp>
           <p:nvCxnSpPr>
-            <p:cNvPr id="153" name="Straight Connector 152">
-              <a:extLst>
-                <a:ext uri="{FF2B5EF4-FFF2-40B4-BE49-F238E27FC236}">
-                  <a16:creationId xmlns:a16="http://schemas.microsoft.com/office/drawing/2014/main" id="{E853A371-AB64-4677-9E5A-FE61C0E045D1}"/>
+            <p:cNvPr id="195" name="Straight Connector 194">
+              <a:extLst>
+                <a:ext uri="{FF2B5EF4-FFF2-40B4-BE49-F238E27FC236}">
+                  <a16:creationId xmlns:a16="http://schemas.microsoft.com/office/drawing/2014/main" id="{421E6C45-0A76-456E-BDD6-3DCB6612622A}"/>
                 </a:ext>
                 <a:ext uri="{C183D7F6-B498-43B3-948B-1728B52AA6E4}">
                   <adec:decorative xmlns:adec="http://schemas.microsoft.com/office/drawing/2017/decorative" val="1"/>
@@ -24116,10 +20582,10 @@
       </p:grpSp>
       <p:sp>
         <p:nvSpPr>
-          <p:cNvPr id="161" name="Right Triangle 154">
+          <p:cNvPr id="197" name="Right Triangle 196">
             <a:extLst>
               <a:ext uri="{FF2B5EF4-FFF2-40B4-BE49-F238E27FC236}">
-                <a16:creationId xmlns:a16="http://schemas.microsoft.com/office/drawing/2014/main" id="{B3093A12-B759-4321-96FD-060689E3AB7F}"/>
+                <a16:creationId xmlns:a16="http://schemas.microsoft.com/office/drawing/2014/main" id="{3C541D4F-11C2-4F36-B2A3-AB9028F2A078}"/>
               </a:ext>
               <a:ext uri="{C183D7F6-B498-43B3-948B-1728B52AA6E4}">
                 <adec:decorative xmlns:adec="http://schemas.microsoft.com/office/drawing/2017/decorative" val="1"/>
@@ -24138,8 +20604,8 @@
           </p:nvPr>
         </p:nvSpPr>
         <p:spPr>
-          <a:xfrm rot="18900000">
-            <a:off x="7291541" y="-287371"/>
+          <a:xfrm rot="13500000">
+            <a:off x="-281093" y="2059094"/>
             <a:ext cx="568289" cy="568289"/>
           </a:xfrm>
           <a:prstGeom prst="rtTriangle">
@@ -24188,7 +20654,7 @@
           <p:cNvPr id="2" name="Title 1">
             <a:extLst>
               <a:ext uri="{FF2B5EF4-FFF2-40B4-BE49-F238E27FC236}">
-                <a16:creationId xmlns:a16="http://schemas.microsoft.com/office/drawing/2014/main" id="{00E5691F-B690-B3F1-DD8B-18511082925B}"/>
+                <a16:creationId xmlns:a16="http://schemas.microsoft.com/office/drawing/2014/main" id="{9B441A03-3BA4-CB52-112B-D744DB47B4AF}"/>
               </a:ext>
             </a:extLst>
           </p:cNvPr>
@@ -24201,36 +20667,175 @@
         </p:nvSpPr>
         <p:spPr>
           <a:xfrm>
-            <a:off x="411107" y="696792"/>
-            <a:ext cx="4415630" cy="2460770"/>
+            <a:off x="691079" y="725952"/>
+            <a:ext cx="4038652" cy="1881178"/>
           </a:xfrm>
         </p:spPr>
         <p:txBody>
-          <a:bodyPr vert="horz" lIns="91440" tIns="45720" rIns="91440" bIns="45720" rtlCol="0" anchor="b">
+          <a:bodyPr vert="horz" lIns="91440" tIns="45720" rIns="91440" bIns="45720" rtlCol="0">
             <a:normAutofit/>
           </a:bodyPr>
           <a:lstStyle/>
           <a:p>
+            <a:pPr>
+              <a:lnSpc>
+                <a:spcPct val="90000"/>
+              </a:lnSpc>
+            </a:pPr>
             <a:r>
-              <a:rPr lang="en-US" sz="5000" dirty="0"/>
-              <a:t>UML Use Case</a:t>
+              <a:rPr lang="en-US" sz="3700" b="1"/>
+              <a:t>UML Use Case for</a:t>
             </a:r>
             <a:br>
-              <a:rPr lang="en-US" sz="5000" dirty="0"/>
+              <a:rPr lang="en-US" sz="3700" b="1"/>
             </a:br>
             <a:r>
-              <a:rPr lang="en-US" sz="5000" dirty="0"/>
-              <a:t>for a Webmaster</a:t>
+              <a:rPr lang="en-US" sz="3700" b="1"/>
+              <a:t>a Web User (Log in) </a:t>
+            </a:r>
+          </a:p>
+        </p:txBody>
+      </p:sp>
+      <p:sp>
+        <p:nvSpPr>
+          <p:cNvPr id="159" name="Content Placeholder 158">
+            <a:extLst>
+              <a:ext uri="{FF2B5EF4-FFF2-40B4-BE49-F238E27FC236}">
+                <a16:creationId xmlns:a16="http://schemas.microsoft.com/office/drawing/2014/main" id="{FEE7E03B-2831-4F83-FC54-ED3F3DDB45E7}"/>
+              </a:ext>
+            </a:extLst>
+          </p:cNvPr>
+          <p:cNvSpPr>
+            <a:spLocks noGrp="1"/>
+          </p:cNvSpPr>
+          <p:nvPr>
+            <p:ph idx="1"/>
+          </p:nvPr>
+        </p:nvSpPr>
+        <p:spPr>
+          <a:xfrm>
+            <a:off x="691079" y="2886117"/>
+            <a:ext cx="4038652" cy="3276824"/>
+          </a:xfrm>
+        </p:spPr>
+        <p:txBody>
+          <a:bodyPr>
+            <a:normAutofit/>
+          </a:bodyPr>
+          <a:lstStyle/>
+          <a:p>
+            <a:endParaRPr lang="en-US"/>
+          </a:p>
+        </p:txBody>
+      </p:sp>
+      <p:pic>
+        <p:nvPicPr>
+          <p:cNvPr id="44" name="Content Placeholder 43" descr="Diagram&#10;&#10;Description automatically generated">
+            <a:extLst>
+              <a:ext uri="{FF2B5EF4-FFF2-40B4-BE49-F238E27FC236}">
+                <a16:creationId xmlns:a16="http://schemas.microsoft.com/office/drawing/2014/main" id="{2AEFD79A-9F56-7306-CA2F-1CB1BC642997}"/>
+              </a:ext>
+            </a:extLst>
+          </p:cNvPr>
+          <p:cNvPicPr>
+            <a:picLocks noChangeAspect="1"/>
+          </p:cNvPicPr>
+          <p:nvPr/>
+        </p:nvPicPr>
+        <p:blipFill>
+          <a:blip r:embed="rId2"/>
+          <a:stretch>
+            <a:fillRect/>
+          </a:stretch>
+        </p:blipFill>
+        <p:spPr>
+          <a:xfrm>
+            <a:off x="5106333" y="1155860"/>
+            <a:ext cx="6401443" cy="4561027"/>
+          </a:xfrm>
+          <a:prstGeom prst="rect">
+            <a:avLst/>
+          </a:prstGeom>
+        </p:spPr>
+      </p:pic>
+    </p:spTree>
+    <p:extLst>
+      <p:ext uri="{BB962C8B-B14F-4D97-AF65-F5344CB8AC3E}">
+        <p14:creationId xmlns:p14="http://schemas.microsoft.com/office/powerpoint/2010/main" val="1632981871"/>
+      </p:ext>
+    </p:extLst>
+  </p:cSld>
+  <p:clrMapOvr>
+    <a:masterClrMapping/>
+  </p:clrMapOvr>
+</p:sld>
+</file>
+
+<file path=ppt/slides/slide7.xml><?xml version="1.0" encoding="utf-8"?>
+<p:sld xmlns:a="http://schemas.openxmlformats.org/drawingml/2006/main" xmlns:r="http://schemas.openxmlformats.org/officeDocument/2006/relationships" xmlns:p="http://schemas.openxmlformats.org/presentationml/2006/main">
+  <p:cSld>
+    <p:spTree>
+      <p:nvGrpSpPr>
+        <p:cNvPr id="1" name=""/>
+        <p:cNvGrpSpPr/>
+        <p:nvPr/>
+      </p:nvGrpSpPr>
+      <p:grpSpPr>
+        <a:xfrm>
+          <a:off x="0" y="0"/>
+          <a:ext cx="0" cy="0"/>
+          <a:chOff x="0" y="0"/>
+          <a:chExt cx="0" cy="0"/>
+        </a:xfrm>
+      </p:grpSpPr>
+      <p:sp>
+        <p:nvSpPr>
+          <p:cNvPr id="2" name="Title 1">
+            <a:extLst>
+              <a:ext uri="{FF2B5EF4-FFF2-40B4-BE49-F238E27FC236}">
+                <a16:creationId xmlns:a16="http://schemas.microsoft.com/office/drawing/2014/main" id="{57D35C8B-E428-9135-3B32-BC11052898F8}"/>
+              </a:ext>
+            </a:extLst>
+          </p:cNvPr>
+          <p:cNvSpPr>
+            <a:spLocks noGrp="1"/>
+          </p:cNvSpPr>
+          <p:nvPr>
+            <p:ph type="title"/>
+          </p:nvPr>
+        </p:nvSpPr>
+        <p:spPr>
+          <a:xfrm>
+            <a:off x="691079" y="725951"/>
+            <a:ext cx="4662317" cy="1442463"/>
+          </a:xfrm>
+        </p:spPr>
+        <p:txBody>
+          <a:bodyPr>
+            <a:normAutofit fontScale="90000"/>
+          </a:bodyPr>
+          <a:lstStyle/>
+          <a:p>
+            <a:r>
+              <a:rPr lang="en-US" b="1" dirty="0"/>
+              <a:t>UML Sequence for</a:t>
+            </a:r>
+            <a:br>
+              <a:rPr lang="en-US" b="1" dirty="0"/>
+            </a:br>
+            <a:r>
+              <a:rPr lang="en-US" b="1" dirty="0"/>
+              <a:t>Logging In </a:t>
             </a:r>
           </a:p>
         </p:txBody>
       </p:sp>
       <p:pic>
         <p:nvPicPr>
-          <p:cNvPr id="9" name="Content Placeholder 8" descr="Diagram&#10;&#10;Description automatically generated">
+          <p:cNvPr id="5" name="Content Placeholder 4" descr="Table&#10;&#10;Description automatically generated">
             <a:extLst>
               <a:ext uri="{FF2B5EF4-FFF2-40B4-BE49-F238E27FC236}">
-                <a16:creationId xmlns:a16="http://schemas.microsoft.com/office/drawing/2014/main" id="{C74D7FD5-D423-A294-931D-28B5E8F94985}"/>
+                <a16:creationId xmlns:a16="http://schemas.microsoft.com/office/drawing/2014/main" id="{7E5ACFC4-6B1A-2B7D-617D-8BE0EDB47AF0}"/>
               </a:ext>
             </a:extLst>
           </p:cNvPr>
@@ -24249,15 +20854,286 @@
         </p:blipFill>
         <p:spPr>
           <a:xfrm>
-            <a:off x="4208257" y="1800354"/>
-            <a:ext cx="7592473" cy="4884378"/>
+            <a:off x="5433848" y="147381"/>
+            <a:ext cx="6414023" cy="6709113"/>
           </a:xfrm>
         </p:spPr>
       </p:pic>
     </p:spTree>
     <p:extLst>
       <p:ext uri="{BB962C8B-B14F-4D97-AF65-F5344CB8AC3E}">
-        <p14:creationId xmlns:p14="http://schemas.microsoft.com/office/powerpoint/2010/main" val="161474081"/>
+        <p14:creationId xmlns:p14="http://schemas.microsoft.com/office/powerpoint/2010/main" val="1405448438"/>
+      </p:ext>
+    </p:extLst>
+  </p:cSld>
+  <p:clrMapOvr>
+    <a:masterClrMapping/>
+  </p:clrMapOvr>
+</p:sld>
+</file>
+
+<file path=ppt/slides/slide8.xml><?xml version="1.0" encoding="utf-8"?>
+<p:sld xmlns:a="http://schemas.openxmlformats.org/drawingml/2006/main" xmlns:r="http://schemas.openxmlformats.org/officeDocument/2006/relationships" xmlns:p="http://schemas.openxmlformats.org/presentationml/2006/main">
+  <p:cSld>
+    <p:spTree>
+      <p:nvGrpSpPr>
+        <p:cNvPr id="1" name=""/>
+        <p:cNvGrpSpPr/>
+        <p:nvPr/>
+      </p:nvGrpSpPr>
+      <p:grpSpPr>
+        <a:xfrm>
+          <a:off x="0" y="0"/>
+          <a:ext cx="0" cy="0"/>
+          <a:chOff x="0" y="0"/>
+          <a:chExt cx="0" cy="0"/>
+        </a:xfrm>
+      </p:grpSpPr>
+      <p:sp>
+        <p:nvSpPr>
+          <p:cNvPr id="2" name="Title 1">
+            <a:extLst>
+              <a:ext uri="{FF2B5EF4-FFF2-40B4-BE49-F238E27FC236}">
+                <a16:creationId xmlns:a16="http://schemas.microsoft.com/office/drawing/2014/main" id="{80C7E1B5-38FB-EBD8-0B81-F4F1F99A335F}"/>
+              </a:ext>
+            </a:extLst>
+          </p:cNvPr>
+          <p:cNvSpPr>
+            <a:spLocks noGrp="1"/>
+          </p:cNvSpPr>
+          <p:nvPr>
+            <p:ph type="title"/>
+          </p:nvPr>
+        </p:nvSpPr>
+        <p:spPr/>
+        <p:txBody>
+          <a:bodyPr/>
+          <a:lstStyle/>
+          <a:p>
+            <a:r>
+              <a:rPr lang="en-US" b="1" dirty="0">
+                <a:latin typeface="Arial" panose="020B0604020202020204" pitchFamily="34" charset="0"/>
+              </a:rPr>
+              <a:t>T</a:t>
+            </a:r>
+            <a:r>
+              <a:rPr lang="en-US" b="1" i="0" dirty="0">
+                <a:effectLst/>
+                <a:latin typeface="Arial" panose="020B0604020202020204" pitchFamily="34" charset="0"/>
+              </a:rPr>
+              <a:t>echnical </a:t>
+            </a:r>
+            <a:r>
+              <a:rPr lang="en-US" b="1" dirty="0">
+                <a:latin typeface="Arial" panose="020B0604020202020204" pitchFamily="34" charset="0"/>
+              </a:rPr>
+              <a:t>P</a:t>
+            </a:r>
+            <a:r>
+              <a:rPr lang="en-US" b="1" i="0" dirty="0">
+                <a:effectLst/>
+                <a:latin typeface="Arial" panose="020B0604020202020204" pitchFamily="34" charset="0"/>
+              </a:rPr>
+              <a:t>latforms</a:t>
+            </a:r>
+            <a:endParaRPr lang="en-US" b="1" dirty="0"/>
+          </a:p>
+        </p:txBody>
+      </p:sp>
+      <p:sp>
+        <p:nvSpPr>
+          <p:cNvPr id="3" name="Content Placeholder 2">
+            <a:extLst>
+              <a:ext uri="{FF2B5EF4-FFF2-40B4-BE49-F238E27FC236}">
+                <a16:creationId xmlns:a16="http://schemas.microsoft.com/office/drawing/2014/main" id="{A4F7378B-1596-1E24-1CB9-2673B97FDF07}"/>
+              </a:ext>
+            </a:extLst>
+          </p:cNvPr>
+          <p:cNvSpPr>
+            <a:spLocks noGrp="1"/>
+          </p:cNvSpPr>
+          <p:nvPr>
+            <p:ph idx="1"/>
+          </p:nvPr>
+        </p:nvSpPr>
+        <p:spPr/>
+        <p:txBody>
+          <a:bodyPr/>
+          <a:lstStyle/>
+          <a:p>
+            <a:r>
+              <a:rPr lang="en-US" dirty="0">
+                <a:solidFill>
+                  <a:srgbClr val="202124"/>
+                </a:solidFill>
+                <a:latin typeface="Roboto" panose="02000000000000000000" pitchFamily="2" charset="0"/>
+                <a:ea typeface="Roboto" panose="02000000000000000000" pitchFamily="2" charset="0"/>
+                <a:cs typeface="Roboto" panose="02000000000000000000" pitchFamily="2" charset="0"/>
+              </a:rPr>
+              <a:t>Flask</a:t>
+            </a:r>
+          </a:p>
+          <a:p>
+            <a:r>
+              <a:rPr lang="en-US" dirty="0">
+                <a:solidFill>
+                  <a:srgbClr val="202124"/>
+                </a:solidFill>
+                <a:latin typeface="Roboto" panose="02000000000000000000" pitchFamily="2" charset="0"/>
+                <a:ea typeface="Roboto" panose="02000000000000000000" pitchFamily="2" charset="0"/>
+                <a:cs typeface="Roboto" panose="02000000000000000000" pitchFamily="2" charset="0"/>
+              </a:rPr>
+              <a:t>Python</a:t>
+            </a:r>
+          </a:p>
+          <a:p>
+            <a:r>
+              <a:rPr lang="en-US" dirty="0">
+                <a:solidFill>
+                  <a:srgbClr val="202124"/>
+                </a:solidFill>
+                <a:latin typeface="Roboto" panose="02000000000000000000" pitchFamily="2" charset="0"/>
+                <a:ea typeface="Roboto" panose="02000000000000000000" pitchFamily="2" charset="0"/>
+                <a:cs typeface="Roboto" panose="02000000000000000000" pitchFamily="2" charset="0"/>
+              </a:rPr>
+              <a:t>MySQL</a:t>
+            </a:r>
+            <a:endParaRPr lang="en-US" b="1" i="0" dirty="0">
+              <a:solidFill>
+                <a:srgbClr val="202124"/>
+              </a:solidFill>
+              <a:effectLst/>
+              <a:latin typeface="Roboto" panose="02000000000000000000" pitchFamily="2" charset="0"/>
+              <a:ea typeface="Roboto" panose="02000000000000000000" pitchFamily="2" charset="0"/>
+              <a:cs typeface="Roboto" panose="02000000000000000000" pitchFamily="2" charset="0"/>
+            </a:endParaRPr>
+          </a:p>
+          <a:p>
+            <a:endParaRPr lang="en-US" dirty="0"/>
+          </a:p>
+        </p:txBody>
+      </p:sp>
+      <p:pic>
+        <p:nvPicPr>
+          <p:cNvPr id="5" name="Picture 4" descr="Graphical user interface&#10;&#10;Description automatically generated">
+            <a:extLst>
+              <a:ext uri="{FF2B5EF4-FFF2-40B4-BE49-F238E27FC236}">
+                <a16:creationId xmlns:a16="http://schemas.microsoft.com/office/drawing/2014/main" id="{883B94D1-496E-1E8E-7A1C-8A8A8AFCCC54}"/>
+              </a:ext>
+            </a:extLst>
+          </p:cNvPr>
+          <p:cNvPicPr>
+            <a:picLocks noChangeAspect="1"/>
+          </p:cNvPicPr>
+          <p:nvPr/>
+        </p:nvPicPr>
+        <p:blipFill>
+          <a:blip r:embed="rId2"/>
+          <a:stretch>
+            <a:fillRect/>
+          </a:stretch>
+        </p:blipFill>
+        <p:spPr>
+          <a:xfrm>
+            <a:off x="3983511" y="2340131"/>
+            <a:ext cx="7032568" cy="3267213"/>
+          </a:xfrm>
+          <a:prstGeom prst="rect">
+            <a:avLst/>
+          </a:prstGeom>
+        </p:spPr>
+      </p:pic>
+    </p:spTree>
+    <p:extLst>
+      <p:ext uri="{BB962C8B-B14F-4D97-AF65-F5344CB8AC3E}">
+        <p14:creationId xmlns:p14="http://schemas.microsoft.com/office/powerpoint/2010/main" val="951504797"/>
+      </p:ext>
+    </p:extLst>
+  </p:cSld>
+  <p:clrMapOvr>
+    <a:masterClrMapping/>
+  </p:clrMapOvr>
+</p:sld>
+</file>
+
+<file path=ppt/slides/slide9.xml><?xml version="1.0" encoding="utf-8"?>
+<p:sld xmlns:a="http://schemas.openxmlformats.org/drawingml/2006/main" xmlns:r="http://schemas.openxmlformats.org/officeDocument/2006/relationships" xmlns:p="http://schemas.openxmlformats.org/presentationml/2006/main">
+  <p:cSld>
+    <p:spTree>
+      <p:nvGrpSpPr>
+        <p:cNvPr id="1" name=""/>
+        <p:cNvGrpSpPr/>
+        <p:nvPr/>
+      </p:nvGrpSpPr>
+      <p:grpSpPr>
+        <a:xfrm>
+          <a:off x="0" y="0"/>
+          <a:ext cx="0" cy="0"/>
+          <a:chOff x="0" y="0"/>
+          <a:chExt cx="0" cy="0"/>
+        </a:xfrm>
+      </p:grpSpPr>
+      <p:sp>
+        <p:nvSpPr>
+          <p:cNvPr id="2" name="Title 1">
+            <a:extLst>
+              <a:ext uri="{FF2B5EF4-FFF2-40B4-BE49-F238E27FC236}">
+                <a16:creationId xmlns:a16="http://schemas.microsoft.com/office/drawing/2014/main" id="{B46F7163-670B-78B5-8BA2-F9FFF6CE7A7C}"/>
+              </a:ext>
+            </a:extLst>
+          </p:cNvPr>
+          <p:cNvSpPr>
+            <a:spLocks noGrp="1"/>
+          </p:cNvSpPr>
+          <p:nvPr>
+            <p:ph type="title"/>
+          </p:nvPr>
+        </p:nvSpPr>
+        <p:spPr/>
+        <p:txBody>
+          <a:bodyPr/>
+          <a:lstStyle/>
+          <a:p>
+            <a:r>
+              <a:rPr lang="en-US" dirty="0"/>
+              <a:t>HTML Pages Flow</a:t>
+            </a:r>
+          </a:p>
+        </p:txBody>
+      </p:sp>
+      <p:pic>
+        <p:nvPicPr>
+          <p:cNvPr id="5" name="Content Placeholder 4" descr="Diagram&#10;&#10;Description automatically generated">
+            <a:extLst>
+              <a:ext uri="{FF2B5EF4-FFF2-40B4-BE49-F238E27FC236}">
+                <a16:creationId xmlns:a16="http://schemas.microsoft.com/office/drawing/2014/main" id="{970874FA-6057-410E-05ED-28A7F4E3FC00}"/>
+              </a:ext>
+            </a:extLst>
+          </p:cNvPr>
+          <p:cNvPicPr>
+            <a:picLocks noGrp="1" noChangeAspect="1"/>
+          </p:cNvPicPr>
+          <p:nvPr>
+            <p:ph idx="1"/>
+          </p:nvPr>
+        </p:nvPicPr>
+        <p:blipFill>
+          <a:blip r:embed="rId2"/>
+          <a:stretch>
+            <a:fillRect/>
+          </a:stretch>
+        </p:blipFill>
+        <p:spPr>
+          <a:xfrm>
+            <a:off x="6517179" y="1213658"/>
+            <a:ext cx="4330930" cy="5586153"/>
+          </a:xfrm>
+        </p:spPr>
+      </p:pic>
+    </p:spTree>
+    <p:extLst>
+      <p:ext uri="{BB962C8B-B14F-4D97-AF65-F5344CB8AC3E}">
+        <p14:creationId xmlns:p14="http://schemas.microsoft.com/office/powerpoint/2010/main" val="3961119008"/>
       </p:ext>
     </p:extLst>
   </p:cSld>

--- a/docs/Graphical_Passwords.pptx
+++ b/docs/Graphical_Passwords.pptx
@@ -20774,6 +20774,14 @@
 <file path=ppt/slides/slide7.xml><?xml version="1.0" encoding="utf-8"?>
 <p:sld xmlns:a="http://schemas.openxmlformats.org/drawingml/2006/main" xmlns:r="http://schemas.openxmlformats.org/officeDocument/2006/relationships" xmlns:p="http://schemas.openxmlformats.org/presentationml/2006/main">
   <p:cSld>
+    <p:bg>
+      <p:bgPr>
+        <a:solidFill>
+          <a:schemeClr val="bg1"/>
+        </a:solidFill>
+        <a:effectLst/>
+      </p:bgPr>
+    </p:bg>
     <p:spTree>
       <p:nvGrpSpPr>
         <p:cNvPr id="1" name=""/>
@@ -20788,6 +20796,3682 @@
           <a:chExt cx="0" cy="0"/>
         </a:xfrm>
       </p:grpSpPr>
+      <p:grpSp>
+        <p:nvGrpSpPr>
+          <p:cNvPr id="12" name="Group 11">
+            <a:extLst>
+              <a:ext uri="{FF2B5EF4-FFF2-40B4-BE49-F238E27FC236}">
+                <a16:creationId xmlns:a16="http://schemas.microsoft.com/office/drawing/2014/main" id="{748618E9-EE2D-4864-9EEE-58939BD4FBBA}"/>
+              </a:ext>
+              <a:ext uri="{C183D7F6-B498-43B3-948B-1728B52AA6E4}">
+                <adec:decorative xmlns:adec="http://schemas.microsoft.com/office/drawing/2017/decorative" val="1"/>
+              </a:ext>
+            </a:extLst>
+          </p:cNvPr>
+          <p:cNvGrpSpPr>
+            <a:grpSpLocks noGrp="1" noUngrp="1" noRot="1" noChangeAspect="1" noMove="1" noResize="1"/>
+          </p:cNvGrpSpPr>
+          <p:nvPr>
+            <p:extLst>
+              <p:ext uri="{386F3935-93C4-4BCD-93E2-E3B085C9AB24}">
+                <p16:designElem xmlns:p16="http://schemas.microsoft.com/office/powerpoint/2015/main" val="1"/>
+              </p:ext>
+            </p:extLst>
+          </p:nvPr>
+        </p:nvGrpSpPr>
+        <p:grpSpPr>
+          <a:xfrm>
+            <a:off x="-6214" y="-1"/>
+            <a:ext cx="12214827" cy="6858000"/>
+            <a:chOff x="-6214" y="-1"/>
+            <a:chExt cx="12214827" cy="6858000"/>
+          </a:xfrm>
+        </p:grpSpPr>
+        <p:cxnSp>
+          <p:nvCxnSpPr>
+            <p:cNvPr id="13" name="Straight Connector 12">
+              <a:extLst>
+                <a:ext uri="{FF2B5EF4-FFF2-40B4-BE49-F238E27FC236}">
+                  <a16:creationId xmlns:a16="http://schemas.microsoft.com/office/drawing/2014/main" id="{317D1EC0-23FF-4FC8-B22D-E34878EAA4CC}"/>
+                </a:ext>
+                <a:ext uri="{C183D7F6-B498-43B3-948B-1728B52AA6E4}">
+                  <adec:decorative xmlns:adec="http://schemas.microsoft.com/office/drawing/2017/decorative" val="1"/>
+                </a:ext>
+              </a:extLst>
+            </p:cNvPr>
+            <p:cNvCxnSpPr>
+              <a:cxnSpLocks/>
+            </p:cNvCxnSpPr>
+            <p:nvPr>
+              <p:extLst>
+                <p:ext uri="{386F3935-93C4-4BCD-93E2-E3B085C9AB24}">
+                  <p16:designElem xmlns:p16="http://schemas.microsoft.com/office/powerpoint/2015/main" val="1"/>
+                </p:ext>
+              </p:extLst>
+            </p:nvPr>
+          </p:nvCxnSpPr>
+          <p:spPr>
+            <a:xfrm>
+              <a:off x="-6214" y="6686283"/>
+              <a:ext cx="12192000" cy="0"/>
+            </a:xfrm>
+            <a:prstGeom prst="line">
+              <a:avLst/>
+            </a:prstGeom>
+            <a:ln w="12700">
+              <a:solidFill>
+                <a:srgbClr val="BCBCBC">
+                  <a:alpha val="29804"/>
+                </a:srgbClr>
+              </a:solidFill>
+              <a:prstDash val="sysDot"/>
+            </a:ln>
+          </p:spPr>
+          <p:style>
+            <a:lnRef idx="1">
+              <a:schemeClr val="accent1"/>
+            </a:lnRef>
+            <a:fillRef idx="0">
+              <a:schemeClr val="accent1"/>
+            </a:fillRef>
+            <a:effectRef idx="0">
+              <a:schemeClr val="accent1"/>
+            </a:effectRef>
+            <a:fontRef idx="minor">
+              <a:schemeClr val="tx1"/>
+            </a:fontRef>
+          </p:style>
+        </p:cxnSp>
+        <p:cxnSp>
+          <p:nvCxnSpPr>
+            <p:cNvPr id="14" name="Straight Connector 13">
+              <a:extLst>
+                <a:ext uri="{FF2B5EF4-FFF2-40B4-BE49-F238E27FC236}">
+                  <a16:creationId xmlns:a16="http://schemas.microsoft.com/office/drawing/2014/main" id="{5AB929A7-258C-4469-AAB4-A67D713F7A80}"/>
+                </a:ext>
+                <a:ext uri="{C183D7F6-B498-43B3-948B-1728B52AA6E4}">
+                  <adec:decorative xmlns:adec="http://schemas.microsoft.com/office/drawing/2017/decorative" val="1"/>
+                </a:ext>
+              </a:extLst>
+            </p:cNvPr>
+            <p:cNvCxnSpPr>
+              <a:cxnSpLocks/>
+            </p:cNvCxnSpPr>
+            <p:nvPr>
+              <p:extLst>
+                <p:ext uri="{386F3935-93C4-4BCD-93E2-E3B085C9AB24}">
+                  <p16:designElem xmlns:p16="http://schemas.microsoft.com/office/powerpoint/2015/main" val="1"/>
+                </p:ext>
+              </p:extLst>
+            </p:nvPr>
+          </p:nvCxnSpPr>
+          <p:spPr>
+            <a:xfrm>
+              <a:off x="0" y="-1"/>
+              <a:ext cx="0" cy="6858000"/>
+            </a:xfrm>
+            <a:prstGeom prst="line">
+              <a:avLst/>
+            </a:prstGeom>
+            <a:ln w="12700">
+              <a:solidFill>
+                <a:srgbClr val="BCBCBC">
+                  <a:alpha val="29804"/>
+                </a:srgbClr>
+              </a:solidFill>
+              <a:prstDash val="sysDot"/>
+            </a:ln>
+          </p:spPr>
+          <p:style>
+            <a:lnRef idx="1">
+              <a:schemeClr val="accent1"/>
+            </a:lnRef>
+            <a:fillRef idx="0">
+              <a:schemeClr val="accent1"/>
+            </a:fillRef>
+            <a:effectRef idx="0">
+              <a:schemeClr val="accent1"/>
+            </a:effectRef>
+            <a:fontRef idx="minor">
+              <a:schemeClr val="tx1"/>
+            </a:fontRef>
+          </p:style>
+        </p:cxnSp>
+        <p:cxnSp>
+          <p:nvCxnSpPr>
+            <p:cNvPr id="15" name="Straight Connector 14">
+              <a:extLst>
+                <a:ext uri="{FF2B5EF4-FFF2-40B4-BE49-F238E27FC236}">
+                  <a16:creationId xmlns:a16="http://schemas.microsoft.com/office/drawing/2014/main" id="{DA635CDB-2D00-49D5-B26E-0694A25000C7}"/>
+                </a:ext>
+                <a:ext uri="{C183D7F6-B498-43B3-948B-1728B52AA6E4}">
+                  <adec:decorative xmlns:adec="http://schemas.microsoft.com/office/drawing/2017/decorative" val="1"/>
+                </a:ext>
+              </a:extLst>
+            </p:cNvPr>
+            <p:cNvCxnSpPr>
+              <a:cxnSpLocks/>
+            </p:cNvCxnSpPr>
+            <p:nvPr>
+              <p:extLst>
+                <p:ext uri="{386F3935-93C4-4BCD-93E2-E3B085C9AB24}">
+                  <p16:designElem xmlns:p16="http://schemas.microsoft.com/office/powerpoint/2015/main" val="1"/>
+                </p:ext>
+              </p:extLst>
+            </p:nvPr>
+          </p:nvCxnSpPr>
+          <p:spPr>
+            <a:xfrm>
+              <a:off x="11993258" y="-1"/>
+              <a:ext cx="0" cy="6858000"/>
+            </a:xfrm>
+            <a:prstGeom prst="line">
+              <a:avLst/>
+            </a:prstGeom>
+            <a:ln w="12700">
+              <a:solidFill>
+                <a:srgbClr val="BCBCBC">
+                  <a:alpha val="29804"/>
+                </a:srgbClr>
+              </a:solidFill>
+              <a:prstDash val="sysDot"/>
+            </a:ln>
+          </p:spPr>
+          <p:style>
+            <a:lnRef idx="1">
+              <a:schemeClr val="accent1"/>
+            </a:lnRef>
+            <a:fillRef idx="0">
+              <a:schemeClr val="accent1"/>
+            </a:fillRef>
+            <a:effectRef idx="0">
+              <a:schemeClr val="accent1"/>
+            </a:effectRef>
+            <a:fontRef idx="minor">
+              <a:schemeClr val="tx1"/>
+            </a:fontRef>
+          </p:style>
+        </p:cxnSp>
+        <p:cxnSp>
+          <p:nvCxnSpPr>
+            <p:cNvPr id="16" name="Straight Connector 15">
+              <a:extLst>
+                <a:ext uri="{FF2B5EF4-FFF2-40B4-BE49-F238E27FC236}">
+                  <a16:creationId xmlns:a16="http://schemas.microsoft.com/office/drawing/2014/main" id="{B4288D7A-F857-418D-92F2-368E841B9F27}"/>
+                </a:ext>
+                <a:ext uri="{C183D7F6-B498-43B3-948B-1728B52AA6E4}">
+                  <adec:decorative xmlns:adec="http://schemas.microsoft.com/office/drawing/2017/decorative" val="1"/>
+                </a:ext>
+              </a:extLst>
+            </p:cNvPr>
+            <p:cNvCxnSpPr>
+              <a:cxnSpLocks/>
+            </p:cNvCxnSpPr>
+            <p:nvPr>
+              <p:extLst>
+                <p:ext uri="{386F3935-93C4-4BCD-93E2-E3B085C9AB24}">
+                  <p16:designElem xmlns:p16="http://schemas.microsoft.com/office/powerpoint/2015/main" val="1"/>
+                </p:ext>
+              </p:extLst>
+            </p:nvPr>
+          </p:nvCxnSpPr>
+          <p:spPr>
+            <a:xfrm>
+              <a:off x="192528" y="-1"/>
+              <a:ext cx="0" cy="6858000"/>
+            </a:xfrm>
+            <a:prstGeom prst="line">
+              <a:avLst/>
+            </a:prstGeom>
+            <a:ln w="12700">
+              <a:solidFill>
+                <a:srgbClr val="BCBCBC">
+                  <a:alpha val="29804"/>
+                </a:srgbClr>
+              </a:solidFill>
+              <a:prstDash val="sysDot"/>
+            </a:ln>
+          </p:spPr>
+          <p:style>
+            <a:lnRef idx="1">
+              <a:schemeClr val="accent1"/>
+            </a:lnRef>
+            <a:fillRef idx="0">
+              <a:schemeClr val="accent1"/>
+            </a:fillRef>
+            <a:effectRef idx="0">
+              <a:schemeClr val="accent1"/>
+            </a:effectRef>
+            <a:fontRef idx="minor">
+              <a:schemeClr val="tx1"/>
+            </a:fontRef>
+          </p:style>
+        </p:cxnSp>
+        <p:cxnSp>
+          <p:nvCxnSpPr>
+            <p:cNvPr id="17" name="Straight Connector 16">
+              <a:extLst>
+                <a:ext uri="{FF2B5EF4-FFF2-40B4-BE49-F238E27FC236}">
+                  <a16:creationId xmlns:a16="http://schemas.microsoft.com/office/drawing/2014/main" id="{F1084F50-7F3C-4A4A-877E-FFD9EC7CD88B}"/>
+                </a:ext>
+                <a:ext uri="{C183D7F6-B498-43B3-948B-1728B52AA6E4}">
+                  <adec:decorative xmlns:adec="http://schemas.microsoft.com/office/drawing/2017/decorative" val="1"/>
+                </a:ext>
+              </a:extLst>
+            </p:cNvPr>
+            <p:cNvCxnSpPr>
+              <a:cxnSpLocks/>
+            </p:cNvCxnSpPr>
+            <p:nvPr>
+              <p:extLst>
+                <p:ext uri="{386F3935-93C4-4BCD-93E2-E3B085C9AB24}">
+                  <p16:designElem xmlns:p16="http://schemas.microsoft.com/office/powerpoint/2015/main" val="1"/>
+                </p:ext>
+              </p:extLst>
+            </p:nvPr>
+          </p:nvCxnSpPr>
+          <p:spPr>
+            <a:xfrm>
+              <a:off x="1175922" y="-1"/>
+              <a:ext cx="0" cy="6858000"/>
+            </a:xfrm>
+            <a:prstGeom prst="line">
+              <a:avLst/>
+            </a:prstGeom>
+            <a:ln w="12700">
+              <a:solidFill>
+                <a:srgbClr val="BCBCBC">
+                  <a:alpha val="29804"/>
+                </a:srgbClr>
+              </a:solidFill>
+              <a:prstDash val="sysDot"/>
+            </a:ln>
+          </p:spPr>
+          <p:style>
+            <a:lnRef idx="1">
+              <a:schemeClr val="accent1"/>
+            </a:lnRef>
+            <a:fillRef idx="0">
+              <a:schemeClr val="accent1"/>
+            </a:fillRef>
+            <a:effectRef idx="0">
+              <a:schemeClr val="accent1"/>
+            </a:effectRef>
+            <a:fontRef idx="minor">
+              <a:schemeClr val="tx1"/>
+            </a:fontRef>
+          </p:style>
+        </p:cxnSp>
+        <p:cxnSp>
+          <p:nvCxnSpPr>
+            <p:cNvPr id="18" name="Straight Connector 17">
+              <a:extLst>
+                <a:ext uri="{FF2B5EF4-FFF2-40B4-BE49-F238E27FC236}">
+                  <a16:creationId xmlns:a16="http://schemas.microsoft.com/office/drawing/2014/main" id="{331E64C1-F4C0-4A94-B319-BB1A0A2450B5}"/>
+                </a:ext>
+                <a:ext uri="{C183D7F6-B498-43B3-948B-1728B52AA6E4}">
+                  <adec:decorative xmlns:adec="http://schemas.microsoft.com/office/drawing/2017/decorative" val="1"/>
+                </a:ext>
+              </a:extLst>
+            </p:cNvPr>
+            <p:cNvCxnSpPr>
+              <a:cxnSpLocks/>
+            </p:cNvCxnSpPr>
+            <p:nvPr>
+              <p:extLst>
+                <p:ext uri="{386F3935-93C4-4BCD-93E2-E3B085C9AB24}">
+                  <p16:designElem xmlns:p16="http://schemas.microsoft.com/office/powerpoint/2015/main" val="1"/>
+                </p:ext>
+              </p:extLst>
+            </p:nvPr>
+          </p:nvCxnSpPr>
+          <p:spPr>
+            <a:xfrm>
+              <a:off x="2159316" y="-1"/>
+              <a:ext cx="0" cy="6858000"/>
+            </a:xfrm>
+            <a:prstGeom prst="line">
+              <a:avLst/>
+            </a:prstGeom>
+            <a:ln w="12700">
+              <a:solidFill>
+                <a:srgbClr val="BCBCBC">
+                  <a:alpha val="29804"/>
+                </a:srgbClr>
+              </a:solidFill>
+              <a:prstDash val="sysDot"/>
+            </a:ln>
+          </p:spPr>
+          <p:style>
+            <a:lnRef idx="1">
+              <a:schemeClr val="accent1"/>
+            </a:lnRef>
+            <a:fillRef idx="0">
+              <a:schemeClr val="accent1"/>
+            </a:fillRef>
+            <a:effectRef idx="0">
+              <a:schemeClr val="accent1"/>
+            </a:effectRef>
+            <a:fontRef idx="minor">
+              <a:schemeClr val="tx1"/>
+            </a:fontRef>
+          </p:style>
+        </p:cxnSp>
+        <p:cxnSp>
+          <p:nvCxnSpPr>
+            <p:cNvPr id="19" name="Straight Connector 18">
+              <a:extLst>
+                <a:ext uri="{FF2B5EF4-FFF2-40B4-BE49-F238E27FC236}">
+                  <a16:creationId xmlns:a16="http://schemas.microsoft.com/office/drawing/2014/main" id="{363D8374-8052-417F-AB69-B97EAC43D513}"/>
+                </a:ext>
+                <a:ext uri="{C183D7F6-B498-43B3-948B-1728B52AA6E4}">
+                  <adec:decorative xmlns:adec="http://schemas.microsoft.com/office/drawing/2017/decorative" val="1"/>
+                </a:ext>
+              </a:extLst>
+            </p:cNvPr>
+            <p:cNvCxnSpPr>
+              <a:cxnSpLocks/>
+            </p:cNvCxnSpPr>
+            <p:nvPr>
+              <p:extLst>
+                <p:ext uri="{386F3935-93C4-4BCD-93E2-E3B085C9AB24}">
+                  <p16:designElem xmlns:p16="http://schemas.microsoft.com/office/powerpoint/2015/main" val="1"/>
+                </p:ext>
+              </p:extLst>
+            </p:nvPr>
+          </p:nvCxnSpPr>
+          <p:spPr>
+            <a:xfrm>
+              <a:off x="3142710" y="-1"/>
+              <a:ext cx="0" cy="6858000"/>
+            </a:xfrm>
+            <a:prstGeom prst="line">
+              <a:avLst/>
+            </a:prstGeom>
+            <a:ln w="12700">
+              <a:solidFill>
+                <a:srgbClr val="BCBCBC">
+                  <a:alpha val="29804"/>
+                </a:srgbClr>
+              </a:solidFill>
+              <a:prstDash val="sysDot"/>
+            </a:ln>
+          </p:spPr>
+          <p:style>
+            <a:lnRef idx="1">
+              <a:schemeClr val="accent1"/>
+            </a:lnRef>
+            <a:fillRef idx="0">
+              <a:schemeClr val="accent1"/>
+            </a:fillRef>
+            <a:effectRef idx="0">
+              <a:schemeClr val="accent1"/>
+            </a:effectRef>
+            <a:fontRef idx="minor">
+              <a:schemeClr val="tx1"/>
+            </a:fontRef>
+          </p:style>
+        </p:cxnSp>
+        <p:cxnSp>
+          <p:nvCxnSpPr>
+            <p:cNvPr id="20" name="Straight Connector 19">
+              <a:extLst>
+                <a:ext uri="{FF2B5EF4-FFF2-40B4-BE49-F238E27FC236}">
+                  <a16:creationId xmlns:a16="http://schemas.microsoft.com/office/drawing/2014/main" id="{C7750734-4D51-4019-A003-38A3DE49B434}"/>
+                </a:ext>
+                <a:ext uri="{C183D7F6-B498-43B3-948B-1728B52AA6E4}">
+                  <adec:decorative xmlns:adec="http://schemas.microsoft.com/office/drawing/2017/decorative" val="1"/>
+                </a:ext>
+              </a:extLst>
+            </p:cNvPr>
+            <p:cNvCxnSpPr>
+              <a:cxnSpLocks/>
+            </p:cNvCxnSpPr>
+            <p:nvPr>
+              <p:extLst>
+                <p:ext uri="{386F3935-93C4-4BCD-93E2-E3B085C9AB24}">
+                  <p16:designElem xmlns:p16="http://schemas.microsoft.com/office/powerpoint/2015/main" val="1"/>
+                </p:ext>
+              </p:extLst>
+            </p:nvPr>
+          </p:nvCxnSpPr>
+          <p:spPr>
+            <a:xfrm>
+              <a:off x="4126104" y="-1"/>
+              <a:ext cx="0" cy="6858000"/>
+            </a:xfrm>
+            <a:prstGeom prst="line">
+              <a:avLst/>
+            </a:prstGeom>
+            <a:ln w="12700">
+              <a:solidFill>
+                <a:srgbClr val="BCBCBC">
+                  <a:alpha val="29804"/>
+                </a:srgbClr>
+              </a:solidFill>
+              <a:prstDash val="sysDot"/>
+            </a:ln>
+          </p:spPr>
+          <p:style>
+            <a:lnRef idx="1">
+              <a:schemeClr val="accent1"/>
+            </a:lnRef>
+            <a:fillRef idx="0">
+              <a:schemeClr val="accent1"/>
+            </a:fillRef>
+            <a:effectRef idx="0">
+              <a:schemeClr val="accent1"/>
+            </a:effectRef>
+            <a:fontRef idx="minor">
+              <a:schemeClr val="tx1"/>
+            </a:fontRef>
+          </p:style>
+        </p:cxnSp>
+        <p:cxnSp>
+          <p:nvCxnSpPr>
+            <p:cNvPr id="21" name="Straight Connector 20">
+              <a:extLst>
+                <a:ext uri="{FF2B5EF4-FFF2-40B4-BE49-F238E27FC236}">
+                  <a16:creationId xmlns:a16="http://schemas.microsoft.com/office/drawing/2014/main" id="{71B693D1-DBA2-4D3B-9B37-D9EE8C4112F4}"/>
+                </a:ext>
+                <a:ext uri="{C183D7F6-B498-43B3-948B-1728B52AA6E4}">
+                  <adec:decorative xmlns:adec="http://schemas.microsoft.com/office/drawing/2017/decorative" val="1"/>
+                </a:ext>
+              </a:extLst>
+            </p:cNvPr>
+            <p:cNvCxnSpPr>
+              <a:cxnSpLocks/>
+            </p:cNvCxnSpPr>
+            <p:nvPr>
+              <p:extLst>
+                <p:ext uri="{386F3935-93C4-4BCD-93E2-E3B085C9AB24}">
+                  <p16:designElem xmlns:p16="http://schemas.microsoft.com/office/powerpoint/2015/main" val="1"/>
+                </p:ext>
+              </p:extLst>
+            </p:nvPr>
+          </p:nvCxnSpPr>
+          <p:spPr>
+            <a:xfrm>
+              <a:off x="5109498" y="-1"/>
+              <a:ext cx="0" cy="6858000"/>
+            </a:xfrm>
+            <a:prstGeom prst="line">
+              <a:avLst/>
+            </a:prstGeom>
+            <a:ln w="12700">
+              <a:solidFill>
+                <a:srgbClr val="BCBCBC">
+                  <a:alpha val="29804"/>
+                </a:srgbClr>
+              </a:solidFill>
+              <a:prstDash val="sysDot"/>
+            </a:ln>
+          </p:spPr>
+          <p:style>
+            <a:lnRef idx="1">
+              <a:schemeClr val="accent1"/>
+            </a:lnRef>
+            <a:fillRef idx="0">
+              <a:schemeClr val="accent1"/>
+            </a:fillRef>
+            <a:effectRef idx="0">
+              <a:schemeClr val="accent1"/>
+            </a:effectRef>
+            <a:fontRef idx="minor">
+              <a:schemeClr val="tx1"/>
+            </a:fontRef>
+          </p:style>
+        </p:cxnSp>
+        <p:cxnSp>
+          <p:nvCxnSpPr>
+            <p:cNvPr id="22" name="Straight Connector 21">
+              <a:extLst>
+                <a:ext uri="{FF2B5EF4-FFF2-40B4-BE49-F238E27FC236}">
+                  <a16:creationId xmlns:a16="http://schemas.microsoft.com/office/drawing/2014/main" id="{1BCD3EA8-E4C0-4AF6-817F-F9F29157A499}"/>
+                </a:ext>
+                <a:ext uri="{C183D7F6-B498-43B3-948B-1728B52AA6E4}">
+                  <adec:decorative xmlns:adec="http://schemas.microsoft.com/office/drawing/2017/decorative" val="1"/>
+                </a:ext>
+              </a:extLst>
+            </p:cNvPr>
+            <p:cNvCxnSpPr>
+              <a:cxnSpLocks/>
+            </p:cNvCxnSpPr>
+            <p:nvPr>
+              <p:extLst>
+                <p:ext uri="{386F3935-93C4-4BCD-93E2-E3B085C9AB24}">
+                  <p16:designElem xmlns:p16="http://schemas.microsoft.com/office/powerpoint/2015/main" val="1"/>
+                </p:ext>
+              </p:extLst>
+            </p:nvPr>
+          </p:nvCxnSpPr>
+          <p:spPr>
+            <a:xfrm>
+              <a:off x="6092892" y="-1"/>
+              <a:ext cx="0" cy="6858000"/>
+            </a:xfrm>
+            <a:prstGeom prst="line">
+              <a:avLst/>
+            </a:prstGeom>
+            <a:ln w="12700">
+              <a:solidFill>
+                <a:srgbClr val="BCBCBC">
+                  <a:alpha val="29804"/>
+                </a:srgbClr>
+              </a:solidFill>
+              <a:prstDash val="sysDot"/>
+            </a:ln>
+          </p:spPr>
+          <p:style>
+            <a:lnRef idx="1">
+              <a:schemeClr val="accent1"/>
+            </a:lnRef>
+            <a:fillRef idx="0">
+              <a:schemeClr val="accent1"/>
+            </a:fillRef>
+            <a:effectRef idx="0">
+              <a:schemeClr val="accent1"/>
+            </a:effectRef>
+            <a:fontRef idx="minor">
+              <a:schemeClr val="tx1"/>
+            </a:fontRef>
+          </p:style>
+        </p:cxnSp>
+        <p:cxnSp>
+          <p:nvCxnSpPr>
+            <p:cNvPr id="23" name="Straight Connector 22">
+              <a:extLst>
+                <a:ext uri="{FF2B5EF4-FFF2-40B4-BE49-F238E27FC236}">
+                  <a16:creationId xmlns:a16="http://schemas.microsoft.com/office/drawing/2014/main" id="{7A170FB3-B397-4AC9-85FD-65388F26D90A}"/>
+                </a:ext>
+                <a:ext uri="{C183D7F6-B498-43B3-948B-1728B52AA6E4}">
+                  <adec:decorative xmlns:adec="http://schemas.microsoft.com/office/drawing/2017/decorative" val="1"/>
+                </a:ext>
+              </a:extLst>
+            </p:cNvPr>
+            <p:cNvCxnSpPr>
+              <a:cxnSpLocks/>
+            </p:cNvCxnSpPr>
+            <p:nvPr>
+              <p:extLst>
+                <p:ext uri="{386F3935-93C4-4BCD-93E2-E3B085C9AB24}">
+                  <p16:designElem xmlns:p16="http://schemas.microsoft.com/office/powerpoint/2015/main" val="1"/>
+                </p:ext>
+              </p:extLst>
+            </p:nvPr>
+          </p:nvCxnSpPr>
+          <p:spPr>
+            <a:xfrm>
+              <a:off x="7076286" y="-1"/>
+              <a:ext cx="0" cy="6858000"/>
+            </a:xfrm>
+            <a:prstGeom prst="line">
+              <a:avLst/>
+            </a:prstGeom>
+            <a:ln w="12700">
+              <a:solidFill>
+                <a:srgbClr val="BCBCBC">
+                  <a:alpha val="29804"/>
+                </a:srgbClr>
+              </a:solidFill>
+              <a:prstDash val="sysDot"/>
+            </a:ln>
+          </p:spPr>
+          <p:style>
+            <a:lnRef idx="1">
+              <a:schemeClr val="accent1"/>
+            </a:lnRef>
+            <a:fillRef idx="0">
+              <a:schemeClr val="accent1"/>
+            </a:fillRef>
+            <a:effectRef idx="0">
+              <a:schemeClr val="accent1"/>
+            </a:effectRef>
+            <a:fontRef idx="minor">
+              <a:schemeClr val="tx1"/>
+            </a:fontRef>
+          </p:style>
+        </p:cxnSp>
+        <p:cxnSp>
+          <p:nvCxnSpPr>
+            <p:cNvPr id="24" name="Straight Connector 23">
+              <a:extLst>
+                <a:ext uri="{FF2B5EF4-FFF2-40B4-BE49-F238E27FC236}">
+                  <a16:creationId xmlns:a16="http://schemas.microsoft.com/office/drawing/2014/main" id="{BE5EC0B9-49C7-4777-AEC5-B5EF8DE40498}"/>
+                </a:ext>
+                <a:ext uri="{C183D7F6-B498-43B3-948B-1728B52AA6E4}">
+                  <adec:decorative xmlns:adec="http://schemas.microsoft.com/office/drawing/2017/decorative" val="1"/>
+                </a:ext>
+              </a:extLst>
+            </p:cNvPr>
+            <p:cNvCxnSpPr>
+              <a:cxnSpLocks/>
+            </p:cNvCxnSpPr>
+            <p:nvPr>
+              <p:extLst>
+                <p:ext uri="{386F3935-93C4-4BCD-93E2-E3B085C9AB24}">
+                  <p16:designElem xmlns:p16="http://schemas.microsoft.com/office/powerpoint/2015/main" val="1"/>
+                </p:ext>
+              </p:extLst>
+            </p:nvPr>
+          </p:nvCxnSpPr>
+          <p:spPr>
+            <a:xfrm>
+              <a:off x="8059680" y="-1"/>
+              <a:ext cx="0" cy="6858000"/>
+            </a:xfrm>
+            <a:prstGeom prst="line">
+              <a:avLst/>
+            </a:prstGeom>
+            <a:ln w="12700">
+              <a:solidFill>
+                <a:srgbClr val="BCBCBC">
+                  <a:alpha val="29804"/>
+                </a:srgbClr>
+              </a:solidFill>
+              <a:prstDash val="sysDot"/>
+            </a:ln>
+          </p:spPr>
+          <p:style>
+            <a:lnRef idx="1">
+              <a:schemeClr val="accent1"/>
+            </a:lnRef>
+            <a:fillRef idx="0">
+              <a:schemeClr val="accent1"/>
+            </a:fillRef>
+            <a:effectRef idx="0">
+              <a:schemeClr val="accent1"/>
+            </a:effectRef>
+            <a:fontRef idx="minor">
+              <a:schemeClr val="tx1"/>
+            </a:fontRef>
+          </p:style>
+        </p:cxnSp>
+        <p:cxnSp>
+          <p:nvCxnSpPr>
+            <p:cNvPr id="25" name="Straight Connector 24">
+              <a:extLst>
+                <a:ext uri="{FF2B5EF4-FFF2-40B4-BE49-F238E27FC236}">
+                  <a16:creationId xmlns:a16="http://schemas.microsoft.com/office/drawing/2014/main" id="{7902048B-30F7-4434-87A5-140F9BB4BEB1}"/>
+                </a:ext>
+                <a:ext uri="{C183D7F6-B498-43B3-948B-1728B52AA6E4}">
+                  <adec:decorative xmlns:adec="http://schemas.microsoft.com/office/drawing/2017/decorative" val="1"/>
+                </a:ext>
+              </a:extLst>
+            </p:cNvPr>
+            <p:cNvCxnSpPr>
+              <a:cxnSpLocks/>
+            </p:cNvCxnSpPr>
+            <p:nvPr>
+              <p:extLst>
+                <p:ext uri="{386F3935-93C4-4BCD-93E2-E3B085C9AB24}">
+                  <p16:designElem xmlns:p16="http://schemas.microsoft.com/office/powerpoint/2015/main" val="1"/>
+                </p:ext>
+              </p:extLst>
+            </p:nvPr>
+          </p:nvCxnSpPr>
+          <p:spPr>
+            <a:xfrm>
+              <a:off x="9043074" y="-1"/>
+              <a:ext cx="0" cy="6858000"/>
+            </a:xfrm>
+            <a:prstGeom prst="line">
+              <a:avLst/>
+            </a:prstGeom>
+            <a:ln w="12700">
+              <a:solidFill>
+                <a:srgbClr val="BCBCBC">
+                  <a:alpha val="29804"/>
+                </a:srgbClr>
+              </a:solidFill>
+              <a:prstDash val="sysDot"/>
+            </a:ln>
+          </p:spPr>
+          <p:style>
+            <a:lnRef idx="1">
+              <a:schemeClr val="accent1"/>
+            </a:lnRef>
+            <a:fillRef idx="0">
+              <a:schemeClr val="accent1"/>
+            </a:fillRef>
+            <a:effectRef idx="0">
+              <a:schemeClr val="accent1"/>
+            </a:effectRef>
+            <a:fontRef idx="minor">
+              <a:schemeClr val="tx1"/>
+            </a:fontRef>
+          </p:style>
+        </p:cxnSp>
+        <p:cxnSp>
+          <p:nvCxnSpPr>
+            <p:cNvPr id="26" name="Straight Connector 25">
+              <a:extLst>
+                <a:ext uri="{FF2B5EF4-FFF2-40B4-BE49-F238E27FC236}">
+                  <a16:creationId xmlns:a16="http://schemas.microsoft.com/office/drawing/2014/main" id="{0500A6E2-A41C-4751-8A4E-9A0C5718D930}"/>
+                </a:ext>
+                <a:ext uri="{C183D7F6-B498-43B3-948B-1728B52AA6E4}">
+                  <adec:decorative xmlns:adec="http://schemas.microsoft.com/office/drawing/2017/decorative" val="1"/>
+                </a:ext>
+              </a:extLst>
+            </p:cNvPr>
+            <p:cNvCxnSpPr>
+              <a:cxnSpLocks/>
+            </p:cNvCxnSpPr>
+            <p:nvPr>
+              <p:extLst>
+                <p:ext uri="{386F3935-93C4-4BCD-93E2-E3B085C9AB24}">
+                  <p16:designElem xmlns:p16="http://schemas.microsoft.com/office/powerpoint/2015/main" val="1"/>
+                </p:ext>
+              </p:extLst>
+            </p:nvPr>
+          </p:nvCxnSpPr>
+          <p:spPr>
+            <a:xfrm>
+              <a:off x="10026468" y="-1"/>
+              <a:ext cx="0" cy="6858000"/>
+            </a:xfrm>
+            <a:prstGeom prst="line">
+              <a:avLst/>
+            </a:prstGeom>
+            <a:ln w="12700">
+              <a:solidFill>
+                <a:srgbClr val="BCBCBC">
+                  <a:alpha val="29804"/>
+                </a:srgbClr>
+              </a:solidFill>
+              <a:prstDash val="sysDot"/>
+            </a:ln>
+          </p:spPr>
+          <p:style>
+            <a:lnRef idx="1">
+              <a:schemeClr val="accent1"/>
+            </a:lnRef>
+            <a:fillRef idx="0">
+              <a:schemeClr val="accent1"/>
+            </a:fillRef>
+            <a:effectRef idx="0">
+              <a:schemeClr val="accent1"/>
+            </a:effectRef>
+            <a:fontRef idx="minor">
+              <a:schemeClr val="tx1"/>
+            </a:fontRef>
+          </p:style>
+        </p:cxnSp>
+        <p:cxnSp>
+          <p:nvCxnSpPr>
+            <p:cNvPr id="27" name="Straight Connector 26">
+              <a:extLst>
+                <a:ext uri="{FF2B5EF4-FFF2-40B4-BE49-F238E27FC236}">
+                  <a16:creationId xmlns:a16="http://schemas.microsoft.com/office/drawing/2014/main" id="{FC259517-7BE7-45F9-81C0-3A6362BF143C}"/>
+                </a:ext>
+                <a:ext uri="{C183D7F6-B498-43B3-948B-1728B52AA6E4}">
+                  <adec:decorative xmlns:adec="http://schemas.microsoft.com/office/drawing/2017/decorative" val="1"/>
+                </a:ext>
+              </a:extLst>
+            </p:cNvPr>
+            <p:cNvCxnSpPr>
+              <a:cxnSpLocks/>
+            </p:cNvCxnSpPr>
+            <p:nvPr>
+              <p:extLst>
+                <p:ext uri="{386F3935-93C4-4BCD-93E2-E3B085C9AB24}">
+                  <p16:designElem xmlns:p16="http://schemas.microsoft.com/office/powerpoint/2015/main" val="1"/>
+                </p:ext>
+              </p:extLst>
+            </p:nvPr>
+          </p:nvCxnSpPr>
+          <p:spPr>
+            <a:xfrm>
+              <a:off x="11009862" y="-1"/>
+              <a:ext cx="0" cy="6858000"/>
+            </a:xfrm>
+            <a:prstGeom prst="line">
+              <a:avLst/>
+            </a:prstGeom>
+            <a:ln w="12700">
+              <a:solidFill>
+                <a:srgbClr val="BCBCBC">
+                  <a:alpha val="29804"/>
+                </a:srgbClr>
+              </a:solidFill>
+              <a:prstDash val="sysDot"/>
+            </a:ln>
+          </p:spPr>
+          <p:style>
+            <a:lnRef idx="1">
+              <a:schemeClr val="accent1"/>
+            </a:lnRef>
+            <a:fillRef idx="0">
+              <a:schemeClr val="accent1"/>
+            </a:fillRef>
+            <a:effectRef idx="0">
+              <a:schemeClr val="accent1"/>
+            </a:effectRef>
+            <a:fontRef idx="minor">
+              <a:schemeClr val="tx1"/>
+            </a:fontRef>
+          </p:style>
+        </p:cxnSp>
+        <p:cxnSp>
+          <p:nvCxnSpPr>
+            <p:cNvPr id="28" name="Straight Connector 27">
+              <a:extLst>
+                <a:ext uri="{FF2B5EF4-FFF2-40B4-BE49-F238E27FC236}">
+                  <a16:creationId xmlns:a16="http://schemas.microsoft.com/office/drawing/2014/main" id="{90652F56-7B71-42B2-AB68-22204A6DF177}"/>
+                </a:ext>
+                <a:ext uri="{C183D7F6-B498-43B3-948B-1728B52AA6E4}">
+                  <adec:decorative xmlns:adec="http://schemas.microsoft.com/office/drawing/2017/decorative" val="1"/>
+                </a:ext>
+              </a:extLst>
+            </p:cNvPr>
+            <p:cNvCxnSpPr>
+              <a:cxnSpLocks/>
+            </p:cNvCxnSpPr>
+            <p:nvPr>
+              <p:extLst>
+                <p:ext uri="{386F3935-93C4-4BCD-93E2-E3B085C9AB24}">
+                  <p16:designElem xmlns:p16="http://schemas.microsoft.com/office/powerpoint/2015/main" val="1"/>
+                </p:ext>
+              </p:extLst>
+            </p:nvPr>
+          </p:nvCxnSpPr>
+          <p:spPr>
+            <a:xfrm>
+              <a:off x="12185786" y="-1"/>
+              <a:ext cx="0" cy="6858000"/>
+            </a:xfrm>
+            <a:prstGeom prst="line">
+              <a:avLst/>
+            </a:prstGeom>
+            <a:ln w="12700">
+              <a:solidFill>
+                <a:srgbClr val="BCBCBC">
+                  <a:alpha val="29804"/>
+                </a:srgbClr>
+              </a:solidFill>
+              <a:prstDash val="sysDot"/>
+            </a:ln>
+          </p:spPr>
+          <p:style>
+            <a:lnRef idx="1">
+              <a:schemeClr val="accent1"/>
+            </a:lnRef>
+            <a:fillRef idx="0">
+              <a:schemeClr val="accent1"/>
+            </a:fillRef>
+            <a:effectRef idx="0">
+              <a:schemeClr val="accent1"/>
+            </a:effectRef>
+            <a:fontRef idx="minor">
+              <a:schemeClr val="tx1"/>
+            </a:fontRef>
+          </p:style>
+        </p:cxnSp>
+        <p:cxnSp>
+          <p:nvCxnSpPr>
+            <p:cNvPr id="29" name="Straight Connector 28">
+              <a:extLst>
+                <a:ext uri="{FF2B5EF4-FFF2-40B4-BE49-F238E27FC236}">
+                  <a16:creationId xmlns:a16="http://schemas.microsoft.com/office/drawing/2014/main" id="{1059830E-1C3D-4D42-8789-524971CB4657}"/>
+                </a:ext>
+                <a:ext uri="{C183D7F6-B498-43B3-948B-1728B52AA6E4}">
+                  <adec:decorative xmlns:adec="http://schemas.microsoft.com/office/drawing/2017/decorative" val="1"/>
+                </a:ext>
+              </a:extLst>
+            </p:cNvPr>
+            <p:cNvCxnSpPr>
+              <a:cxnSpLocks/>
+            </p:cNvCxnSpPr>
+            <p:nvPr>
+              <p:extLst>
+                <p:ext uri="{386F3935-93C4-4BCD-93E2-E3B085C9AB24}">
+                  <p16:designElem xmlns:p16="http://schemas.microsoft.com/office/powerpoint/2015/main" val="1"/>
+                </p:ext>
+              </p:extLst>
+            </p:nvPr>
+          </p:nvCxnSpPr>
+          <p:spPr>
+            <a:xfrm>
+              <a:off x="0" y="171716"/>
+              <a:ext cx="12192000" cy="0"/>
+            </a:xfrm>
+            <a:prstGeom prst="line">
+              <a:avLst/>
+            </a:prstGeom>
+            <a:ln w="12700">
+              <a:solidFill>
+                <a:srgbClr val="BCBCBC">
+                  <a:alpha val="29804"/>
+                </a:srgbClr>
+              </a:solidFill>
+              <a:prstDash val="sysDot"/>
+            </a:ln>
+          </p:spPr>
+          <p:style>
+            <a:lnRef idx="1">
+              <a:schemeClr val="accent1"/>
+            </a:lnRef>
+            <a:fillRef idx="0">
+              <a:schemeClr val="accent1"/>
+            </a:fillRef>
+            <a:effectRef idx="0">
+              <a:schemeClr val="accent1"/>
+            </a:effectRef>
+            <a:fontRef idx="minor">
+              <a:schemeClr val="tx1"/>
+            </a:fontRef>
+          </p:style>
+        </p:cxnSp>
+        <p:cxnSp>
+          <p:nvCxnSpPr>
+            <p:cNvPr id="30" name="Straight Connector 29">
+              <a:extLst>
+                <a:ext uri="{FF2B5EF4-FFF2-40B4-BE49-F238E27FC236}">
+                  <a16:creationId xmlns:a16="http://schemas.microsoft.com/office/drawing/2014/main" id="{B53325A7-86D3-4B52-A7E3-ADDF408B4067}"/>
+                </a:ext>
+                <a:ext uri="{C183D7F6-B498-43B3-948B-1728B52AA6E4}">
+                  <adec:decorative xmlns:adec="http://schemas.microsoft.com/office/drawing/2017/decorative" val="1"/>
+                </a:ext>
+              </a:extLst>
+            </p:cNvPr>
+            <p:cNvCxnSpPr>
+              <a:cxnSpLocks/>
+            </p:cNvCxnSpPr>
+            <p:nvPr>
+              <p:extLst>
+                <p:ext uri="{386F3935-93C4-4BCD-93E2-E3B085C9AB24}">
+                  <p16:designElem xmlns:p16="http://schemas.microsoft.com/office/powerpoint/2015/main" val="1"/>
+                </p:ext>
+              </p:extLst>
+            </p:nvPr>
+          </p:nvCxnSpPr>
+          <p:spPr>
+            <a:xfrm>
+              <a:off x="0" y="714597"/>
+              <a:ext cx="12192000" cy="0"/>
+            </a:xfrm>
+            <a:prstGeom prst="line">
+              <a:avLst/>
+            </a:prstGeom>
+            <a:ln w="12700">
+              <a:solidFill>
+                <a:srgbClr val="BCBCBC">
+                  <a:alpha val="29804"/>
+                </a:srgbClr>
+              </a:solidFill>
+              <a:prstDash val="sysDot"/>
+            </a:ln>
+          </p:spPr>
+          <p:style>
+            <a:lnRef idx="1">
+              <a:schemeClr val="accent1"/>
+            </a:lnRef>
+            <a:fillRef idx="0">
+              <a:schemeClr val="accent1"/>
+            </a:fillRef>
+            <a:effectRef idx="0">
+              <a:schemeClr val="accent1"/>
+            </a:effectRef>
+            <a:fontRef idx="minor">
+              <a:schemeClr val="tx1"/>
+            </a:fontRef>
+          </p:style>
+        </p:cxnSp>
+        <p:cxnSp>
+          <p:nvCxnSpPr>
+            <p:cNvPr id="31" name="Straight Connector 30">
+              <a:extLst>
+                <a:ext uri="{FF2B5EF4-FFF2-40B4-BE49-F238E27FC236}">
+                  <a16:creationId xmlns:a16="http://schemas.microsoft.com/office/drawing/2014/main" id="{6D53F46F-EC12-484C-A4E7-791E57687AC1}"/>
+                </a:ext>
+                <a:ext uri="{C183D7F6-B498-43B3-948B-1728B52AA6E4}">
+                  <adec:decorative xmlns:adec="http://schemas.microsoft.com/office/drawing/2017/decorative" val="1"/>
+                </a:ext>
+              </a:extLst>
+            </p:cNvPr>
+            <p:cNvCxnSpPr>
+              <a:cxnSpLocks/>
+            </p:cNvCxnSpPr>
+            <p:nvPr>
+              <p:extLst>
+                <p:ext uri="{386F3935-93C4-4BCD-93E2-E3B085C9AB24}">
+                  <p16:designElem xmlns:p16="http://schemas.microsoft.com/office/powerpoint/2015/main" val="1"/>
+                </p:ext>
+              </p:extLst>
+            </p:nvPr>
+          </p:nvCxnSpPr>
+          <p:spPr>
+            <a:xfrm>
+              <a:off x="0" y="1257478"/>
+              <a:ext cx="12192000" cy="0"/>
+            </a:xfrm>
+            <a:prstGeom prst="line">
+              <a:avLst/>
+            </a:prstGeom>
+            <a:ln w="12700">
+              <a:solidFill>
+                <a:srgbClr val="BCBCBC">
+                  <a:alpha val="29804"/>
+                </a:srgbClr>
+              </a:solidFill>
+              <a:prstDash val="sysDot"/>
+            </a:ln>
+          </p:spPr>
+          <p:style>
+            <a:lnRef idx="1">
+              <a:schemeClr val="accent1"/>
+            </a:lnRef>
+            <a:fillRef idx="0">
+              <a:schemeClr val="accent1"/>
+            </a:fillRef>
+            <a:effectRef idx="0">
+              <a:schemeClr val="accent1"/>
+            </a:effectRef>
+            <a:fontRef idx="minor">
+              <a:schemeClr val="tx1"/>
+            </a:fontRef>
+          </p:style>
+        </p:cxnSp>
+        <p:cxnSp>
+          <p:nvCxnSpPr>
+            <p:cNvPr id="32" name="Straight Connector 31">
+              <a:extLst>
+                <a:ext uri="{FF2B5EF4-FFF2-40B4-BE49-F238E27FC236}">
+                  <a16:creationId xmlns:a16="http://schemas.microsoft.com/office/drawing/2014/main" id="{464ED9CA-8950-47B8-A9ED-22B45CE15FBC}"/>
+                </a:ext>
+                <a:ext uri="{C183D7F6-B498-43B3-948B-1728B52AA6E4}">
+                  <adec:decorative xmlns:adec="http://schemas.microsoft.com/office/drawing/2017/decorative" val="1"/>
+                </a:ext>
+              </a:extLst>
+            </p:cNvPr>
+            <p:cNvCxnSpPr>
+              <a:cxnSpLocks/>
+            </p:cNvCxnSpPr>
+            <p:nvPr>
+              <p:extLst>
+                <p:ext uri="{386F3935-93C4-4BCD-93E2-E3B085C9AB24}">
+                  <p16:designElem xmlns:p16="http://schemas.microsoft.com/office/powerpoint/2015/main" val="1"/>
+                </p:ext>
+              </p:extLst>
+            </p:nvPr>
+          </p:nvCxnSpPr>
+          <p:spPr>
+            <a:xfrm>
+              <a:off x="0" y="1800359"/>
+              <a:ext cx="12192000" cy="0"/>
+            </a:xfrm>
+            <a:prstGeom prst="line">
+              <a:avLst/>
+            </a:prstGeom>
+            <a:ln w="12700">
+              <a:solidFill>
+                <a:srgbClr val="BCBCBC">
+                  <a:alpha val="29804"/>
+                </a:srgbClr>
+              </a:solidFill>
+              <a:prstDash val="sysDot"/>
+            </a:ln>
+          </p:spPr>
+          <p:style>
+            <a:lnRef idx="1">
+              <a:schemeClr val="accent1"/>
+            </a:lnRef>
+            <a:fillRef idx="0">
+              <a:schemeClr val="accent1"/>
+            </a:fillRef>
+            <a:effectRef idx="0">
+              <a:schemeClr val="accent1"/>
+            </a:effectRef>
+            <a:fontRef idx="minor">
+              <a:schemeClr val="tx1"/>
+            </a:fontRef>
+          </p:style>
+        </p:cxnSp>
+        <p:cxnSp>
+          <p:nvCxnSpPr>
+            <p:cNvPr id="33" name="Straight Connector 32">
+              <a:extLst>
+                <a:ext uri="{FF2B5EF4-FFF2-40B4-BE49-F238E27FC236}">
+                  <a16:creationId xmlns:a16="http://schemas.microsoft.com/office/drawing/2014/main" id="{E4429F7B-9FD7-438F-8ECA-3FCAD0061805}"/>
+                </a:ext>
+                <a:ext uri="{C183D7F6-B498-43B3-948B-1728B52AA6E4}">
+                  <adec:decorative xmlns:adec="http://schemas.microsoft.com/office/drawing/2017/decorative" val="1"/>
+                </a:ext>
+              </a:extLst>
+            </p:cNvPr>
+            <p:cNvCxnSpPr>
+              <a:cxnSpLocks/>
+            </p:cNvCxnSpPr>
+            <p:nvPr>
+              <p:extLst>
+                <p:ext uri="{386F3935-93C4-4BCD-93E2-E3B085C9AB24}">
+                  <p16:designElem xmlns:p16="http://schemas.microsoft.com/office/powerpoint/2015/main" val="1"/>
+                </p:ext>
+              </p:extLst>
+            </p:nvPr>
+          </p:nvCxnSpPr>
+          <p:spPr>
+            <a:xfrm>
+              <a:off x="0" y="2343240"/>
+              <a:ext cx="12192000" cy="0"/>
+            </a:xfrm>
+            <a:prstGeom prst="line">
+              <a:avLst/>
+            </a:prstGeom>
+            <a:ln w="12700">
+              <a:solidFill>
+                <a:srgbClr val="BCBCBC">
+                  <a:alpha val="29804"/>
+                </a:srgbClr>
+              </a:solidFill>
+              <a:prstDash val="sysDot"/>
+            </a:ln>
+          </p:spPr>
+          <p:style>
+            <a:lnRef idx="1">
+              <a:schemeClr val="accent1"/>
+            </a:lnRef>
+            <a:fillRef idx="0">
+              <a:schemeClr val="accent1"/>
+            </a:fillRef>
+            <a:effectRef idx="0">
+              <a:schemeClr val="accent1"/>
+            </a:effectRef>
+            <a:fontRef idx="minor">
+              <a:schemeClr val="tx1"/>
+            </a:fontRef>
+          </p:style>
+        </p:cxnSp>
+        <p:cxnSp>
+          <p:nvCxnSpPr>
+            <p:cNvPr id="34" name="Straight Connector 33">
+              <a:extLst>
+                <a:ext uri="{FF2B5EF4-FFF2-40B4-BE49-F238E27FC236}">
+                  <a16:creationId xmlns:a16="http://schemas.microsoft.com/office/drawing/2014/main" id="{0C558100-D455-4B41-890C-BCC898B2D165}"/>
+                </a:ext>
+                <a:ext uri="{C183D7F6-B498-43B3-948B-1728B52AA6E4}">
+                  <adec:decorative xmlns:adec="http://schemas.microsoft.com/office/drawing/2017/decorative" val="1"/>
+                </a:ext>
+              </a:extLst>
+            </p:cNvPr>
+            <p:cNvCxnSpPr>
+              <a:cxnSpLocks/>
+            </p:cNvCxnSpPr>
+            <p:nvPr>
+              <p:extLst>
+                <p:ext uri="{386F3935-93C4-4BCD-93E2-E3B085C9AB24}">
+                  <p16:designElem xmlns:p16="http://schemas.microsoft.com/office/powerpoint/2015/main" val="1"/>
+                </p:ext>
+              </p:extLst>
+            </p:nvPr>
+          </p:nvCxnSpPr>
+          <p:spPr>
+            <a:xfrm>
+              <a:off x="0" y="2886121"/>
+              <a:ext cx="12192000" cy="0"/>
+            </a:xfrm>
+            <a:prstGeom prst="line">
+              <a:avLst/>
+            </a:prstGeom>
+            <a:ln w="12700">
+              <a:solidFill>
+                <a:srgbClr val="BCBCBC">
+                  <a:alpha val="29804"/>
+                </a:srgbClr>
+              </a:solidFill>
+              <a:prstDash val="sysDot"/>
+            </a:ln>
+          </p:spPr>
+          <p:style>
+            <a:lnRef idx="1">
+              <a:schemeClr val="accent1"/>
+            </a:lnRef>
+            <a:fillRef idx="0">
+              <a:schemeClr val="accent1"/>
+            </a:fillRef>
+            <a:effectRef idx="0">
+              <a:schemeClr val="accent1"/>
+            </a:effectRef>
+            <a:fontRef idx="minor">
+              <a:schemeClr val="tx1"/>
+            </a:fontRef>
+          </p:style>
+        </p:cxnSp>
+        <p:cxnSp>
+          <p:nvCxnSpPr>
+            <p:cNvPr id="35" name="Straight Connector 34">
+              <a:extLst>
+                <a:ext uri="{FF2B5EF4-FFF2-40B4-BE49-F238E27FC236}">
+                  <a16:creationId xmlns:a16="http://schemas.microsoft.com/office/drawing/2014/main" id="{F2886397-398A-4318-BE16-2CBAC1902F9E}"/>
+                </a:ext>
+                <a:ext uri="{C183D7F6-B498-43B3-948B-1728B52AA6E4}">
+                  <adec:decorative xmlns:adec="http://schemas.microsoft.com/office/drawing/2017/decorative" val="1"/>
+                </a:ext>
+              </a:extLst>
+            </p:cNvPr>
+            <p:cNvCxnSpPr>
+              <a:cxnSpLocks/>
+            </p:cNvCxnSpPr>
+            <p:nvPr>
+              <p:extLst>
+                <p:ext uri="{386F3935-93C4-4BCD-93E2-E3B085C9AB24}">
+                  <p16:designElem xmlns:p16="http://schemas.microsoft.com/office/powerpoint/2015/main" val="1"/>
+                </p:ext>
+              </p:extLst>
+            </p:nvPr>
+          </p:nvCxnSpPr>
+          <p:spPr>
+            <a:xfrm>
+              <a:off x="0" y="3429002"/>
+              <a:ext cx="12192000" cy="0"/>
+            </a:xfrm>
+            <a:prstGeom prst="line">
+              <a:avLst/>
+            </a:prstGeom>
+            <a:ln w="12700">
+              <a:solidFill>
+                <a:srgbClr val="BCBCBC">
+                  <a:alpha val="29804"/>
+                </a:srgbClr>
+              </a:solidFill>
+              <a:prstDash val="sysDot"/>
+            </a:ln>
+          </p:spPr>
+          <p:style>
+            <a:lnRef idx="1">
+              <a:schemeClr val="accent1"/>
+            </a:lnRef>
+            <a:fillRef idx="0">
+              <a:schemeClr val="accent1"/>
+            </a:fillRef>
+            <a:effectRef idx="0">
+              <a:schemeClr val="accent1"/>
+            </a:effectRef>
+            <a:fontRef idx="minor">
+              <a:schemeClr val="tx1"/>
+            </a:fontRef>
+          </p:style>
+        </p:cxnSp>
+        <p:cxnSp>
+          <p:nvCxnSpPr>
+            <p:cNvPr id="36" name="Straight Connector 35">
+              <a:extLst>
+                <a:ext uri="{FF2B5EF4-FFF2-40B4-BE49-F238E27FC236}">
+                  <a16:creationId xmlns:a16="http://schemas.microsoft.com/office/drawing/2014/main" id="{7D32A3A6-CE6E-4ABD-8522-2C8DC88C070E}"/>
+                </a:ext>
+                <a:ext uri="{C183D7F6-B498-43B3-948B-1728B52AA6E4}">
+                  <adec:decorative xmlns:adec="http://schemas.microsoft.com/office/drawing/2017/decorative" val="1"/>
+                </a:ext>
+              </a:extLst>
+            </p:cNvPr>
+            <p:cNvCxnSpPr>
+              <a:cxnSpLocks/>
+            </p:cNvCxnSpPr>
+            <p:nvPr>
+              <p:extLst>
+                <p:ext uri="{386F3935-93C4-4BCD-93E2-E3B085C9AB24}">
+                  <p16:designElem xmlns:p16="http://schemas.microsoft.com/office/powerpoint/2015/main" val="1"/>
+                </p:ext>
+              </p:extLst>
+            </p:nvPr>
+          </p:nvCxnSpPr>
+          <p:spPr>
+            <a:xfrm>
+              <a:off x="0" y="3971883"/>
+              <a:ext cx="12192000" cy="0"/>
+            </a:xfrm>
+            <a:prstGeom prst="line">
+              <a:avLst/>
+            </a:prstGeom>
+            <a:ln w="12700">
+              <a:solidFill>
+                <a:srgbClr val="BCBCBC">
+                  <a:alpha val="29804"/>
+                </a:srgbClr>
+              </a:solidFill>
+              <a:prstDash val="sysDot"/>
+            </a:ln>
+          </p:spPr>
+          <p:style>
+            <a:lnRef idx="1">
+              <a:schemeClr val="accent1"/>
+            </a:lnRef>
+            <a:fillRef idx="0">
+              <a:schemeClr val="accent1"/>
+            </a:fillRef>
+            <a:effectRef idx="0">
+              <a:schemeClr val="accent1"/>
+            </a:effectRef>
+            <a:fontRef idx="minor">
+              <a:schemeClr val="tx1"/>
+            </a:fontRef>
+          </p:style>
+        </p:cxnSp>
+        <p:cxnSp>
+          <p:nvCxnSpPr>
+            <p:cNvPr id="37" name="Straight Connector 36">
+              <a:extLst>
+                <a:ext uri="{FF2B5EF4-FFF2-40B4-BE49-F238E27FC236}">
+                  <a16:creationId xmlns:a16="http://schemas.microsoft.com/office/drawing/2014/main" id="{F9014C09-5B84-4798-8BDE-C80D76E67B8E}"/>
+                </a:ext>
+                <a:ext uri="{C183D7F6-B498-43B3-948B-1728B52AA6E4}">
+                  <adec:decorative xmlns:adec="http://schemas.microsoft.com/office/drawing/2017/decorative" val="1"/>
+                </a:ext>
+              </a:extLst>
+            </p:cNvPr>
+            <p:cNvCxnSpPr>
+              <a:cxnSpLocks/>
+            </p:cNvCxnSpPr>
+            <p:nvPr>
+              <p:extLst>
+                <p:ext uri="{386F3935-93C4-4BCD-93E2-E3B085C9AB24}">
+                  <p16:designElem xmlns:p16="http://schemas.microsoft.com/office/powerpoint/2015/main" val="1"/>
+                </p:ext>
+              </p:extLst>
+            </p:nvPr>
+          </p:nvCxnSpPr>
+          <p:spPr>
+            <a:xfrm>
+              <a:off x="0" y="4514764"/>
+              <a:ext cx="12192000" cy="0"/>
+            </a:xfrm>
+            <a:prstGeom prst="line">
+              <a:avLst/>
+            </a:prstGeom>
+            <a:ln w="12700">
+              <a:solidFill>
+                <a:srgbClr val="BCBCBC">
+                  <a:alpha val="29804"/>
+                </a:srgbClr>
+              </a:solidFill>
+              <a:prstDash val="sysDot"/>
+            </a:ln>
+          </p:spPr>
+          <p:style>
+            <a:lnRef idx="1">
+              <a:schemeClr val="accent1"/>
+            </a:lnRef>
+            <a:fillRef idx="0">
+              <a:schemeClr val="accent1"/>
+            </a:fillRef>
+            <a:effectRef idx="0">
+              <a:schemeClr val="accent1"/>
+            </a:effectRef>
+            <a:fontRef idx="minor">
+              <a:schemeClr val="tx1"/>
+            </a:fontRef>
+          </p:style>
+        </p:cxnSp>
+        <p:cxnSp>
+          <p:nvCxnSpPr>
+            <p:cNvPr id="38" name="Straight Connector 37">
+              <a:extLst>
+                <a:ext uri="{FF2B5EF4-FFF2-40B4-BE49-F238E27FC236}">
+                  <a16:creationId xmlns:a16="http://schemas.microsoft.com/office/drawing/2014/main" id="{2A29EB9E-ED9D-4C69-8A26-9A7A0A830569}"/>
+                </a:ext>
+                <a:ext uri="{C183D7F6-B498-43B3-948B-1728B52AA6E4}">
+                  <adec:decorative xmlns:adec="http://schemas.microsoft.com/office/drawing/2017/decorative" val="1"/>
+                </a:ext>
+              </a:extLst>
+            </p:cNvPr>
+            <p:cNvCxnSpPr>
+              <a:cxnSpLocks/>
+            </p:cNvCxnSpPr>
+            <p:nvPr>
+              <p:extLst>
+                <p:ext uri="{386F3935-93C4-4BCD-93E2-E3B085C9AB24}">
+                  <p16:designElem xmlns:p16="http://schemas.microsoft.com/office/powerpoint/2015/main" val="1"/>
+                </p:ext>
+              </p:extLst>
+            </p:nvPr>
+          </p:nvCxnSpPr>
+          <p:spPr>
+            <a:xfrm>
+              <a:off x="0" y="5057645"/>
+              <a:ext cx="12192000" cy="0"/>
+            </a:xfrm>
+            <a:prstGeom prst="line">
+              <a:avLst/>
+            </a:prstGeom>
+            <a:ln w="12700">
+              <a:solidFill>
+                <a:srgbClr val="BCBCBC">
+                  <a:alpha val="29804"/>
+                </a:srgbClr>
+              </a:solidFill>
+              <a:prstDash val="sysDot"/>
+            </a:ln>
+          </p:spPr>
+          <p:style>
+            <a:lnRef idx="1">
+              <a:schemeClr val="accent1"/>
+            </a:lnRef>
+            <a:fillRef idx="0">
+              <a:schemeClr val="accent1"/>
+            </a:fillRef>
+            <a:effectRef idx="0">
+              <a:schemeClr val="accent1"/>
+            </a:effectRef>
+            <a:fontRef idx="minor">
+              <a:schemeClr val="tx1"/>
+            </a:fontRef>
+          </p:style>
+        </p:cxnSp>
+        <p:cxnSp>
+          <p:nvCxnSpPr>
+            <p:cNvPr id="39" name="Straight Connector 38">
+              <a:extLst>
+                <a:ext uri="{FF2B5EF4-FFF2-40B4-BE49-F238E27FC236}">
+                  <a16:creationId xmlns:a16="http://schemas.microsoft.com/office/drawing/2014/main" id="{AA2899F9-1795-416F-8F3D-26EEB684DB6A}"/>
+                </a:ext>
+                <a:ext uri="{C183D7F6-B498-43B3-948B-1728B52AA6E4}">
+                  <adec:decorative xmlns:adec="http://schemas.microsoft.com/office/drawing/2017/decorative" val="1"/>
+                </a:ext>
+              </a:extLst>
+            </p:cNvPr>
+            <p:cNvCxnSpPr>
+              <a:cxnSpLocks/>
+            </p:cNvCxnSpPr>
+            <p:nvPr>
+              <p:extLst>
+                <p:ext uri="{386F3935-93C4-4BCD-93E2-E3B085C9AB24}">
+                  <p16:designElem xmlns:p16="http://schemas.microsoft.com/office/powerpoint/2015/main" val="1"/>
+                </p:ext>
+              </p:extLst>
+            </p:nvPr>
+          </p:nvCxnSpPr>
+          <p:spPr>
+            <a:xfrm>
+              <a:off x="0" y="5600526"/>
+              <a:ext cx="12192000" cy="0"/>
+            </a:xfrm>
+            <a:prstGeom prst="line">
+              <a:avLst/>
+            </a:prstGeom>
+            <a:ln w="12700">
+              <a:solidFill>
+                <a:srgbClr val="BCBCBC">
+                  <a:alpha val="29804"/>
+                </a:srgbClr>
+              </a:solidFill>
+              <a:prstDash val="sysDot"/>
+            </a:ln>
+          </p:spPr>
+          <p:style>
+            <a:lnRef idx="1">
+              <a:schemeClr val="accent1"/>
+            </a:lnRef>
+            <a:fillRef idx="0">
+              <a:schemeClr val="accent1"/>
+            </a:fillRef>
+            <a:effectRef idx="0">
+              <a:schemeClr val="accent1"/>
+            </a:effectRef>
+            <a:fontRef idx="minor">
+              <a:schemeClr val="tx1"/>
+            </a:fontRef>
+          </p:style>
+        </p:cxnSp>
+        <p:cxnSp>
+          <p:nvCxnSpPr>
+            <p:cNvPr id="40" name="Straight Connector 39">
+              <a:extLst>
+                <a:ext uri="{FF2B5EF4-FFF2-40B4-BE49-F238E27FC236}">
+                  <a16:creationId xmlns:a16="http://schemas.microsoft.com/office/drawing/2014/main" id="{E3043474-8625-495C-BD06-3627FD286C55}"/>
+                </a:ext>
+                <a:ext uri="{C183D7F6-B498-43B3-948B-1728B52AA6E4}">
+                  <adec:decorative xmlns:adec="http://schemas.microsoft.com/office/drawing/2017/decorative" val="1"/>
+                </a:ext>
+              </a:extLst>
+            </p:cNvPr>
+            <p:cNvCxnSpPr>
+              <a:cxnSpLocks/>
+            </p:cNvCxnSpPr>
+            <p:nvPr>
+              <p:extLst>
+                <p:ext uri="{386F3935-93C4-4BCD-93E2-E3B085C9AB24}">
+                  <p16:designElem xmlns:p16="http://schemas.microsoft.com/office/powerpoint/2015/main" val="1"/>
+                </p:ext>
+              </p:extLst>
+            </p:nvPr>
+          </p:nvCxnSpPr>
+          <p:spPr>
+            <a:xfrm>
+              <a:off x="0" y="6857999"/>
+              <a:ext cx="12192000" cy="0"/>
+            </a:xfrm>
+            <a:prstGeom prst="line">
+              <a:avLst/>
+            </a:prstGeom>
+            <a:ln w="12700">
+              <a:solidFill>
+                <a:srgbClr val="BCBCBC">
+                  <a:alpha val="29804"/>
+                </a:srgbClr>
+              </a:solidFill>
+              <a:prstDash val="sysDot"/>
+            </a:ln>
+          </p:spPr>
+          <p:style>
+            <a:lnRef idx="1">
+              <a:schemeClr val="accent1"/>
+            </a:lnRef>
+            <a:fillRef idx="0">
+              <a:schemeClr val="accent1"/>
+            </a:fillRef>
+            <a:effectRef idx="0">
+              <a:schemeClr val="accent1"/>
+            </a:effectRef>
+            <a:fontRef idx="minor">
+              <a:schemeClr val="tx1"/>
+            </a:fontRef>
+          </p:style>
+        </p:cxnSp>
+        <p:cxnSp>
+          <p:nvCxnSpPr>
+            <p:cNvPr id="41" name="Straight Connector 40">
+              <a:extLst>
+                <a:ext uri="{FF2B5EF4-FFF2-40B4-BE49-F238E27FC236}">
+                  <a16:creationId xmlns:a16="http://schemas.microsoft.com/office/drawing/2014/main" id="{D432CE47-7631-408E-8DDC-79EE378B707B}"/>
+                </a:ext>
+                <a:ext uri="{C183D7F6-B498-43B3-948B-1728B52AA6E4}">
+                  <adec:decorative xmlns:adec="http://schemas.microsoft.com/office/drawing/2017/decorative" val="1"/>
+                </a:ext>
+              </a:extLst>
+            </p:cNvPr>
+            <p:cNvCxnSpPr>
+              <a:cxnSpLocks/>
+            </p:cNvCxnSpPr>
+            <p:nvPr>
+              <p:extLst>
+                <p:ext uri="{386F3935-93C4-4BCD-93E2-E3B085C9AB24}">
+                  <p16:designElem xmlns:p16="http://schemas.microsoft.com/office/powerpoint/2015/main" val="1"/>
+                </p:ext>
+              </p:extLst>
+            </p:nvPr>
+          </p:nvCxnSpPr>
+          <p:spPr>
+            <a:xfrm>
+              <a:off x="16613" y="6143407"/>
+              <a:ext cx="12192000" cy="0"/>
+            </a:xfrm>
+            <a:prstGeom prst="line">
+              <a:avLst/>
+            </a:prstGeom>
+            <a:ln w="12700">
+              <a:solidFill>
+                <a:srgbClr val="BCBCBC">
+                  <a:alpha val="29804"/>
+                </a:srgbClr>
+              </a:solidFill>
+              <a:prstDash val="sysDot"/>
+            </a:ln>
+          </p:spPr>
+          <p:style>
+            <a:lnRef idx="1">
+              <a:schemeClr val="accent1"/>
+            </a:lnRef>
+            <a:fillRef idx="0">
+              <a:schemeClr val="accent1"/>
+            </a:fillRef>
+            <a:effectRef idx="0">
+              <a:schemeClr val="accent1"/>
+            </a:effectRef>
+            <a:fontRef idx="minor">
+              <a:schemeClr val="tx1"/>
+            </a:fontRef>
+          </p:style>
+        </p:cxnSp>
+        <p:cxnSp>
+          <p:nvCxnSpPr>
+            <p:cNvPr id="42" name="Straight Connector 41">
+              <a:extLst>
+                <a:ext uri="{FF2B5EF4-FFF2-40B4-BE49-F238E27FC236}">
+                  <a16:creationId xmlns:a16="http://schemas.microsoft.com/office/drawing/2014/main" id="{B2C8832D-8B8D-4036-B913-2D363143274B}"/>
+                </a:ext>
+                <a:ext uri="{C183D7F6-B498-43B3-948B-1728B52AA6E4}">
+                  <adec:decorative xmlns:adec="http://schemas.microsoft.com/office/drawing/2017/decorative" val="1"/>
+                </a:ext>
+              </a:extLst>
+            </p:cNvPr>
+            <p:cNvCxnSpPr>
+              <a:cxnSpLocks/>
+            </p:cNvCxnSpPr>
+            <p:nvPr>
+              <p:extLst>
+                <p:ext uri="{386F3935-93C4-4BCD-93E2-E3B085C9AB24}">
+                  <p16:designElem xmlns:p16="http://schemas.microsoft.com/office/powerpoint/2015/main" val="1"/>
+                </p:ext>
+              </p:extLst>
+            </p:nvPr>
+          </p:nvCxnSpPr>
+          <p:spPr>
+            <a:xfrm>
+              <a:off x="684225" y="171716"/>
+              <a:ext cx="0" cy="6511464"/>
+            </a:xfrm>
+            <a:prstGeom prst="line">
+              <a:avLst/>
+            </a:prstGeom>
+            <a:ln w="12700">
+              <a:solidFill>
+                <a:srgbClr val="BCBCBC">
+                  <a:alpha val="29804"/>
+                </a:srgbClr>
+              </a:solidFill>
+              <a:prstDash val="sysDot"/>
+            </a:ln>
+          </p:spPr>
+          <p:style>
+            <a:lnRef idx="1">
+              <a:schemeClr val="accent1"/>
+            </a:lnRef>
+            <a:fillRef idx="0">
+              <a:schemeClr val="accent1"/>
+            </a:fillRef>
+            <a:effectRef idx="0">
+              <a:schemeClr val="accent1"/>
+            </a:effectRef>
+            <a:fontRef idx="minor">
+              <a:schemeClr val="tx1"/>
+            </a:fontRef>
+          </p:style>
+        </p:cxnSp>
+        <p:cxnSp>
+          <p:nvCxnSpPr>
+            <p:cNvPr id="43" name="Straight Connector 42">
+              <a:extLst>
+                <a:ext uri="{FF2B5EF4-FFF2-40B4-BE49-F238E27FC236}">
+                  <a16:creationId xmlns:a16="http://schemas.microsoft.com/office/drawing/2014/main" id="{1CCEFEAF-E87B-4FF2-A947-94CABAA0610D}"/>
+                </a:ext>
+                <a:ext uri="{C183D7F6-B498-43B3-948B-1728B52AA6E4}">
+                  <adec:decorative xmlns:adec="http://schemas.microsoft.com/office/drawing/2017/decorative" val="1"/>
+                </a:ext>
+              </a:extLst>
+            </p:cNvPr>
+            <p:cNvCxnSpPr>
+              <a:cxnSpLocks/>
+            </p:cNvCxnSpPr>
+            <p:nvPr>
+              <p:extLst>
+                <p:ext uri="{386F3935-93C4-4BCD-93E2-E3B085C9AB24}">
+                  <p16:designElem xmlns:p16="http://schemas.microsoft.com/office/powerpoint/2015/main" val="1"/>
+                </p:ext>
+              </p:extLst>
+            </p:nvPr>
+          </p:nvCxnSpPr>
+          <p:spPr>
+            <a:xfrm>
+              <a:off x="11508412" y="173267"/>
+              <a:ext cx="0" cy="6511464"/>
+            </a:xfrm>
+            <a:prstGeom prst="line">
+              <a:avLst/>
+            </a:prstGeom>
+            <a:ln w="12700">
+              <a:solidFill>
+                <a:srgbClr val="BCBCBC">
+                  <a:alpha val="29804"/>
+                </a:srgbClr>
+              </a:solidFill>
+              <a:prstDash val="sysDot"/>
+            </a:ln>
+          </p:spPr>
+          <p:style>
+            <a:lnRef idx="1">
+              <a:schemeClr val="accent1"/>
+            </a:lnRef>
+            <a:fillRef idx="0">
+              <a:schemeClr val="accent1"/>
+            </a:fillRef>
+            <a:effectRef idx="0">
+              <a:schemeClr val="accent1"/>
+            </a:effectRef>
+            <a:fontRef idx="minor">
+              <a:schemeClr val="tx1"/>
+            </a:fontRef>
+          </p:style>
+        </p:cxnSp>
+      </p:grpSp>
+      <p:sp>
+        <p:nvSpPr>
+          <p:cNvPr id="45" name="Right Triangle 44">
+            <a:extLst>
+              <a:ext uri="{FF2B5EF4-FFF2-40B4-BE49-F238E27FC236}">
+                <a16:creationId xmlns:a16="http://schemas.microsoft.com/office/drawing/2014/main" id="{2437C4A8-8E3A-4ADA-93B9-64737CE1ABB1}"/>
+              </a:ext>
+              <a:ext uri="{C183D7F6-B498-43B3-948B-1728B52AA6E4}">
+                <adec:decorative xmlns:adec="http://schemas.microsoft.com/office/drawing/2017/decorative" val="1"/>
+              </a:ext>
+            </a:extLst>
+          </p:cNvPr>
+          <p:cNvSpPr>
+            <a:spLocks noGrp="1" noRot="1" noChangeAspect="1" noMove="1" noResize="1" noEditPoints="1" noAdjustHandles="1" noChangeArrowheads="1" noChangeShapeType="1" noTextEdit="1"/>
+          </p:cNvSpPr>
+          <p:nvPr>
+            <p:extLst>
+              <p:ext uri="{386F3935-93C4-4BCD-93E2-E3B085C9AB24}">
+                <p16:designElem xmlns:p16="http://schemas.microsoft.com/office/powerpoint/2015/main" val="1"/>
+              </p:ext>
+            </p:extLst>
+          </p:nvPr>
+        </p:nvSpPr>
+        <p:spPr>
+          <a:xfrm rot="13500000">
+            <a:off x="-281093" y="2607907"/>
+            <a:ext cx="568289" cy="568289"/>
+          </a:xfrm>
+          <a:prstGeom prst="rtTriangle">
+            <a:avLst/>
+          </a:prstGeom>
+          <a:solidFill>
+            <a:schemeClr val="accent1">
+              <a:alpha val="50000"/>
+            </a:schemeClr>
+          </a:solidFill>
+          <a:ln>
+            <a:noFill/>
+          </a:ln>
+        </p:spPr>
+        <p:style>
+          <a:lnRef idx="2">
+            <a:schemeClr val="accent1">
+              <a:shade val="50000"/>
+            </a:schemeClr>
+          </a:lnRef>
+          <a:fillRef idx="1">
+            <a:schemeClr val="accent1"/>
+          </a:fillRef>
+          <a:effectRef idx="0">
+            <a:schemeClr val="accent1"/>
+          </a:effectRef>
+          <a:fontRef idx="minor">
+            <a:schemeClr val="lt1"/>
+          </a:fontRef>
+        </p:style>
+        <p:txBody>
+          <a:bodyPr rtlCol="0" anchor="ctr"/>
+          <a:lstStyle/>
+          <a:p>
+            <a:pPr algn="ctr"/>
+            <a:endParaRPr lang="en-US">
+              <a:solidFill>
+                <a:schemeClr val="tx1"/>
+              </a:solidFill>
+            </a:endParaRPr>
+          </a:p>
+        </p:txBody>
+      </p:sp>
+      <p:sp useBgFill="1">
+        <p:nvSpPr>
+          <p:cNvPr id="47" name="Rectangle 46">
+            <a:extLst>
+              <a:ext uri="{FF2B5EF4-FFF2-40B4-BE49-F238E27FC236}">
+                <a16:creationId xmlns:a16="http://schemas.microsoft.com/office/drawing/2014/main" id="{13B6DAC6-0186-4D62-AD69-90B9C0411EA3}"/>
+              </a:ext>
+              <a:ext uri="{C183D7F6-B498-43B3-948B-1728B52AA6E4}">
+                <adec:decorative xmlns:adec="http://schemas.microsoft.com/office/drawing/2017/decorative" val="1"/>
+              </a:ext>
+            </a:extLst>
+          </p:cNvPr>
+          <p:cNvSpPr>
+            <a:spLocks noGrp="1" noRot="1" noChangeAspect="1" noMove="1" noResize="1" noEditPoints="1" noAdjustHandles="1" noChangeArrowheads="1" noChangeShapeType="1" noTextEdit="1"/>
+          </p:cNvSpPr>
+          <p:nvPr>
+            <p:extLst>
+              <p:ext uri="{386F3935-93C4-4BCD-93E2-E3B085C9AB24}">
+                <p16:designElem xmlns:p16="http://schemas.microsoft.com/office/powerpoint/2015/main" val="1"/>
+              </p:ext>
+            </p:extLst>
+          </p:nvPr>
+        </p:nvSpPr>
+        <p:spPr>
+          <a:xfrm>
+            <a:off x="0" y="0"/>
+            <a:ext cx="12188952" cy="6858000"/>
+          </a:xfrm>
+          <a:prstGeom prst="rect">
+            <a:avLst/>
+          </a:prstGeom>
+          <a:ln>
+            <a:noFill/>
+          </a:ln>
+        </p:spPr>
+        <p:style>
+          <a:lnRef idx="2">
+            <a:schemeClr val="accent1">
+              <a:shade val="50000"/>
+            </a:schemeClr>
+          </a:lnRef>
+          <a:fillRef idx="1">
+            <a:schemeClr val="accent1"/>
+          </a:fillRef>
+          <a:effectRef idx="0">
+            <a:schemeClr val="accent1"/>
+          </a:effectRef>
+          <a:fontRef idx="minor">
+            <a:schemeClr val="lt1"/>
+          </a:fontRef>
+        </p:style>
+        <p:txBody>
+          <a:bodyPr rtlCol="0" anchor="ctr"/>
+          <a:lstStyle/>
+          <a:p>
+            <a:pPr algn="ctr"/>
+            <a:endParaRPr lang="en-US">
+              <a:solidFill>
+                <a:schemeClr val="bg1"/>
+              </a:solidFill>
+            </a:endParaRPr>
+          </a:p>
+        </p:txBody>
+      </p:sp>
+      <p:grpSp>
+        <p:nvGrpSpPr>
+          <p:cNvPr id="49" name="Group 48">
+            <a:extLst>
+              <a:ext uri="{FF2B5EF4-FFF2-40B4-BE49-F238E27FC236}">
+                <a16:creationId xmlns:a16="http://schemas.microsoft.com/office/drawing/2014/main" id="{A0297160-077C-4B0C-9F1E-6519CEDB84C4}"/>
+              </a:ext>
+              <a:ext uri="{C183D7F6-B498-43B3-948B-1728B52AA6E4}">
+                <adec:decorative xmlns:adec="http://schemas.microsoft.com/office/drawing/2017/decorative" val="1"/>
+              </a:ext>
+            </a:extLst>
+          </p:cNvPr>
+          <p:cNvGrpSpPr>
+            <a:grpSpLocks noGrp="1" noUngrp="1" noRot="1" noChangeAspect="1" noMove="1" noResize="1"/>
+          </p:cNvGrpSpPr>
+          <p:nvPr>
+            <p:extLst>
+              <p:ext uri="{386F3935-93C4-4BCD-93E2-E3B085C9AB24}">
+                <p16:designElem xmlns:p16="http://schemas.microsoft.com/office/powerpoint/2015/main" val="1"/>
+              </p:ext>
+            </p:extLst>
+          </p:nvPr>
+        </p:nvGrpSpPr>
+        <p:grpSpPr>
+          <a:xfrm>
+            <a:off x="-6214" y="-1"/>
+            <a:ext cx="12214827" cy="6858000"/>
+            <a:chOff x="-6214" y="-1"/>
+            <a:chExt cx="12214827" cy="6858000"/>
+          </a:xfrm>
+        </p:grpSpPr>
+        <p:cxnSp>
+          <p:nvCxnSpPr>
+            <p:cNvPr id="50" name="Straight Connector 49">
+              <a:extLst>
+                <a:ext uri="{FF2B5EF4-FFF2-40B4-BE49-F238E27FC236}">
+                  <a16:creationId xmlns:a16="http://schemas.microsoft.com/office/drawing/2014/main" id="{31F77CDE-CC8E-40E6-8745-8D7CB6208F86}"/>
+                </a:ext>
+                <a:ext uri="{C183D7F6-B498-43B3-948B-1728B52AA6E4}">
+                  <adec:decorative xmlns:adec="http://schemas.microsoft.com/office/drawing/2017/decorative" val="1"/>
+                </a:ext>
+              </a:extLst>
+            </p:cNvPr>
+            <p:cNvCxnSpPr>
+              <a:cxnSpLocks/>
+            </p:cNvCxnSpPr>
+            <p:nvPr>
+              <p:extLst>
+                <p:ext uri="{386F3935-93C4-4BCD-93E2-E3B085C9AB24}">
+                  <p16:designElem xmlns:p16="http://schemas.microsoft.com/office/powerpoint/2015/main" val="1"/>
+                </p:ext>
+              </p:extLst>
+            </p:nvPr>
+          </p:nvCxnSpPr>
+          <p:spPr>
+            <a:xfrm>
+              <a:off x="-6214" y="6686283"/>
+              <a:ext cx="12192000" cy="0"/>
+            </a:xfrm>
+            <a:prstGeom prst="line">
+              <a:avLst/>
+            </a:prstGeom>
+            <a:ln w="12700">
+              <a:solidFill>
+                <a:srgbClr val="BCBCBC">
+                  <a:alpha val="29804"/>
+                </a:srgbClr>
+              </a:solidFill>
+              <a:prstDash val="sysDot"/>
+            </a:ln>
+          </p:spPr>
+          <p:style>
+            <a:lnRef idx="1">
+              <a:schemeClr val="accent1"/>
+            </a:lnRef>
+            <a:fillRef idx="0">
+              <a:schemeClr val="accent1"/>
+            </a:fillRef>
+            <a:effectRef idx="0">
+              <a:schemeClr val="accent1"/>
+            </a:effectRef>
+            <a:fontRef idx="minor">
+              <a:schemeClr val="tx1"/>
+            </a:fontRef>
+          </p:style>
+        </p:cxnSp>
+        <p:cxnSp>
+          <p:nvCxnSpPr>
+            <p:cNvPr id="51" name="Straight Connector 50">
+              <a:extLst>
+                <a:ext uri="{FF2B5EF4-FFF2-40B4-BE49-F238E27FC236}">
+                  <a16:creationId xmlns:a16="http://schemas.microsoft.com/office/drawing/2014/main" id="{83FCA172-142C-4352-A938-33B43EC3BEAE}"/>
+                </a:ext>
+                <a:ext uri="{C183D7F6-B498-43B3-948B-1728B52AA6E4}">
+                  <adec:decorative xmlns:adec="http://schemas.microsoft.com/office/drawing/2017/decorative" val="1"/>
+                </a:ext>
+              </a:extLst>
+            </p:cNvPr>
+            <p:cNvCxnSpPr>
+              <a:cxnSpLocks/>
+            </p:cNvCxnSpPr>
+            <p:nvPr>
+              <p:extLst>
+                <p:ext uri="{386F3935-93C4-4BCD-93E2-E3B085C9AB24}">
+                  <p16:designElem xmlns:p16="http://schemas.microsoft.com/office/powerpoint/2015/main" val="1"/>
+                </p:ext>
+              </p:extLst>
+            </p:nvPr>
+          </p:nvCxnSpPr>
+          <p:spPr>
+            <a:xfrm>
+              <a:off x="0" y="-1"/>
+              <a:ext cx="0" cy="6858000"/>
+            </a:xfrm>
+            <a:prstGeom prst="line">
+              <a:avLst/>
+            </a:prstGeom>
+            <a:ln w="12700">
+              <a:solidFill>
+                <a:srgbClr val="BCBCBC">
+                  <a:alpha val="29804"/>
+                </a:srgbClr>
+              </a:solidFill>
+              <a:prstDash val="sysDot"/>
+            </a:ln>
+          </p:spPr>
+          <p:style>
+            <a:lnRef idx="1">
+              <a:schemeClr val="accent1"/>
+            </a:lnRef>
+            <a:fillRef idx="0">
+              <a:schemeClr val="accent1"/>
+            </a:fillRef>
+            <a:effectRef idx="0">
+              <a:schemeClr val="accent1"/>
+            </a:effectRef>
+            <a:fontRef idx="minor">
+              <a:schemeClr val="tx1"/>
+            </a:fontRef>
+          </p:style>
+        </p:cxnSp>
+        <p:cxnSp>
+          <p:nvCxnSpPr>
+            <p:cNvPr id="52" name="Straight Connector 51">
+              <a:extLst>
+                <a:ext uri="{FF2B5EF4-FFF2-40B4-BE49-F238E27FC236}">
+                  <a16:creationId xmlns:a16="http://schemas.microsoft.com/office/drawing/2014/main" id="{253BB53B-6660-4F6B-8C3C-4EAA148CFFD4}"/>
+                </a:ext>
+                <a:ext uri="{C183D7F6-B498-43B3-948B-1728B52AA6E4}">
+                  <adec:decorative xmlns:adec="http://schemas.microsoft.com/office/drawing/2017/decorative" val="1"/>
+                </a:ext>
+              </a:extLst>
+            </p:cNvPr>
+            <p:cNvCxnSpPr>
+              <a:cxnSpLocks/>
+            </p:cNvCxnSpPr>
+            <p:nvPr>
+              <p:extLst>
+                <p:ext uri="{386F3935-93C4-4BCD-93E2-E3B085C9AB24}">
+                  <p16:designElem xmlns:p16="http://schemas.microsoft.com/office/powerpoint/2015/main" val="1"/>
+                </p:ext>
+              </p:extLst>
+            </p:nvPr>
+          </p:nvCxnSpPr>
+          <p:spPr>
+            <a:xfrm>
+              <a:off x="11993258" y="-1"/>
+              <a:ext cx="0" cy="6858000"/>
+            </a:xfrm>
+            <a:prstGeom prst="line">
+              <a:avLst/>
+            </a:prstGeom>
+            <a:ln w="12700">
+              <a:solidFill>
+                <a:srgbClr val="BCBCBC">
+                  <a:alpha val="29804"/>
+                </a:srgbClr>
+              </a:solidFill>
+              <a:prstDash val="sysDot"/>
+            </a:ln>
+          </p:spPr>
+          <p:style>
+            <a:lnRef idx="1">
+              <a:schemeClr val="accent1"/>
+            </a:lnRef>
+            <a:fillRef idx="0">
+              <a:schemeClr val="accent1"/>
+            </a:fillRef>
+            <a:effectRef idx="0">
+              <a:schemeClr val="accent1"/>
+            </a:effectRef>
+            <a:fontRef idx="minor">
+              <a:schemeClr val="tx1"/>
+            </a:fontRef>
+          </p:style>
+        </p:cxnSp>
+        <p:cxnSp>
+          <p:nvCxnSpPr>
+            <p:cNvPr id="53" name="Straight Connector 52">
+              <a:extLst>
+                <a:ext uri="{FF2B5EF4-FFF2-40B4-BE49-F238E27FC236}">
+                  <a16:creationId xmlns:a16="http://schemas.microsoft.com/office/drawing/2014/main" id="{921D1E67-3038-4399-8F14-244731FAE31C}"/>
+                </a:ext>
+                <a:ext uri="{C183D7F6-B498-43B3-948B-1728B52AA6E4}">
+                  <adec:decorative xmlns:adec="http://schemas.microsoft.com/office/drawing/2017/decorative" val="1"/>
+                </a:ext>
+              </a:extLst>
+            </p:cNvPr>
+            <p:cNvCxnSpPr>
+              <a:cxnSpLocks/>
+            </p:cNvCxnSpPr>
+            <p:nvPr>
+              <p:extLst>
+                <p:ext uri="{386F3935-93C4-4BCD-93E2-E3B085C9AB24}">
+                  <p16:designElem xmlns:p16="http://schemas.microsoft.com/office/powerpoint/2015/main" val="1"/>
+                </p:ext>
+              </p:extLst>
+            </p:nvPr>
+          </p:nvCxnSpPr>
+          <p:spPr>
+            <a:xfrm>
+              <a:off x="192528" y="-1"/>
+              <a:ext cx="0" cy="6858000"/>
+            </a:xfrm>
+            <a:prstGeom prst="line">
+              <a:avLst/>
+            </a:prstGeom>
+            <a:ln w="12700">
+              <a:solidFill>
+                <a:srgbClr val="BCBCBC">
+                  <a:alpha val="29804"/>
+                </a:srgbClr>
+              </a:solidFill>
+              <a:prstDash val="sysDot"/>
+            </a:ln>
+          </p:spPr>
+          <p:style>
+            <a:lnRef idx="1">
+              <a:schemeClr val="accent1"/>
+            </a:lnRef>
+            <a:fillRef idx="0">
+              <a:schemeClr val="accent1"/>
+            </a:fillRef>
+            <a:effectRef idx="0">
+              <a:schemeClr val="accent1"/>
+            </a:effectRef>
+            <a:fontRef idx="minor">
+              <a:schemeClr val="tx1"/>
+            </a:fontRef>
+          </p:style>
+        </p:cxnSp>
+        <p:cxnSp>
+          <p:nvCxnSpPr>
+            <p:cNvPr id="54" name="Straight Connector 53">
+              <a:extLst>
+                <a:ext uri="{FF2B5EF4-FFF2-40B4-BE49-F238E27FC236}">
+                  <a16:creationId xmlns:a16="http://schemas.microsoft.com/office/drawing/2014/main" id="{B9A17FB9-5481-4E6D-A157-C4A1D8F29741}"/>
+                </a:ext>
+                <a:ext uri="{C183D7F6-B498-43B3-948B-1728B52AA6E4}">
+                  <adec:decorative xmlns:adec="http://schemas.microsoft.com/office/drawing/2017/decorative" val="1"/>
+                </a:ext>
+              </a:extLst>
+            </p:cNvPr>
+            <p:cNvCxnSpPr>
+              <a:cxnSpLocks/>
+            </p:cNvCxnSpPr>
+            <p:nvPr>
+              <p:extLst>
+                <p:ext uri="{386F3935-93C4-4BCD-93E2-E3B085C9AB24}">
+                  <p16:designElem xmlns:p16="http://schemas.microsoft.com/office/powerpoint/2015/main" val="1"/>
+                </p:ext>
+              </p:extLst>
+            </p:nvPr>
+          </p:nvCxnSpPr>
+          <p:spPr>
+            <a:xfrm>
+              <a:off x="1175922" y="-1"/>
+              <a:ext cx="0" cy="6858000"/>
+            </a:xfrm>
+            <a:prstGeom prst="line">
+              <a:avLst/>
+            </a:prstGeom>
+            <a:ln w="12700">
+              <a:solidFill>
+                <a:srgbClr val="BCBCBC">
+                  <a:alpha val="29804"/>
+                </a:srgbClr>
+              </a:solidFill>
+              <a:prstDash val="sysDot"/>
+            </a:ln>
+          </p:spPr>
+          <p:style>
+            <a:lnRef idx="1">
+              <a:schemeClr val="accent1"/>
+            </a:lnRef>
+            <a:fillRef idx="0">
+              <a:schemeClr val="accent1"/>
+            </a:fillRef>
+            <a:effectRef idx="0">
+              <a:schemeClr val="accent1"/>
+            </a:effectRef>
+            <a:fontRef idx="minor">
+              <a:schemeClr val="tx1"/>
+            </a:fontRef>
+          </p:style>
+        </p:cxnSp>
+        <p:cxnSp>
+          <p:nvCxnSpPr>
+            <p:cNvPr id="55" name="Straight Connector 54">
+              <a:extLst>
+                <a:ext uri="{FF2B5EF4-FFF2-40B4-BE49-F238E27FC236}">
+                  <a16:creationId xmlns:a16="http://schemas.microsoft.com/office/drawing/2014/main" id="{9B5B4D4B-6074-48B5-B7D7-5B22BDC2AD86}"/>
+                </a:ext>
+                <a:ext uri="{C183D7F6-B498-43B3-948B-1728B52AA6E4}">
+                  <adec:decorative xmlns:adec="http://schemas.microsoft.com/office/drawing/2017/decorative" val="1"/>
+                </a:ext>
+              </a:extLst>
+            </p:cNvPr>
+            <p:cNvCxnSpPr>
+              <a:cxnSpLocks/>
+            </p:cNvCxnSpPr>
+            <p:nvPr>
+              <p:extLst>
+                <p:ext uri="{386F3935-93C4-4BCD-93E2-E3B085C9AB24}">
+                  <p16:designElem xmlns:p16="http://schemas.microsoft.com/office/powerpoint/2015/main" val="1"/>
+                </p:ext>
+              </p:extLst>
+            </p:nvPr>
+          </p:nvCxnSpPr>
+          <p:spPr>
+            <a:xfrm>
+              <a:off x="2159316" y="-1"/>
+              <a:ext cx="0" cy="6858000"/>
+            </a:xfrm>
+            <a:prstGeom prst="line">
+              <a:avLst/>
+            </a:prstGeom>
+            <a:ln w="12700">
+              <a:solidFill>
+                <a:srgbClr val="BCBCBC">
+                  <a:alpha val="29804"/>
+                </a:srgbClr>
+              </a:solidFill>
+              <a:prstDash val="sysDot"/>
+            </a:ln>
+          </p:spPr>
+          <p:style>
+            <a:lnRef idx="1">
+              <a:schemeClr val="accent1"/>
+            </a:lnRef>
+            <a:fillRef idx="0">
+              <a:schemeClr val="accent1"/>
+            </a:fillRef>
+            <a:effectRef idx="0">
+              <a:schemeClr val="accent1"/>
+            </a:effectRef>
+            <a:fontRef idx="minor">
+              <a:schemeClr val="tx1"/>
+            </a:fontRef>
+          </p:style>
+        </p:cxnSp>
+        <p:cxnSp>
+          <p:nvCxnSpPr>
+            <p:cNvPr id="56" name="Straight Connector 55">
+              <a:extLst>
+                <a:ext uri="{FF2B5EF4-FFF2-40B4-BE49-F238E27FC236}">
+                  <a16:creationId xmlns:a16="http://schemas.microsoft.com/office/drawing/2014/main" id="{DFE68CF5-4975-4F0E-98F8-E40F12E8FEA3}"/>
+                </a:ext>
+                <a:ext uri="{C183D7F6-B498-43B3-948B-1728B52AA6E4}">
+                  <adec:decorative xmlns:adec="http://schemas.microsoft.com/office/drawing/2017/decorative" val="1"/>
+                </a:ext>
+              </a:extLst>
+            </p:cNvPr>
+            <p:cNvCxnSpPr>
+              <a:cxnSpLocks/>
+            </p:cNvCxnSpPr>
+            <p:nvPr>
+              <p:extLst>
+                <p:ext uri="{386F3935-93C4-4BCD-93E2-E3B085C9AB24}">
+                  <p16:designElem xmlns:p16="http://schemas.microsoft.com/office/powerpoint/2015/main" val="1"/>
+                </p:ext>
+              </p:extLst>
+            </p:nvPr>
+          </p:nvCxnSpPr>
+          <p:spPr>
+            <a:xfrm>
+              <a:off x="3142710" y="-1"/>
+              <a:ext cx="0" cy="6858000"/>
+            </a:xfrm>
+            <a:prstGeom prst="line">
+              <a:avLst/>
+            </a:prstGeom>
+            <a:ln w="12700">
+              <a:solidFill>
+                <a:srgbClr val="BCBCBC">
+                  <a:alpha val="29804"/>
+                </a:srgbClr>
+              </a:solidFill>
+              <a:prstDash val="sysDot"/>
+            </a:ln>
+          </p:spPr>
+          <p:style>
+            <a:lnRef idx="1">
+              <a:schemeClr val="accent1"/>
+            </a:lnRef>
+            <a:fillRef idx="0">
+              <a:schemeClr val="accent1"/>
+            </a:fillRef>
+            <a:effectRef idx="0">
+              <a:schemeClr val="accent1"/>
+            </a:effectRef>
+            <a:fontRef idx="minor">
+              <a:schemeClr val="tx1"/>
+            </a:fontRef>
+          </p:style>
+        </p:cxnSp>
+        <p:cxnSp>
+          <p:nvCxnSpPr>
+            <p:cNvPr id="57" name="Straight Connector 56">
+              <a:extLst>
+                <a:ext uri="{FF2B5EF4-FFF2-40B4-BE49-F238E27FC236}">
+                  <a16:creationId xmlns:a16="http://schemas.microsoft.com/office/drawing/2014/main" id="{B63AD0D6-BFAB-41EE-A0DD-BFEB6844D11D}"/>
+                </a:ext>
+                <a:ext uri="{C183D7F6-B498-43B3-948B-1728B52AA6E4}">
+                  <adec:decorative xmlns:adec="http://schemas.microsoft.com/office/drawing/2017/decorative" val="1"/>
+                </a:ext>
+              </a:extLst>
+            </p:cNvPr>
+            <p:cNvCxnSpPr>
+              <a:cxnSpLocks/>
+            </p:cNvCxnSpPr>
+            <p:nvPr>
+              <p:extLst>
+                <p:ext uri="{386F3935-93C4-4BCD-93E2-E3B085C9AB24}">
+                  <p16:designElem xmlns:p16="http://schemas.microsoft.com/office/powerpoint/2015/main" val="1"/>
+                </p:ext>
+              </p:extLst>
+            </p:nvPr>
+          </p:nvCxnSpPr>
+          <p:spPr>
+            <a:xfrm>
+              <a:off x="4126104" y="-1"/>
+              <a:ext cx="0" cy="6858000"/>
+            </a:xfrm>
+            <a:prstGeom prst="line">
+              <a:avLst/>
+            </a:prstGeom>
+            <a:ln w="12700">
+              <a:solidFill>
+                <a:srgbClr val="BCBCBC">
+                  <a:alpha val="29804"/>
+                </a:srgbClr>
+              </a:solidFill>
+              <a:prstDash val="sysDot"/>
+            </a:ln>
+          </p:spPr>
+          <p:style>
+            <a:lnRef idx="1">
+              <a:schemeClr val="accent1"/>
+            </a:lnRef>
+            <a:fillRef idx="0">
+              <a:schemeClr val="accent1"/>
+            </a:fillRef>
+            <a:effectRef idx="0">
+              <a:schemeClr val="accent1"/>
+            </a:effectRef>
+            <a:fontRef idx="minor">
+              <a:schemeClr val="tx1"/>
+            </a:fontRef>
+          </p:style>
+        </p:cxnSp>
+        <p:cxnSp>
+          <p:nvCxnSpPr>
+            <p:cNvPr id="58" name="Straight Connector 57">
+              <a:extLst>
+                <a:ext uri="{FF2B5EF4-FFF2-40B4-BE49-F238E27FC236}">
+                  <a16:creationId xmlns:a16="http://schemas.microsoft.com/office/drawing/2014/main" id="{A7EA9615-8E94-4E0C-BAF0-C52132326CDE}"/>
+                </a:ext>
+                <a:ext uri="{C183D7F6-B498-43B3-948B-1728B52AA6E4}">
+                  <adec:decorative xmlns:adec="http://schemas.microsoft.com/office/drawing/2017/decorative" val="1"/>
+                </a:ext>
+              </a:extLst>
+            </p:cNvPr>
+            <p:cNvCxnSpPr>
+              <a:cxnSpLocks/>
+            </p:cNvCxnSpPr>
+            <p:nvPr>
+              <p:extLst>
+                <p:ext uri="{386F3935-93C4-4BCD-93E2-E3B085C9AB24}">
+                  <p16:designElem xmlns:p16="http://schemas.microsoft.com/office/powerpoint/2015/main" val="1"/>
+                </p:ext>
+              </p:extLst>
+            </p:nvPr>
+          </p:nvCxnSpPr>
+          <p:spPr>
+            <a:xfrm>
+              <a:off x="5109498" y="-1"/>
+              <a:ext cx="0" cy="6858000"/>
+            </a:xfrm>
+            <a:prstGeom prst="line">
+              <a:avLst/>
+            </a:prstGeom>
+            <a:ln w="12700">
+              <a:solidFill>
+                <a:srgbClr val="BCBCBC">
+                  <a:alpha val="29804"/>
+                </a:srgbClr>
+              </a:solidFill>
+              <a:prstDash val="sysDot"/>
+            </a:ln>
+          </p:spPr>
+          <p:style>
+            <a:lnRef idx="1">
+              <a:schemeClr val="accent1"/>
+            </a:lnRef>
+            <a:fillRef idx="0">
+              <a:schemeClr val="accent1"/>
+            </a:fillRef>
+            <a:effectRef idx="0">
+              <a:schemeClr val="accent1"/>
+            </a:effectRef>
+            <a:fontRef idx="minor">
+              <a:schemeClr val="tx1"/>
+            </a:fontRef>
+          </p:style>
+        </p:cxnSp>
+        <p:cxnSp>
+          <p:nvCxnSpPr>
+            <p:cNvPr id="59" name="Straight Connector 58">
+              <a:extLst>
+                <a:ext uri="{FF2B5EF4-FFF2-40B4-BE49-F238E27FC236}">
+                  <a16:creationId xmlns:a16="http://schemas.microsoft.com/office/drawing/2014/main" id="{96A76D71-0BE7-402F-BF24-CB0154E2A008}"/>
+                </a:ext>
+                <a:ext uri="{C183D7F6-B498-43B3-948B-1728B52AA6E4}">
+                  <adec:decorative xmlns:adec="http://schemas.microsoft.com/office/drawing/2017/decorative" val="1"/>
+                </a:ext>
+              </a:extLst>
+            </p:cNvPr>
+            <p:cNvCxnSpPr>
+              <a:cxnSpLocks/>
+            </p:cNvCxnSpPr>
+            <p:nvPr>
+              <p:extLst>
+                <p:ext uri="{386F3935-93C4-4BCD-93E2-E3B085C9AB24}">
+                  <p16:designElem xmlns:p16="http://schemas.microsoft.com/office/powerpoint/2015/main" val="1"/>
+                </p:ext>
+              </p:extLst>
+            </p:nvPr>
+          </p:nvCxnSpPr>
+          <p:spPr>
+            <a:xfrm>
+              <a:off x="6092892" y="-1"/>
+              <a:ext cx="0" cy="6858000"/>
+            </a:xfrm>
+            <a:prstGeom prst="line">
+              <a:avLst/>
+            </a:prstGeom>
+            <a:ln w="12700">
+              <a:solidFill>
+                <a:srgbClr val="BCBCBC">
+                  <a:alpha val="29804"/>
+                </a:srgbClr>
+              </a:solidFill>
+              <a:prstDash val="sysDot"/>
+            </a:ln>
+          </p:spPr>
+          <p:style>
+            <a:lnRef idx="1">
+              <a:schemeClr val="accent1"/>
+            </a:lnRef>
+            <a:fillRef idx="0">
+              <a:schemeClr val="accent1"/>
+            </a:fillRef>
+            <a:effectRef idx="0">
+              <a:schemeClr val="accent1"/>
+            </a:effectRef>
+            <a:fontRef idx="minor">
+              <a:schemeClr val="tx1"/>
+            </a:fontRef>
+          </p:style>
+        </p:cxnSp>
+        <p:cxnSp>
+          <p:nvCxnSpPr>
+            <p:cNvPr id="60" name="Straight Connector 59">
+              <a:extLst>
+                <a:ext uri="{FF2B5EF4-FFF2-40B4-BE49-F238E27FC236}">
+                  <a16:creationId xmlns:a16="http://schemas.microsoft.com/office/drawing/2014/main" id="{8B18C09B-8FB5-4D88-B4FF-2090E7818FE5}"/>
+                </a:ext>
+                <a:ext uri="{C183D7F6-B498-43B3-948B-1728B52AA6E4}">
+                  <adec:decorative xmlns:adec="http://schemas.microsoft.com/office/drawing/2017/decorative" val="1"/>
+                </a:ext>
+              </a:extLst>
+            </p:cNvPr>
+            <p:cNvCxnSpPr>
+              <a:cxnSpLocks/>
+            </p:cNvCxnSpPr>
+            <p:nvPr>
+              <p:extLst>
+                <p:ext uri="{386F3935-93C4-4BCD-93E2-E3B085C9AB24}">
+                  <p16:designElem xmlns:p16="http://schemas.microsoft.com/office/powerpoint/2015/main" val="1"/>
+                </p:ext>
+              </p:extLst>
+            </p:nvPr>
+          </p:nvCxnSpPr>
+          <p:spPr>
+            <a:xfrm>
+              <a:off x="7076286" y="-1"/>
+              <a:ext cx="0" cy="6858000"/>
+            </a:xfrm>
+            <a:prstGeom prst="line">
+              <a:avLst/>
+            </a:prstGeom>
+            <a:ln w="12700">
+              <a:solidFill>
+                <a:srgbClr val="BCBCBC">
+                  <a:alpha val="29804"/>
+                </a:srgbClr>
+              </a:solidFill>
+              <a:prstDash val="sysDot"/>
+            </a:ln>
+          </p:spPr>
+          <p:style>
+            <a:lnRef idx="1">
+              <a:schemeClr val="accent1"/>
+            </a:lnRef>
+            <a:fillRef idx="0">
+              <a:schemeClr val="accent1"/>
+            </a:fillRef>
+            <a:effectRef idx="0">
+              <a:schemeClr val="accent1"/>
+            </a:effectRef>
+            <a:fontRef idx="minor">
+              <a:schemeClr val="tx1"/>
+            </a:fontRef>
+          </p:style>
+        </p:cxnSp>
+        <p:cxnSp>
+          <p:nvCxnSpPr>
+            <p:cNvPr id="61" name="Straight Connector 60">
+              <a:extLst>
+                <a:ext uri="{FF2B5EF4-FFF2-40B4-BE49-F238E27FC236}">
+                  <a16:creationId xmlns:a16="http://schemas.microsoft.com/office/drawing/2014/main" id="{3A06FA18-2473-40B2-8AE0-DEDDC5E9A375}"/>
+                </a:ext>
+                <a:ext uri="{C183D7F6-B498-43B3-948B-1728B52AA6E4}">
+                  <adec:decorative xmlns:adec="http://schemas.microsoft.com/office/drawing/2017/decorative" val="1"/>
+                </a:ext>
+              </a:extLst>
+            </p:cNvPr>
+            <p:cNvCxnSpPr>
+              <a:cxnSpLocks/>
+            </p:cNvCxnSpPr>
+            <p:nvPr>
+              <p:extLst>
+                <p:ext uri="{386F3935-93C4-4BCD-93E2-E3B085C9AB24}">
+                  <p16:designElem xmlns:p16="http://schemas.microsoft.com/office/powerpoint/2015/main" val="1"/>
+                </p:ext>
+              </p:extLst>
+            </p:nvPr>
+          </p:nvCxnSpPr>
+          <p:spPr>
+            <a:xfrm>
+              <a:off x="8059680" y="-1"/>
+              <a:ext cx="0" cy="6858000"/>
+            </a:xfrm>
+            <a:prstGeom prst="line">
+              <a:avLst/>
+            </a:prstGeom>
+            <a:ln w="12700">
+              <a:solidFill>
+                <a:srgbClr val="BCBCBC">
+                  <a:alpha val="29804"/>
+                </a:srgbClr>
+              </a:solidFill>
+              <a:prstDash val="sysDot"/>
+            </a:ln>
+          </p:spPr>
+          <p:style>
+            <a:lnRef idx="1">
+              <a:schemeClr val="accent1"/>
+            </a:lnRef>
+            <a:fillRef idx="0">
+              <a:schemeClr val="accent1"/>
+            </a:fillRef>
+            <a:effectRef idx="0">
+              <a:schemeClr val="accent1"/>
+            </a:effectRef>
+            <a:fontRef idx="minor">
+              <a:schemeClr val="tx1"/>
+            </a:fontRef>
+          </p:style>
+        </p:cxnSp>
+        <p:cxnSp>
+          <p:nvCxnSpPr>
+            <p:cNvPr id="62" name="Straight Connector 61">
+              <a:extLst>
+                <a:ext uri="{FF2B5EF4-FFF2-40B4-BE49-F238E27FC236}">
+                  <a16:creationId xmlns:a16="http://schemas.microsoft.com/office/drawing/2014/main" id="{F187746C-FE57-4160-B924-6B283B3323DE}"/>
+                </a:ext>
+                <a:ext uri="{C183D7F6-B498-43B3-948B-1728B52AA6E4}">
+                  <adec:decorative xmlns:adec="http://schemas.microsoft.com/office/drawing/2017/decorative" val="1"/>
+                </a:ext>
+              </a:extLst>
+            </p:cNvPr>
+            <p:cNvCxnSpPr>
+              <a:cxnSpLocks/>
+            </p:cNvCxnSpPr>
+            <p:nvPr>
+              <p:extLst>
+                <p:ext uri="{386F3935-93C4-4BCD-93E2-E3B085C9AB24}">
+                  <p16:designElem xmlns:p16="http://schemas.microsoft.com/office/powerpoint/2015/main" val="1"/>
+                </p:ext>
+              </p:extLst>
+            </p:nvPr>
+          </p:nvCxnSpPr>
+          <p:spPr>
+            <a:xfrm>
+              <a:off x="9043074" y="-1"/>
+              <a:ext cx="0" cy="6858000"/>
+            </a:xfrm>
+            <a:prstGeom prst="line">
+              <a:avLst/>
+            </a:prstGeom>
+            <a:ln w="12700">
+              <a:solidFill>
+                <a:srgbClr val="BCBCBC">
+                  <a:alpha val="29804"/>
+                </a:srgbClr>
+              </a:solidFill>
+              <a:prstDash val="sysDot"/>
+            </a:ln>
+          </p:spPr>
+          <p:style>
+            <a:lnRef idx="1">
+              <a:schemeClr val="accent1"/>
+            </a:lnRef>
+            <a:fillRef idx="0">
+              <a:schemeClr val="accent1"/>
+            </a:fillRef>
+            <a:effectRef idx="0">
+              <a:schemeClr val="accent1"/>
+            </a:effectRef>
+            <a:fontRef idx="minor">
+              <a:schemeClr val="tx1"/>
+            </a:fontRef>
+          </p:style>
+        </p:cxnSp>
+        <p:cxnSp>
+          <p:nvCxnSpPr>
+            <p:cNvPr id="63" name="Straight Connector 62">
+              <a:extLst>
+                <a:ext uri="{FF2B5EF4-FFF2-40B4-BE49-F238E27FC236}">
+                  <a16:creationId xmlns:a16="http://schemas.microsoft.com/office/drawing/2014/main" id="{D7337AAE-EB93-4FBD-9904-036641260752}"/>
+                </a:ext>
+                <a:ext uri="{C183D7F6-B498-43B3-948B-1728B52AA6E4}">
+                  <adec:decorative xmlns:adec="http://schemas.microsoft.com/office/drawing/2017/decorative" val="1"/>
+                </a:ext>
+              </a:extLst>
+            </p:cNvPr>
+            <p:cNvCxnSpPr>
+              <a:cxnSpLocks/>
+            </p:cNvCxnSpPr>
+            <p:nvPr>
+              <p:extLst>
+                <p:ext uri="{386F3935-93C4-4BCD-93E2-E3B085C9AB24}">
+                  <p16:designElem xmlns:p16="http://schemas.microsoft.com/office/powerpoint/2015/main" val="1"/>
+                </p:ext>
+              </p:extLst>
+            </p:nvPr>
+          </p:nvCxnSpPr>
+          <p:spPr>
+            <a:xfrm>
+              <a:off x="10026468" y="-1"/>
+              <a:ext cx="0" cy="6858000"/>
+            </a:xfrm>
+            <a:prstGeom prst="line">
+              <a:avLst/>
+            </a:prstGeom>
+            <a:ln w="12700">
+              <a:solidFill>
+                <a:srgbClr val="BCBCBC">
+                  <a:alpha val="29804"/>
+                </a:srgbClr>
+              </a:solidFill>
+              <a:prstDash val="sysDot"/>
+            </a:ln>
+          </p:spPr>
+          <p:style>
+            <a:lnRef idx="1">
+              <a:schemeClr val="accent1"/>
+            </a:lnRef>
+            <a:fillRef idx="0">
+              <a:schemeClr val="accent1"/>
+            </a:fillRef>
+            <a:effectRef idx="0">
+              <a:schemeClr val="accent1"/>
+            </a:effectRef>
+            <a:fontRef idx="minor">
+              <a:schemeClr val="tx1"/>
+            </a:fontRef>
+          </p:style>
+        </p:cxnSp>
+        <p:cxnSp>
+          <p:nvCxnSpPr>
+            <p:cNvPr id="64" name="Straight Connector 63">
+              <a:extLst>
+                <a:ext uri="{FF2B5EF4-FFF2-40B4-BE49-F238E27FC236}">
+                  <a16:creationId xmlns:a16="http://schemas.microsoft.com/office/drawing/2014/main" id="{D6FA7169-C5DB-4F02-935F-AA39EDA4B742}"/>
+                </a:ext>
+                <a:ext uri="{C183D7F6-B498-43B3-948B-1728B52AA6E4}">
+                  <adec:decorative xmlns:adec="http://schemas.microsoft.com/office/drawing/2017/decorative" val="1"/>
+                </a:ext>
+              </a:extLst>
+            </p:cNvPr>
+            <p:cNvCxnSpPr>
+              <a:cxnSpLocks/>
+            </p:cNvCxnSpPr>
+            <p:nvPr>
+              <p:extLst>
+                <p:ext uri="{386F3935-93C4-4BCD-93E2-E3B085C9AB24}">
+                  <p16:designElem xmlns:p16="http://schemas.microsoft.com/office/powerpoint/2015/main" val="1"/>
+                </p:ext>
+              </p:extLst>
+            </p:nvPr>
+          </p:nvCxnSpPr>
+          <p:spPr>
+            <a:xfrm>
+              <a:off x="11009862" y="-1"/>
+              <a:ext cx="0" cy="6858000"/>
+            </a:xfrm>
+            <a:prstGeom prst="line">
+              <a:avLst/>
+            </a:prstGeom>
+            <a:ln w="12700">
+              <a:solidFill>
+                <a:srgbClr val="BCBCBC">
+                  <a:alpha val="29804"/>
+                </a:srgbClr>
+              </a:solidFill>
+              <a:prstDash val="sysDot"/>
+            </a:ln>
+          </p:spPr>
+          <p:style>
+            <a:lnRef idx="1">
+              <a:schemeClr val="accent1"/>
+            </a:lnRef>
+            <a:fillRef idx="0">
+              <a:schemeClr val="accent1"/>
+            </a:fillRef>
+            <a:effectRef idx="0">
+              <a:schemeClr val="accent1"/>
+            </a:effectRef>
+            <a:fontRef idx="minor">
+              <a:schemeClr val="tx1"/>
+            </a:fontRef>
+          </p:style>
+        </p:cxnSp>
+        <p:cxnSp>
+          <p:nvCxnSpPr>
+            <p:cNvPr id="65" name="Straight Connector 64">
+              <a:extLst>
+                <a:ext uri="{FF2B5EF4-FFF2-40B4-BE49-F238E27FC236}">
+                  <a16:creationId xmlns:a16="http://schemas.microsoft.com/office/drawing/2014/main" id="{A4195B93-DBB3-4197-8D91-A786D4753A98}"/>
+                </a:ext>
+                <a:ext uri="{C183D7F6-B498-43B3-948B-1728B52AA6E4}">
+                  <adec:decorative xmlns:adec="http://schemas.microsoft.com/office/drawing/2017/decorative" val="1"/>
+                </a:ext>
+              </a:extLst>
+            </p:cNvPr>
+            <p:cNvCxnSpPr>
+              <a:cxnSpLocks/>
+            </p:cNvCxnSpPr>
+            <p:nvPr>
+              <p:extLst>
+                <p:ext uri="{386F3935-93C4-4BCD-93E2-E3B085C9AB24}">
+                  <p16:designElem xmlns:p16="http://schemas.microsoft.com/office/powerpoint/2015/main" val="1"/>
+                </p:ext>
+              </p:extLst>
+            </p:nvPr>
+          </p:nvCxnSpPr>
+          <p:spPr>
+            <a:xfrm>
+              <a:off x="12185786" y="-1"/>
+              <a:ext cx="0" cy="6858000"/>
+            </a:xfrm>
+            <a:prstGeom prst="line">
+              <a:avLst/>
+            </a:prstGeom>
+            <a:ln w="12700">
+              <a:solidFill>
+                <a:srgbClr val="BCBCBC">
+                  <a:alpha val="29804"/>
+                </a:srgbClr>
+              </a:solidFill>
+              <a:prstDash val="sysDot"/>
+            </a:ln>
+          </p:spPr>
+          <p:style>
+            <a:lnRef idx="1">
+              <a:schemeClr val="accent1"/>
+            </a:lnRef>
+            <a:fillRef idx="0">
+              <a:schemeClr val="accent1"/>
+            </a:fillRef>
+            <a:effectRef idx="0">
+              <a:schemeClr val="accent1"/>
+            </a:effectRef>
+            <a:fontRef idx="minor">
+              <a:schemeClr val="tx1"/>
+            </a:fontRef>
+          </p:style>
+        </p:cxnSp>
+        <p:cxnSp>
+          <p:nvCxnSpPr>
+            <p:cNvPr id="66" name="Straight Connector 65">
+              <a:extLst>
+                <a:ext uri="{FF2B5EF4-FFF2-40B4-BE49-F238E27FC236}">
+                  <a16:creationId xmlns:a16="http://schemas.microsoft.com/office/drawing/2014/main" id="{3F2FF9EB-46CC-4A22-AF8A-9D11BC9666E5}"/>
+                </a:ext>
+                <a:ext uri="{C183D7F6-B498-43B3-948B-1728B52AA6E4}">
+                  <adec:decorative xmlns:adec="http://schemas.microsoft.com/office/drawing/2017/decorative" val="1"/>
+                </a:ext>
+              </a:extLst>
+            </p:cNvPr>
+            <p:cNvCxnSpPr>
+              <a:cxnSpLocks/>
+            </p:cNvCxnSpPr>
+            <p:nvPr>
+              <p:extLst>
+                <p:ext uri="{386F3935-93C4-4BCD-93E2-E3B085C9AB24}">
+                  <p16:designElem xmlns:p16="http://schemas.microsoft.com/office/powerpoint/2015/main" val="1"/>
+                </p:ext>
+              </p:extLst>
+            </p:nvPr>
+          </p:nvCxnSpPr>
+          <p:spPr>
+            <a:xfrm>
+              <a:off x="0" y="171716"/>
+              <a:ext cx="12192000" cy="0"/>
+            </a:xfrm>
+            <a:prstGeom prst="line">
+              <a:avLst/>
+            </a:prstGeom>
+            <a:ln w="12700">
+              <a:solidFill>
+                <a:srgbClr val="BCBCBC">
+                  <a:alpha val="29804"/>
+                </a:srgbClr>
+              </a:solidFill>
+              <a:prstDash val="sysDot"/>
+            </a:ln>
+          </p:spPr>
+          <p:style>
+            <a:lnRef idx="1">
+              <a:schemeClr val="accent1"/>
+            </a:lnRef>
+            <a:fillRef idx="0">
+              <a:schemeClr val="accent1"/>
+            </a:fillRef>
+            <a:effectRef idx="0">
+              <a:schemeClr val="accent1"/>
+            </a:effectRef>
+            <a:fontRef idx="minor">
+              <a:schemeClr val="tx1"/>
+            </a:fontRef>
+          </p:style>
+        </p:cxnSp>
+        <p:cxnSp>
+          <p:nvCxnSpPr>
+            <p:cNvPr id="67" name="Straight Connector 66">
+              <a:extLst>
+                <a:ext uri="{FF2B5EF4-FFF2-40B4-BE49-F238E27FC236}">
+                  <a16:creationId xmlns:a16="http://schemas.microsoft.com/office/drawing/2014/main" id="{2631DADE-538C-4EA4-9D90-3AED82E01BED}"/>
+                </a:ext>
+                <a:ext uri="{C183D7F6-B498-43B3-948B-1728B52AA6E4}">
+                  <adec:decorative xmlns:adec="http://schemas.microsoft.com/office/drawing/2017/decorative" val="1"/>
+                </a:ext>
+              </a:extLst>
+            </p:cNvPr>
+            <p:cNvCxnSpPr>
+              <a:cxnSpLocks/>
+            </p:cNvCxnSpPr>
+            <p:nvPr>
+              <p:extLst>
+                <p:ext uri="{386F3935-93C4-4BCD-93E2-E3B085C9AB24}">
+                  <p16:designElem xmlns:p16="http://schemas.microsoft.com/office/powerpoint/2015/main" val="1"/>
+                </p:ext>
+              </p:extLst>
+            </p:nvPr>
+          </p:nvCxnSpPr>
+          <p:spPr>
+            <a:xfrm>
+              <a:off x="0" y="714597"/>
+              <a:ext cx="12192000" cy="0"/>
+            </a:xfrm>
+            <a:prstGeom prst="line">
+              <a:avLst/>
+            </a:prstGeom>
+            <a:ln w="12700">
+              <a:solidFill>
+                <a:srgbClr val="BCBCBC">
+                  <a:alpha val="29804"/>
+                </a:srgbClr>
+              </a:solidFill>
+              <a:prstDash val="sysDot"/>
+            </a:ln>
+          </p:spPr>
+          <p:style>
+            <a:lnRef idx="1">
+              <a:schemeClr val="accent1"/>
+            </a:lnRef>
+            <a:fillRef idx="0">
+              <a:schemeClr val="accent1"/>
+            </a:fillRef>
+            <a:effectRef idx="0">
+              <a:schemeClr val="accent1"/>
+            </a:effectRef>
+            <a:fontRef idx="minor">
+              <a:schemeClr val="tx1"/>
+            </a:fontRef>
+          </p:style>
+        </p:cxnSp>
+        <p:cxnSp>
+          <p:nvCxnSpPr>
+            <p:cNvPr id="68" name="Straight Connector 67">
+              <a:extLst>
+                <a:ext uri="{FF2B5EF4-FFF2-40B4-BE49-F238E27FC236}">
+                  <a16:creationId xmlns:a16="http://schemas.microsoft.com/office/drawing/2014/main" id="{035A7E2F-77A0-48A1-A881-1A12940D8F00}"/>
+                </a:ext>
+                <a:ext uri="{C183D7F6-B498-43B3-948B-1728B52AA6E4}">
+                  <adec:decorative xmlns:adec="http://schemas.microsoft.com/office/drawing/2017/decorative" val="1"/>
+                </a:ext>
+              </a:extLst>
+            </p:cNvPr>
+            <p:cNvCxnSpPr>
+              <a:cxnSpLocks/>
+            </p:cNvCxnSpPr>
+            <p:nvPr>
+              <p:extLst>
+                <p:ext uri="{386F3935-93C4-4BCD-93E2-E3B085C9AB24}">
+                  <p16:designElem xmlns:p16="http://schemas.microsoft.com/office/powerpoint/2015/main" val="1"/>
+                </p:ext>
+              </p:extLst>
+            </p:nvPr>
+          </p:nvCxnSpPr>
+          <p:spPr>
+            <a:xfrm>
+              <a:off x="0" y="1257478"/>
+              <a:ext cx="12192000" cy="0"/>
+            </a:xfrm>
+            <a:prstGeom prst="line">
+              <a:avLst/>
+            </a:prstGeom>
+            <a:ln w="12700">
+              <a:solidFill>
+                <a:srgbClr val="BCBCBC">
+                  <a:alpha val="29804"/>
+                </a:srgbClr>
+              </a:solidFill>
+              <a:prstDash val="sysDot"/>
+            </a:ln>
+          </p:spPr>
+          <p:style>
+            <a:lnRef idx="1">
+              <a:schemeClr val="accent1"/>
+            </a:lnRef>
+            <a:fillRef idx="0">
+              <a:schemeClr val="accent1"/>
+            </a:fillRef>
+            <a:effectRef idx="0">
+              <a:schemeClr val="accent1"/>
+            </a:effectRef>
+            <a:fontRef idx="minor">
+              <a:schemeClr val="tx1"/>
+            </a:fontRef>
+          </p:style>
+        </p:cxnSp>
+        <p:cxnSp>
+          <p:nvCxnSpPr>
+            <p:cNvPr id="69" name="Straight Connector 68">
+              <a:extLst>
+                <a:ext uri="{FF2B5EF4-FFF2-40B4-BE49-F238E27FC236}">
+                  <a16:creationId xmlns:a16="http://schemas.microsoft.com/office/drawing/2014/main" id="{5AC39BAD-DB08-4260-BCE5-4E1FB09A4426}"/>
+                </a:ext>
+                <a:ext uri="{C183D7F6-B498-43B3-948B-1728B52AA6E4}">
+                  <adec:decorative xmlns:adec="http://schemas.microsoft.com/office/drawing/2017/decorative" val="1"/>
+                </a:ext>
+              </a:extLst>
+            </p:cNvPr>
+            <p:cNvCxnSpPr>
+              <a:cxnSpLocks/>
+            </p:cNvCxnSpPr>
+            <p:nvPr>
+              <p:extLst>
+                <p:ext uri="{386F3935-93C4-4BCD-93E2-E3B085C9AB24}">
+                  <p16:designElem xmlns:p16="http://schemas.microsoft.com/office/powerpoint/2015/main" val="1"/>
+                </p:ext>
+              </p:extLst>
+            </p:nvPr>
+          </p:nvCxnSpPr>
+          <p:spPr>
+            <a:xfrm>
+              <a:off x="0" y="1800359"/>
+              <a:ext cx="12192000" cy="0"/>
+            </a:xfrm>
+            <a:prstGeom prst="line">
+              <a:avLst/>
+            </a:prstGeom>
+            <a:ln w="12700">
+              <a:solidFill>
+                <a:srgbClr val="BCBCBC">
+                  <a:alpha val="29804"/>
+                </a:srgbClr>
+              </a:solidFill>
+              <a:prstDash val="sysDot"/>
+            </a:ln>
+          </p:spPr>
+          <p:style>
+            <a:lnRef idx="1">
+              <a:schemeClr val="accent1"/>
+            </a:lnRef>
+            <a:fillRef idx="0">
+              <a:schemeClr val="accent1"/>
+            </a:fillRef>
+            <a:effectRef idx="0">
+              <a:schemeClr val="accent1"/>
+            </a:effectRef>
+            <a:fontRef idx="minor">
+              <a:schemeClr val="tx1"/>
+            </a:fontRef>
+          </p:style>
+        </p:cxnSp>
+        <p:cxnSp>
+          <p:nvCxnSpPr>
+            <p:cNvPr id="70" name="Straight Connector 69">
+              <a:extLst>
+                <a:ext uri="{FF2B5EF4-FFF2-40B4-BE49-F238E27FC236}">
+                  <a16:creationId xmlns:a16="http://schemas.microsoft.com/office/drawing/2014/main" id="{468F31ED-A97B-4A9A-9F56-221FFB7A317E}"/>
+                </a:ext>
+                <a:ext uri="{C183D7F6-B498-43B3-948B-1728B52AA6E4}">
+                  <adec:decorative xmlns:adec="http://schemas.microsoft.com/office/drawing/2017/decorative" val="1"/>
+                </a:ext>
+              </a:extLst>
+            </p:cNvPr>
+            <p:cNvCxnSpPr>
+              <a:cxnSpLocks/>
+            </p:cNvCxnSpPr>
+            <p:nvPr>
+              <p:extLst>
+                <p:ext uri="{386F3935-93C4-4BCD-93E2-E3B085C9AB24}">
+                  <p16:designElem xmlns:p16="http://schemas.microsoft.com/office/powerpoint/2015/main" val="1"/>
+                </p:ext>
+              </p:extLst>
+            </p:nvPr>
+          </p:nvCxnSpPr>
+          <p:spPr>
+            <a:xfrm>
+              <a:off x="0" y="2343240"/>
+              <a:ext cx="12192000" cy="0"/>
+            </a:xfrm>
+            <a:prstGeom prst="line">
+              <a:avLst/>
+            </a:prstGeom>
+            <a:ln w="12700">
+              <a:solidFill>
+                <a:srgbClr val="BCBCBC">
+                  <a:alpha val="29804"/>
+                </a:srgbClr>
+              </a:solidFill>
+              <a:prstDash val="sysDot"/>
+            </a:ln>
+          </p:spPr>
+          <p:style>
+            <a:lnRef idx="1">
+              <a:schemeClr val="accent1"/>
+            </a:lnRef>
+            <a:fillRef idx="0">
+              <a:schemeClr val="accent1"/>
+            </a:fillRef>
+            <a:effectRef idx="0">
+              <a:schemeClr val="accent1"/>
+            </a:effectRef>
+            <a:fontRef idx="minor">
+              <a:schemeClr val="tx1"/>
+            </a:fontRef>
+          </p:style>
+        </p:cxnSp>
+        <p:cxnSp>
+          <p:nvCxnSpPr>
+            <p:cNvPr id="71" name="Straight Connector 70">
+              <a:extLst>
+                <a:ext uri="{FF2B5EF4-FFF2-40B4-BE49-F238E27FC236}">
+                  <a16:creationId xmlns:a16="http://schemas.microsoft.com/office/drawing/2014/main" id="{F362574E-3A61-4C31-915F-F541B7BE0844}"/>
+                </a:ext>
+                <a:ext uri="{C183D7F6-B498-43B3-948B-1728B52AA6E4}">
+                  <adec:decorative xmlns:adec="http://schemas.microsoft.com/office/drawing/2017/decorative" val="1"/>
+                </a:ext>
+              </a:extLst>
+            </p:cNvPr>
+            <p:cNvCxnSpPr>
+              <a:cxnSpLocks/>
+            </p:cNvCxnSpPr>
+            <p:nvPr>
+              <p:extLst>
+                <p:ext uri="{386F3935-93C4-4BCD-93E2-E3B085C9AB24}">
+                  <p16:designElem xmlns:p16="http://schemas.microsoft.com/office/powerpoint/2015/main" val="1"/>
+                </p:ext>
+              </p:extLst>
+            </p:nvPr>
+          </p:nvCxnSpPr>
+          <p:spPr>
+            <a:xfrm>
+              <a:off x="0" y="2886121"/>
+              <a:ext cx="12192000" cy="0"/>
+            </a:xfrm>
+            <a:prstGeom prst="line">
+              <a:avLst/>
+            </a:prstGeom>
+            <a:ln w="12700">
+              <a:solidFill>
+                <a:srgbClr val="BCBCBC">
+                  <a:alpha val="29804"/>
+                </a:srgbClr>
+              </a:solidFill>
+              <a:prstDash val="sysDot"/>
+            </a:ln>
+          </p:spPr>
+          <p:style>
+            <a:lnRef idx="1">
+              <a:schemeClr val="accent1"/>
+            </a:lnRef>
+            <a:fillRef idx="0">
+              <a:schemeClr val="accent1"/>
+            </a:fillRef>
+            <a:effectRef idx="0">
+              <a:schemeClr val="accent1"/>
+            </a:effectRef>
+            <a:fontRef idx="minor">
+              <a:schemeClr val="tx1"/>
+            </a:fontRef>
+          </p:style>
+        </p:cxnSp>
+        <p:cxnSp>
+          <p:nvCxnSpPr>
+            <p:cNvPr id="72" name="Straight Connector 71">
+              <a:extLst>
+                <a:ext uri="{FF2B5EF4-FFF2-40B4-BE49-F238E27FC236}">
+                  <a16:creationId xmlns:a16="http://schemas.microsoft.com/office/drawing/2014/main" id="{132BD431-3E1E-4528-AC59-5A23CE4CBA34}"/>
+                </a:ext>
+                <a:ext uri="{C183D7F6-B498-43B3-948B-1728B52AA6E4}">
+                  <adec:decorative xmlns:adec="http://schemas.microsoft.com/office/drawing/2017/decorative" val="1"/>
+                </a:ext>
+              </a:extLst>
+            </p:cNvPr>
+            <p:cNvCxnSpPr>
+              <a:cxnSpLocks/>
+            </p:cNvCxnSpPr>
+            <p:nvPr>
+              <p:extLst>
+                <p:ext uri="{386F3935-93C4-4BCD-93E2-E3B085C9AB24}">
+                  <p16:designElem xmlns:p16="http://schemas.microsoft.com/office/powerpoint/2015/main" val="1"/>
+                </p:ext>
+              </p:extLst>
+            </p:nvPr>
+          </p:nvCxnSpPr>
+          <p:spPr>
+            <a:xfrm>
+              <a:off x="0" y="3429002"/>
+              <a:ext cx="12192000" cy="0"/>
+            </a:xfrm>
+            <a:prstGeom prst="line">
+              <a:avLst/>
+            </a:prstGeom>
+            <a:ln w="12700">
+              <a:solidFill>
+                <a:srgbClr val="BCBCBC">
+                  <a:alpha val="29804"/>
+                </a:srgbClr>
+              </a:solidFill>
+              <a:prstDash val="sysDot"/>
+            </a:ln>
+          </p:spPr>
+          <p:style>
+            <a:lnRef idx="1">
+              <a:schemeClr val="accent1"/>
+            </a:lnRef>
+            <a:fillRef idx="0">
+              <a:schemeClr val="accent1"/>
+            </a:fillRef>
+            <a:effectRef idx="0">
+              <a:schemeClr val="accent1"/>
+            </a:effectRef>
+            <a:fontRef idx="minor">
+              <a:schemeClr val="tx1"/>
+            </a:fontRef>
+          </p:style>
+        </p:cxnSp>
+        <p:cxnSp>
+          <p:nvCxnSpPr>
+            <p:cNvPr id="73" name="Straight Connector 72">
+              <a:extLst>
+                <a:ext uri="{FF2B5EF4-FFF2-40B4-BE49-F238E27FC236}">
+                  <a16:creationId xmlns:a16="http://schemas.microsoft.com/office/drawing/2014/main" id="{7DE7131F-209C-4427-96DA-26E0E973EE4B}"/>
+                </a:ext>
+                <a:ext uri="{C183D7F6-B498-43B3-948B-1728B52AA6E4}">
+                  <adec:decorative xmlns:adec="http://schemas.microsoft.com/office/drawing/2017/decorative" val="1"/>
+                </a:ext>
+              </a:extLst>
+            </p:cNvPr>
+            <p:cNvCxnSpPr>
+              <a:cxnSpLocks/>
+            </p:cNvCxnSpPr>
+            <p:nvPr>
+              <p:extLst>
+                <p:ext uri="{386F3935-93C4-4BCD-93E2-E3B085C9AB24}">
+                  <p16:designElem xmlns:p16="http://schemas.microsoft.com/office/powerpoint/2015/main" val="1"/>
+                </p:ext>
+              </p:extLst>
+            </p:nvPr>
+          </p:nvCxnSpPr>
+          <p:spPr>
+            <a:xfrm>
+              <a:off x="0" y="3971883"/>
+              <a:ext cx="12192000" cy="0"/>
+            </a:xfrm>
+            <a:prstGeom prst="line">
+              <a:avLst/>
+            </a:prstGeom>
+            <a:ln w="12700">
+              <a:solidFill>
+                <a:srgbClr val="BCBCBC">
+                  <a:alpha val="29804"/>
+                </a:srgbClr>
+              </a:solidFill>
+              <a:prstDash val="sysDot"/>
+            </a:ln>
+          </p:spPr>
+          <p:style>
+            <a:lnRef idx="1">
+              <a:schemeClr val="accent1"/>
+            </a:lnRef>
+            <a:fillRef idx="0">
+              <a:schemeClr val="accent1"/>
+            </a:fillRef>
+            <a:effectRef idx="0">
+              <a:schemeClr val="accent1"/>
+            </a:effectRef>
+            <a:fontRef idx="minor">
+              <a:schemeClr val="tx1"/>
+            </a:fontRef>
+          </p:style>
+        </p:cxnSp>
+        <p:cxnSp>
+          <p:nvCxnSpPr>
+            <p:cNvPr id="74" name="Straight Connector 73">
+              <a:extLst>
+                <a:ext uri="{FF2B5EF4-FFF2-40B4-BE49-F238E27FC236}">
+                  <a16:creationId xmlns:a16="http://schemas.microsoft.com/office/drawing/2014/main" id="{3283DFDB-6A1C-41B8-B590-9660646991E4}"/>
+                </a:ext>
+                <a:ext uri="{C183D7F6-B498-43B3-948B-1728B52AA6E4}">
+                  <adec:decorative xmlns:adec="http://schemas.microsoft.com/office/drawing/2017/decorative" val="1"/>
+                </a:ext>
+              </a:extLst>
+            </p:cNvPr>
+            <p:cNvCxnSpPr>
+              <a:cxnSpLocks/>
+            </p:cNvCxnSpPr>
+            <p:nvPr>
+              <p:extLst>
+                <p:ext uri="{386F3935-93C4-4BCD-93E2-E3B085C9AB24}">
+                  <p16:designElem xmlns:p16="http://schemas.microsoft.com/office/powerpoint/2015/main" val="1"/>
+                </p:ext>
+              </p:extLst>
+            </p:nvPr>
+          </p:nvCxnSpPr>
+          <p:spPr>
+            <a:xfrm>
+              <a:off x="0" y="4514764"/>
+              <a:ext cx="12192000" cy="0"/>
+            </a:xfrm>
+            <a:prstGeom prst="line">
+              <a:avLst/>
+            </a:prstGeom>
+            <a:ln w="12700">
+              <a:solidFill>
+                <a:srgbClr val="BCBCBC">
+                  <a:alpha val="29804"/>
+                </a:srgbClr>
+              </a:solidFill>
+              <a:prstDash val="sysDot"/>
+            </a:ln>
+          </p:spPr>
+          <p:style>
+            <a:lnRef idx="1">
+              <a:schemeClr val="accent1"/>
+            </a:lnRef>
+            <a:fillRef idx="0">
+              <a:schemeClr val="accent1"/>
+            </a:fillRef>
+            <a:effectRef idx="0">
+              <a:schemeClr val="accent1"/>
+            </a:effectRef>
+            <a:fontRef idx="minor">
+              <a:schemeClr val="tx1"/>
+            </a:fontRef>
+          </p:style>
+        </p:cxnSp>
+        <p:cxnSp>
+          <p:nvCxnSpPr>
+            <p:cNvPr id="75" name="Straight Connector 74">
+              <a:extLst>
+                <a:ext uri="{FF2B5EF4-FFF2-40B4-BE49-F238E27FC236}">
+                  <a16:creationId xmlns:a16="http://schemas.microsoft.com/office/drawing/2014/main" id="{1DA3D6B3-30E3-4C45-A709-4F775DB84678}"/>
+                </a:ext>
+                <a:ext uri="{C183D7F6-B498-43B3-948B-1728B52AA6E4}">
+                  <adec:decorative xmlns:adec="http://schemas.microsoft.com/office/drawing/2017/decorative" val="1"/>
+                </a:ext>
+              </a:extLst>
+            </p:cNvPr>
+            <p:cNvCxnSpPr>
+              <a:cxnSpLocks/>
+            </p:cNvCxnSpPr>
+            <p:nvPr>
+              <p:extLst>
+                <p:ext uri="{386F3935-93C4-4BCD-93E2-E3B085C9AB24}">
+                  <p16:designElem xmlns:p16="http://schemas.microsoft.com/office/powerpoint/2015/main" val="1"/>
+                </p:ext>
+              </p:extLst>
+            </p:nvPr>
+          </p:nvCxnSpPr>
+          <p:spPr>
+            <a:xfrm>
+              <a:off x="0" y="5057645"/>
+              <a:ext cx="12192000" cy="0"/>
+            </a:xfrm>
+            <a:prstGeom prst="line">
+              <a:avLst/>
+            </a:prstGeom>
+            <a:ln w="12700">
+              <a:solidFill>
+                <a:srgbClr val="BCBCBC">
+                  <a:alpha val="29804"/>
+                </a:srgbClr>
+              </a:solidFill>
+              <a:prstDash val="sysDot"/>
+            </a:ln>
+          </p:spPr>
+          <p:style>
+            <a:lnRef idx="1">
+              <a:schemeClr val="accent1"/>
+            </a:lnRef>
+            <a:fillRef idx="0">
+              <a:schemeClr val="accent1"/>
+            </a:fillRef>
+            <a:effectRef idx="0">
+              <a:schemeClr val="accent1"/>
+            </a:effectRef>
+            <a:fontRef idx="minor">
+              <a:schemeClr val="tx1"/>
+            </a:fontRef>
+          </p:style>
+        </p:cxnSp>
+        <p:cxnSp>
+          <p:nvCxnSpPr>
+            <p:cNvPr id="76" name="Straight Connector 75">
+              <a:extLst>
+                <a:ext uri="{FF2B5EF4-FFF2-40B4-BE49-F238E27FC236}">
+                  <a16:creationId xmlns:a16="http://schemas.microsoft.com/office/drawing/2014/main" id="{8F481924-9C4A-4A91-8AB4-D796F33D7365}"/>
+                </a:ext>
+                <a:ext uri="{C183D7F6-B498-43B3-948B-1728B52AA6E4}">
+                  <adec:decorative xmlns:adec="http://schemas.microsoft.com/office/drawing/2017/decorative" val="1"/>
+                </a:ext>
+              </a:extLst>
+            </p:cNvPr>
+            <p:cNvCxnSpPr>
+              <a:cxnSpLocks/>
+            </p:cNvCxnSpPr>
+            <p:nvPr>
+              <p:extLst>
+                <p:ext uri="{386F3935-93C4-4BCD-93E2-E3B085C9AB24}">
+                  <p16:designElem xmlns:p16="http://schemas.microsoft.com/office/powerpoint/2015/main" val="1"/>
+                </p:ext>
+              </p:extLst>
+            </p:nvPr>
+          </p:nvCxnSpPr>
+          <p:spPr>
+            <a:xfrm>
+              <a:off x="0" y="5600526"/>
+              <a:ext cx="12192000" cy="0"/>
+            </a:xfrm>
+            <a:prstGeom prst="line">
+              <a:avLst/>
+            </a:prstGeom>
+            <a:ln w="12700">
+              <a:solidFill>
+                <a:srgbClr val="BCBCBC">
+                  <a:alpha val="29804"/>
+                </a:srgbClr>
+              </a:solidFill>
+              <a:prstDash val="sysDot"/>
+            </a:ln>
+          </p:spPr>
+          <p:style>
+            <a:lnRef idx="1">
+              <a:schemeClr val="accent1"/>
+            </a:lnRef>
+            <a:fillRef idx="0">
+              <a:schemeClr val="accent1"/>
+            </a:fillRef>
+            <a:effectRef idx="0">
+              <a:schemeClr val="accent1"/>
+            </a:effectRef>
+            <a:fontRef idx="minor">
+              <a:schemeClr val="tx1"/>
+            </a:fontRef>
+          </p:style>
+        </p:cxnSp>
+        <p:cxnSp>
+          <p:nvCxnSpPr>
+            <p:cNvPr id="77" name="Straight Connector 76">
+              <a:extLst>
+                <a:ext uri="{FF2B5EF4-FFF2-40B4-BE49-F238E27FC236}">
+                  <a16:creationId xmlns:a16="http://schemas.microsoft.com/office/drawing/2014/main" id="{53787DCF-DA69-4379-94AB-C361DF32605E}"/>
+                </a:ext>
+                <a:ext uri="{C183D7F6-B498-43B3-948B-1728B52AA6E4}">
+                  <adec:decorative xmlns:adec="http://schemas.microsoft.com/office/drawing/2017/decorative" val="1"/>
+                </a:ext>
+              </a:extLst>
+            </p:cNvPr>
+            <p:cNvCxnSpPr>
+              <a:cxnSpLocks/>
+            </p:cNvCxnSpPr>
+            <p:nvPr>
+              <p:extLst>
+                <p:ext uri="{386F3935-93C4-4BCD-93E2-E3B085C9AB24}">
+                  <p16:designElem xmlns:p16="http://schemas.microsoft.com/office/powerpoint/2015/main" val="1"/>
+                </p:ext>
+              </p:extLst>
+            </p:nvPr>
+          </p:nvCxnSpPr>
+          <p:spPr>
+            <a:xfrm>
+              <a:off x="0" y="6857999"/>
+              <a:ext cx="12192000" cy="0"/>
+            </a:xfrm>
+            <a:prstGeom prst="line">
+              <a:avLst/>
+            </a:prstGeom>
+            <a:ln w="12700">
+              <a:solidFill>
+                <a:srgbClr val="BCBCBC">
+                  <a:alpha val="29804"/>
+                </a:srgbClr>
+              </a:solidFill>
+              <a:prstDash val="sysDot"/>
+            </a:ln>
+          </p:spPr>
+          <p:style>
+            <a:lnRef idx="1">
+              <a:schemeClr val="accent1"/>
+            </a:lnRef>
+            <a:fillRef idx="0">
+              <a:schemeClr val="accent1"/>
+            </a:fillRef>
+            <a:effectRef idx="0">
+              <a:schemeClr val="accent1"/>
+            </a:effectRef>
+            <a:fontRef idx="minor">
+              <a:schemeClr val="tx1"/>
+            </a:fontRef>
+          </p:style>
+        </p:cxnSp>
+        <p:cxnSp>
+          <p:nvCxnSpPr>
+            <p:cNvPr id="78" name="Straight Connector 77">
+              <a:extLst>
+                <a:ext uri="{FF2B5EF4-FFF2-40B4-BE49-F238E27FC236}">
+                  <a16:creationId xmlns:a16="http://schemas.microsoft.com/office/drawing/2014/main" id="{753DC9D9-196D-4C02-982F-935945BD57C8}"/>
+                </a:ext>
+                <a:ext uri="{C183D7F6-B498-43B3-948B-1728B52AA6E4}">
+                  <adec:decorative xmlns:adec="http://schemas.microsoft.com/office/drawing/2017/decorative" val="1"/>
+                </a:ext>
+              </a:extLst>
+            </p:cNvPr>
+            <p:cNvCxnSpPr>
+              <a:cxnSpLocks/>
+            </p:cNvCxnSpPr>
+            <p:nvPr>
+              <p:extLst>
+                <p:ext uri="{386F3935-93C4-4BCD-93E2-E3B085C9AB24}">
+                  <p16:designElem xmlns:p16="http://schemas.microsoft.com/office/powerpoint/2015/main" val="1"/>
+                </p:ext>
+              </p:extLst>
+            </p:nvPr>
+          </p:nvCxnSpPr>
+          <p:spPr>
+            <a:xfrm>
+              <a:off x="16613" y="6143407"/>
+              <a:ext cx="12192000" cy="0"/>
+            </a:xfrm>
+            <a:prstGeom prst="line">
+              <a:avLst/>
+            </a:prstGeom>
+            <a:ln w="12700">
+              <a:solidFill>
+                <a:srgbClr val="BCBCBC">
+                  <a:alpha val="29804"/>
+                </a:srgbClr>
+              </a:solidFill>
+              <a:prstDash val="sysDot"/>
+            </a:ln>
+          </p:spPr>
+          <p:style>
+            <a:lnRef idx="1">
+              <a:schemeClr val="accent1"/>
+            </a:lnRef>
+            <a:fillRef idx="0">
+              <a:schemeClr val="accent1"/>
+            </a:fillRef>
+            <a:effectRef idx="0">
+              <a:schemeClr val="accent1"/>
+            </a:effectRef>
+            <a:fontRef idx="minor">
+              <a:schemeClr val="tx1"/>
+            </a:fontRef>
+          </p:style>
+        </p:cxnSp>
+        <p:cxnSp>
+          <p:nvCxnSpPr>
+            <p:cNvPr id="79" name="Straight Connector 78">
+              <a:extLst>
+                <a:ext uri="{FF2B5EF4-FFF2-40B4-BE49-F238E27FC236}">
+                  <a16:creationId xmlns:a16="http://schemas.microsoft.com/office/drawing/2014/main" id="{E2AF9976-A85B-4FAC-ACA0-7B4F06D180B2}"/>
+                </a:ext>
+                <a:ext uri="{C183D7F6-B498-43B3-948B-1728B52AA6E4}">
+                  <adec:decorative xmlns:adec="http://schemas.microsoft.com/office/drawing/2017/decorative" val="1"/>
+                </a:ext>
+              </a:extLst>
+            </p:cNvPr>
+            <p:cNvCxnSpPr>
+              <a:cxnSpLocks/>
+            </p:cNvCxnSpPr>
+            <p:nvPr>
+              <p:extLst>
+                <p:ext uri="{386F3935-93C4-4BCD-93E2-E3B085C9AB24}">
+                  <p16:designElem xmlns:p16="http://schemas.microsoft.com/office/powerpoint/2015/main" val="1"/>
+                </p:ext>
+              </p:extLst>
+            </p:nvPr>
+          </p:nvCxnSpPr>
+          <p:spPr>
+            <a:xfrm>
+              <a:off x="684225" y="171716"/>
+              <a:ext cx="0" cy="6511464"/>
+            </a:xfrm>
+            <a:prstGeom prst="line">
+              <a:avLst/>
+            </a:prstGeom>
+            <a:ln w="12700">
+              <a:solidFill>
+                <a:srgbClr val="BCBCBC">
+                  <a:alpha val="29804"/>
+                </a:srgbClr>
+              </a:solidFill>
+              <a:prstDash val="sysDot"/>
+            </a:ln>
+          </p:spPr>
+          <p:style>
+            <a:lnRef idx="1">
+              <a:schemeClr val="accent1"/>
+            </a:lnRef>
+            <a:fillRef idx="0">
+              <a:schemeClr val="accent1"/>
+            </a:fillRef>
+            <a:effectRef idx="0">
+              <a:schemeClr val="accent1"/>
+            </a:effectRef>
+            <a:fontRef idx="minor">
+              <a:schemeClr val="tx1"/>
+            </a:fontRef>
+          </p:style>
+        </p:cxnSp>
+        <p:cxnSp>
+          <p:nvCxnSpPr>
+            <p:cNvPr id="80" name="Straight Connector 79">
+              <a:extLst>
+                <a:ext uri="{FF2B5EF4-FFF2-40B4-BE49-F238E27FC236}">
+                  <a16:creationId xmlns:a16="http://schemas.microsoft.com/office/drawing/2014/main" id="{BFD38ACD-F4A1-4970-BE99-87B0A04829F7}"/>
+                </a:ext>
+                <a:ext uri="{C183D7F6-B498-43B3-948B-1728B52AA6E4}">
+                  <adec:decorative xmlns:adec="http://schemas.microsoft.com/office/drawing/2017/decorative" val="1"/>
+                </a:ext>
+              </a:extLst>
+            </p:cNvPr>
+            <p:cNvCxnSpPr>
+              <a:cxnSpLocks/>
+            </p:cNvCxnSpPr>
+            <p:nvPr>
+              <p:extLst>
+                <p:ext uri="{386F3935-93C4-4BCD-93E2-E3B085C9AB24}">
+                  <p16:designElem xmlns:p16="http://schemas.microsoft.com/office/powerpoint/2015/main" val="1"/>
+                </p:ext>
+              </p:extLst>
+            </p:nvPr>
+          </p:nvCxnSpPr>
+          <p:spPr>
+            <a:xfrm>
+              <a:off x="11508412" y="173267"/>
+              <a:ext cx="0" cy="6511464"/>
+            </a:xfrm>
+            <a:prstGeom prst="line">
+              <a:avLst/>
+            </a:prstGeom>
+            <a:ln w="12700">
+              <a:solidFill>
+                <a:srgbClr val="BCBCBC">
+                  <a:alpha val="29804"/>
+                </a:srgbClr>
+              </a:solidFill>
+              <a:prstDash val="sysDot"/>
+            </a:ln>
+          </p:spPr>
+          <p:style>
+            <a:lnRef idx="1">
+              <a:schemeClr val="accent1"/>
+            </a:lnRef>
+            <a:fillRef idx="0">
+              <a:schemeClr val="accent1"/>
+            </a:fillRef>
+            <a:effectRef idx="0">
+              <a:schemeClr val="accent1"/>
+            </a:effectRef>
+            <a:fontRef idx="minor">
+              <a:schemeClr val="tx1"/>
+            </a:fontRef>
+          </p:style>
+        </p:cxnSp>
+      </p:grpSp>
+      <p:sp>
+        <p:nvSpPr>
+          <p:cNvPr id="82" name="Right Triangle 81">
+            <a:extLst>
+              <a:ext uri="{FF2B5EF4-FFF2-40B4-BE49-F238E27FC236}">
+                <a16:creationId xmlns:a16="http://schemas.microsoft.com/office/drawing/2014/main" id="{429C64BC-8915-422E-9361-EE04C48FFD40}"/>
+              </a:ext>
+              <a:ext uri="{C183D7F6-B498-43B3-948B-1728B52AA6E4}">
+                <adec:decorative xmlns:adec="http://schemas.microsoft.com/office/drawing/2017/decorative" val="1"/>
+              </a:ext>
+            </a:extLst>
+          </p:cNvPr>
+          <p:cNvSpPr>
+            <a:spLocks noGrp="1" noRot="1" noChangeAspect="1" noMove="1" noResize="1" noEditPoints="1" noAdjustHandles="1" noChangeArrowheads="1" noChangeShapeType="1" noTextEdit="1"/>
+          </p:cNvSpPr>
+          <p:nvPr>
+            <p:extLst>
+              <p:ext uri="{386F3935-93C4-4BCD-93E2-E3B085C9AB24}">
+                <p16:designElem xmlns:p16="http://schemas.microsoft.com/office/powerpoint/2015/main" val="1"/>
+              </p:ext>
+            </p:extLst>
+          </p:nvPr>
+        </p:nvSpPr>
+        <p:spPr>
+          <a:xfrm rot="13500000">
+            <a:off x="-281094" y="2610287"/>
+            <a:ext cx="568289" cy="568289"/>
+          </a:xfrm>
+          <a:prstGeom prst="rtTriangle">
+            <a:avLst/>
+          </a:prstGeom>
+          <a:solidFill>
+            <a:schemeClr val="accent1">
+              <a:alpha val="50000"/>
+            </a:schemeClr>
+          </a:solidFill>
+          <a:ln>
+            <a:noFill/>
+          </a:ln>
+        </p:spPr>
+        <p:style>
+          <a:lnRef idx="2">
+            <a:schemeClr val="accent1">
+              <a:shade val="50000"/>
+            </a:schemeClr>
+          </a:lnRef>
+          <a:fillRef idx="1">
+            <a:schemeClr val="accent1"/>
+          </a:fillRef>
+          <a:effectRef idx="0">
+            <a:schemeClr val="accent1"/>
+          </a:effectRef>
+          <a:fontRef idx="minor">
+            <a:schemeClr val="lt1"/>
+          </a:fontRef>
+        </p:style>
+        <p:txBody>
+          <a:bodyPr rtlCol="0" anchor="ctr"/>
+          <a:lstStyle/>
+          <a:p>
+            <a:pPr algn="ctr"/>
+            <a:endParaRPr lang="en-US">
+              <a:solidFill>
+                <a:schemeClr val="tx1"/>
+              </a:solidFill>
+            </a:endParaRPr>
+          </a:p>
+        </p:txBody>
+      </p:sp>
       <p:sp>
         <p:nvSpPr>
           <p:cNvPr id="2" name="Title 1">
@@ -20806,25 +24490,30 @@
         </p:nvSpPr>
         <p:spPr>
           <a:xfrm>
-            <a:off x="691079" y="725951"/>
-            <a:ext cx="4662317" cy="1442463"/>
+            <a:off x="691078" y="722902"/>
+            <a:ext cx="5798932" cy="2534369"/>
           </a:xfrm>
         </p:spPr>
         <p:txBody>
-          <a:bodyPr>
-            <a:normAutofit fontScale="90000"/>
+          <a:bodyPr vert="horz" lIns="91440" tIns="45720" rIns="91440" bIns="45720" rtlCol="0" anchor="b">
+            <a:normAutofit/>
           </a:bodyPr>
           <a:lstStyle/>
           <a:p>
+            <a:pPr>
+              <a:lnSpc>
+                <a:spcPct val="90000"/>
+              </a:lnSpc>
+            </a:pPr>
             <a:r>
-              <a:rPr lang="en-US" b="1" dirty="0"/>
+              <a:rPr lang="en-US" sz="5400" b="1"/>
               <a:t>UML Sequence for</a:t>
             </a:r>
             <a:br>
-              <a:rPr lang="en-US" b="1" dirty="0"/>
+              <a:rPr lang="en-US" sz="5400" b="1"/>
             </a:br>
             <a:r>
-              <a:rPr lang="en-US" b="1" dirty="0"/>
+              <a:rPr lang="en-US" sz="5400" b="1"/>
               <a:t>Logging In </a:t>
             </a:r>
           </a:p>
@@ -20832,10 +24521,10 @@
       </p:sp>
       <p:pic>
         <p:nvPicPr>
-          <p:cNvPr id="5" name="Content Placeholder 4" descr="Table&#10;&#10;Description automatically generated">
+          <p:cNvPr id="7" name="Content Placeholder 6" descr="Calendar&#10;&#10;Description automatically generated">
             <a:extLst>
               <a:ext uri="{FF2B5EF4-FFF2-40B4-BE49-F238E27FC236}">
-                <a16:creationId xmlns:a16="http://schemas.microsoft.com/office/drawing/2014/main" id="{7E5ACFC4-6B1A-2B7D-617D-8BE0EDB47AF0}"/>
+                <a16:creationId xmlns:a16="http://schemas.microsoft.com/office/drawing/2014/main" id="{8F52647C-7DB7-6A35-58BD-1B7CDC1F822F}"/>
               </a:ext>
             </a:extLst>
           </p:cNvPr>
@@ -20854,9 +24543,12 @@
         </p:blipFill>
         <p:spPr>
           <a:xfrm>
-            <a:off x="5433848" y="147381"/>
-            <a:ext cx="6414023" cy="6709113"/>
+            <a:off x="6367556" y="170190"/>
+            <a:ext cx="5085900" cy="6405169"/>
           </a:xfrm>
+          <a:prstGeom prst="rect">
+            <a:avLst/>
+          </a:prstGeom>
         </p:spPr>
       </p:pic>
     </p:spTree>
